--- a/MicrosoftSecurityPortalsandFree.pptx
+++ b/MicrosoftSecurityPortalsandFree.pptx
@@ -5,9 +5,8 @@
     <p:sldMasterId id="2147483648" r:id="rId4"/>
   </p:sldMasterIdLst>
   <p:sldIdLst>
-    <p:sldId id="257" r:id="rId5"/>
-    <p:sldId id="258" r:id="rId6"/>
-    <p:sldId id="259" r:id="rId7"/>
+    <p:sldId id="259" r:id="rId5"/>
+    <p:sldId id="257" r:id="rId6"/>
   </p:sldIdLst>
   <p:sldSz cx="12192000" cy="6858000"/>
   <p:notesSz cx="6858000" cy="9144000"/>
@@ -106,6 +105,11 @@
       </a:defRPr>
     </a:lvl9pPr>
   </p:defaultTextStyle>
+  <p:extLst>
+    <p:ext uri="{EFAFB233-063F-42B5-8137-9DF3F51BA10A}">
+      <p15:sldGuideLst xmlns:p15="http://schemas.microsoft.com/office/powerpoint/2012/main"/>
+    </p:ext>
+  </p:extLst>
 </p:presentation>
 </file>
 
@@ -3679,6 +3683,690 @@
           <a:chExt cx="0" cy="0"/>
         </a:xfrm>
       </p:grpSpPr>
+      <p:sp>
+        <p:nvSpPr>
+          <p:cNvPr id="4" name="Rectangle 3">
+            <a:extLst>
+              <a:ext uri="{FF2B5EF4-FFF2-40B4-BE49-F238E27FC236}">
+                <a16:creationId xmlns:a16="http://schemas.microsoft.com/office/drawing/2014/main" id="{60C7EC8E-9B4D-481A-BC05-8B474EE9925F}"/>
+              </a:ext>
+            </a:extLst>
+          </p:cNvPr>
+          <p:cNvSpPr/>
+          <p:nvPr/>
+        </p:nvSpPr>
+        <p:spPr>
+          <a:xfrm>
+            <a:off x="814251" y="846599"/>
+            <a:ext cx="10563498" cy="1086704"/>
+          </a:xfrm>
+          <a:prstGeom prst="rect">
+            <a:avLst/>
+          </a:prstGeom>
+          <a:solidFill>
+            <a:schemeClr val="bg1"/>
+          </a:solidFill>
+          <a:ln>
+            <a:solidFill>
+              <a:schemeClr val="tx1"/>
+            </a:solidFill>
+          </a:ln>
+        </p:spPr>
+        <p:style>
+          <a:lnRef idx="2">
+            <a:schemeClr val="accent1">
+              <a:shade val="50000"/>
+            </a:schemeClr>
+          </a:lnRef>
+          <a:fillRef idx="1">
+            <a:schemeClr val="accent1"/>
+          </a:fillRef>
+          <a:effectRef idx="0">
+            <a:schemeClr val="accent1"/>
+          </a:effectRef>
+          <a:fontRef idx="minor">
+            <a:schemeClr val="lt1"/>
+          </a:fontRef>
+        </p:style>
+        <p:txBody>
+          <a:bodyPr rtlCol="0" anchor="ctr"/>
+          <a:lstStyle/>
+          <a:p>
+            <a:pPr algn="ctr"/>
+            <a:r>
+              <a:rPr lang="pt-BR" b="1" dirty="0">
+                <a:solidFill>
+                  <a:schemeClr val="tx1"/>
+                </a:solidFill>
+                <a:hlinkClick r:id="rId2"/>
+              </a:rPr>
+              <a:t>Azure Sentinel</a:t>
+            </a:r>
+            <a:br>
+              <a:rPr lang="pt-BR" b="1" dirty="0">
+                <a:solidFill>
+                  <a:schemeClr val="tx1"/>
+                </a:solidFill>
+              </a:rPr>
+            </a:br>
+            <a:r>
+              <a:rPr lang="pt-BR" b="1" dirty="0">
+                <a:solidFill>
+                  <a:schemeClr val="tx1"/>
+                </a:solidFill>
+              </a:rPr>
+              <a:t>(SIEM + SOAR)</a:t>
+            </a:r>
+          </a:p>
+          <a:p>
+            <a:pPr algn="ctr"/>
+            <a:endParaRPr lang="en-US" b="1" dirty="0">
+              <a:solidFill>
+                <a:schemeClr val="tx1"/>
+              </a:solidFill>
+            </a:endParaRPr>
+          </a:p>
+        </p:txBody>
+      </p:sp>
+      <p:sp>
+        <p:nvSpPr>
+          <p:cNvPr id="6" name="Rectangle 5">
+            <a:extLst>
+              <a:ext uri="{FF2B5EF4-FFF2-40B4-BE49-F238E27FC236}">
+                <a16:creationId xmlns:a16="http://schemas.microsoft.com/office/drawing/2014/main" id="{61909025-43A7-44FA-833C-529E33A8B061}"/>
+              </a:ext>
+            </a:extLst>
+          </p:cNvPr>
+          <p:cNvSpPr/>
+          <p:nvPr/>
+        </p:nvSpPr>
+        <p:spPr>
+          <a:xfrm>
+            <a:off x="8604067" y="2799054"/>
+            <a:ext cx="2516778" cy="685800"/>
+          </a:xfrm>
+          <a:prstGeom prst="rect">
+            <a:avLst/>
+          </a:prstGeom>
+          <a:solidFill>
+            <a:schemeClr val="bg1"/>
+          </a:solidFill>
+          <a:ln>
+            <a:solidFill>
+              <a:schemeClr val="tx1"/>
+            </a:solidFill>
+          </a:ln>
+        </p:spPr>
+        <p:style>
+          <a:lnRef idx="2">
+            <a:schemeClr val="accent1">
+              <a:shade val="50000"/>
+            </a:schemeClr>
+          </a:lnRef>
+          <a:fillRef idx="1">
+            <a:schemeClr val="accent1"/>
+          </a:fillRef>
+          <a:effectRef idx="0">
+            <a:schemeClr val="accent1"/>
+          </a:effectRef>
+          <a:fontRef idx="minor">
+            <a:schemeClr val="lt1"/>
+          </a:fontRef>
+        </p:style>
+        <p:txBody>
+          <a:bodyPr rtlCol="0" anchor="ctr"/>
+          <a:lstStyle/>
+          <a:p>
+            <a:pPr algn="ctr"/>
+            <a:r>
+              <a:rPr lang="pt-BR" sz="1400" dirty="0">
+                <a:solidFill>
+                  <a:schemeClr val="tx1"/>
+                </a:solidFill>
+                <a:hlinkClick r:id="rId3"/>
+              </a:rPr>
+              <a:t>Azure Security Center</a:t>
+            </a:r>
+            <a:r>
+              <a:rPr lang="pt-BR" sz="1400" dirty="0">
+                <a:solidFill>
+                  <a:schemeClr val="tx1"/>
+                </a:solidFill>
+              </a:rPr>
+              <a:t>  </a:t>
+            </a:r>
+            <a:endParaRPr lang="en-US" sz="1400" dirty="0">
+              <a:solidFill>
+                <a:schemeClr val="tx1"/>
+              </a:solidFill>
+            </a:endParaRPr>
+          </a:p>
+        </p:txBody>
+      </p:sp>
+      <p:sp>
+        <p:nvSpPr>
+          <p:cNvPr id="12" name="Rectangle 11">
+            <a:extLst>
+              <a:ext uri="{FF2B5EF4-FFF2-40B4-BE49-F238E27FC236}">
+                <a16:creationId xmlns:a16="http://schemas.microsoft.com/office/drawing/2014/main" id="{F67489AD-88A1-4F8F-B8EB-98216280679F}"/>
+              </a:ext>
+            </a:extLst>
+          </p:cNvPr>
+          <p:cNvSpPr/>
+          <p:nvPr/>
+        </p:nvSpPr>
+        <p:spPr>
+          <a:xfrm>
+            <a:off x="814246" y="2802399"/>
+            <a:ext cx="2048707" cy="681486"/>
+          </a:xfrm>
+          <a:prstGeom prst="rect">
+            <a:avLst/>
+          </a:prstGeom>
+          <a:solidFill>
+            <a:schemeClr val="bg1"/>
+          </a:solidFill>
+          <a:ln>
+            <a:solidFill>
+              <a:schemeClr val="tx1"/>
+            </a:solidFill>
+          </a:ln>
+        </p:spPr>
+        <p:style>
+          <a:lnRef idx="2">
+            <a:schemeClr val="accent1">
+              <a:shade val="50000"/>
+            </a:schemeClr>
+          </a:lnRef>
+          <a:fillRef idx="1">
+            <a:schemeClr val="accent1"/>
+          </a:fillRef>
+          <a:effectRef idx="0">
+            <a:schemeClr val="accent1"/>
+          </a:effectRef>
+          <a:fontRef idx="minor">
+            <a:schemeClr val="lt1"/>
+          </a:fontRef>
+        </p:style>
+        <p:txBody>
+          <a:bodyPr rtlCol="0" anchor="ctr"/>
+          <a:lstStyle/>
+          <a:p>
+            <a:pPr algn="ctr"/>
+            <a:r>
+              <a:rPr lang="en-US" sz="1400" dirty="0">
+                <a:solidFill>
+                  <a:schemeClr val="tx1"/>
+                </a:solidFill>
+                <a:hlinkClick r:id="rId4"/>
+              </a:rPr>
+              <a:t>Azure AD IP</a:t>
+            </a:r>
+            <a:endParaRPr lang="en-US" sz="1400" dirty="0">
+              <a:solidFill>
+                <a:schemeClr val="tx1"/>
+              </a:solidFill>
+            </a:endParaRPr>
+          </a:p>
+        </p:txBody>
+      </p:sp>
+      <p:sp>
+        <p:nvSpPr>
+          <p:cNvPr id="13" name="Rectangle 12">
+            <a:extLst>
+              <a:ext uri="{FF2B5EF4-FFF2-40B4-BE49-F238E27FC236}">
+                <a16:creationId xmlns:a16="http://schemas.microsoft.com/office/drawing/2014/main" id="{0A56B3AF-5360-44D4-9DCF-6BEB2F935482}"/>
+              </a:ext>
+            </a:extLst>
+          </p:cNvPr>
+          <p:cNvSpPr/>
+          <p:nvPr/>
+        </p:nvSpPr>
+        <p:spPr>
+          <a:xfrm>
+            <a:off x="814246" y="3628073"/>
+            <a:ext cx="2583295" cy="681486"/>
+          </a:xfrm>
+          <a:prstGeom prst="rect">
+            <a:avLst/>
+          </a:prstGeom>
+          <a:solidFill>
+            <a:schemeClr val="bg1"/>
+          </a:solidFill>
+          <a:ln>
+            <a:solidFill>
+              <a:schemeClr val="tx1"/>
+            </a:solidFill>
+          </a:ln>
+        </p:spPr>
+        <p:style>
+          <a:lnRef idx="2">
+            <a:schemeClr val="accent1">
+              <a:shade val="50000"/>
+            </a:schemeClr>
+          </a:lnRef>
+          <a:fillRef idx="1">
+            <a:schemeClr val="accent1"/>
+          </a:fillRef>
+          <a:effectRef idx="0">
+            <a:schemeClr val="accent1"/>
+          </a:effectRef>
+          <a:fontRef idx="minor">
+            <a:schemeClr val="lt1"/>
+          </a:fontRef>
+        </p:style>
+        <p:txBody>
+          <a:bodyPr rtlCol="0" anchor="ctr"/>
+          <a:lstStyle/>
+          <a:p>
+            <a:pPr algn="ctr"/>
+            <a:r>
+              <a:rPr lang="en-US" sz="1400" dirty="0">
+                <a:solidFill>
+                  <a:schemeClr val="tx1"/>
+                </a:solidFill>
+                <a:hlinkClick r:id="rId5"/>
+              </a:rPr>
+              <a:t>Azure ATP</a:t>
+            </a:r>
+            <a:endParaRPr lang="en-US" sz="1400" dirty="0">
+              <a:solidFill>
+                <a:schemeClr val="tx1"/>
+              </a:solidFill>
+            </a:endParaRPr>
+          </a:p>
+        </p:txBody>
+      </p:sp>
+      <p:sp>
+        <p:nvSpPr>
+          <p:cNvPr id="15" name="Rectangle 14">
+            <a:extLst>
+              <a:ext uri="{FF2B5EF4-FFF2-40B4-BE49-F238E27FC236}">
+                <a16:creationId xmlns:a16="http://schemas.microsoft.com/office/drawing/2014/main" id="{D1F195F9-3D06-422D-A9AC-271BA3B12DEB}"/>
+              </a:ext>
+            </a:extLst>
+          </p:cNvPr>
+          <p:cNvSpPr/>
+          <p:nvPr/>
+        </p:nvSpPr>
+        <p:spPr>
+          <a:xfrm>
+            <a:off x="3530739" y="3628073"/>
+            <a:ext cx="2885518" cy="681486"/>
+          </a:xfrm>
+          <a:prstGeom prst="rect">
+            <a:avLst/>
+          </a:prstGeom>
+          <a:solidFill>
+            <a:schemeClr val="bg1"/>
+          </a:solidFill>
+          <a:ln>
+            <a:solidFill>
+              <a:schemeClr val="tx1"/>
+            </a:solidFill>
+          </a:ln>
+        </p:spPr>
+        <p:style>
+          <a:lnRef idx="2">
+            <a:schemeClr val="accent1">
+              <a:shade val="50000"/>
+            </a:schemeClr>
+          </a:lnRef>
+          <a:fillRef idx="1">
+            <a:schemeClr val="accent1"/>
+          </a:fillRef>
+          <a:effectRef idx="0">
+            <a:schemeClr val="accent1"/>
+          </a:effectRef>
+          <a:fontRef idx="minor">
+            <a:schemeClr val="lt1"/>
+          </a:fontRef>
+        </p:style>
+        <p:txBody>
+          <a:bodyPr rtlCol="0" anchor="ctr"/>
+          <a:lstStyle/>
+          <a:p>
+            <a:pPr algn="ctr"/>
+            <a:r>
+              <a:rPr lang="en-US" sz="1400" dirty="0">
+                <a:solidFill>
+                  <a:schemeClr val="tx1"/>
+                </a:solidFill>
+                <a:hlinkClick r:id="rId6"/>
+              </a:rPr>
+              <a:t>Windows Defender ATP</a:t>
+            </a:r>
+            <a:endParaRPr lang="en-US" sz="1400" dirty="0">
+              <a:solidFill>
+                <a:schemeClr val="tx1"/>
+              </a:solidFill>
+            </a:endParaRPr>
+          </a:p>
+        </p:txBody>
+      </p:sp>
+      <p:sp>
+        <p:nvSpPr>
+          <p:cNvPr id="16" name="Rectangle 15">
+            <a:extLst>
+              <a:ext uri="{FF2B5EF4-FFF2-40B4-BE49-F238E27FC236}">
+                <a16:creationId xmlns:a16="http://schemas.microsoft.com/office/drawing/2014/main" id="{AB7A711C-932B-48D6-AF70-024361B72372}"/>
+              </a:ext>
+            </a:extLst>
+          </p:cNvPr>
+          <p:cNvSpPr/>
+          <p:nvPr/>
+        </p:nvSpPr>
+        <p:spPr>
+          <a:xfrm>
+            <a:off x="2912528" y="2799054"/>
+            <a:ext cx="2516778" cy="681486"/>
+          </a:xfrm>
+          <a:prstGeom prst="rect">
+            <a:avLst/>
+          </a:prstGeom>
+          <a:solidFill>
+            <a:schemeClr val="bg1"/>
+          </a:solidFill>
+          <a:ln>
+            <a:solidFill>
+              <a:schemeClr val="tx1"/>
+            </a:solidFill>
+          </a:ln>
+        </p:spPr>
+        <p:style>
+          <a:lnRef idx="2">
+            <a:schemeClr val="accent1">
+              <a:shade val="50000"/>
+            </a:schemeClr>
+          </a:lnRef>
+          <a:fillRef idx="1">
+            <a:schemeClr val="accent1"/>
+          </a:fillRef>
+          <a:effectRef idx="0">
+            <a:schemeClr val="accent1"/>
+          </a:effectRef>
+          <a:fontRef idx="minor">
+            <a:schemeClr val="lt1"/>
+          </a:fontRef>
+        </p:style>
+        <p:txBody>
+          <a:bodyPr rtlCol="0" anchor="ctr"/>
+          <a:lstStyle/>
+          <a:p>
+            <a:pPr algn="ctr"/>
+            <a:r>
+              <a:rPr lang="en-US" sz="1400" dirty="0">
+                <a:solidFill>
+                  <a:schemeClr val="tx1"/>
+                </a:solidFill>
+                <a:hlinkClick r:id="rId7"/>
+              </a:rPr>
+              <a:t>Office 365 ATP</a:t>
+            </a:r>
+            <a:endParaRPr lang="en-US" sz="1400" dirty="0">
+              <a:solidFill>
+                <a:schemeClr val="tx1"/>
+              </a:solidFill>
+            </a:endParaRPr>
+          </a:p>
+        </p:txBody>
+      </p:sp>
+      <p:sp>
+        <p:nvSpPr>
+          <p:cNvPr id="17" name="Rectangle 16">
+            <a:extLst>
+              <a:ext uri="{FF2B5EF4-FFF2-40B4-BE49-F238E27FC236}">
+                <a16:creationId xmlns:a16="http://schemas.microsoft.com/office/drawing/2014/main" id="{7EBAB6F0-8D3B-4EF6-8391-2ED57F4EBA9B}"/>
+              </a:ext>
+            </a:extLst>
+          </p:cNvPr>
+          <p:cNvSpPr/>
+          <p:nvPr/>
+        </p:nvSpPr>
+        <p:spPr>
+          <a:xfrm>
+            <a:off x="5552108" y="2802399"/>
+            <a:ext cx="2929157" cy="681486"/>
+          </a:xfrm>
+          <a:prstGeom prst="rect">
+            <a:avLst/>
+          </a:prstGeom>
+          <a:solidFill>
+            <a:schemeClr val="bg1"/>
+          </a:solidFill>
+          <a:ln>
+            <a:solidFill>
+              <a:schemeClr val="tx1"/>
+            </a:solidFill>
+          </a:ln>
+        </p:spPr>
+        <p:style>
+          <a:lnRef idx="2">
+            <a:schemeClr val="accent1">
+              <a:shade val="50000"/>
+            </a:schemeClr>
+          </a:lnRef>
+          <a:fillRef idx="1">
+            <a:schemeClr val="accent1"/>
+          </a:fillRef>
+          <a:effectRef idx="0">
+            <a:schemeClr val="accent1"/>
+          </a:effectRef>
+          <a:fontRef idx="minor">
+            <a:schemeClr val="lt1"/>
+          </a:fontRef>
+        </p:style>
+        <p:txBody>
+          <a:bodyPr rtlCol="0" anchor="ctr"/>
+          <a:lstStyle/>
+          <a:p>
+            <a:pPr algn="ctr"/>
+            <a:r>
+              <a:rPr lang="en-US" sz="1400" dirty="0">
+                <a:solidFill>
+                  <a:schemeClr val="tx1"/>
+                </a:solidFill>
+                <a:hlinkClick r:id="rId8"/>
+              </a:rPr>
+              <a:t>Microsoft Cloud App Security</a:t>
+            </a:r>
+            <a:endParaRPr lang="en-US" sz="1400" dirty="0">
+              <a:solidFill>
+                <a:schemeClr val="tx1"/>
+              </a:solidFill>
+            </a:endParaRPr>
+          </a:p>
+        </p:txBody>
+      </p:sp>
+      <p:cxnSp>
+        <p:nvCxnSpPr>
+          <p:cNvPr id="34" name="Straight Connector 33">
+            <a:extLst>
+              <a:ext uri="{FF2B5EF4-FFF2-40B4-BE49-F238E27FC236}">
+                <a16:creationId xmlns:a16="http://schemas.microsoft.com/office/drawing/2014/main" id="{8354F3CD-D484-4EA4-B87A-2CBF54AACEB8}"/>
+              </a:ext>
+            </a:extLst>
+          </p:cNvPr>
+          <p:cNvCxnSpPr>
+            <a:cxnSpLocks/>
+          </p:cNvCxnSpPr>
+          <p:nvPr/>
+        </p:nvCxnSpPr>
+        <p:spPr>
+          <a:xfrm flipV="1">
+            <a:off x="3698445" y="1961640"/>
+            <a:ext cx="0" cy="718389"/>
+          </a:xfrm>
+          <a:prstGeom prst="line">
+            <a:avLst/>
+          </a:prstGeom>
+          <a:ln>
+            <a:solidFill>
+              <a:schemeClr val="tx1"/>
+            </a:solidFill>
+            <a:headEnd type="diamond" w="med" len="med"/>
+            <a:tailEnd type="triangle" w="med" len="med"/>
+          </a:ln>
+        </p:spPr>
+        <p:style>
+          <a:lnRef idx="1">
+            <a:schemeClr val="accent1"/>
+          </a:lnRef>
+          <a:fillRef idx="0">
+            <a:schemeClr val="accent1"/>
+          </a:fillRef>
+          <a:effectRef idx="0">
+            <a:schemeClr val="accent1"/>
+          </a:effectRef>
+          <a:fontRef idx="minor">
+            <a:schemeClr val="tx1"/>
+          </a:fontRef>
+        </p:style>
+      </p:cxnSp>
+      <p:cxnSp>
+        <p:nvCxnSpPr>
+          <p:cNvPr id="36" name="Straight Connector 35">
+            <a:extLst>
+              <a:ext uri="{FF2B5EF4-FFF2-40B4-BE49-F238E27FC236}">
+                <a16:creationId xmlns:a16="http://schemas.microsoft.com/office/drawing/2014/main" id="{7AECA0BA-51D1-4271-BFF5-117F73D0502D}"/>
+              </a:ext>
+            </a:extLst>
+          </p:cNvPr>
+          <p:cNvCxnSpPr>
+            <a:cxnSpLocks/>
+          </p:cNvCxnSpPr>
+          <p:nvPr/>
+        </p:nvCxnSpPr>
+        <p:spPr>
+          <a:xfrm flipV="1">
+            <a:off x="8100628" y="1933303"/>
+            <a:ext cx="0" cy="718389"/>
+          </a:xfrm>
+          <a:prstGeom prst="line">
+            <a:avLst/>
+          </a:prstGeom>
+          <a:ln>
+            <a:solidFill>
+              <a:schemeClr val="tx1"/>
+            </a:solidFill>
+            <a:headEnd type="diamond" w="med" len="med"/>
+            <a:tailEnd type="triangle" w="med" len="med"/>
+          </a:ln>
+        </p:spPr>
+        <p:style>
+          <a:lnRef idx="1">
+            <a:schemeClr val="accent1"/>
+          </a:lnRef>
+          <a:fillRef idx="0">
+            <a:schemeClr val="accent1"/>
+          </a:fillRef>
+          <a:effectRef idx="0">
+            <a:schemeClr val="accent1"/>
+          </a:effectRef>
+          <a:fontRef idx="minor">
+            <a:schemeClr val="tx1"/>
+          </a:fontRef>
+        </p:style>
+      </p:cxnSp>
+      <p:pic>
+        <p:nvPicPr>
+          <p:cNvPr id="43" name="Picture 42">
+            <a:extLst>
+              <a:ext uri="{FF2B5EF4-FFF2-40B4-BE49-F238E27FC236}">
+                <a16:creationId xmlns:a16="http://schemas.microsoft.com/office/drawing/2014/main" id="{ECFEF1B8-B9FF-4097-91C1-B3265A36B657}"/>
+              </a:ext>
+            </a:extLst>
+          </p:cNvPr>
+          <p:cNvPicPr>
+            <a:picLocks noChangeAspect="1"/>
+          </p:cNvPicPr>
+          <p:nvPr/>
+        </p:nvPicPr>
+        <p:blipFill>
+          <a:blip r:embed="rId9">
+            <a:extLst>
+              <a:ext uri="{28A0092B-C50C-407E-A947-70E740481C1C}">
+                <a14:useLocalDpi xmlns:a14="http://schemas.microsoft.com/office/drawing/2010/main" val="0"/>
+              </a:ext>
+            </a:extLst>
+          </a:blip>
+          <a:stretch>
+            <a:fillRect/>
+          </a:stretch>
+        </p:blipFill>
+        <p:spPr>
+          <a:xfrm>
+            <a:off x="1006829" y="1274427"/>
+            <a:ext cx="433447" cy="496945"/>
+          </a:xfrm>
+          <a:prstGeom prst="rect">
+            <a:avLst/>
+          </a:prstGeom>
+        </p:spPr>
+      </p:pic>
+      <p:sp>
+        <p:nvSpPr>
+          <p:cNvPr id="40" name="Subtitle 2">
+            <a:extLst>
+              <a:ext uri="{FF2B5EF4-FFF2-40B4-BE49-F238E27FC236}">
+                <a16:creationId xmlns:a16="http://schemas.microsoft.com/office/drawing/2014/main" id="{D05B6377-3DB5-48D6-9A00-1DA398EE297B}"/>
+              </a:ext>
+            </a:extLst>
+          </p:cNvPr>
+          <p:cNvSpPr>
+            <a:spLocks noGrp="1"/>
+          </p:cNvSpPr>
+          <p:nvPr>
+            <p:ph type="subTitle" idx="1"/>
+          </p:nvPr>
+        </p:nvSpPr>
+        <p:spPr>
+          <a:xfrm>
+            <a:off x="1524000" y="8593"/>
+            <a:ext cx="9144000" cy="493473"/>
+          </a:xfrm>
+        </p:spPr>
+        <p:txBody>
+          <a:bodyPr/>
+          <a:lstStyle/>
+          <a:p>
+            <a:r>
+              <a:rPr lang="en-US" dirty="0"/>
+              <a:t>Portal URLs</a:t>
+            </a:r>
+          </a:p>
+        </p:txBody>
+      </p:sp>
+    </p:spTree>
+    <p:extLst>
+      <p:ext uri="{BB962C8B-B14F-4D97-AF65-F5344CB8AC3E}">
+        <p14:creationId xmlns:p14="http://schemas.microsoft.com/office/powerpoint/2010/main" val="625032301"/>
+      </p:ext>
+    </p:extLst>
+  </p:cSld>
+  <p:clrMapOvr>
+    <a:masterClrMapping/>
+  </p:clrMapOvr>
+</p:sld>
+</file>
+
+<file path=ppt/slides/slide2.xml><?xml version="1.0" encoding="utf-8"?>
+<p:sld xmlns:a="http://schemas.openxmlformats.org/drawingml/2006/main" xmlns:r="http://schemas.openxmlformats.org/officeDocument/2006/relationships" xmlns:p="http://schemas.openxmlformats.org/presentationml/2006/main">
+  <p:cSld>
+    <p:spTree>
+      <p:nvGrpSpPr>
+        <p:cNvPr id="1" name=""/>
+        <p:cNvGrpSpPr/>
+        <p:nvPr/>
+      </p:nvGrpSpPr>
+      <p:grpSpPr>
+        <a:xfrm>
+          <a:off x="0" y="0"/>
+          <a:ext cx="0" cy="0"/>
+          <a:chOff x="0" y="0"/>
+          <a:chExt cx="0" cy="0"/>
+        </a:xfrm>
+      </p:grpSpPr>
       <p:cxnSp>
         <p:nvCxnSpPr>
           <p:cNvPr id="30" name="Straight Connector 29">
@@ -5426,8 +6114,8 @@
           </a:p>
         </p:txBody>
       </p:sp>
-      <mc:AlternateContent xmlns:mc="http://schemas.openxmlformats.org/markup-compatibility/2006">
-        <mc:Choice xmlns:p14="http://schemas.microsoft.com/office/powerpoint/2010/main" Requires="p14">
+      <mc:AlternateContent xmlns:mc="http://schemas.openxmlformats.org/markup-compatibility/2006" xmlns:p14="http://schemas.microsoft.com/office/powerpoint/2010/main">
+        <mc:Choice Requires="p14">
           <p:contentPart p14:bwMode="auto" r:id="rId3">
             <p14:nvContentPartPr>
               <p14:cNvPr id="3" name="Ink 2">
@@ -5446,7 +6134,7 @@
             </p14:xfrm>
           </p:contentPart>
         </mc:Choice>
-        <mc:Fallback>
+        <mc:Fallback xmlns="">
           <p:pic>
             <p:nvPicPr>
               <p:cNvPr id="3" name="Ink 2">
@@ -5477,8 +6165,8 @@
           </p:pic>
         </mc:Fallback>
       </mc:AlternateContent>
-      <mc:AlternateContent xmlns:mc="http://schemas.openxmlformats.org/markup-compatibility/2006">
-        <mc:Choice xmlns:p14="http://schemas.microsoft.com/office/powerpoint/2010/main" Requires="p14">
+      <mc:AlternateContent xmlns:mc="http://schemas.openxmlformats.org/markup-compatibility/2006" xmlns:p14="http://schemas.microsoft.com/office/powerpoint/2010/main">
+        <mc:Choice Requires="p14">
           <p:contentPart p14:bwMode="auto" r:id="rId5">
             <p14:nvContentPartPr>
               <p14:cNvPr id="19" name="Ink 18">
@@ -5497,7 +6185,7 @@
             </p14:xfrm>
           </p:contentPart>
         </mc:Choice>
-        <mc:Fallback>
+        <mc:Fallback xmlns="">
           <p:pic>
             <p:nvPicPr>
               <p:cNvPr id="19" name="Ink 18">
@@ -5528,8 +6216,8 @@
           </p:pic>
         </mc:Fallback>
       </mc:AlternateContent>
-      <mc:AlternateContent xmlns:mc="http://schemas.openxmlformats.org/markup-compatibility/2006">
-        <mc:Choice xmlns:p14="http://schemas.microsoft.com/office/powerpoint/2010/main" Requires="p14">
+      <mc:AlternateContent xmlns:mc="http://schemas.openxmlformats.org/markup-compatibility/2006" xmlns:p14="http://schemas.microsoft.com/office/powerpoint/2010/main">
+        <mc:Choice Requires="p14">
           <p:contentPart p14:bwMode="auto" r:id="rId7">
             <p14:nvContentPartPr>
               <p14:cNvPr id="22" name="Ink 21">
@@ -5548,7 +6236,7 @@
             </p14:xfrm>
           </p:contentPart>
         </mc:Choice>
-        <mc:Fallback>
+        <mc:Fallback xmlns="">
           <p:pic>
             <p:nvPicPr>
               <p:cNvPr id="22" name="Ink 21">
@@ -5579,8 +6267,8 @@
           </p:pic>
         </mc:Fallback>
       </mc:AlternateContent>
-      <mc:AlternateContent xmlns:mc="http://schemas.openxmlformats.org/markup-compatibility/2006">
-        <mc:Choice xmlns:p14="http://schemas.microsoft.com/office/powerpoint/2010/main" Requires="p14">
+      <mc:AlternateContent xmlns:mc="http://schemas.openxmlformats.org/markup-compatibility/2006" xmlns:p14="http://schemas.microsoft.com/office/powerpoint/2010/main">
+        <mc:Choice Requires="p14">
           <p:contentPart p14:bwMode="auto" r:id="rId9">
             <p14:nvContentPartPr>
               <p14:cNvPr id="28" name="Ink 27">
@@ -5599,7 +6287,7 @@
             </p14:xfrm>
           </p:contentPart>
         </mc:Choice>
-        <mc:Fallback>
+        <mc:Fallback xmlns="">
           <p:pic>
             <p:nvPicPr>
               <p:cNvPr id="28" name="Ink 27">
@@ -5630,8 +6318,8 @@
           </p:pic>
         </mc:Fallback>
       </mc:AlternateContent>
-      <mc:AlternateContent xmlns:mc="http://schemas.openxmlformats.org/markup-compatibility/2006">
-        <mc:Choice xmlns:p14="http://schemas.microsoft.com/office/powerpoint/2010/main" Requires="p14">
+      <mc:AlternateContent xmlns:mc="http://schemas.openxmlformats.org/markup-compatibility/2006" xmlns:p14="http://schemas.microsoft.com/office/powerpoint/2010/main">
+        <mc:Choice Requires="p14">
           <p:contentPart p14:bwMode="auto" r:id="rId11">
             <p14:nvContentPartPr>
               <p14:cNvPr id="41" name="Ink 40">
@@ -5650,7 +6338,7 @@
             </p14:xfrm>
           </p:contentPart>
         </mc:Choice>
-        <mc:Fallback>
+        <mc:Fallback xmlns="">
           <p:pic>
             <p:nvPicPr>
               <p:cNvPr id="41" name="Ink 40">
@@ -5681,8 +6369,8 @@
           </p:pic>
         </mc:Fallback>
       </mc:AlternateContent>
-      <mc:AlternateContent xmlns:mc="http://schemas.openxmlformats.org/markup-compatibility/2006">
-        <mc:Choice xmlns:p14="http://schemas.microsoft.com/office/powerpoint/2010/main" Requires="p14">
+      <mc:AlternateContent xmlns:mc="http://schemas.openxmlformats.org/markup-compatibility/2006" xmlns:p14="http://schemas.microsoft.com/office/powerpoint/2010/main">
+        <mc:Choice Requires="p14">
           <p:contentPart p14:bwMode="auto" r:id="rId13">
             <p14:nvContentPartPr>
               <p14:cNvPr id="42" name="Ink 41">
@@ -5701,7 +6389,7 @@
             </p14:xfrm>
           </p:contentPart>
         </mc:Choice>
-        <mc:Fallback>
+        <mc:Fallback xmlns="">
           <p:pic>
             <p:nvPicPr>
               <p:cNvPr id="42" name="Ink 41">
@@ -5952,8 +6640,8 @@
           </a:fontRef>
         </p:style>
       </p:cxnSp>
-      <mc:AlternateContent xmlns:mc="http://schemas.openxmlformats.org/markup-compatibility/2006">
-        <mc:Choice xmlns:p14="http://schemas.microsoft.com/office/powerpoint/2010/main" Requires="p14">
+      <mc:AlternateContent xmlns:mc="http://schemas.openxmlformats.org/markup-compatibility/2006" xmlns:p14="http://schemas.microsoft.com/office/powerpoint/2010/main">
+        <mc:Choice Requires="p14">
           <p:contentPart p14:bwMode="auto" r:id="rId15">
             <p14:nvContentPartPr>
               <p14:cNvPr id="60" name="Ink 59">
@@ -5972,7 +6660,7 @@
             </p14:xfrm>
           </p:contentPart>
         </mc:Choice>
-        <mc:Fallback>
+        <mc:Fallback xmlns="">
           <p:pic>
             <p:nvPicPr>
               <p:cNvPr id="60" name="Ink 59">
@@ -6003,8 +6691,8 @@
           </p:pic>
         </mc:Fallback>
       </mc:AlternateContent>
-      <mc:AlternateContent xmlns:mc="http://schemas.openxmlformats.org/markup-compatibility/2006">
-        <mc:Choice xmlns:p14="http://schemas.microsoft.com/office/powerpoint/2010/main" Requires="p14">
+      <mc:AlternateContent xmlns:mc="http://schemas.openxmlformats.org/markup-compatibility/2006" xmlns:p14="http://schemas.microsoft.com/office/powerpoint/2010/main">
+        <mc:Choice Requires="p14">
           <p:contentPart p14:bwMode="auto" r:id="rId17">
             <p14:nvContentPartPr>
               <p14:cNvPr id="62" name="Ink 61">
@@ -6023,7 +6711,7 @@
             </p14:xfrm>
           </p:contentPart>
         </mc:Choice>
-        <mc:Fallback>
+        <mc:Fallback xmlns="">
           <p:pic>
             <p:nvPicPr>
               <p:cNvPr id="62" name="Ink 61">
@@ -6054,8 +6742,8 @@
           </p:pic>
         </mc:Fallback>
       </mc:AlternateContent>
-      <mc:AlternateContent xmlns:mc="http://schemas.openxmlformats.org/markup-compatibility/2006">
-        <mc:Choice xmlns:p14="http://schemas.microsoft.com/office/powerpoint/2010/main" Requires="p14">
+      <mc:AlternateContent xmlns:mc="http://schemas.openxmlformats.org/markup-compatibility/2006" xmlns:p14="http://schemas.microsoft.com/office/powerpoint/2010/main">
+        <mc:Choice Requires="p14">
           <p:contentPart p14:bwMode="auto" r:id="rId19">
             <p14:nvContentPartPr>
               <p14:cNvPr id="66" name="Ink 65">
@@ -6074,7 +6762,7 @@
             </p14:xfrm>
           </p:contentPart>
         </mc:Choice>
-        <mc:Fallback>
+        <mc:Fallback xmlns="">
           <p:pic>
             <p:nvPicPr>
               <p:cNvPr id="66" name="Ink 65">
@@ -6436,8 +7124,8 @@
           </a:fontRef>
         </p:style>
       </p:cxnSp>
-      <mc:AlternateContent xmlns:mc="http://schemas.openxmlformats.org/markup-compatibility/2006">
-        <mc:Choice xmlns:p14="http://schemas.microsoft.com/office/powerpoint/2010/main" Requires="p14">
+      <mc:AlternateContent xmlns:mc="http://schemas.openxmlformats.org/markup-compatibility/2006" xmlns:p14="http://schemas.microsoft.com/office/powerpoint/2010/main">
+        <mc:Choice Requires="p14">
           <p:contentPart p14:bwMode="auto" r:id="rId21">
             <p14:nvContentPartPr>
               <p14:cNvPr id="87" name="Ink 86">
@@ -6456,7 +7144,7 @@
             </p14:xfrm>
           </p:contentPart>
         </mc:Choice>
-        <mc:Fallback>
+        <mc:Fallback xmlns="">
           <p:pic>
             <p:nvPicPr>
               <p:cNvPr id="87" name="Ink 86">
@@ -6487,8 +7175,8 @@
           </p:pic>
         </mc:Fallback>
       </mc:AlternateContent>
-      <mc:AlternateContent xmlns:mc="http://schemas.openxmlformats.org/markup-compatibility/2006">
-        <mc:Choice xmlns:p14="http://schemas.microsoft.com/office/powerpoint/2010/main" Requires="p14">
+      <mc:AlternateContent xmlns:mc="http://schemas.openxmlformats.org/markup-compatibility/2006" xmlns:p14="http://schemas.microsoft.com/office/powerpoint/2010/main">
+        <mc:Choice Requires="p14">
           <p:contentPart p14:bwMode="auto" r:id="rId23">
             <p14:nvContentPartPr>
               <p14:cNvPr id="89" name="Ink 88">
@@ -6507,7 +7195,7 @@
             </p14:xfrm>
           </p:contentPart>
         </mc:Choice>
-        <mc:Fallback>
+        <mc:Fallback xmlns="">
           <p:pic>
             <p:nvPicPr>
               <p:cNvPr id="89" name="Ink 88">
@@ -6538,8 +7226,8 @@
           </p:pic>
         </mc:Fallback>
       </mc:AlternateContent>
-      <mc:AlternateContent xmlns:mc="http://schemas.openxmlformats.org/markup-compatibility/2006">
-        <mc:Choice xmlns:p14="http://schemas.microsoft.com/office/powerpoint/2010/main" Requires="p14">
+      <mc:AlternateContent xmlns:mc="http://schemas.openxmlformats.org/markup-compatibility/2006" xmlns:p14="http://schemas.microsoft.com/office/powerpoint/2010/main">
+        <mc:Choice Requires="p14">
           <p:contentPart p14:bwMode="auto" r:id="rId25">
             <p14:nvContentPartPr>
               <p14:cNvPr id="90" name="Ink 89">
@@ -6558,7 +7246,7 @@
             </p14:xfrm>
           </p:contentPart>
         </mc:Choice>
-        <mc:Fallback>
+        <mc:Fallback xmlns="">
           <p:pic>
             <p:nvPicPr>
               <p:cNvPr id="90" name="Ink 89">
@@ -6638,1482 +7326,6 @@
     <p:extLst>
       <p:ext uri="{BB962C8B-B14F-4D97-AF65-F5344CB8AC3E}">
         <p14:creationId xmlns:p14="http://schemas.microsoft.com/office/powerpoint/2010/main" val="2777063883"/>
-      </p:ext>
-    </p:extLst>
-  </p:cSld>
-  <p:clrMapOvr>
-    <a:masterClrMapping/>
-  </p:clrMapOvr>
-</p:sld>
-</file>
-
-<file path=ppt/slides/slide2.xml><?xml version="1.0" encoding="utf-8"?>
-<p:sld xmlns:a="http://schemas.openxmlformats.org/drawingml/2006/main" xmlns:r="http://schemas.openxmlformats.org/officeDocument/2006/relationships" xmlns:p="http://schemas.openxmlformats.org/presentationml/2006/main">
-  <p:cSld>
-    <p:spTree>
-      <p:nvGrpSpPr>
-        <p:cNvPr id="1" name=""/>
-        <p:cNvGrpSpPr/>
-        <p:nvPr/>
-      </p:nvGrpSpPr>
-      <p:grpSpPr>
-        <a:xfrm>
-          <a:off x="0" y="0"/>
-          <a:ext cx="0" cy="0"/>
-          <a:chOff x="0" y="0"/>
-          <a:chExt cx="0" cy="0"/>
-        </a:xfrm>
-      </p:grpSpPr>
-      <p:sp>
-        <p:nvSpPr>
-          <p:cNvPr id="4" name="Rectangle 3">
-            <a:extLst>
-              <a:ext uri="{FF2B5EF4-FFF2-40B4-BE49-F238E27FC236}">
-                <a16:creationId xmlns:a16="http://schemas.microsoft.com/office/drawing/2014/main" id="{60C7EC8E-9B4D-481A-BC05-8B474EE9925F}"/>
-              </a:ext>
-            </a:extLst>
-          </p:cNvPr>
-          <p:cNvSpPr/>
-          <p:nvPr/>
-        </p:nvSpPr>
-        <p:spPr>
-          <a:xfrm>
-            <a:off x="814251" y="846599"/>
-            <a:ext cx="10563498" cy="1086704"/>
-          </a:xfrm>
-          <a:prstGeom prst="rect">
-            <a:avLst/>
-          </a:prstGeom>
-          <a:solidFill>
-            <a:schemeClr val="bg1"/>
-          </a:solidFill>
-          <a:ln>
-            <a:solidFill>
-              <a:schemeClr val="tx1"/>
-            </a:solidFill>
-          </a:ln>
-        </p:spPr>
-        <p:style>
-          <a:lnRef idx="2">
-            <a:schemeClr val="accent1">
-              <a:shade val="50000"/>
-            </a:schemeClr>
-          </a:lnRef>
-          <a:fillRef idx="1">
-            <a:schemeClr val="accent1"/>
-          </a:fillRef>
-          <a:effectRef idx="0">
-            <a:schemeClr val="accent1"/>
-          </a:effectRef>
-          <a:fontRef idx="minor">
-            <a:schemeClr val="lt1"/>
-          </a:fontRef>
-        </p:style>
-        <p:txBody>
-          <a:bodyPr rtlCol="0" anchor="ctr"/>
-          <a:lstStyle/>
-          <a:p>
-            <a:pPr algn="ctr"/>
-            <a:r>
-              <a:rPr lang="pt-BR" b="1" dirty="0">
-                <a:solidFill>
-                  <a:schemeClr val="tx1"/>
-                </a:solidFill>
-              </a:rPr>
-              <a:t>Azure Sentinel</a:t>
-            </a:r>
-            <a:br>
-              <a:rPr lang="pt-BR" b="1" dirty="0">
-                <a:solidFill>
-                  <a:schemeClr val="tx1"/>
-                </a:solidFill>
-              </a:rPr>
-            </a:br>
-            <a:r>
-              <a:rPr lang="pt-BR" b="1" dirty="0">
-                <a:solidFill>
-                  <a:schemeClr val="tx1"/>
-                </a:solidFill>
-              </a:rPr>
-              <a:t>(SIEM + SOAR)</a:t>
-            </a:r>
-          </a:p>
-          <a:p>
-            <a:pPr algn="ctr"/>
-            <a:r>
-              <a:rPr lang="pt-BR" dirty="0">
-                <a:solidFill>
-                  <a:schemeClr val="tx1"/>
-                </a:solidFill>
-                <a:hlinkClick r:id="rId2"/>
-              </a:rPr>
-              <a:t>https://portal.azure.com</a:t>
-            </a:r>
-            <a:r>
-              <a:rPr lang="pt-BR" dirty="0">
-                <a:solidFill>
-                  <a:schemeClr val="tx1"/>
-                </a:solidFill>
-              </a:rPr>
-              <a:t>  </a:t>
-            </a:r>
-            <a:endParaRPr lang="en-US" dirty="0">
-              <a:solidFill>
-                <a:schemeClr val="tx1"/>
-              </a:solidFill>
-            </a:endParaRPr>
-          </a:p>
-          <a:p>
-            <a:pPr algn="ctr"/>
-            <a:endParaRPr lang="en-US" b="1" dirty="0">
-              <a:solidFill>
-                <a:schemeClr val="tx1"/>
-              </a:solidFill>
-            </a:endParaRPr>
-          </a:p>
-        </p:txBody>
-      </p:sp>
-      <p:sp>
-        <p:nvSpPr>
-          <p:cNvPr id="6" name="Rectangle 5">
-            <a:extLst>
-              <a:ext uri="{FF2B5EF4-FFF2-40B4-BE49-F238E27FC236}">
-                <a16:creationId xmlns:a16="http://schemas.microsoft.com/office/drawing/2014/main" id="{61909025-43A7-44FA-833C-529E33A8B061}"/>
-              </a:ext>
-            </a:extLst>
-          </p:cNvPr>
-          <p:cNvSpPr/>
-          <p:nvPr/>
-        </p:nvSpPr>
-        <p:spPr>
-          <a:xfrm>
-            <a:off x="8604067" y="2799054"/>
-            <a:ext cx="2516778" cy="685800"/>
-          </a:xfrm>
-          <a:prstGeom prst="rect">
-            <a:avLst/>
-          </a:prstGeom>
-          <a:solidFill>
-            <a:schemeClr val="bg1"/>
-          </a:solidFill>
-          <a:ln>
-            <a:solidFill>
-              <a:schemeClr val="tx1"/>
-            </a:solidFill>
-          </a:ln>
-        </p:spPr>
-        <p:style>
-          <a:lnRef idx="2">
-            <a:schemeClr val="accent1">
-              <a:shade val="50000"/>
-            </a:schemeClr>
-          </a:lnRef>
-          <a:fillRef idx="1">
-            <a:schemeClr val="accent1"/>
-          </a:fillRef>
-          <a:effectRef idx="0">
-            <a:schemeClr val="accent1"/>
-          </a:effectRef>
-          <a:fontRef idx="minor">
-            <a:schemeClr val="lt1"/>
-          </a:fontRef>
-        </p:style>
-        <p:txBody>
-          <a:bodyPr rtlCol="0" anchor="ctr"/>
-          <a:lstStyle/>
-          <a:p>
-            <a:pPr algn="ctr"/>
-            <a:r>
-              <a:rPr lang="pt-BR" sz="1400" dirty="0">
-                <a:solidFill>
-                  <a:schemeClr val="tx1"/>
-                </a:solidFill>
-              </a:rPr>
-              <a:t>Azure Security Center</a:t>
-            </a:r>
-          </a:p>
-          <a:p>
-            <a:pPr algn="ctr"/>
-            <a:r>
-              <a:rPr lang="pt-BR" sz="1400" dirty="0">
-                <a:solidFill>
-                  <a:schemeClr val="tx1"/>
-                </a:solidFill>
-                <a:hlinkClick r:id="rId2"/>
-              </a:rPr>
-              <a:t>https://portal.azure.com</a:t>
-            </a:r>
-            <a:r>
-              <a:rPr lang="pt-BR" sz="1400" dirty="0">
-                <a:solidFill>
-                  <a:schemeClr val="tx1"/>
-                </a:solidFill>
-              </a:rPr>
-              <a:t>  </a:t>
-            </a:r>
-            <a:endParaRPr lang="en-US" sz="1400" dirty="0">
-              <a:solidFill>
-                <a:schemeClr val="tx1"/>
-              </a:solidFill>
-            </a:endParaRPr>
-          </a:p>
-        </p:txBody>
-      </p:sp>
-      <p:sp>
-        <p:nvSpPr>
-          <p:cNvPr id="12" name="Rectangle 11">
-            <a:extLst>
-              <a:ext uri="{FF2B5EF4-FFF2-40B4-BE49-F238E27FC236}">
-                <a16:creationId xmlns:a16="http://schemas.microsoft.com/office/drawing/2014/main" id="{F67489AD-88A1-4F8F-B8EB-98216280679F}"/>
-              </a:ext>
-            </a:extLst>
-          </p:cNvPr>
-          <p:cNvSpPr/>
-          <p:nvPr/>
-        </p:nvSpPr>
-        <p:spPr>
-          <a:xfrm>
-            <a:off x="814246" y="2802399"/>
-            <a:ext cx="2048707" cy="681486"/>
-          </a:xfrm>
-          <a:prstGeom prst="rect">
-            <a:avLst/>
-          </a:prstGeom>
-          <a:solidFill>
-            <a:schemeClr val="bg1"/>
-          </a:solidFill>
-          <a:ln>
-            <a:solidFill>
-              <a:schemeClr val="tx1"/>
-            </a:solidFill>
-          </a:ln>
-        </p:spPr>
-        <p:style>
-          <a:lnRef idx="2">
-            <a:schemeClr val="accent1">
-              <a:shade val="50000"/>
-            </a:schemeClr>
-          </a:lnRef>
-          <a:fillRef idx="1">
-            <a:schemeClr val="accent1"/>
-          </a:fillRef>
-          <a:effectRef idx="0">
-            <a:schemeClr val="accent1"/>
-          </a:effectRef>
-          <a:fontRef idx="minor">
-            <a:schemeClr val="lt1"/>
-          </a:fontRef>
-        </p:style>
-        <p:txBody>
-          <a:bodyPr rtlCol="0" anchor="ctr"/>
-          <a:lstStyle/>
-          <a:p>
-            <a:pPr algn="ctr"/>
-            <a:r>
-              <a:rPr lang="en-US" sz="1400" dirty="0">
-                <a:solidFill>
-                  <a:schemeClr val="tx1"/>
-                </a:solidFill>
-              </a:rPr>
-              <a:t>Azure AD IP</a:t>
-            </a:r>
-          </a:p>
-          <a:p>
-            <a:pPr algn="ctr"/>
-            <a:r>
-              <a:rPr lang="pt-BR" sz="1400" dirty="0">
-                <a:solidFill>
-                  <a:schemeClr val="tx1"/>
-                </a:solidFill>
-                <a:hlinkClick r:id="rId2"/>
-              </a:rPr>
-              <a:t>https://portal.azure.com</a:t>
-            </a:r>
-            <a:r>
-              <a:rPr lang="pt-BR" sz="1400" dirty="0">
-                <a:solidFill>
-                  <a:schemeClr val="tx1"/>
-                </a:solidFill>
-              </a:rPr>
-              <a:t>  </a:t>
-            </a:r>
-            <a:endParaRPr lang="en-US" sz="1400" dirty="0">
-              <a:solidFill>
-                <a:schemeClr val="tx1"/>
-              </a:solidFill>
-            </a:endParaRPr>
-          </a:p>
-          <a:p>
-            <a:pPr algn="ctr"/>
-            <a:endParaRPr lang="en-US" sz="1100" dirty="0">
-              <a:solidFill>
-                <a:schemeClr val="tx1"/>
-              </a:solidFill>
-            </a:endParaRPr>
-          </a:p>
-        </p:txBody>
-      </p:sp>
-      <p:sp>
-        <p:nvSpPr>
-          <p:cNvPr id="13" name="Rectangle 12">
-            <a:extLst>
-              <a:ext uri="{FF2B5EF4-FFF2-40B4-BE49-F238E27FC236}">
-                <a16:creationId xmlns:a16="http://schemas.microsoft.com/office/drawing/2014/main" id="{0A56B3AF-5360-44D4-9DCF-6BEB2F935482}"/>
-              </a:ext>
-            </a:extLst>
-          </p:cNvPr>
-          <p:cNvSpPr/>
-          <p:nvPr/>
-        </p:nvSpPr>
-        <p:spPr>
-          <a:xfrm>
-            <a:off x="814246" y="3628073"/>
-            <a:ext cx="2583295" cy="681486"/>
-          </a:xfrm>
-          <a:prstGeom prst="rect">
-            <a:avLst/>
-          </a:prstGeom>
-          <a:solidFill>
-            <a:schemeClr val="bg1"/>
-          </a:solidFill>
-          <a:ln>
-            <a:solidFill>
-              <a:schemeClr val="tx1"/>
-            </a:solidFill>
-          </a:ln>
-        </p:spPr>
-        <p:style>
-          <a:lnRef idx="2">
-            <a:schemeClr val="accent1">
-              <a:shade val="50000"/>
-            </a:schemeClr>
-          </a:lnRef>
-          <a:fillRef idx="1">
-            <a:schemeClr val="accent1"/>
-          </a:fillRef>
-          <a:effectRef idx="0">
-            <a:schemeClr val="accent1"/>
-          </a:effectRef>
-          <a:fontRef idx="minor">
-            <a:schemeClr val="lt1"/>
-          </a:fontRef>
-        </p:style>
-        <p:txBody>
-          <a:bodyPr rtlCol="0" anchor="ctr"/>
-          <a:lstStyle/>
-          <a:p>
-            <a:pPr algn="ctr"/>
-            <a:r>
-              <a:rPr lang="en-US" sz="1400" dirty="0">
-                <a:solidFill>
-                  <a:schemeClr val="tx1"/>
-                </a:solidFill>
-              </a:rPr>
-              <a:t>Azure ATP</a:t>
-            </a:r>
-          </a:p>
-          <a:p>
-            <a:pPr algn="ctr"/>
-            <a:r>
-              <a:rPr lang="en-US" sz="1400" b="0" i="0" u="sng" dirty="0">
-                <a:effectLst/>
-                <a:latin typeface="Segoe UI" panose="020B0502040204020203" pitchFamily="34" charset="0"/>
-                <a:hlinkClick r:id="rId3"/>
-              </a:rPr>
-              <a:t>https://portal.atp.azure.com</a:t>
-            </a:r>
-            <a:endParaRPr lang="en-US" sz="1400" dirty="0">
-              <a:solidFill>
-                <a:schemeClr val="tx1"/>
-              </a:solidFill>
-            </a:endParaRPr>
-          </a:p>
-        </p:txBody>
-      </p:sp>
-      <p:sp>
-        <p:nvSpPr>
-          <p:cNvPr id="15" name="Rectangle 14">
-            <a:extLst>
-              <a:ext uri="{FF2B5EF4-FFF2-40B4-BE49-F238E27FC236}">
-                <a16:creationId xmlns:a16="http://schemas.microsoft.com/office/drawing/2014/main" id="{D1F195F9-3D06-422D-A9AC-271BA3B12DEB}"/>
-              </a:ext>
-            </a:extLst>
-          </p:cNvPr>
-          <p:cNvSpPr/>
-          <p:nvPr/>
-        </p:nvSpPr>
-        <p:spPr>
-          <a:xfrm>
-            <a:off x="3530739" y="3628073"/>
-            <a:ext cx="2885518" cy="681486"/>
-          </a:xfrm>
-          <a:prstGeom prst="rect">
-            <a:avLst/>
-          </a:prstGeom>
-          <a:solidFill>
-            <a:schemeClr val="bg1"/>
-          </a:solidFill>
-          <a:ln>
-            <a:solidFill>
-              <a:schemeClr val="tx1"/>
-            </a:solidFill>
-          </a:ln>
-        </p:spPr>
-        <p:style>
-          <a:lnRef idx="2">
-            <a:schemeClr val="accent1">
-              <a:shade val="50000"/>
-            </a:schemeClr>
-          </a:lnRef>
-          <a:fillRef idx="1">
-            <a:schemeClr val="accent1"/>
-          </a:fillRef>
-          <a:effectRef idx="0">
-            <a:schemeClr val="accent1"/>
-          </a:effectRef>
-          <a:fontRef idx="minor">
-            <a:schemeClr val="lt1"/>
-          </a:fontRef>
-        </p:style>
-        <p:txBody>
-          <a:bodyPr rtlCol="0" anchor="ctr"/>
-          <a:lstStyle/>
-          <a:p>
-            <a:pPr algn="ctr"/>
-            <a:r>
-              <a:rPr lang="en-US" sz="1400" dirty="0">
-                <a:solidFill>
-                  <a:schemeClr val="tx1"/>
-                </a:solidFill>
-              </a:rPr>
-              <a:t>Windows Defender ATP</a:t>
-            </a:r>
-          </a:p>
-          <a:p>
-            <a:pPr algn="ctr"/>
-            <a:r>
-              <a:rPr lang="en-US" sz="1400" dirty="0">
-                <a:hlinkClick r:id="rId4"/>
-              </a:rPr>
-              <a:t>https://securitycenter.windows.com/</a:t>
-            </a:r>
-            <a:endParaRPr lang="en-US" sz="1400" dirty="0">
-              <a:solidFill>
-                <a:schemeClr val="tx1"/>
-              </a:solidFill>
-            </a:endParaRPr>
-          </a:p>
-        </p:txBody>
-      </p:sp>
-      <p:sp>
-        <p:nvSpPr>
-          <p:cNvPr id="16" name="Rectangle 15">
-            <a:extLst>
-              <a:ext uri="{FF2B5EF4-FFF2-40B4-BE49-F238E27FC236}">
-                <a16:creationId xmlns:a16="http://schemas.microsoft.com/office/drawing/2014/main" id="{AB7A711C-932B-48D6-AF70-024361B72372}"/>
-              </a:ext>
-            </a:extLst>
-          </p:cNvPr>
-          <p:cNvSpPr/>
-          <p:nvPr/>
-        </p:nvSpPr>
-        <p:spPr>
-          <a:xfrm>
-            <a:off x="2912528" y="2799054"/>
-            <a:ext cx="2516778" cy="681486"/>
-          </a:xfrm>
-          <a:prstGeom prst="rect">
-            <a:avLst/>
-          </a:prstGeom>
-          <a:solidFill>
-            <a:schemeClr val="bg1"/>
-          </a:solidFill>
-          <a:ln>
-            <a:solidFill>
-              <a:schemeClr val="tx1"/>
-            </a:solidFill>
-          </a:ln>
-        </p:spPr>
-        <p:style>
-          <a:lnRef idx="2">
-            <a:schemeClr val="accent1">
-              <a:shade val="50000"/>
-            </a:schemeClr>
-          </a:lnRef>
-          <a:fillRef idx="1">
-            <a:schemeClr val="accent1"/>
-          </a:fillRef>
-          <a:effectRef idx="0">
-            <a:schemeClr val="accent1"/>
-          </a:effectRef>
-          <a:fontRef idx="minor">
-            <a:schemeClr val="lt1"/>
-          </a:fontRef>
-        </p:style>
-        <p:txBody>
-          <a:bodyPr rtlCol="0" anchor="ctr"/>
-          <a:lstStyle/>
-          <a:p>
-            <a:pPr algn="ctr"/>
-            <a:r>
-              <a:rPr lang="en-US" sz="1400" dirty="0">
-                <a:solidFill>
-                  <a:schemeClr val="tx1"/>
-                </a:solidFill>
-              </a:rPr>
-              <a:t>Office 365 ATP</a:t>
-            </a:r>
-          </a:p>
-          <a:p>
-            <a:pPr algn="ctr"/>
-            <a:r>
-              <a:rPr lang="en-US" sz="1400" b="0" i="0" dirty="0">
-                <a:solidFill>
-                  <a:srgbClr val="171717"/>
-                </a:solidFill>
-                <a:effectLst/>
-                <a:latin typeface="Segoe UI" panose="020B0502040204020203" pitchFamily="34" charset="0"/>
-              </a:rPr>
-              <a:t> </a:t>
-            </a:r>
-            <a:r>
-              <a:rPr lang="en-US" sz="1400" b="0" i="0" u="sng" dirty="0">
-                <a:effectLst/>
-                <a:latin typeface="Segoe UI" panose="020B0502040204020203" pitchFamily="34" charset="0"/>
-                <a:hlinkClick r:id="rId5"/>
-              </a:rPr>
-              <a:t>https://protection.office.com</a:t>
-            </a:r>
-            <a:endParaRPr lang="en-US" sz="1400" dirty="0">
-              <a:solidFill>
-                <a:schemeClr val="tx1"/>
-              </a:solidFill>
-            </a:endParaRPr>
-          </a:p>
-        </p:txBody>
-      </p:sp>
-      <p:sp>
-        <p:nvSpPr>
-          <p:cNvPr id="17" name="Rectangle 16">
-            <a:extLst>
-              <a:ext uri="{FF2B5EF4-FFF2-40B4-BE49-F238E27FC236}">
-                <a16:creationId xmlns:a16="http://schemas.microsoft.com/office/drawing/2014/main" id="{7EBAB6F0-8D3B-4EF6-8391-2ED57F4EBA9B}"/>
-              </a:ext>
-            </a:extLst>
-          </p:cNvPr>
-          <p:cNvSpPr/>
-          <p:nvPr/>
-        </p:nvSpPr>
-        <p:spPr>
-          <a:xfrm>
-            <a:off x="5552108" y="2802399"/>
-            <a:ext cx="2929157" cy="681486"/>
-          </a:xfrm>
-          <a:prstGeom prst="rect">
-            <a:avLst/>
-          </a:prstGeom>
-          <a:solidFill>
-            <a:schemeClr val="bg1"/>
-          </a:solidFill>
-          <a:ln>
-            <a:solidFill>
-              <a:schemeClr val="tx1"/>
-            </a:solidFill>
-          </a:ln>
-        </p:spPr>
-        <p:style>
-          <a:lnRef idx="2">
-            <a:schemeClr val="accent1">
-              <a:shade val="50000"/>
-            </a:schemeClr>
-          </a:lnRef>
-          <a:fillRef idx="1">
-            <a:schemeClr val="accent1"/>
-          </a:fillRef>
-          <a:effectRef idx="0">
-            <a:schemeClr val="accent1"/>
-          </a:effectRef>
-          <a:fontRef idx="minor">
-            <a:schemeClr val="lt1"/>
-          </a:fontRef>
-        </p:style>
-        <p:txBody>
-          <a:bodyPr rtlCol="0" anchor="ctr"/>
-          <a:lstStyle/>
-          <a:p>
-            <a:pPr algn="ctr"/>
-            <a:r>
-              <a:rPr lang="en-US" sz="1400" dirty="0">
-                <a:solidFill>
-                  <a:schemeClr val="tx1"/>
-                </a:solidFill>
-              </a:rPr>
-              <a:t>Microsoft Cloud App Security</a:t>
-            </a:r>
-          </a:p>
-          <a:p>
-            <a:pPr algn="ctr"/>
-            <a:r>
-              <a:rPr lang="en-US" sz="1400" dirty="0">
-                <a:hlinkClick r:id="rId6"/>
-              </a:rPr>
-              <a:t>https://portal.cloudappsecurity.com/</a:t>
-            </a:r>
-            <a:endParaRPr lang="en-US" sz="1400" dirty="0">
-              <a:solidFill>
-                <a:schemeClr val="tx1"/>
-              </a:solidFill>
-            </a:endParaRPr>
-          </a:p>
-        </p:txBody>
-      </p:sp>
-      <p:cxnSp>
-        <p:nvCxnSpPr>
-          <p:cNvPr id="34" name="Straight Connector 33">
-            <a:extLst>
-              <a:ext uri="{FF2B5EF4-FFF2-40B4-BE49-F238E27FC236}">
-                <a16:creationId xmlns:a16="http://schemas.microsoft.com/office/drawing/2014/main" id="{8354F3CD-D484-4EA4-B87A-2CBF54AACEB8}"/>
-              </a:ext>
-            </a:extLst>
-          </p:cNvPr>
-          <p:cNvCxnSpPr>
-            <a:cxnSpLocks/>
-          </p:cNvCxnSpPr>
-          <p:nvPr/>
-        </p:nvCxnSpPr>
-        <p:spPr>
-          <a:xfrm flipV="1">
-            <a:off x="3698445" y="1961640"/>
-            <a:ext cx="0" cy="718389"/>
-          </a:xfrm>
-          <a:prstGeom prst="line">
-            <a:avLst/>
-          </a:prstGeom>
-          <a:ln>
-            <a:solidFill>
-              <a:schemeClr val="tx1"/>
-            </a:solidFill>
-            <a:headEnd type="diamond" w="med" len="med"/>
-            <a:tailEnd type="triangle" w="med" len="med"/>
-          </a:ln>
-        </p:spPr>
-        <p:style>
-          <a:lnRef idx="1">
-            <a:schemeClr val="accent1"/>
-          </a:lnRef>
-          <a:fillRef idx="0">
-            <a:schemeClr val="accent1"/>
-          </a:fillRef>
-          <a:effectRef idx="0">
-            <a:schemeClr val="accent1"/>
-          </a:effectRef>
-          <a:fontRef idx="minor">
-            <a:schemeClr val="tx1"/>
-          </a:fontRef>
-        </p:style>
-      </p:cxnSp>
-      <p:cxnSp>
-        <p:nvCxnSpPr>
-          <p:cNvPr id="36" name="Straight Connector 35">
-            <a:extLst>
-              <a:ext uri="{FF2B5EF4-FFF2-40B4-BE49-F238E27FC236}">
-                <a16:creationId xmlns:a16="http://schemas.microsoft.com/office/drawing/2014/main" id="{7AECA0BA-51D1-4271-BFF5-117F73D0502D}"/>
-              </a:ext>
-            </a:extLst>
-          </p:cNvPr>
-          <p:cNvCxnSpPr>
-            <a:cxnSpLocks/>
-          </p:cNvCxnSpPr>
-          <p:nvPr/>
-        </p:nvCxnSpPr>
-        <p:spPr>
-          <a:xfrm flipV="1">
-            <a:off x="8100628" y="1933303"/>
-            <a:ext cx="0" cy="718389"/>
-          </a:xfrm>
-          <a:prstGeom prst="line">
-            <a:avLst/>
-          </a:prstGeom>
-          <a:ln>
-            <a:solidFill>
-              <a:schemeClr val="tx1"/>
-            </a:solidFill>
-            <a:headEnd type="diamond" w="med" len="med"/>
-            <a:tailEnd type="triangle" w="med" len="med"/>
-          </a:ln>
-        </p:spPr>
-        <p:style>
-          <a:lnRef idx="1">
-            <a:schemeClr val="accent1"/>
-          </a:lnRef>
-          <a:fillRef idx="0">
-            <a:schemeClr val="accent1"/>
-          </a:fillRef>
-          <a:effectRef idx="0">
-            <a:schemeClr val="accent1"/>
-          </a:effectRef>
-          <a:fontRef idx="minor">
-            <a:schemeClr val="tx1"/>
-          </a:fontRef>
-        </p:style>
-      </p:cxnSp>
-      <p:pic>
-        <p:nvPicPr>
-          <p:cNvPr id="43" name="Picture 42">
-            <a:extLst>
-              <a:ext uri="{FF2B5EF4-FFF2-40B4-BE49-F238E27FC236}">
-                <a16:creationId xmlns:a16="http://schemas.microsoft.com/office/drawing/2014/main" id="{ECFEF1B8-B9FF-4097-91C1-B3265A36B657}"/>
-              </a:ext>
-            </a:extLst>
-          </p:cNvPr>
-          <p:cNvPicPr>
-            <a:picLocks noChangeAspect="1"/>
-          </p:cNvPicPr>
-          <p:nvPr/>
-        </p:nvPicPr>
-        <p:blipFill>
-          <a:blip r:embed="rId7">
-            <a:extLst>
-              <a:ext uri="{28A0092B-C50C-407E-A947-70E740481C1C}">
-                <a14:useLocalDpi xmlns:a14="http://schemas.microsoft.com/office/drawing/2010/main" val="0"/>
-              </a:ext>
-            </a:extLst>
-          </a:blip>
-          <a:stretch>
-            <a:fillRect/>
-          </a:stretch>
-        </p:blipFill>
-        <p:spPr>
-          <a:xfrm>
-            <a:off x="1006829" y="1274427"/>
-            <a:ext cx="433447" cy="496945"/>
-          </a:xfrm>
-          <a:prstGeom prst="rect">
-            <a:avLst/>
-          </a:prstGeom>
-        </p:spPr>
-      </p:pic>
-      <p:sp>
-        <p:nvSpPr>
-          <p:cNvPr id="40" name="Subtitle 2">
-            <a:extLst>
-              <a:ext uri="{FF2B5EF4-FFF2-40B4-BE49-F238E27FC236}">
-                <a16:creationId xmlns:a16="http://schemas.microsoft.com/office/drawing/2014/main" id="{D05B6377-3DB5-48D6-9A00-1DA398EE297B}"/>
-              </a:ext>
-            </a:extLst>
-          </p:cNvPr>
-          <p:cNvSpPr>
-            <a:spLocks noGrp="1"/>
-          </p:cNvSpPr>
-          <p:nvPr>
-            <p:ph type="subTitle" idx="1"/>
-          </p:nvPr>
-        </p:nvSpPr>
-        <p:spPr>
-          <a:xfrm>
-            <a:off x="1524000" y="8593"/>
-            <a:ext cx="9144000" cy="493473"/>
-          </a:xfrm>
-        </p:spPr>
-        <p:txBody>
-          <a:bodyPr/>
-          <a:lstStyle/>
-          <a:p>
-            <a:r>
-              <a:rPr lang="en-US" dirty="0"/>
-              <a:t>Portal URLs</a:t>
-            </a:r>
-          </a:p>
-        </p:txBody>
-      </p:sp>
-    </p:spTree>
-    <p:extLst>
-      <p:ext uri="{BB962C8B-B14F-4D97-AF65-F5344CB8AC3E}">
-        <p14:creationId xmlns:p14="http://schemas.microsoft.com/office/powerpoint/2010/main" val="3675903584"/>
-      </p:ext>
-    </p:extLst>
-  </p:cSld>
-  <p:clrMapOvr>
-    <a:masterClrMapping/>
-  </p:clrMapOvr>
-</p:sld>
-</file>
-
-<file path=ppt/slides/slide3.xml><?xml version="1.0" encoding="utf-8"?>
-<p:sld xmlns:a="http://schemas.openxmlformats.org/drawingml/2006/main" xmlns:r="http://schemas.openxmlformats.org/officeDocument/2006/relationships" xmlns:p="http://schemas.openxmlformats.org/presentationml/2006/main">
-  <p:cSld>
-    <p:spTree>
-      <p:nvGrpSpPr>
-        <p:cNvPr id="1" name=""/>
-        <p:cNvGrpSpPr/>
-        <p:nvPr/>
-      </p:nvGrpSpPr>
-      <p:grpSpPr>
-        <a:xfrm>
-          <a:off x="0" y="0"/>
-          <a:ext cx="0" cy="0"/>
-          <a:chOff x="0" y="0"/>
-          <a:chExt cx="0" cy="0"/>
-        </a:xfrm>
-      </p:grpSpPr>
-      <p:sp>
-        <p:nvSpPr>
-          <p:cNvPr id="4" name="Rectangle 3">
-            <a:extLst>
-              <a:ext uri="{FF2B5EF4-FFF2-40B4-BE49-F238E27FC236}">
-                <a16:creationId xmlns:a16="http://schemas.microsoft.com/office/drawing/2014/main" id="{60C7EC8E-9B4D-481A-BC05-8B474EE9925F}"/>
-              </a:ext>
-            </a:extLst>
-          </p:cNvPr>
-          <p:cNvSpPr/>
-          <p:nvPr/>
-        </p:nvSpPr>
-        <p:spPr>
-          <a:xfrm>
-            <a:off x="814251" y="846599"/>
-            <a:ext cx="10563498" cy="1086704"/>
-          </a:xfrm>
-          <a:prstGeom prst="rect">
-            <a:avLst/>
-          </a:prstGeom>
-          <a:solidFill>
-            <a:schemeClr val="bg1"/>
-          </a:solidFill>
-          <a:ln>
-            <a:solidFill>
-              <a:schemeClr val="tx1"/>
-            </a:solidFill>
-          </a:ln>
-        </p:spPr>
-        <p:style>
-          <a:lnRef idx="2">
-            <a:schemeClr val="accent1">
-              <a:shade val="50000"/>
-            </a:schemeClr>
-          </a:lnRef>
-          <a:fillRef idx="1">
-            <a:schemeClr val="accent1"/>
-          </a:fillRef>
-          <a:effectRef idx="0">
-            <a:schemeClr val="accent1"/>
-          </a:effectRef>
-          <a:fontRef idx="minor">
-            <a:schemeClr val="lt1"/>
-          </a:fontRef>
-        </p:style>
-        <p:txBody>
-          <a:bodyPr rtlCol="0" anchor="ctr"/>
-          <a:lstStyle/>
-          <a:p>
-            <a:pPr algn="ctr"/>
-            <a:r>
-              <a:rPr lang="pt-BR" b="1" dirty="0">
-                <a:solidFill>
-                  <a:schemeClr val="tx1"/>
-                </a:solidFill>
-                <a:hlinkClick r:id="rId2"/>
-              </a:rPr>
-              <a:t>Azure Sentinel</a:t>
-            </a:r>
-            <a:br>
-              <a:rPr lang="pt-BR" b="1" dirty="0">
-                <a:solidFill>
-                  <a:schemeClr val="tx1"/>
-                </a:solidFill>
-              </a:rPr>
-            </a:br>
-            <a:r>
-              <a:rPr lang="pt-BR" b="1" dirty="0">
-                <a:solidFill>
-                  <a:schemeClr val="tx1"/>
-                </a:solidFill>
-              </a:rPr>
-              <a:t>(SIEM + SOAR)</a:t>
-            </a:r>
-          </a:p>
-          <a:p>
-            <a:pPr algn="ctr"/>
-            <a:endParaRPr lang="en-US" b="1" dirty="0">
-              <a:solidFill>
-                <a:schemeClr val="tx1"/>
-              </a:solidFill>
-            </a:endParaRPr>
-          </a:p>
-        </p:txBody>
-      </p:sp>
-      <p:sp>
-        <p:nvSpPr>
-          <p:cNvPr id="6" name="Rectangle 5">
-            <a:extLst>
-              <a:ext uri="{FF2B5EF4-FFF2-40B4-BE49-F238E27FC236}">
-                <a16:creationId xmlns:a16="http://schemas.microsoft.com/office/drawing/2014/main" id="{61909025-43A7-44FA-833C-529E33A8B061}"/>
-              </a:ext>
-            </a:extLst>
-          </p:cNvPr>
-          <p:cNvSpPr/>
-          <p:nvPr/>
-        </p:nvSpPr>
-        <p:spPr>
-          <a:xfrm>
-            <a:off x="8604067" y="2799054"/>
-            <a:ext cx="2516778" cy="685800"/>
-          </a:xfrm>
-          <a:prstGeom prst="rect">
-            <a:avLst/>
-          </a:prstGeom>
-          <a:solidFill>
-            <a:schemeClr val="bg1"/>
-          </a:solidFill>
-          <a:ln>
-            <a:solidFill>
-              <a:schemeClr val="tx1"/>
-            </a:solidFill>
-          </a:ln>
-        </p:spPr>
-        <p:style>
-          <a:lnRef idx="2">
-            <a:schemeClr val="accent1">
-              <a:shade val="50000"/>
-            </a:schemeClr>
-          </a:lnRef>
-          <a:fillRef idx="1">
-            <a:schemeClr val="accent1"/>
-          </a:fillRef>
-          <a:effectRef idx="0">
-            <a:schemeClr val="accent1"/>
-          </a:effectRef>
-          <a:fontRef idx="minor">
-            <a:schemeClr val="lt1"/>
-          </a:fontRef>
-        </p:style>
-        <p:txBody>
-          <a:bodyPr rtlCol="0" anchor="ctr"/>
-          <a:lstStyle/>
-          <a:p>
-            <a:pPr algn="ctr"/>
-            <a:r>
-              <a:rPr lang="pt-BR" sz="1400" dirty="0">
-                <a:solidFill>
-                  <a:schemeClr val="tx1"/>
-                </a:solidFill>
-                <a:hlinkClick r:id="rId3"/>
-              </a:rPr>
-              <a:t>Azure Security Center</a:t>
-            </a:r>
-            <a:r>
-              <a:rPr lang="pt-BR" sz="1400" dirty="0">
-                <a:solidFill>
-                  <a:schemeClr val="tx1"/>
-                </a:solidFill>
-              </a:rPr>
-              <a:t>  </a:t>
-            </a:r>
-            <a:endParaRPr lang="en-US" sz="1400" dirty="0">
-              <a:solidFill>
-                <a:schemeClr val="tx1"/>
-              </a:solidFill>
-            </a:endParaRPr>
-          </a:p>
-        </p:txBody>
-      </p:sp>
-      <p:sp>
-        <p:nvSpPr>
-          <p:cNvPr id="12" name="Rectangle 11">
-            <a:extLst>
-              <a:ext uri="{FF2B5EF4-FFF2-40B4-BE49-F238E27FC236}">
-                <a16:creationId xmlns:a16="http://schemas.microsoft.com/office/drawing/2014/main" id="{F67489AD-88A1-4F8F-B8EB-98216280679F}"/>
-              </a:ext>
-            </a:extLst>
-          </p:cNvPr>
-          <p:cNvSpPr/>
-          <p:nvPr/>
-        </p:nvSpPr>
-        <p:spPr>
-          <a:xfrm>
-            <a:off x="814246" y="2802399"/>
-            <a:ext cx="2048707" cy="681486"/>
-          </a:xfrm>
-          <a:prstGeom prst="rect">
-            <a:avLst/>
-          </a:prstGeom>
-          <a:solidFill>
-            <a:schemeClr val="bg1"/>
-          </a:solidFill>
-          <a:ln>
-            <a:solidFill>
-              <a:schemeClr val="tx1"/>
-            </a:solidFill>
-          </a:ln>
-        </p:spPr>
-        <p:style>
-          <a:lnRef idx="2">
-            <a:schemeClr val="accent1">
-              <a:shade val="50000"/>
-            </a:schemeClr>
-          </a:lnRef>
-          <a:fillRef idx="1">
-            <a:schemeClr val="accent1"/>
-          </a:fillRef>
-          <a:effectRef idx="0">
-            <a:schemeClr val="accent1"/>
-          </a:effectRef>
-          <a:fontRef idx="minor">
-            <a:schemeClr val="lt1"/>
-          </a:fontRef>
-        </p:style>
-        <p:txBody>
-          <a:bodyPr rtlCol="0" anchor="ctr"/>
-          <a:lstStyle/>
-          <a:p>
-            <a:pPr algn="ctr"/>
-            <a:r>
-              <a:rPr lang="en-US" sz="1400" dirty="0">
-                <a:solidFill>
-                  <a:schemeClr val="tx1"/>
-                </a:solidFill>
-                <a:hlinkClick r:id="rId4"/>
-              </a:rPr>
-              <a:t>Azure AD IP</a:t>
-            </a:r>
-            <a:endParaRPr lang="en-US" sz="1400" dirty="0">
-              <a:solidFill>
-                <a:schemeClr val="tx1"/>
-              </a:solidFill>
-            </a:endParaRPr>
-          </a:p>
-        </p:txBody>
-      </p:sp>
-      <p:sp>
-        <p:nvSpPr>
-          <p:cNvPr id="13" name="Rectangle 12">
-            <a:extLst>
-              <a:ext uri="{FF2B5EF4-FFF2-40B4-BE49-F238E27FC236}">
-                <a16:creationId xmlns:a16="http://schemas.microsoft.com/office/drawing/2014/main" id="{0A56B3AF-5360-44D4-9DCF-6BEB2F935482}"/>
-              </a:ext>
-            </a:extLst>
-          </p:cNvPr>
-          <p:cNvSpPr/>
-          <p:nvPr/>
-        </p:nvSpPr>
-        <p:spPr>
-          <a:xfrm>
-            <a:off x="814246" y="3628073"/>
-            <a:ext cx="2583295" cy="681486"/>
-          </a:xfrm>
-          <a:prstGeom prst="rect">
-            <a:avLst/>
-          </a:prstGeom>
-          <a:solidFill>
-            <a:schemeClr val="bg1"/>
-          </a:solidFill>
-          <a:ln>
-            <a:solidFill>
-              <a:schemeClr val="tx1"/>
-            </a:solidFill>
-          </a:ln>
-        </p:spPr>
-        <p:style>
-          <a:lnRef idx="2">
-            <a:schemeClr val="accent1">
-              <a:shade val="50000"/>
-            </a:schemeClr>
-          </a:lnRef>
-          <a:fillRef idx="1">
-            <a:schemeClr val="accent1"/>
-          </a:fillRef>
-          <a:effectRef idx="0">
-            <a:schemeClr val="accent1"/>
-          </a:effectRef>
-          <a:fontRef idx="minor">
-            <a:schemeClr val="lt1"/>
-          </a:fontRef>
-        </p:style>
-        <p:txBody>
-          <a:bodyPr rtlCol="0" anchor="ctr"/>
-          <a:lstStyle/>
-          <a:p>
-            <a:pPr algn="ctr"/>
-            <a:r>
-              <a:rPr lang="en-US" sz="1400" dirty="0">
-                <a:solidFill>
-                  <a:schemeClr val="tx1"/>
-                </a:solidFill>
-                <a:hlinkClick r:id="rId5"/>
-              </a:rPr>
-              <a:t>Azure ATP</a:t>
-            </a:r>
-            <a:endParaRPr lang="en-US" sz="1400" dirty="0">
-              <a:solidFill>
-                <a:schemeClr val="tx1"/>
-              </a:solidFill>
-            </a:endParaRPr>
-          </a:p>
-        </p:txBody>
-      </p:sp>
-      <p:sp>
-        <p:nvSpPr>
-          <p:cNvPr id="15" name="Rectangle 14">
-            <a:extLst>
-              <a:ext uri="{FF2B5EF4-FFF2-40B4-BE49-F238E27FC236}">
-                <a16:creationId xmlns:a16="http://schemas.microsoft.com/office/drawing/2014/main" id="{D1F195F9-3D06-422D-A9AC-271BA3B12DEB}"/>
-              </a:ext>
-            </a:extLst>
-          </p:cNvPr>
-          <p:cNvSpPr/>
-          <p:nvPr/>
-        </p:nvSpPr>
-        <p:spPr>
-          <a:xfrm>
-            <a:off x="3530739" y="3628073"/>
-            <a:ext cx="2885518" cy="681486"/>
-          </a:xfrm>
-          <a:prstGeom prst="rect">
-            <a:avLst/>
-          </a:prstGeom>
-          <a:solidFill>
-            <a:schemeClr val="bg1"/>
-          </a:solidFill>
-          <a:ln>
-            <a:solidFill>
-              <a:schemeClr val="tx1"/>
-            </a:solidFill>
-          </a:ln>
-        </p:spPr>
-        <p:style>
-          <a:lnRef idx="2">
-            <a:schemeClr val="accent1">
-              <a:shade val="50000"/>
-            </a:schemeClr>
-          </a:lnRef>
-          <a:fillRef idx="1">
-            <a:schemeClr val="accent1"/>
-          </a:fillRef>
-          <a:effectRef idx="0">
-            <a:schemeClr val="accent1"/>
-          </a:effectRef>
-          <a:fontRef idx="minor">
-            <a:schemeClr val="lt1"/>
-          </a:fontRef>
-        </p:style>
-        <p:txBody>
-          <a:bodyPr rtlCol="0" anchor="ctr"/>
-          <a:lstStyle/>
-          <a:p>
-            <a:pPr algn="ctr"/>
-            <a:r>
-              <a:rPr lang="en-US" sz="1400" dirty="0">
-                <a:solidFill>
-                  <a:schemeClr val="tx1"/>
-                </a:solidFill>
-                <a:hlinkClick r:id="rId6"/>
-              </a:rPr>
-              <a:t>Windows Defender ATP</a:t>
-            </a:r>
-            <a:endParaRPr lang="en-US" sz="1400" dirty="0">
-              <a:solidFill>
-                <a:schemeClr val="tx1"/>
-              </a:solidFill>
-            </a:endParaRPr>
-          </a:p>
-        </p:txBody>
-      </p:sp>
-      <p:sp>
-        <p:nvSpPr>
-          <p:cNvPr id="16" name="Rectangle 15">
-            <a:extLst>
-              <a:ext uri="{FF2B5EF4-FFF2-40B4-BE49-F238E27FC236}">
-                <a16:creationId xmlns:a16="http://schemas.microsoft.com/office/drawing/2014/main" id="{AB7A711C-932B-48D6-AF70-024361B72372}"/>
-              </a:ext>
-            </a:extLst>
-          </p:cNvPr>
-          <p:cNvSpPr/>
-          <p:nvPr/>
-        </p:nvSpPr>
-        <p:spPr>
-          <a:xfrm>
-            <a:off x="2912528" y="2799054"/>
-            <a:ext cx="2516778" cy="681486"/>
-          </a:xfrm>
-          <a:prstGeom prst="rect">
-            <a:avLst/>
-          </a:prstGeom>
-          <a:solidFill>
-            <a:schemeClr val="bg1"/>
-          </a:solidFill>
-          <a:ln>
-            <a:solidFill>
-              <a:schemeClr val="tx1"/>
-            </a:solidFill>
-          </a:ln>
-        </p:spPr>
-        <p:style>
-          <a:lnRef idx="2">
-            <a:schemeClr val="accent1">
-              <a:shade val="50000"/>
-            </a:schemeClr>
-          </a:lnRef>
-          <a:fillRef idx="1">
-            <a:schemeClr val="accent1"/>
-          </a:fillRef>
-          <a:effectRef idx="0">
-            <a:schemeClr val="accent1"/>
-          </a:effectRef>
-          <a:fontRef idx="minor">
-            <a:schemeClr val="lt1"/>
-          </a:fontRef>
-        </p:style>
-        <p:txBody>
-          <a:bodyPr rtlCol="0" anchor="ctr"/>
-          <a:lstStyle/>
-          <a:p>
-            <a:pPr algn="ctr"/>
-            <a:r>
-              <a:rPr lang="en-US" sz="1400" dirty="0">
-                <a:solidFill>
-                  <a:schemeClr val="tx1"/>
-                </a:solidFill>
-                <a:hlinkClick r:id="rId7"/>
-              </a:rPr>
-              <a:t>Office 365 ATP</a:t>
-            </a:r>
-            <a:endParaRPr lang="en-US" sz="1400" dirty="0">
-              <a:solidFill>
-                <a:schemeClr val="tx1"/>
-              </a:solidFill>
-            </a:endParaRPr>
-          </a:p>
-        </p:txBody>
-      </p:sp>
-      <p:sp>
-        <p:nvSpPr>
-          <p:cNvPr id="17" name="Rectangle 16">
-            <a:extLst>
-              <a:ext uri="{FF2B5EF4-FFF2-40B4-BE49-F238E27FC236}">
-                <a16:creationId xmlns:a16="http://schemas.microsoft.com/office/drawing/2014/main" id="{7EBAB6F0-8D3B-4EF6-8391-2ED57F4EBA9B}"/>
-              </a:ext>
-            </a:extLst>
-          </p:cNvPr>
-          <p:cNvSpPr/>
-          <p:nvPr/>
-        </p:nvSpPr>
-        <p:spPr>
-          <a:xfrm>
-            <a:off x="5552108" y="2802399"/>
-            <a:ext cx="2929157" cy="681486"/>
-          </a:xfrm>
-          <a:prstGeom prst="rect">
-            <a:avLst/>
-          </a:prstGeom>
-          <a:solidFill>
-            <a:schemeClr val="bg1"/>
-          </a:solidFill>
-          <a:ln>
-            <a:solidFill>
-              <a:schemeClr val="tx1"/>
-            </a:solidFill>
-          </a:ln>
-        </p:spPr>
-        <p:style>
-          <a:lnRef idx="2">
-            <a:schemeClr val="accent1">
-              <a:shade val="50000"/>
-            </a:schemeClr>
-          </a:lnRef>
-          <a:fillRef idx="1">
-            <a:schemeClr val="accent1"/>
-          </a:fillRef>
-          <a:effectRef idx="0">
-            <a:schemeClr val="accent1"/>
-          </a:effectRef>
-          <a:fontRef idx="minor">
-            <a:schemeClr val="lt1"/>
-          </a:fontRef>
-        </p:style>
-        <p:txBody>
-          <a:bodyPr rtlCol="0" anchor="ctr"/>
-          <a:lstStyle/>
-          <a:p>
-            <a:pPr algn="ctr"/>
-            <a:r>
-              <a:rPr lang="en-US" sz="1400" dirty="0">
-                <a:solidFill>
-                  <a:schemeClr val="tx1"/>
-                </a:solidFill>
-                <a:hlinkClick r:id="rId8"/>
-              </a:rPr>
-              <a:t>Microsoft Cloud App Security</a:t>
-            </a:r>
-            <a:endParaRPr lang="en-US" sz="1400" dirty="0">
-              <a:solidFill>
-                <a:schemeClr val="tx1"/>
-              </a:solidFill>
-            </a:endParaRPr>
-          </a:p>
-        </p:txBody>
-      </p:sp>
-      <p:cxnSp>
-        <p:nvCxnSpPr>
-          <p:cNvPr id="34" name="Straight Connector 33">
-            <a:extLst>
-              <a:ext uri="{FF2B5EF4-FFF2-40B4-BE49-F238E27FC236}">
-                <a16:creationId xmlns:a16="http://schemas.microsoft.com/office/drawing/2014/main" id="{8354F3CD-D484-4EA4-B87A-2CBF54AACEB8}"/>
-              </a:ext>
-            </a:extLst>
-          </p:cNvPr>
-          <p:cNvCxnSpPr>
-            <a:cxnSpLocks/>
-          </p:cNvCxnSpPr>
-          <p:nvPr/>
-        </p:nvCxnSpPr>
-        <p:spPr>
-          <a:xfrm flipV="1">
-            <a:off x="3698445" y="1961640"/>
-            <a:ext cx="0" cy="718389"/>
-          </a:xfrm>
-          <a:prstGeom prst="line">
-            <a:avLst/>
-          </a:prstGeom>
-          <a:ln>
-            <a:solidFill>
-              <a:schemeClr val="tx1"/>
-            </a:solidFill>
-            <a:headEnd type="diamond" w="med" len="med"/>
-            <a:tailEnd type="triangle" w="med" len="med"/>
-          </a:ln>
-        </p:spPr>
-        <p:style>
-          <a:lnRef idx="1">
-            <a:schemeClr val="accent1"/>
-          </a:lnRef>
-          <a:fillRef idx="0">
-            <a:schemeClr val="accent1"/>
-          </a:fillRef>
-          <a:effectRef idx="0">
-            <a:schemeClr val="accent1"/>
-          </a:effectRef>
-          <a:fontRef idx="minor">
-            <a:schemeClr val="tx1"/>
-          </a:fontRef>
-        </p:style>
-      </p:cxnSp>
-      <p:cxnSp>
-        <p:nvCxnSpPr>
-          <p:cNvPr id="36" name="Straight Connector 35">
-            <a:extLst>
-              <a:ext uri="{FF2B5EF4-FFF2-40B4-BE49-F238E27FC236}">
-                <a16:creationId xmlns:a16="http://schemas.microsoft.com/office/drawing/2014/main" id="{7AECA0BA-51D1-4271-BFF5-117F73D0502D}"/>
-              </a:ext>
-            </a:extLst>
-          </p:cNvPr>
-          <p:cNvCxnSpPr>
-            <a:cxnSpLocks/>
-          </p:cNvCxnSpPr>
-          <p:nvPr/>
-        </p:nvCxnSpPr>
-        <p:spPr>
-          <a:xfrm flipV="1">
-            <a:off x="8100628" y="1933303"/>
-            <a:ext cx="0" cy="718389"/>
-          </a:xfrm>
-          <a:prstGeom prst="line">
-            <a:avLst/>
-          </a:prstGeom>
-          <a:ln>
-            <a:solidFill>
-              <a:schemeClr val="tx1"/>
-            </a:solidFill>
-            <a:headEnd type="diamond" w="med" len="med"/>
-            <a:tailEnd type="triangle" w="med" len="med"/>
-          </a:ln>
-        </p:spPr>
-        <p:style>
-          <a:lnRef idx="1">
-            <a:schemeClr val="accent1"/>
-          </a:lnRef>
-          <a:fillRef idx="0">
-            <a:schemeClr val="accent1"/>
-          </a:fillRef>
-          <a:effectRef idx="0">
-            <a:schemeClr val="accent1"/>
-          </a:effectRef>
-          <a:fontRef idx="minor">
-            <a:schemeClr val="tx1"/>
-          </a:fontRef>
-        </p:style>
-      </p:cxnSp>
-      <p:pic>
-        <p:nvPicPr>
-          <p:cNvPr id="43" name="Picture 42">
-            <a:extLst>
-              <a:ext uri="{FF2B5EF4-FFF2-40B4-BE49-F238E27FC236}">
-                <a16:creationId xmlns:a16="http://schemas.microsoft.com/office/drawing/2014/main" id="{ECFEF1B8-B9FF-4097-91C1-B3265A36B657}"/>
-              </a:ext>
-            </a:extLst>
-          </p:cNvPr>
-          <p:cNvPicPr>
-            <a:picLocks noChangeAspect="1"/>
-          </p:cNvPicPr>
-          <p:nvPr/>
-        </p:nvPicPr>
-        <p:blipFill>
-          <a:blip r:embed="rId9">
-            <a:extLst>
-              <a:ext uri="{28A0092B-C50C-407E-A947-70E740481C1C}">
-                <a14:useLocalDpi xmlns:a14="http://schemas.microsoft.com/office/drawing/2010/main" val="0"/>
-              </a:ext>
-            </a:extLst>
-          </a:blip>
-          <a:stretch>
-            <a:fillRect/>
-          </a:stretch>
-        </p:blipFill>
-        <p:spPr>
-          <a:xfrm>
-            <a:off x="1006829" y="1274427"/>
-            <a:ext cx="433447" cy="496945"/>
-          </a:xfrm>
-          <a:prstGeom prst="rect">
-            <a:avLst/>
-          </a:prstGeom>
-        </p:spPr>
-      </p:pic>
-      <p:sp>
-        <p:nvSpPr>
-          <p:cNvPr id="40" name="Subtitle 2">
-            <a:extLst>
-              <a:ext uri="{FF2B5EF4-FFF2-40B4-BE49-F238E27FC236}">
-                <a16:creationId xmlns:a16="http://schemas.microsoft.com/office/drawing/2014/main" id="{D05B6377-3DB5-48D6-9A00-1DA398EE297B}"/>
-              </a:ext>
-            </a:extLst>
-          </p:cNvPr>
-          <p:cNvSpPr>
-            <a:spLocks noGrp="1"/>
-          </p:cNvSpPr>
-          <p:nvPr>
-            <p:ph type="subTitle" idx="1"/>
-          </p:nvPr>
-        </p:nvSpPr>
-        <p:spPr>
-          <a:xfrm>
-            <a:off x="1524000" y="8593"/>
-            <a:ext cx="9144000" cy="493473"/>
-          </a:xfrm>
-        </p:spPr>
-        <p:txBody>
-          <a:bodyPr/>
-          <a:lstStyle/>
-          <a:p>
-            <a:r>
-              <a:rPr lang="en-US" dirty="0"/>
-              <a:t>Portal URLs</a:t>
-            </a:r>
-          </a:p>
-        </p:txBody>
-      </p:sp>
-    </p:spTree>
-    <p:extLst>
-      <p:ext uri="{BB962C8B-B14F-4D97-AF65-F5344CB8AC3E}">
-        <p14:creationId xmlns:p14="http://schemas.microsoft.com/office/powerpoint/2010/main" val="625032301"/>
       </p:ext>
     </p:extLst>
   </p:cSld>
@@ -8419,6 +7631,24 @@
 </file>
 
 <file path=customXml/item1.xml><?xml version="1.0" encoding="utf-8"?>
+<p:properties xmlns:p="http://schemas.microsoft.com/office/2006/metadata/properties" xmlns:xsi="http://www.w3.org/2001/XMLSchema-instance" xmlns:pc="http://schemas.microsoft.com/office/infopath/2007/PartnerControls">
+  <documentManagement>
+    <_ip_UnifiedCompliancePolicyUIAction xmlns="http://schemas.microsoft.com/sharepoint/v3" xsi:nil="true"/>
+    <_ip_UnifiedCompliancePolicyProperties xmlns="http://schemas.microsoft.com/sharepoint/v3" xsi:nil="true"/>
+  </documentManagement>
+</p:properties>
+</file>
+
+<file path=customXml/item2.xml><?xml version="1.0" encoding="utf-8"?>
+<?mso-contentType ?>
+<FormTemplates xmlns="http://schemas.microsoft.com/sharepoint/v3/contenttype/forms">
+  <Display>DocumentLibraryForm</Display>
+  <Edit>DocumentLibraryForm</Edit>
+  <New>DocumentLibraryForm</New>
+</FormTemplates>
+</file>
+
+<file path=customXml/item3.xml><?xml version="1.0" encoding="utf-8"?>
 <ct:contentTypeSchema xmlns:ct="http://schemas.microsoft.com/office/2006/metadata/contentType" xmlns:ma="http://schemas.microsoft.com/office/2006/metadata/properties/metaAttributes" ct:_="" ma:_="" ma:contentTypeName="Document" ma:contentTypeID="0x0101002DF6899468086341B63EEBAF8D6470C9" ma:contentTypeVersion="17" ma:contentTypeDescription="Create a new document." ma:contentTypeScope="" ma:versionID="0b4800ffb73ef30d85678127449dc1d7">
   <xsd:schema xmlns:xsd="http://www.w3.org/2001/XMLSchema" xmlns:xs="http://www.w3.org/2001/XMLSchema" xmlns:p="http://schemas.microsoft.com/office/2006/metadata/properties" xmlns:ns1="http://schemas.microsoft.com/sharepoint/v3" xmlns:ns3="40fc1527-342e-4db1-aae8-1b9926eec29d" xmlns:ns4="dae3f8b2-4587-4545-94b8-d8853f576157" targetNamespace="http://schemas.microsoft.com/office/2006/metadata/properties" ma:root="true" ma:fieldsID="2e29e10118874781b2dea35c2e9a6ae3" ns1:_="" ns3:_="" ns4:_="">
     <xsd:import namespace="http://schemas.microsoft.com/sharepoint/v3"/>
@@ -8672,25 +7902,33 @@
 </ct:contentTypeSchema>
 </file>
 
-<file path=customXml/item2.xml><?xml version="1.0" encoding="utf-8"?>
-<?mso-contentType ?>
-<FormTemplates xmlns="http://schemas.microsoft.com/sharepoint/v3/contenttype/forms">
-  <Display>DocumentLibraryForm</Display>
-  <Edit>DocumentLibraryForm</Edit>
-  <New>DocumentLibraryForm</New>
-</FormTemplates>
+<file path=customXml/itemProps1.xml><?xml version="1.0" encoding="utf-8"?>
+<ds:datastoreItem xmlns:ds="http://schemas.openxmlformats.org/officeDocument/2006/customXml" ds:itemID="{A9DA2F30-E5DA-4923-87DC-53FC1D4515BB}">
+  <ds:schemaRefs>
+    <ds:schemaRef ds:uri="http://purl.org/dc/elements/1.1/"/>
+    <ds:schemaRef ds:uri="http://schemas.microsoft.com/office/2006/documentManagement/types"/>
+    <ds:schemaRef ds:uri="http://purl.org/dc/dcmitype/"/>
+    <ds:schemaRef ds:uri="40fc1527-342e-4db1-aae8-1b9926eec29d"/>
+    <ds:schemaRef ds:uri="dae3f8b2-4587-4545-94b8-d8853f576157"/>
+    <ds:schemaRef ds:uri="http://schemas.microsoft.com/office/2006/metadata/properties"/>
+    <ds:schemaRef ds:uri="http://schemas.microsoft.com/office/infopath/2007/PartnerControls"/>
+    <ds:schemaRef ds:uri="http://www.w3.org/XML/1998/namespace"/>
+    <ds:schemaRef ds:uri="http://schemas.openxmlformats.org/package/2006/metadata/core-properties"/>
+    <ds:schemaRef ds:uri="http://schemas.microsoft.com/sharepoint/v3"/>
+    <ds:schemaRef ds:uri="http://purl.org/dc/terms/"/>
+  </ds:schemaRefs>
+</ds:datastoreItem>
 </file>
 
-<file path=customXml/item3.xml><?xml version="1.0" encoding="utf-8"?>
-<p:properties xmlns:p="http://schemas.microsoft.com/office/2006/metadata/properties" xmlns:xsi="http://www.w3.org/2001/XMLSchema-instance" xmlns:pc="http://schemas.microsoft.com/office/infopath/2007/PartnerControls">
-  <documentManagement>
-    <_ip_UnifiedCompliancePolicyUIAction xmlns="http://schemas.microsoft.com/sharepoint/v3" xsi:nil="true"/>
-    <_ip_UnifiedCompliancePolicyProperties xmlns="http://schemas.microsoft.com/sharepoint/v3" xsi:nil="true"/>
-  </documentManagement>
-</p:properties>
+<file path=customXml/itemProps2.xml><?xml version="1.0" encoding="utf-8"?>
+<ds:datastoreItem xmlns:ds="http://schemas.openxmlformats.org/officeDocument/2006/customXml" ds:itemID="{A1EAD24D-4EF8-400A-9468-E58E8CF9D895}">
+  <ds:schemaRefs>
+    <ds:schemaRef ds:uri="http://schemas.microsoft.com/sharepoint/v3/contenttype/forms"/>
+  </ds:schemaRefs>
+</ds:datastoreItem>
 </file>
 
-<file path=customXml/itemProps1.xml><?xml version="1.0" encoding="utf-8"?>
+<file path=customXml/itemProps3.xml><?xml version="1.0" encoding="utf-8"?>
 <ds:datastoreItem xmlns:ds="http://schemas.openxmlformats.org/officeDocument/2006/customXml" ds:itemID="{76C5C54B-5A73-4DBE-8E20-042434011441}">
   <ds:schemaRefs>
     <ds:schemaRef ds:uri="http://schemas.microsoft.com/office/2006/metadata/contentType"/>
@@ -8708,30 +7946,4 @@
     <ds:schemaRef ds:uri="http://schemas.microsoft.com/internal/obd"/>
   </ds:schemaRefs>
 </ds:datastoreItem>
-</file>
-
-<file path=customXml/itemProps2.xml><?xml version="1.0" encoding="utf-8"?>
-<ds:datastoreItem xmlns:ds="http://schemas.openxmlformats.org/officeDocument/2006/customXml" ds:itemID="{A1EAD24D-4EF8-400A-9468-E58E8CF9D895}">
-  <ds:schemaRefs>
-    <ds:schemaRef ds:uri="http://schemas.microsoft.com/sharepoint/v3/contenttype/forms"/>
-  </ds:schemaRefs>
-</ds:datastoreItem>
-</file>
-
-<file path=customXml/itemProps3.xml><?xml version="1.0" encoding="utf-8"?>
-<ds:datastoreItem xmlns:ds="http://schemas.openxmlformats.org/officeDocument/2006/customXml" ds:itemID="{A9DA2F30-E5DA-4923-87DC-53FC1D4515BB}">
-  <ds:schemaRefs>
-    <ds:schemaRef ds:uri="http://purl.org/dc/elements/1.1/"/>
-    <ds:schemaRef ds:uri="http://schemas.microsoft.com/office/2006/documentManagement/types"/>
-    <ds:schemaRef ds:uri="http://purl.org/dc/dcmitype/"/>
-    <ds:schemaRef ds:uri="40fc1527-342e-4db1-aae8-1b9926eec29d"/>
-    <ds:schemaRef ds:uri="dae3f8b2-4587-4545-94b8-d8853f576157"/>
-    <ds:schemaRef ds:uri="http://schemas.microsoft.com/office/2006/metadata/properties"/>
-    <ds:schemaRef ds:uri="http://schemas.microsoft.com/office/infopath/2007/PartnerControls"/>
-    <ds:schemaRef ds:uri="http://www.w3.org/XML/1998/namespace"/>
-    <ds:schemaRef ds:uri="http://schemas.openxmlformats.org/package/2006/metadata/core-properties"/>
-    <ds:schemaRef ds:uri="http://schemas.microsoft.com/sharepoint/v3"/>
-    <ds:schemaRef ds:uri="http://purl.org/dc/terms/"/>
-  </ds:schemaRefs>
-</ds:datastoreItem>
 </file>
--- a/MicrosoftSecurityPortalsandFree.pptx
+++ b/MicrosoftSecurityPortalsandFree.pptx
@@ -616,7 +616,7 @@
           <a:p>
             <a:fld id="{8E18073A-F511-46A2-A2F5-3206505032B3}" type="datetimeFigureOut">
               <a:rPr lang="en-US" smtClean="0"/>
-              <a:t>6/3/2020</a:t>
+              <a:t>6/4/2020</a:t>
             </a:fld>
             <a:endParaRPr lang="en-US"/>
           </a:p>
@@ -814,7 +814,7 @@
           <a:p>
             <a:fld id="{8E18073A-F511-46A2-A2F5-3206505032B3}" type="datetimeFigureOut">
               <a:rPr lang="en-US" smtClean="0"/>
-              <a:t>6/3/2020</a:t>
+              <a:t>6/4/2020</a:t>
             </a:fld>
             <a:endParaRPr lang="en-US"/>
           </a:p>
@@ -1022,7 +1022,7 @@
           <a:p>
             <a:fld id="{8E18073A-F511-46A2-A2F5-3206505032B3}" type="datetimeFigureOut">
               <a:rPr lang="en-US" smtClean="0"/>
-              <a:t>6/3/2020</a:t>
+              <a:t>6/4/2020</a:t>
             </a:fld>
             <a:endParaRPr lang="en-US"/>
           </a:p>
@@ -1220,7 +1220,7 @@
           <a:p>
             <a:fld id="{8E18073A-F511-46A2-A2F5-3206505032B3}" type="datetimeFigureOut">
               <a:rPr lang="en-US" smtClean="0"/>
-              <a:t>6/3/2020</a:t>
+              <a:t>6/4/2020</a:t>
             </a:fld>
             <a:endParaRPr lang="en-US"/>
           </a:p>
@@ -1495,7 +1495,7 @@
           <a:p>
             <a:fld id="{8E18073A-F511-46A2-A2F5-3206505032B3}" type="datetimeFigureOut">
               <a:rPr lang="en-US" smtClean="0"/>
-              <a:t>6/3/2020</a:t>
+              <a:t>6/4/2020</a:t>
             </a:fld>
             <a:endParaRPr lang="en-US"/>
           </a:p>
@@ -1760,7 +1760,7 @@
           <a:p>
             <a:fld id="{8E18073A-F511-46A2-A2F5-3206505032B3}" type="datetimeFigureOut">
               <a:rPr lang="en-US" smtClean="0"/>
-              <a:t>6/3/2020</a:t>
+              <a:t>6/4/2020</a:t>
             </a:fld>
             <a:endParaRPr lang="en-US"/>
           </a:p>
@@ -2172,7 +2172,7 @@
           <a:p>
             <a:fld id="{8E18073A-F511-46A2-A2F5-3206505032B3}" type="datetimeFigureOut">
               <a:rPr lang="en-US" smtClean="0"/>
-              <a:t>6/3/2020</a:t>
+              <a:t>6/4/2020</a:t>
             </a:fld>
             <a:endParaRPr lang="en-US"/>
           </a:p>
@@ -2313,7 +2313,7 @@
           <a:p>
             <a:fld id="{8E18073A-F511-46A2-A2F5-3206505032B3}" type="datetimeFigureOut">
               <a:rPr lang="en-US" smtClean="0"/>
-              <a:t>6/3/2020</a:t>
+              <a:t>6/4/2020</a:t>
             </a:fld>
             <a:endParaRPr lang="en-US"/>
           </a:p>
@@ -2426,7 +2426,7 @@
           <a:p>
             <a:fld id="{8E18073A-F511-46A2-A2F5-3206505032B3}" type="datetimeFigureOut">
               <a:rPr lang="en-US" smtClean="0"/>
-              <a:t>6/3/2020</a:t>
+              <a:t>6/4/2020</a:t>
             </a:fld>
             <a:endParaRPr lang="en-US"/>
           </a:p>
@@ -2737,7 +2737,7 @@
           <a:p>
             <a:fld id="{8E18073A-F511-46A2-A2F5-3206505032B3}" type="datetimeFigureOut">
               <a:rPr lang="en-US" smtClean="0"/>
-              <a:t>6/3/2020</a:t>
+              <a:t>6/4/2020</a:t>
             </a:fld>
             <a:endParaRPr lang="en-US"/>
           </a:p>
@@ -3025,7 +3025,7 @@
           <a:p>
             <a:fld id="{8E18073A-F511-46A2-A2F5-3206505032B3}" type="datetimeFigureOut">
               <a:rPr lang="en-US" smtClean="0"/>
-              <a:t>6/3/2020</a:t>
+              <a:t>6/4/2020</a:t>
             </a:fld>
             <a:endParaRPr lang="en-US"/>
           </a:p>
@@ -3266,7 +3266,7 @@
           <a:p>
             <a:fld id="{8E18073A-F511-46A2-A2F5-3206505032B3}" type="datetimeFigureOut">
               <a:rPr lang="en-US" smtClean="0"/>
-              <a:t>6/3/2020</a:t>
+              <a:t>6/4/2020</a:t>
             </a:fld>
             <a:endParaRPr lang="en-US"/>
           </a:p>
@@ -4369,6 +4369,51 @@
       </p:grpSpPr>
       <p:cxnSp>
         <p:nvCxnSpPr>
+          <p:cNvPr id="34" name="Straight Connector 33">
+            <a:extLst>
+              <a:ext uri="{FF2B5EF4-FFF2-40B4-BE49-F238E27FC236}">
+                <a16:creationId xmlns:a16="http://schemas.microsoft.com/office/drawing/2014/main" id="{8354F3CD-D484-4EA4-B87A-2CBF54AACEB8}"/>
+              </a:ext>
+            </a:extLst>
+          </p:cNvPr>
+          <p:cNvCxnSpPr>
+            <a:cxnSpLocks/>
+          </p:cNvCxnSpPr>
+          <p:nvPr/>
+        </p:nvCxnSpPr>
+        <p:spPr>
+          <a:xfrm flipV="1">
+            <a:off x="2960214" y="1996474"/>
+            <a:ext cx="0" cy="718389"/>
+          </a:xfrm>
+          <a:prstGeom prst="line">
+            <a:avLst/>
+          </a:prstGeom>
+          <a:ln>
+            <a:solidFill>
+              <a:schemeClr val="tx1"/>
+            </a:solidFill>
+            <a:headEnd type="diamond" w="med" len="med"/>
+            <a:tailEnd type="triangle" w="med" len="med"/>
+          </a:ln>
+        </p:spPr>
+        <p:style>
+          <a:lnRef idx="1">
+            <a:schemeClr val="accent1"/>
+          </a:lnRef>
+          <a:fillRef idx="0">
+            <a:schemeClr val="accent1"/>
+          </a:fillRef>
+          <a:effectRef idx="0">
+            <a:schemeClr val="accent1"/>
+          </a:effectRef>
+          <a:fontRef idx="minor">
+            <a:schemeClr val="tx1"/>
+          </a:fontRef>
+        </p:style>
+      </p:cxnSp>
+      <p:cxnSp>
+        <p:nvCxnSpPr>
           <p:cNvPr id="30" name="Straight Connector 29">
             <a:extLst>
               <a:ext uri="{FF2B5EF4-FFF2-40B4-BE49-F238E27FC236}">
@@ -5628,51 +5673,6 @@
           <a:xfrm flipH="1" flipV="1">
             <a:off x="3019517" y="3429000"/>
             <a:ext cx="2177428" cy="515984"/>
-          </a:xfrm>
-          <a:prstGeom prst="line">
-            <a:avLst/>
-          </a:prstGeom>
-          <a:ln>
-            <a:solidFill>
-              <a:schemeClr val="tx1"/>
-            </a:solidFill>
-            <a:headEnd type="diamond" w="med" len="med"/>
-            <a:tailEnd type="triangle" w="med" len="med"/>
-          </a:ln>
-        </p:spPr>
-        <p:style>
-          <a:lnRef idx="1">
-            <a:schemeClr val="accent1"/>
-          </a:lnRef>
-          <a:fillRef idx="0">
-            <a:schemeClr val="accent1"/>
-          </a:fillRef>
-          <a:effectRef idx="0">
-            <a:schemeClr val="accent1"/>
-          </a:effectRef>
-          <a:fontRef idx="minor">
-            <a:schemeClr val="tx1"/>
-          </a:fontRef>
-        </p:style>
-      </p:cxnSp>
-      <p:cxnSp>
-        <p:nvCxnSpPr>
-          <p:cNvPr id="34" name="Straight Connector 33">
-            <a:extLst>
-              <a:ext uri="{FF2B5EF4-FFF2-40B4-BE49-F238E27FC236}">
-                <a16:creationId xmlns:a16="http://schemas.microsoft.com/office/drawing/2014/main" id="{8354F3CD-D484-4EA4-B87A-2CBF54AACEB8}"/>
-              </a:ext>
-            </a:extLst>
-          </p:cNvPr>
-          <p:cNvCxnSpPr>
-            <a:cxnSpLocks/>
-          </p:cNvCxnSpPr>
-          <p:nvPr/>
-        </p:nvCxnSpPr>
-        <p:spPr>
-          <a:xfrm flipV="1">
-            <a:off x="2960214" y="1996474"/>
-            <a:ext cx="0" cy="718389"/>
           </a:xfrm>
           <a:prstGeom prst="line">
             <a:avLst/>
@@ -6595,51 +6595,6 @@
           </a:fontRef>
         </p:style>
       </p:cxnSp>
-      <p:cxnSp>
-        <p:nvCxnSpPr>
-          <p:cNvPr id="51" name="Straight Connector 50">
-            <a:extLst>
-              <a:ext uri="{FF2B5EF4-FFF2-40B4-BE49-F238E27FC236}">
-                <a16:creationId xmlns:a16="http://schemas.microsoft.com/office/drawing/2014/main" id="{2070AAB8-FDD7-44E0-9C46-1412BE4B948A}"/>
-              </a:ext>
-            </a:extLst>
-          </p:cNvPr>
-          <p:cNvCxnSpPr>
-            <a:cxnSpLocks/>
-          </p:cNvCxnSpPr>
-          <p:nvPr/>
-        </p:nvCxnSpPr>
-        <p:spPr>
-          <a:xfrm flipV="1">
-            <a:off x="3112614" y="2148874"/>
-            <a:ext cx="0" cy="718389"/>
-          </a:xfrm>
-          <a:prstGeom prst="line">
-            <a:avLst/>
-          </a:prstGeom>
-          <a:ln>
-            <a:solidFill>
-              <a:schemeClr val="tx1"/>
-            </a:solidFill>
-            <a:headEnd type="diamond" w="med" len="med"/>
-            <a:tailEnd type="triangle" w="med" len="med"/>
-          </a:ln>
-        </p:spPr>
-        <p:style>
-          <a:lnRef idx="1">
-            <a:schemeClr val="accent1"/>
-          </a:lnRef>
-          <a:fillRef idx="0">
-            <a:schemeClr val="accent1"/>
-          </a:fillRef>
-          <a:effectRef idx="0">
-            <a:schemeClr val="accent1"/>
-          </a:effectRef>
-          <a:fontRef idx="minor">
-            <a:schemeClr val="tx1"/>
-          </a:fontRef>
-        </p:style>
-      </p:cxnSp>
       <mc:AlternateContent xmlns:mc="http://schemas.openxmlformats.org/markup-compatibility/2006" xmlns:p14="http://schemas.microsoft.com/office/powerpoint/2010/main">
         <mc:Choice Requires="p14">
           <p:contentPart p14:bwMode="auto" r:id="rId15">
@@ -7322,6 +7277,222 @@
           </a:fontRef>
         </p:style>
       </p:cxnSp>
+      <p:sp>
+        <p:nvSpPr>
+          <p:cNvPr id="2" name="Rectangle 1">
+            <a:extLst>
+              <a:ext uri="{FF2B5EF4-FFF2-40B4-BE49-F238E27FC236}">
+                <a16:creationId xmlns:a16="http://schemas.microsoft.com/office/drawing/2014/main" id="{A49F9D84-B459-4256-A49A-060FDA590256}"/>
+              </a:ext>
+            </a:extLst>
+          </p:cNvPr>
+          <p:cNvSpPr/>
+          <p:nvPr/>
+        </p:nvSpPr>
+        <p:spPr>
+          <a:xfrm>
+            <a:off x="2985267" y="2272472"/>
+            <a:ext cx="1335341" cy="243220"/>
+          </a:xfrm>
+          <a:prstGeom prst="rect">
+            <a:avLst/>
+          </a:prstGeom>
+          <a:noFill/>
+        </p:spPr>
+        <p:style>
+          <a:lnRef idx="2">
+            <a:schemeClr val="accent1">
+              <a:shade val="50000"/>
+            </a:schemeClr>
+          </a:lnRef>
+          <a:fillRef idx="1">
+            <a:schemeClr val="accent1"/>
+          </a:fillRef>
+          <a:effectRef idx="0">
+            <a:schemeClr val="accent1"/>
+          </a:effectRef>
+          <a:fontRef idx="minor">
+            <a:schemeClr val="lt1"/>
+          </a:fontRef>
+        </p:style>
+        <p:txBody>
+          <a:bodyPr rtlCol="0" anchor="ctr"/>
+          <a:lstStyle/>
+          <a:p>
+            <a:pPr algn="ctr"/>
+            <a:r>
+              <a:rPr lang="en-US" sz="1100" dirty="0">
+                <a:solidFill>
+                  <a:schemeClr val="tx1"/>
+                </a:solidFill>
+              </a:rPr>
+              <a:t>ALERTS</a:t>
+            </a:r>
+          </a:p>
+        </p:txBody>
+      </p:sp>
+      <p:sp>
+        <p:nvSpPr>
+          <p:cNvPr id="24" name="Rectangle 23">
+            <a:extLst>
+              <a:ext uri="{FF2B5EF4-FFF2-40B4-BE49-F238E27FC236}">
+                <a16:creationId xmlns:a16="http://schemas.microsoft.com/office/drawing/2014/main" id="{96BEC5D1-1C94-4683-8CE4-66313EC889BB}"/>
+              </a:ext>
+            </a:extLst>
+          </p:cNvPr>
+          <p:cNvSpPr/>
+          <p:nvPr/>
+        </p:nvSpPr>
+        <p:spPr>
+          <a:xfrm>
+            <a:off x="10730538" y="2271827"/>
+            <a:ext cx="1335341" cy="243220"/>
+          </a:xfrm>
+          <a:prstGeom prst="rect">
+            <a:avLst/>
+          </a:prstGeom>
+          <a:noFill/>
+        </p:spPr>
+        <p:style>
+          <a:lnRef idx="2">
+            <a:schemeClr val="accent1">
+              <a:shade val="50000"/>
+            </a:schemeClr>
+          </a:lnRef>
+          <a:fillRef idx="1">
+            <a:schemeClr val="accent1"/>
+          </a:fillRef>
+          <a:effectRef idx="0">
+            <a:schemeClr val="accent1"/>
+          </a:effectRef>
+          <a:fontRef idx="minor">
+            <a:schemeClr val="lt1"/>
+          </a:fontRef>
+        </p:style>
+        <p:txBody>
+          <a:bodyPr rtlCol="0" anchor="ctr"/>
+          <a:lstStyle/>
+          <a:p>
+            <a:pPr algn="ctr"/>
+            <a:r>
+              <a:rPr lang="en-US" sz="1100" dirty="0">
+                <a:solidFill>
+                  <a:schemeClr val="tx1"/>
+                </a:solidFill>
+              </a:rPr>
+              <a:t>LOGS</a:t>
+            </a:r>
+          </a:p>
+        </p:txBody>
+      </p:sp>
+      <p:sp>
+        <p:nvSpPr>
+          <p:cNvPr id="26" name="Rectangle 25">
+            <a:extLst>
+              <a:ext uri="{FF2B5EF4-FFF2-40B4-BE49-F238E27FC236}">
+                <a16:creationId xmlns:a16="http://schemas.microsoft.com/office/drawing/2014/main" id="{81B3CFD3-AEA1-4413-944F-B9F8C834A082}"/>
+              </a:ext>
+            </a:extLst>
+          </p:cNvPr>
+          <p:cNvSpPr/>
+          <p:nvPr/>
+        </p:nvSpPr>
+        <p:spPr>
+          <a:xfrm>
+            <a:off x="8308640" y="2267029"/>
+            <a:ext cx="1335341" cy="243220"/>
+          </a:xfrm>
+          <a:prstGeom prst="rect">
+            <a:avLst/>
+          </a:prstGeom>
+          <a:noFill/>
+        </p:spPr>
+        <p:style>
+          <a:lnRef idx="2">
+            <a:schemeClr val="accent1">
+              <a:shade val="50000"/>
+            </a:schemeClr>
+          </a:lnRef>
+          <a:fillRef idx="1">
+            <a:schemeClr val="accent1"/>
+          </a:fillRef>
+          <a:effectRef idx="0">
+            <a:schemeClr val="accent1"/>
+          </a:effectRef>
+          <a:fontRef idx="minor">
+            <a:schemeClr val="lt1"/>
+          </a:fontRef>
+        </p:style>
+        <p:txBody>
+          <a:bodyPr rtlCol="0" anchor="ctr"/>
+          <a:lstStyle/>
+          <a:p>
+            <a:pPr algn="ctr"/>
+            <a:r>
+              <a:rPr lang="en-US" sz="1100" dirty="0">
+                <a:solidFill>
+                  <a:schemeClr val="tx1"/>
+                </a:solidFill>
+              </a:rPr>
+              <a:t>LOGS</a:t>
+            </a:r>
+          </a:p>
+        </p:txBody>
+      </p:sp>
+      <p:sp>
+        <p:nvSpPr>
+          <p:cNvPr id="44" name="Rectangle 43">
+            <a:extLst>
+              <a:ext uri="{FF2B5EF4-FFF2-40B4-BE49-F238E27FC236}">
+                <a16:creationId xmlns:a16="http://schemas.microsoft.com/office/drawing/2014/main" id="{56CDE4A9-2116-4805-AEC1-4A0CC6C2E538}"/>
+              </a:ext>
+            </a:extLst>
+          </p:cNvPr>
+          <p:cNvSpPr/>
+          <p:nvPr/>
+        </p:nvSpPr>
+        <p:spPr>
+          <a:xfrm>
+            <a:off x="6102351" y="2267029"/>
+            <a:ext cx="1196539" cy="243220"/>
+          </a:xfrm>
+          <a:prstGeom prst="rect">
+            <a:avLst/>
+          </a:prstGeom>
+          <a:noFill/>
+        </p:spPr>
+        <p:style>
+          <a:lnRef idx="2">
+            <a:schemeClr val="accent1">
+              <a:shade val="50000"/>
+            </a:schemeClr>
+          </a:lnRef>
+          <a:fillRef idx="1">
+            <a:schemeClr val="accent1"/>
+          </a:fillRef>
+          <a:effectRef idx="0">
+            <a:schemeClr val="accent1"/>
+          </a:effectRef>
+          <a:fontRef idx="minor">
+            <a:schemeClr val="lt1"/>
+          </a:fontRef>
+        </p:style>
+        <p:txBody>
+          <a:bodyPr rtlCol="0" anchor="ctr"/>
+          <a:lstStyle/>
+          <a:p>
+            <a:pPr algn="ctr"/>
+            <a:r>
+              <a:rPr lang="en-US" sz="1100" dirty="0">
+                <a:solidFill>
+                  <a:schemeClr val="tx1"/>
+                </a:solidFill>
+              </a:rPr>
+              <a:t>ALERTS</a:t>
+            </a:r>
+          </a:p>
+        </p:txBody>
+      </p:sp>
     </p:spTree>
     <p:extLst>
       <p:ext uri="{BB962C8B-B14F-4D97-AF65-F5344CB8AC3E}">
@@ -7631,24 +7802,6 @@
 </file>
 
 <file path=customXml/item1.xml><?xml version="1.0" encoding="utf-8"?>
-<p:properties xmlns:p="http://schemas.microsoft.com/office/2006/metadata/properties" xmlns:xsi="http://www.w3.org/2001/XMLSchema-instance" xmlns:pc="http://schemas.microsoft.com/office/infopath/2007/PartnerControls">
-  <documentManagement>
-    <_ip_UnifiedCompliancePolicyUIAction xmlns="http://schemas.microsoft.com/sharepoint/v3" xsi:nil="true"/>
-    <_ip_UnifiedCompliancePolicyProperties xmlns="http://schemas.microsoft.com/sharepoint/v3" xsi:nil="true"/>
-  </documentManagement>
-</p:properties>
-</file>
-
-<file path=customXml/item2.xml><?xml version="1.0" encoding="utf-8"?>
-<?mso-contentType ?>
-<FormTemplates xmlns="http://schemas.microsoft.com/sharepoint/v3/contenttype/forms">
-  <Display>DocumentLibraryForm</Display>
-  <Edit>DocumentLibraryForm</Edit>
-  <New>DocumentLibraryForm</New>
-</FormTemplates>
-</file>
-
-<file path=customXml/item3.xml><?xml version="1.0" encoding="utf-8"?>
 <ct:contentTypeSchema xmlns:ct="http://schemas.microsoft.com/office/2006/metadata/contentType" xmlns:ma="http://schemas.microsoft.com/office/2006/metadata/properties/metaAttributes" ct:_="" ma:_="" ma:contentTypeName="Document" ma:contentTypeID="0x0101002DF6899468086341B63EEBAF8D6470C9" ma:contentTypeVersion="17" ma:contentTypeDescription="Create a new document." ma:contentTypeScope="" ma:versionID="0b4800ffb73ef30d85678127449dc1d7">
   <xsd:schema xmlns:xsd="http://www.w3.org/2001/XMLSchema" xmlns:xs="http://www.w3.org/2001/XMLSchema" xmlns:p="http://schemas.microsoft.com/office/2006/metadata/properties" xmlns:ns1="http://schemas.microsoft.com/sharepoint/v3" xmlns:ns3="40fc1527-342e-4db1-aae8-1b9926eec29d" xmlns:ns4="dae3f8b2-4587-4545-94b8-d8853f576157" targetNamespace="http://schemas.microsoft.com/office/2006/metadata/properties" ma:root="true" ma:fieldsID="2e29e10118874781b2dea35c2e9a6ae3" ns1:_="" ns3:_="" ns4:_="">
     <xsd:import namespace="http://schemas.microsoft.com/sharepoint/v3"/>
@@ -7902,33 +8055,25 @@
 </ct:contentTypeSchema>
 </file>
 
-<file path=customXml/itemProps1.xml><?xml version="1.0" encoding="utf-8"?>
-<ds:datastoreItem xmlns:ds="http://schemas.openxmlformats.org/officeDocument/2006/customXml" ds:itemID="{A9DA2F30-E5DA-4923-87DC-53FC1D4515BB}">
-  <ds:schemaRefs>
-    <ds:schemaRef ds:uri="http://purl.org/dc/elements/1.1/"/>
-    <ds:schemaRef ds:uri="http://schemas.microsoft.com/office/2006/documentManagement/types"/>
-    <ds:schemaRef ds:uri="http://purl.org/dc/dcmitype/"/>
-    <ds:schemaRef ds:uri="40fc1527-342e-4db1-aae8-1b9926eec29d"/>
-    <ds:schemaRef ds:uri="dae3f8b2-4587-4545-94b8-d8853f576157"/>
-    <ds:schemaRef ds:uri="http://schemas.microsoft.com/office/2006/metadata/properties"/>
-    <ds:schemaRef ds:uri="http://schemas.microsoft.com/office/infopath/2007/PartnerControls"/>
-    <ds:schemaRef ds:uri="http://www.w3.org/XML/1998/namespace"/>
-    <ds:schemaRef ds:uri="http://schemas.openxmlformats.org/package/2006/metadata/core-properties"/>
-    <ds:schemaRef ds:uri="http://schemas.microsoft.com/sharepoint/v3"/>
-    <ds:schemaRef ds:uri="http://purl.org/dc/terms/"/>
-  </ds:schemaRefs>
-</ds:datastoreItem>
+<file path=customXml/item2.xml><?xml version="1.0" encoding="utf-8"?>
+<?mso-contentType ?>
+<FormTemplates xmlns="http://schemas.microsoft.com/sharepoint/v3/contenttype/forms">
+  <Display>DocumentLibraryForm</Display>
+  <Edit>DocumentLibraryForm</Edit>
+  <New>DocumentLibraryForm</New>
+</FormTemplates>
 </file>
 
-<file path=customXml/itemProps2.xml><?xml version="1.0" encoding="utf-8"?>
-<ds:datastoreItem xmlns:ds="http://schemas.openxmlformats.org/officeDocument/2006/customXml" ds:itemID="{A1EAD24D-4EF8-400A-9468-E58E8CF9D895}">
-  <ds:schemaRefs>
-    <ds:schemaRef ds:uri="http://schemas.microsoft.com/sharepoint/v3/contenttype/forms"/>
-  </ds:schemaRefs>
-</ds:datastoreItem>
+<file path=customXml/item3.xml><?xml version="1.0" encoding="utf-8"?>
+<p:properties xmlns:p="http://schemas.microsoft.com/office/2006/metadata/properties" xmlns:xsi="http://www.w3.org/2001/XMLSchema-instance" xmlns:pc="http://schemas.microsoft.com/office/infopath/2007/PartnerControls">
+  <documentManagement>
+    <_ip_UnifiedCompliancePolicyUIAction xmlns="http://schemas.microsoft.com/sharepoint/v3" xsi:nil="true"/>
+    <_ip_UnifiedCompliancePolicyProperties xmlns="http://schemas.microsoft.com/sharepoint/v3" xsi:nil="true"/>
+  </documentManagement>
+</p:properties>
 </file>
 
-<file path=customXml/itemProps3.xml><?xml version="1.0" encoding="utf-8"?>
+<file path=customXml/itemProps1.xml><?xml version="1.0" encoding="utf-8"?>
 <ds:datastoreItem xmlns:ds="http://schemas.openxmlformats.org/officeDocument/2006/customXml" ds:itemID="{76C5C54B-5A73-4DBE-8E20-042434011441}">
   <ds:schemaRefs>
     <ds:schemaRef ds:uri="http://schemas.microsoft.com/office/2006/metadata/contentType"/>
@@ -7946,4 +8091,30 @@
     <ds:schemaRef ds:uri="http://schemas.microsoft.com/internal/obd"/>
   </ds:schemaRefs>
 </ds:datastoreItem>
+</file>
+
+<file path=customXml/itemProps2.xml><?xml version="1.0" encoding="utf-8"?>
+<ds:datastoreItem xmlns:ds="http://schemas.openxmlformats.org/officeDocument/2006/customXml" ds:itemID="{A1EAD24D-4EF8-400A-9468-E58E8CF9D895}">
+  <ds:schemaRefs>
+    <ds:schemaRef ds:uri="http://schemas.microsoft.com/sharepoint/v3/contenttype/forms"/>
+  </ds:schemaRefs>
+</ds:datastoreItem>
+</file>
+
+<file path=customXml/itemProps3.xml><?xml version="1.0" encoding="utf-8"?>
+<ds:datastoreItem xmlns:ds="http://schemas.openxmlformats.org/officeDocument/2006/customXml" ds:itemID="{A9DA2F30-E5DA-4923-87DC-53FC1D4515BB}">
+  <ds:schemaRefs>
+    <ds:schemaRef ds:uri="http://purl.org/dc/elements/1.1/"/>
+    <ds:schemaRef ds:uri="http://schemas.microsoft.com/office/2006/documentManagement/types"/>
+    <ds:schemaRef ds:uri="http://purl.org/dc/dcmitype/"/>
+    <ds:schemaRef ds:uri="40fc1527-342e-4db1-aae8-1b9926eec29d"/>
+    <ds:schemaRef ds:uri="dae3f8b2-4587-4545-94b8-d8853f576157"/>
+    <ds:schemaRef ds:uri="http://schemas.microsoft.com/office/2006/metadata/properties"/>
+    <ds:schemaRef ds:uri="http://schemas.microsoft.com/office/infopath/2007/PartnerControls"/>
+    <ds:schemaRef ds:uri="http://www.w3.org/XML/1998/namespace"/>
+    <ds:schemaRef ds:uri="http://schemas.openxmlformats.org/package/2006/metadata/core-properties"/>
+    <ds:schemaRef ds:uri="http://schemas.microsoft.com/sharepoint/v3"/>
+    <ds:schemaRef ds:uri="http://purl.org/dc/terms/"/>
+  </ds:schemaRefs>
+</ds:datastoreItem>
 </file>
--- a/MicrosoftSecurityPortalsandFree.pptx
+++ b/MicrosoftSecurityPortalsandFree.pptx
@@ -164,7 +164,7 @@
           <inkml:channelProperty channel="Y" name="resolution" value="1000" units="1/cm"/>
         </inkml:channelProperties>
       </inkml:inkSource>
-      <inkml:timestamp xml:id="ts0" timeString="2020-06-03T21:44:36.152"/>
+      <inkml:timestamp xml:id="ts0" timeString="2020-06-05T14:03:17.853"/>
     </inkml:context>
     <inkml:brush xml:id="br0">
       <inkml:brushProperty name="width" value="0.3" units="cm"/>
@@ -175,7 +175,7 @@
       <inkml:brushProperty name="ignorePressure" value="1"/>
     </inkml:brush>
   </inkml:definitions>
-  <inkml:trace contextRef="#ctx0" brushRef="#br0">776 144,'-1'-4,"1"0,-1 0,0 0,0 0,-1 0,1 0,-1 0,0 1,0-1,0 0,0 1,-1 0,0-1,1 1,-1 0,0 0,0 1,-1-1,1 1,-1-1,1 1,-5-2,-13-6,1 0,-41-12,41 15,0 2,-1 1,0 1,0 0,0 2,-1 0,1 2,-27 3,45-3,1-1,0 1,-1 0,1-1,0 1,-1 0,1 0,0 1,0-1,0 0,0 1,0 0,0-1,0 1,1 0,-1 0,1 0,-1 0,1 0,0 0,-1 0,0 4,-3 7,0 1,1-1,-2 17,-7 19,3-28,0-1,-1 0,-1-1,-19 23,15-20,12-17,1 1,0 0,1 0,-1 0,1 0,0 0,1 0,0 1,0-1,-1 11,5 73,-1-44,-1-32,1 0,0-1,1 1,0-1,1 1,0-1,2-1,-1 1,1-1,1 0,0 0,1-1,0 0,1 0,0-1,1 0,21 17,0 3,-25-23,1-1,0 1,0-1,0 0,16 8,2-1,1-2,0 0,30 7,-44-15,0 0,0-1,0-1,0 1,0-2,1 0,-1 0,0-1,20-5,-22 2,-1-1,1 0,-1 0,0-1,-1 0,1-1,-1 0,-1 0,1-1,-1 0,7-10,16-16,-6 6,-1-2,27-45,-49 74,22-36,-1 0,17-44,-33 66,0-1,0 0,-2 0,0-1,-1 1,-1-1,0 1,-1-26,-2 38,1-1,-1 0,0 1,0-1,0 1,-1 0,1-1,-1 1,0 0,0 0,-1 0,1 0,-1 0,0 1,0-1,0 1,-1 0,1 0,-1 0,1 0,-1 1,0-1,0 1,0 0,0 0,-1 0,-4 0,-11-4,-1 2,0 0,0 2,-35-1,16 1,-32-8,49 5,1 2,-25-1,32 4,-1-1,0 2,0 0,0 1,1 1,-1 0,1 2,0-1,0 2,0 0,1 0,0 1,0 1,1 1,-25 19,18-9,17-17,-1 1,1-1,0 1,0 0,0 0,0 1,0-1,1 1,-1-1,1 1,0 0,0 0,1 0,-1 0,1 0,0 0,0 0,0 0,1 1,-1 4,0 3,1 1,0 0,0-1,2 1,0-1,0 1,5 13,-5-20,0-1,1 1,-1-1,1 1,1-1,-1 0,1 0,-1-1,2 1,-1-1,0 1,1-1,0-1,0 1,0-1,10 5,26 9,1-2,76 16,-68-19,-39-10,-1 1,0-2,1 1,-1-1,1-1,-1 0,1-1,-1 1,19-6,-21 4,-2 0,1-1,0 0,0-1,-1 1,0-1,0-1,0 1,0-1,-1 0,0 0,0-1,0 1,7-12,-4 5,0-1,-2 0,1 0,-2 0,1-1,-2 0,6-25,-9 31,0 0,-1 0,0 0,0 1,0-1,-1 0,0 0,-1 1,0-1,0 0,0 1,-1 0,0-1,-1 1,1 1,-7-10,2 5,-1 0,0 0,-1 1,0 1,0-1,-1 2,0-1,0 2,-1-1,-23-9,-27-18,49 27,-1 0,0 0,-22-8,-4 4,1 1,-1 2,-1 2,0 1,0 2,-44 2,56 4,0 1,0 1,0 2,1 0,0 2,-31 14,55-21,1 1,0 0,0 0,0 0,0 0,0 0,0 1,0 0,1-1,-1 1,1 0,0 0,0 0,0 1,0-1,1 0,-1 1,1-1,0 1,0-1,0 1,0 5,-1 8,1 1,1 0,3 28,-1-8,0-21,1 0,0 0,2 0,0-1,0 0,2 0,0 0,0-1,2 0,18 25,-2-5,-17-27,-1 2,0-1,-1 1,0 0,-1 0,0 1,0 0,-1-1,3 14,-3-8,0-1,2 0,0-1,0 0,1 0,1 0,0-1,1 0,1 0,0-1,0 0,1-1,1 0,0-1,18 12,-16-13,1-1,0 0,0-1,1-1,-1-1,1 0,1-1,-1 0,25 1,16-1,83-6,-40-1,-74 3,-14 1,0-1,1 0,16-4,-24 3,-1 0,0 0,0 0,0-1,0 0,0 0,-1 0,1 0,-1-1,1 1,-1-1,0 0,5-6,10-9,1 0,1 1,32-22,33-28,-73 54,0 1,0-1,-2-1,1 0,-2-1,0 0,-1 0,0-1,-1 0,8-30,-12 33,0-1,-1 1,-1-1,0 0,-1 0,-1 1,0-1,0 0,-2 1,0-1,0 1,-1 0,-1 0,-6-14,5 18,0-1,-1 1,0 0,0 1,-1 0,0 0,0 0,-1 1,0 1,-1-1,1 2,-1-1,0 1,-17-6,-7-1,0 1,-1 2,-46-7,44 10,-58-17,94 22,0 1,0 0,0-1,0 1,0 0,0 0,1-1,-1 1,0 0,0 0,0 0,0 0,0 0,0 1,0-1,0 0,0 0,0 1,0-1,-1 1,-3 5</inkml:trace>
+  <inkml:trace contextRef="#ctx0" brushRef="#br0">2176 754,'5'0,"31"-3,-36 2,0 1,0 0,0 0,1 0,-1 0,0 0,0 0,0 0,1 0,-1 0,0-1,0 1,0 0,0 0,1 0,-1 0,0-1,0 1,0 0,0 0,0 0,0-1,0 1,1 0,-1 0,0 0,0-1,0 1,0 0,0 0,0-1,0 1,0 0,0 0,0-1,0 1,0 0,0 0,-1 0,1-1,-15-14,6 11,1-1,0 1,-1 1,0-1,0 2,0-1,0 1,-1 0,-17 0,-13 1,-41 4,19-1,-46-3,-94 3,132 11,50-9,1 0,-28 1,-394-6,434 1,0 0,0-1,0 0,0-1,0 1,1-1,-1 0,1-1,-1 1,1-1,-8-6,-1-2,0 0,-23-25,-1 0,-24-6,49 34,0-1,1 0,-19-17,12 9,-1 0,-38-23,36 26,0-2,-25-23,39 32,-1 0,0 0,0 1,0 0,-1 1,0 0,-15-5,-1 2,-55-10,80 17,0 1,-1-1,1 1,-1 0,1 0,0 0,-1 0,1 0,-1 0,1 1,0-1,-1 1,1-1,0 1,-1 0,1 0,0 0,0 0,0 1,0-1,0 1,0-1,0 1,0-1,1 1,-1 0,1 0,-1 0,1 0,0 0,0 0,-2 5,1-2,1 1,0 0,0 0,1 0,0 0,0 0,0 0,0-1,1 1,0 0,1 0,3 10,-3-9,2 0,-1 0,1 0,0-1,0 1,1-1,-1 0,1-1,1 1,-1-1,10 7,7 3,0-1,26 11,-30-16,0 1,-1 0,0 1,18 16,-16-12,1-1,0 0,1-2,0 0,1-1,40 13,-31-14,0-2,0-1,0-1,1-2,62 0,-58-2,-1 1,0 2,0 1,58 20,130 45,-190-58,54 33,9 4,-50-31,54 34,-99-53,0 1,1-1,-1 1,0 0,0-1,0 1,0 0,0 0,0 0,0 0,0 0,0 0,0 0,0 0,-1 0,1 0,0 0,-1 0,1 1,-1-1,1 3,-1-4,-1 1,1 0,-1 0,1 0,-1 0,1-1,-1 1,0 0,1-1,-1 1,0 0,0-1,1 1,-1-1,0 1,0-1,0 0,0 1,0-1,1 0,-1 0,-1 1,-10 1,1 0,0 0,-19 0,-4-2,-6 1,0-1,-44-7,72 5,-1 0,1-1,0-1,0 0,0-1,0 0,1 0,0-1,0-1,-18-14,-73-67,76 64,14 15,1-1,0 0,0-1,2 0,-1-1,1 0,1-1,-8-14,15 25,-3-10,-2-1,0 1,0 1,-1-1,0 1,-1 0,0 1,-1-1,0 2,0-1,-21-14,27 22,0 1,0-1,1 1,-1-1,1 0,0 0,-1 0,1 0,0-1,0 1,0-1,1 1,-1-1,0 1,1-1,0 0,-2-5,3 5,0 1,1-1,-1 0,1 1,0-1,0 1,0-1,0 1,0-1,0 1,1-1,-1 1,1 0,0 0,-1 0,1 0,0 0,0 0,0 1,4-3,3-3,1 1,0 0,0 0,0 1,0 0,1 1,0 1,0-1,0 2,14-3,10 1,70 1,-78 3,0 2,39 7,-65-9,0 0,0 1,0-1,0 0,0 0,0 1,1-1,-1 0,0 0,0 0,0-1,0 1,0 0,1 0,-1-1,0 1,0 0,0-1,0 1,0-1,0 1,0-1,0 0,0 1,0-1,-1 0,1 0,0 0,0 0,-1 0,1 1,0-1,-1 0,1 0,-1-1,1 1,-1 0,0 0,1 0,-1 0,0 0,0 0,0 0,0-1,0 1,0 0,0-2,-1-8,-1 0,1 0,-2 0,-3-12,0 3,0-13,3 15,0-1,-2 1,0-1,-14-31,17 45,-1 1,0-1,0 0,-1 1,1-1,-1 1,0 0,0 0,-1 1,1-1,-1 1,1 0,-1 0,0 0,-1 1,1 0,0 0,0 0,-1 1,-9-2,-30-4,-71-13,104 17,1 0,0-1,0 0,1-1,-1 0,1-1,-16-11,8 5,15 11,0 0,1-1,-1 1,1-1,-1 1,1-1,0 0,0 0,-1 0,2-1,-1 1,0 0,-2-4,4 6,0-1,0 0,1 1,-1-1,0 0,0 1,0-1,0 1,1-1,-1 1,0-1,1 1,-1-1,0 1,1-1,-1 1,1-1,-1 1,1-1,-1 1,1 0,-1-1,1 1,-1 0,1 0,-1-1,1 1,-1 0,1 0,0 0,-1-1,1 1,-1 0,2 0,28-4,-22 4,41-8,-8 1,0 1,43 1,486 6,-550 0,-1 1,35 9,-33-7,-1 0,27 1,83-6,51 2,-178 0,0-1,-1 1,1 0,0 0,-1 0,1 0,-1 0,1 0,-1 1,1-1,-1 1,0 0,0 0,0 0,0 0,0 0,0 0,-1 0,1 0,0 1,-1-1,0 1,0-1,0 1,0 0,0-1,0 1,-1 0,1 0,-1 5,2 11,-1 0,-1 1,-4 30,1-15,4 103,-4 62,0-184,-1 0,0 0,-1 0,-1-1,0 0,-1 0,-13 20,8-14,1 1,-10 28,20-44,-1-1,0 1,-1 0,1-1,-1 0,0 0,-1 0,1 0,-1 0,0 0,0-1,0 0,0 0,-1 0,-5 3,2-3,0-1,1 0,-1 0,0-1,0 0,-1 0,1-1,0 0,0-1,-12 0,-3 1,0 2,-26 5,-39 3,-2 2,67-8,-46 3,57-7,0-1,-1-1,1 1,0-2,0 0,0 0,0-1,0-1,0 0,1 0,0-1,0-1,0 0,1 0,-1-1,-16-15,-158-118,134 103,-4 4,41 25,0 0,1-1,-20-15,6 1,-49-30,-15-12,71 50,-1 0,-27-13,-10-6,19 11,-49-22,49 27,-58-37,-70-43,-14-6,175 100,0 0,-1 0,1 0,-1 1,0 0,0 0,-1 1,1 0,0 0,-1 1,1 0,-1 0,1 0,-1 1,0 1,-11 1,1 0</inkml:trace>
 </inkml:ink>
 </file>
 
@@ -193,7 +193,7 @@
           <inkml:channelProperty channel="Y" name="resolution" value="1000" units="1/cm"/>
         </inkml:channelProperties>
       </inkml:inkSource>
-      <inkml:timestamp xml:id="ts0" timeString="2020-06-03T21:45:36.444"/>
+      <inkml:timestamp xml:id="ts0" timeString="2020-06-05T14:09:14.641"/>
     </inkml:context>
     <inkml:brush xml:id="br0">
       <inkml:brushProperty name="width" value="0.3" units="cm"/>
@@ -204,7 +204,7 @@
       <inkml:brushProperty name="ignorePressure" value="1"/>
     </inkml:brush>
   </inkml:definitions>
-  <inkml:trace contextRef="#ctx0" brushRef="#br0">1885 473,'-69'-21,"-19"15,51 5,-50-9,-99-14,128 16,42 7,-1-2,1 1,0-2,1 0,-24-10,-5-4,1 2,-2 2,0 2,-1 2,0 2,0 2,0 2,-68 3,51 1,10-1,-1 2,-80 13,112-10,-1 1,1 1,0 0,0 2,1 1,-28 14,36-16,0-2,0 0,-1 0,1-2,-1 1,0-2,-27 2,-34 8,71-11,0 1,1-1,-1 1,0 0,0 0,1 1,-1-1,1 1,0-1,0 1,0 0,0 0,0 1,1-1,-1 0,1 1,0 0,0-1,0 1,1 0,-1 0,1 0,0 0,0 0,0 5,0-4,0-1,1 0,0 1,0-1,0 1,1-1,-1 1,1-1,0 0,0 1,0-1,1 0,0 0,-1 0,2 0,-1 0,0-1,1 1,-1 0,1-1,0 0,0 0,6 5,14 4,1 0,0-2,0-1,1-1,0-1,27 4,-17-3,0-1,1-3,-1 0,47-3,-42-1,0 2,47 8,-28-3,0-2,117-6,-65-1,-96 2,31 0,78-9,-112 7,0-1,1 1,-1-2,0 0,-1 0,1-1,-1 0,0-1,0-1,0 0,12-10,-19 13,-1-1,1 0,-1 0,0 0,0 0,0-1,-1 1,0-1,0 1,0-1,-1 0,0 1,0-1,0 0,-1 0,0 0,0 0,0 0,-1 0,-2-10,1 6,0-1,-1 1,-1-1,1 1,-2 0,1 0,-1 1,-1-1,0 1,-10-13,1 9,-1 0,-1 1,0 1,-1 0,0 2,0 0,-1 0,-22-5,-25-13,40 17,0 1,-1 2,-42-7,-18-4,23 3,-1 3,-87-5,-134 10,274 8,1 1,-1 0,1 1,-1 0,-20 9,24-8,0-1,0 0,-1 0,1-1,-1 0,1 0,-1-1,0 0,1-1,-1 1,-9-3,18 3,0-1,-1 0,1 0,0 0,-1 0,1 0,0 0,0 0,-1 0,1 0,0 0,0 0,-1 0,1 0,0 0,0 0,-1-1,1 1,0 0,0 0,-1 0,1 0,0 0,0 0,0-1,-1 1,1 0,0 0,0 0,0-1,0 1,-1 0,1 0,0-1,0 1,0 0,0 0,0-1,0 1,0 0,0 0,0-1,0 1,0 0,0 0,0-1,0 1,0 0,0 0,0-1,0 1,0 0,0 0,0-1,0 1,1 0,17-13,29-3,110-4,-111 13,0 3,0 1,0 2,64 8,-47 1,85 23,-11-1,-85-19,0 3,-1 2,51 24,-101-40,1 1,-1-1,1 0,-1 1,1-1,-1 1,0 0,1-1,-1 1,0 0,0 0,1 0,-1 0,0 0,0 0,0 0,0 0,0 0,-1 1,2 1,-2-2,-1 0,1 0,-1 0,0-1,1 1,-1 0,0-1,0 1,0 0,1-1,-1 1,0-1,0 1,0-1,0 0,0 1,0-1,0 0,0 0,0 1,-2-1,-68 6,-85-4,-161-6,134-19,40-1,132 23,0-1,0-1,1 1,-1-2,1 0,-1 0,1 0,0-2,1 1,-1-1,1 0,0-1,1 0,0-1,-11-11,13 7,1 1,1-1,0 0,0 0,1 0,0-1,1 1,0-17,1 25,1 2,0 1,0-1,1 0,-1 1,0-1,0 0,1 1,-1-1,1 0,0 1,-1-1,1 1,0-1,0 1,0-1,0 1,0 0,0 0,0-1,1 1,-1 0,0 0,1 0,-1 0,1 0,-1 1,1-1,-1 0,1 1,0-1,-1 1,1-1,0 1,-1 0,1 0,2 0,12-2,-1 1,0 1,19 2,-15-1,702 2,-423-4,-270 3,0 2,0 0,26 9,-30-7,12 2,18 4,90 32,-107-32,-32-11,0 0,0 0,0 1,0 0,0 0,-1 0,1 0,0 1,-1 0,0 0,0 0,0 0,0 1,0-1,0 1,-1 0,0 0,3 5,26 42,-25-42,0 0,-1 1,-1 0,1 0,-2 0,1 0,-1 1,-1 0,0-1,0 1,1 16,-4-16,1 12,0 0,-2 0,-5 35,5-53,1 0,-2 0,1 0,0 0,-1 0,0-1,0 1,-1-1,1 1,-1-1,0 0,0 0,0 0,-1 0,0 0,1-1,-1 0,0 0,0 0,-1 0,-8 4,-7 0,0-2,-1 0,1-1,-1-1,-23 1,-110-5,59-2,-73 8,244 28,73 27,-132-55,-1 0,1-1,-1-1,1-1,0-1,0 0,20-2,-29 0,-1-1,1 1,-1-2,0 1,0-1,0 0,0-1,-1 1,1-1,-1-1,0 1,0-1,-1 0,6-6,10-13,-1 0,18-31,-5 8,-26 38,1-1,-2 0,1 0,-1-1,-1 0,0 0,-1 0,0-1,0 1,-1-1,-1 0,0 0,-1 0,0 0,-1-13,0 0,1 12,-1 0,0 0,-1 0,0 0,-1 1,0-1,-1 1,-1-1,0 1,-9-20,11 29,0 0,1 0,-1 0,1 0,0 0,0 0,0-1,0 1,1 0,0-1,-1 1,1-1,0 1,1 0,-1-4,1 5,0-1,0 1,-1 0,1 0,0 0,1 0,-1 0,0 0,0 1,1-1,-1 0,1 1,0-1,-1 1,1-1,0 1,0 0,0 0,0 0,0 0,0 0,0 0,3 0,12-3</inkml:trace>
+  <inkml:trace contextRef="#ctx0" brushRef="#br0">1354 1066,'-5'-1,"0"-1,1 1,-1-1,1 0,-1 0,1 0,0 0,-7-6,-9-4,-35-14,15 5,0 2,-2 2,-79-21,-51-13,242 51,-23-1,447 1,-508 2,0 1,0 1,1 0,-17 8,22-9,-12 3,1 0,-1-1,-1-1,1-1,-1-1,1-1,-1-1,-31-3,50 3,0 0,0 0,0 0,0 0,0-1,0 1,0-1,0 0,0 1,0-1,1 0,-1 0,0 0,1 0,-1 0,1-1,-1 1,1 0,-1-1,1 1,0-1,0 1,0-1,0 0,0 1,0-1,0 0,0 0,1 0,-1-2,1 2,0 0,0 1,1-1,-1 0,1 0,-1 1,1-1,0 0,0 0,0 1,0-1,0 1,0-1,0 1,0-1,0 1,1 0,-1 0,1-1,-1 1,1 0,-1 0,1 1,0-1,-1 0,1 0,0 1,0-1,-1 1,1 0,0-1,2 1,39-5,-1 2,1 1,57 6,-5-1,-89-3,0 0,0 1,0-1,0 1,0 0,0 0,0 1,-1 0,1 0,-1 0,1 1,5 3,-9-4,0-1,0 2,0-1,-1 0,1 0,0 1,-1-1,0 0,1 1,-1 0,0-1,0 1,0 0,-1-1,1 1,-1 0,1 0,-1 0,0 0,0-1,0 1,-1 0,1 0,-1 0,1-1,-1 1,-2 4,-1 4,0 0,-1 0,-1-1,1 1,-2-1,0 0,0-1,0 1,-1-2,-10 10,-17 12,-45 32,63-50,-32 22,-2-2,-76 35,2-20,78-29,38-16,0 0,0 1,1 1,0-1,-1 1,2 1,-1-1,0 1,1 1,0 0,0 0,-7 7,10-7,0 0,-1-1,0 0,0 0,0-1,0 1,-1-1,0 0,0-1,0 1,0-1,0 0,-1-1,0 1,1-1,-9 1,-7-1,0 0,1-1,-41-4,42 1,-1 1,1 0,0 2,-36 6,49-5,1 0,0 0,1 1,-1 0,0 1,1-1,0 1,-7 6,7-6,-1 1,0-1,0 0,0 0,-1-1,-10 5,-16 2,18-6,0 0,0 1,1 1,-25 13,35-16,0 0,0-1,1 1,-1 1,1-1,0 0,0 1,1 0,-1 0,1 0,-1 0,1 0,0 0,1 0,-1 1,1-1,0 1,0-1,0 1,0 7,0 3,0 1,1 0,1 0,0-1,1 1,7 24,-8-36,0 0,1 1,0-1,0 0,0 0,1 0,-1-1,1 1,0 0,0-1,0 0,1 0,-1 0,1 0,0 0,-1-1,1 1,0-1,1 0,-1 0,0-1,0 1,1-1,-1 0,1 0,8 0,5 1,1-1,-1 0,1-1,32-5,-47 4,0 0,0 0,0 0,0 0,0-1,-1 1,1-1,0 0,-1 0,1-1,-1 1,0-1,0 1,0-1,0 0,0 0,-1-1,1 1,-1 0,0-1,0 1,0-1,0 0,-1 0,0 1,0-1,2-8,14-141,-13 120,0-58,-1 8,-3 82,0 1,0-1,0 0,0 1,0-1,0 1,0-1,0 1,0-1,0 0,0 1,0-1,0 1,1-1,-1 1,0-1,0 1,1-1,-1 1,0-1,1 1,-1-1,1 1,-1 0,0-1,1 1,-1-1,1 1,-1 0,1 0,-1-1,1 1,0 0,17 12,18 40,-31-44,29 43,79 108,-96-140,0 0,1-1,1-1,1 0,36 22,3 0,-37-24,0-1,1 0,1-2,39 16,-25-9,14 7,-50-26,-1 1,1 0,-1-1,1 1,0-1,0 0,-1 0,1 1,0-1,0 0,-1-1,1 1,0 0,0 0,-1-1,1 1,0-1,-1 1,1-1,-1 0,1 0,0 1,-1-1,3-2,-4 2,1-1,0 1,0 0,-1-1,1 1,-1-1,0 1,1-1,-1 1,0-1,0 1,0-1,0 1,0-1,0 1,0-1,0 1,-1-1,1 1,0-1,-1 1,0 0,1-1,-1 1,0 0,0-1,1 1,-1 0,0 0,0 0,-2-2,-36-37,36 37,-10-7,-1 0,0 1,-1 0,0 1,-23-8,23 10,0-1,0 0,0-1,1-1,-22-17,34 25,0-1,0 0,1 1,-1-1,0 0,1 0,-1 0,1-1,-1 1,1 0,0 0,0-1,0 1,0-1,0 1,1 0,-1-1,1 0,0 1,0-1,0 1,0-1,0 1,0-1,1 0,-1 1,1-1,-1 1,1 0,0-1,0 1,0 0,1-1,-1 1,0 0,1 0,0 0,3-4,8-6,0 0,1 1,1 0,27-15,-5 2,4-10,40-42,9-7,-35 37,119-108,-161 138,-1-1,-1 0,0-1,-2 0,0 0,-1-1,8-26,-3 9,0-1,-1-2,10-71,-7 42,2 2,3 0,54-117,-56 142,-13 26,-1 1,0-1,-1 0,0-1,-1 1,-1 0,0-1,-1 1,-1 0,-1-1,0 1,-1 0,-6-21,6 30,0 0,-1 0,0 1,0-1,0 1,0 0,-1 1,0-1,0 1,0 0,0 0,-1 0,0 1,-8-5,-8-1,-1 1,-40-10,-12-3,48 12,-1 1,0 2,0 0,-52-2,-121 8,84 3,77-3,-1 2,-59 11,54-7,0-2,0-2,-52-4,-80 3,167 1,1 0,0 0,0 1,0 0,0 1,0 0,1 1,0 0,-16 11,1 2,2 1,-25 26,37-34,0 1,1 0,1 1,0-1,1 1,0 1,1 0,-5 16,-4 20,-9 52,-1 7,6-35,8-30,-2-1,-20 47,28-78,1 0,0 0,1 0,1 1,0-1,0 21,4 82,1-44,-3-59,-1 14,2 0,0-1,2 1,7 31,-7-48,0-1,0 0,1 0,0 0,0 0,1 0,0-1,0 0,1 0,0 0,0-1,0 0,1 0,0-1,0 1,10 4,28 13,1-1,68 20,29 14,-47-19,-68-28,-1 1,0 1,31 19,97 61,-98-58,1-3,1-3,1-2,99 27,-91-28,-48-16,1-1,0-1,0-1,0 0,42 2,-32-6,9 0,-1-1,52-8,-91 8,1 0,-1 0,0 0,1-1,-1 1,1 0,-1 0,0 0,1 0,-1 0,1-1,-1 1,0 0,1 0,-1 0,1 0,-1 0,0 0,1 1,-1-1,1 0,-1 0,0 0,1 0,-1 0,1 1,-1-1,0 0,1 0,-1 0,0 1,1-1,-1 0,0 1,1-1,-12 12,-24 11,-11 2,36-18,0-1,-1 0,1-1,-1 0,0-1,0 0,-1-1,1 0,-17 2,-22-5,27 0</inkml:trace>
 </inkml:ink>
 </file>
 
@@ -222,7 +222,7 @@
           <inkml:channelProperty channel="Y" name="resolution" value="1000" units="1/cm"/>
         </inkml:channelProperties>
       </inkml:inkSource>
-      <inkml:timestamp xml:id="ts0" timeString="2020-06-03T21:45:44.197"/>
+      <inkml:timestamp xml:id="ts0" timeString="2020-06-05T14:10:03.858"/>
     </inkml:context>
     <inkml:brush xml:id="br0">
       <inkml:brushProperty name="width" value="0.3" units="cm"/>
@@ -233,11 +233,11 @@
       <inkml:brushProperty name="ignorePressure" value="1"/>
     </inkml:brush>
   </inkml:definitions>
-  <inkml:trace contextRef="#ctx0" brushRef="#br0">830 3,'-114'-2,"-122"4,222 1,0 0,1 1,-1 0,1 1,-21 10,-36 13,36-19,16-3,-1-1,1-1,-1 0,-27 0,-38 8,14-1,132-14,-17 3,74-12,-58 5,0 2,119 6,-62 1,-29-3,100 3,-50 21,-79-13,-35-5,-1-1,31 0,-48-4,7 0,0 0,0 0,0-2,-1 1,18-6,-16 2</inkml:trace>
+  <inkml:trace contextRef="#ctx0" brushRef="#br0">1586 599,'-1'3,"-1"1,1-1,-1 0,0 1,0-1,0 0,0 0,0 0,-1 0,1-1,-1 1,0-1,-5 4,-8 10,-143 163,99-112,41-44,0-1,-1-1,-1-1,0-1,-2-1,0 0,-38 20,49-33,0 0,0-1,0 0,0 0,-1-2,0 1,1-2,-1 0,0 0,-15-2,9-1,0-1,0-1,0-1,1-1,0 0,-20-11,18 9,1-2,0-1,-31-23,43 29,1-1,0 1,0-1,1 0,0-1,0 1,0-1,1 0,0 0,0 0,1-1,0 0,-3-10,-3-22,1-1,2 0,-2-66,8 92,0 1,1-1,1 1,0-1,1 1,6-19,-7 27,0 1,1 0,0 0,0 1,0-1,1 1,-1-1,1 1,0 0,0 1,1-1,-1 1,1-1,-1 1,1 1,0-1,0 1,1 0,9-3,13-1,0 2,0 1,1 1,-1 2,1 0,32 6,-50-5,-1 0,1 1,-1 0,0 0,0 1,0 1,0-1,-1 2,1-1,-1 1,0 1,-1 0,1 0,-1 0,0 1,-1 1,1-1,-2 1,8 10,-13-16,11 15,-1 0,-1 1,-1 1,0-1,-2 1,8 27,-5-7,-6-28,-1-1,-1 1,0 0,0 0,-1 17,-1-24,0-1,-1 0,0 1,1-1,-1 0,-1 0,1 0,0 0,-1 0,1 0,-1 0,0 0,0-1,0 1,0 0,-1-1,1 0,-1 0,1 0,-1 0,0 0,-5 3,-4 0,0-1,1 0,-2 0,1-1,0-1,-1 0,1-1,-19 0,0-1,0-2,-40-7,48 4,-1-2,1 0,0-2,1-1,0 0,0-2,1 0,1-2,0 0,1-1,-28-28,40 35,0-1,0 1,0-1,1 0,1-1,-1 0,2 0,-1 0,1 0,1 0,0-1,0 0,0-11,3 18,1 1,0-1,0 1,0-1,0 1,1-1,-1 1,1 0,0-1,0 1,0 0,0 0,1 1,-1-1,1 0,0 1,0 0,0-1,0 1,0 0,0 0,0 1,1-1,-1 1,6-2,11-3,-1 1,2 0,28-2,-25 4,14-2,-1 2,1 1,57 5,-92-3,-1 0,0 0,1 1,-1-1,0 0,0 1,1 0,-1-1,0 1,0 0,0 0,0 0,0 0,0 1,0-1,0 0,-1 1,1 0,0-1,-1 1,1 0,-1 0,0-1,1 1,-1 0,0 0,0 1,0-1,-1 0,1 0,-1 0,1 1,-1-1,1 0,-1 0,0 1,0-1,0 0,-1 1,1-1,0 0,-2 3,1 3,-2 0,1 0,-1 0,-1 0,1-1,-1 0,-1 1,1-1,-1 0,-8 8,-11 9,-1-1,-1-1,-1-1,-1-2,-51 28,59-41,1 0,-1-1,0-1,0-1,0-1,0 0,-1-2,1 0,-39-7,54 7,1-1,0 0,-1 0,1 0,0-1,0 1,0-1,0 0,0 0,0-1,0 1,1-1,-1 0,1 0,0 0,-1 0,2-1,-1 1,-3-5,-1-6,0 1,1-1,0-1,-4-18,-11-27,15 43,0 0,2 0,0 0,-3-31,-3-13,5 20,0 1,3-1,4-61,0 24,-2 71,0-1,1 0,0 1,0-1,1 0,0 1,0 0,1-1,0 1,0 0,0 0,1 1,0-1,1 1,0 0,0 0,0 0,0 0,1 1,0 0,0 0,0 1,1 0,-1 0,1 0,0 1,0 0,1 1,-1-1,1 1,-1 0,1 1,-1 0,1 0,8 1,11-1,1 1,46 7,-64-5,1 0,-1 1,0 0,0 0,0 2,-1-1,1 1,-1 0,0 1,9 7,-12-8,0 0,-1 0,1 1,-1 0,-1-1,1 2,-1-1,0 0,0 1,-1 0,0 0,0 0,3 12,-5-13,-1 0,1 0,-1 0,0 0,-1 0,1 0,-1-1,-1 1,1 0,-1 0,0-1,0 1,0-1,-1 0,0 0,0 1,0-2,-6 7,-3 4,0-1,-1-1,-1 0,0-1,0 0,-2-1,1-1,-1 0,-1-1,-34 13,23-13,0-1,-1-2,0-1,-1-1,1-2,-38-1,-32 0,-86-4,179 2,1 0,0 0,0 0,0-1,0 0,-6-3,-16-6,26 11,1 0,-1 0,1 0,-1 0,1 1,-1-1,1 0,-1 0,1 0,-1 1,1-1,-1 0,1 1,-1-1,1 0,0 1,-1-1,1 1,0-1,-1 0,1 1,0-1,-1 1,1-1,0 1,0-1,0 1,-1-1,1 1,0-1,0 1,0 0,0-1,0 1,0-1,0 1,0 0,0 28,0-25,0 135,4 115,-1-240,-1 0,2-1,0 0,0 1,1-2,1 1,0-1,0 1,2-2,-1 1,1-1,1 0,0-1,16 15,-7-9,1-1,0 0,1-1,1-1,0-1,1-1,32 12,-52-22,241 75,-175-59,9 2,114 15,-135-30,0-2,66-7,-111 3,1 0,-1-1,0 0,0 0,0-1,-1-1,0 0,15-9,6-7,35-31,-15 10,-41 33,0-1,-1 0,0 0,0-1,-1-1,-1 1,0-1,9-20,-9 16,2 1,0 0,0 0,19-22,67-80,-66 90,52-39,-42 35,-3-2,46-50,-27 26,-37 36,-1-1,0-1,23-44,0 0,-36 62,-1 0,0-1,0 1,-1 0,1-1,-1 0,-1 0,1 1,-1-1,0 0,0 0,0 0,-1 0,0 0,0-1,-1 1,0 0,0 0,0 1,-1-1,0 0,0 0,0 1,-6-11,4 10,-1 0,0 0,0 0,0 1,-1-1,1 1,-1 1,0-1,-1 1,1 0,-1 0,0 1,0 0,0 0,0 1,0-1,-1 2,1-1,-12 0,-82-9,-82-3,158 14,-11-1,0 2,0 2,-50 10,37-3,29-7,0 2,1 0,-33 13,37-12,0-1,0-1,0-1,0 0,-26 1,23-2,1 0,-1 1,1 1,-21 6,18-3,-1-1,0-1,0-1,-25 1,27-3,17-2,0 0,1 0,-1 0,0 1,1-1,-1 0,0 1,1-1,-1 1,1 0,-1 0,0-1,1 1,0 0,-1 0,0 2,5 3,17-1,73 1,118-7,-71-2,-30 1,120 5,-211 0,-1 1,0 0,0 2,0 0,22 11,-18-7,0-1,37 8,-17-7,-12-3,44 5,-65-11,0 0,0-1,0-1,-1 1,1-1,0-1,0 0,-1 0,14-5,-18 4,0 0,0 0,0 0,0-1,0 1,-1-1,1 0,-1 0,0 0,0 0,0-1,2-6,3-4</inkml:trace>
 </inkml:ink>
 </file>
 
-<file path=ppt/ink/ink2.xml><?xml version="1.0" encoding="utf-8"?>
+<file path=ppt/ink/ink13.xml><?xml version="1.0" encoding="utf-8"?>
 <inkml:ink xmlns:inkml="http://www.w3.org/2003/InkML">
   <inkml:definitions>
     <inkml:context xml:id="ctx0">
@@ -251,7 +251,7 @@
           <inkml:channelProperty channel="Y" name="resolution" value="1000" units="1/cm"/>
         </inkml:channelProperties>
       </inkml:inkSource>
-      <inkml:timestamp xml:id="ts0" timeString="2020-06-03T21:32:53.688"/>
+      <inkml:timestamp xml:id="ts0" timeString="2020-06-05T14:10:49.240"/>
     </inkml:context>
     <inkml:brush xml:id="br0">
       <inkml:brushProperty name="width" value="0.3" units="cm"/>
@@ -262,11 +262,185 @@
       <inkml:brushProperty name="ignorePressure" value="1"/>
     </inkml:brush>
   </inkml:definitions>
-  <inkml:trace contextRef="#ctx0" brushRef="#br0">1278 364,'-2'3,"0"1,-1-1,1-1,-1 1,0 0,0-1,0 1,0-1,0 0,-1 0,1 0,-1 0,-6 2,3-1,-7 4,0 0,-1-2,0 0,0 0,0-1,0-1,-1-1,-17 1,-49 7,36-3,-61 0,25-6,-94-4,147-2,1-2,1-1,-1-1,2-1,-1-1,1-2,1 0,-47-34,67 42,1 1,-1-1,1 0,-1 0,1 0,1-1,-1 1,1-1,0 0,0 0,1 0,0 0,0-1,0 1,1 0,-1-14,0 5,2 0,0 1,0-1,1 0,1 0,6-22,-7 32,1 0,0 1,0-1,0 1,1 0,-1-1,1 1,0 0,0 0,0 1,1-1,0 1,-1-1,7-3,-1 2,0 0,0 0,0 1,0 1,1-1,17-2,7 0,0 2,0 2,39 2,-68 0,19 0,0 2,0 0,42 9,-56-8,0 1,1 0,-2 0,1 1,0 0,-1 1,0 0,0 0,-1 1,14 13,-17-14,1-1,-1 1,0 0,-1 0,0 0,0 1,0 0,5 12,-8-15,-1-1,1 1,-1 0,0-1,0 1,0-1,0 1,-1 0,1-1,-1 1,0-1,0 1,0-1,0 1,-1-1,0 0,1 0,-1 0,0 0,-4 5,-2 1,-1 1,1-2,-2 1,1-1,-1 0,0-1,-1 0,0-1,0 0,0-1,-1 0,1 0,-1-1,-1-1,-20 3,-13-1,0-2,-92-5,39-1,89 3,1 0,0 0,-1-1,1 0,0-1,0 0,0-1,0 1,0-2,0 1,-15-10,-27-14,38 21,1 0,0 0,1-1,0 0,0-1,1-1,-1 0,2 0,-10-12,2 7,12 9,18 6,-7 0,0 0,0 0,1-1,-1 0,0 0,1 0,-1-1,0 0,0 0,1-1,-1 1,0-1,0-1,-1 1,1-1,0 0,-1 0,0-1,1 0,-2 1,1-2,0 1,-1-1,0 1,0-1,0 0,4-8,3 0,-7 15,-13 26,-2-11,1 0,1 0,1 1,0 0,1 0,-6 29,12-40,0 1,0-1,0 0,1 0,0 0,1 1,-1-1,1 0,1 0,0 0,0 0,0 0,0-1,1 1,0 0,1-1,0 0,0 0,0 0,10 10,-5-7,0 0,1-1,0 0,0-1,1 0,0 0,0-1,1 0,17 5,-10-6,1-1,-1 0,1-1,0-2,28 0,-21-2,1 2,-1 0,1 2,28 7,-12-3,-1-2,1-1,0-3,56-5,4 1,-59 4,-1-3,74-13,-55 3,0 1,122-2,-88 15,142-4,-221-2,-1 0,1-1,-1-1,-1-1,1 0,-1-1,-1-1,1 0,14-13,32-16,-56 34,-1 0,0 0,0-1,-1 0,1 1,-1-2,0 1,0 0,-1-1,0 1,4-9,24-69,-31 81,1 0,0 0,-1 0,1 0,-1 0,1-1,-1 1,0 0,0 0,0 0,0 0,-1 0,1 0,0 0,-1 0,0 0,1 0,-1 0,0 0,0 0,0 0,0 0,0 1,0-1,-1 0,1 1,-1-1,1 1,-1 0,1-1,-1 1,0 0,0 0,0 0,1 0,-1 0,0 0,0 1,0-1,0 1,-5-1,-9-2,0 2,0 0,-1 1,-24 2,16-1,-763 3,435-5,330-3,23 4,0 0,0 0,-1-1,1 1,0 0,0 0,0 0,0-1,0 1,0 0,0 0,0 0,0-1,0 1,0 0,0 0,0 0,0-1,0 1,0 0,0 0,0 0,1-1,-1 1,0 0,0 0,0 0,0-1,0 1,0 0,1 0,-1 0,0 0,0 0,0-1,0 1,1 0,-1 0,0 0,0 0,0 0,1 0,-1 0,0 0,1 0,38-13,42 0,-49 7,0 1,37-1,-50 6,28 1,1-3,72-11,-62 5,1 3,0 2,67 6,-13-1,-94-1,0 1,35 9,-33-7,-1 0,27 1,11-6,-36 0,0 0,0 2,33 4,-49-4,-1 0,0 1,0-1,0 1,0 0,0 0,0 1,0 0,-1 0,1 0,-1 0,0 0,0 1,0 0,0 0,-1 0,1 0,-1 0,3 7,5 11,-1 1,-2 0,0 0,-1 1,-1-1,-1 2,1 29,-6-50,0 0,0 0,0 0,-1 0,0-1,0 1,0 0,0 0,0 0,-1-1,0 1,1-1,-1 1,-1-1,1 0,0 0,-1 0,0 0,1 0,-1 0,0-1,-1 0,1 1,0-1,-5 2,-9 4,-1 0,-1-2,1 0,-21 4,-17 6,19-5,-2-1,1-3,-1 0,-1-3,1-1,-49-3,66-1</inkml:trace>
+  <inkml:trace contextRef="#ctx0" brushRef="#br0">1278 1072,'-2'9,"0"2,-1-2,1-3,-1 3,0 0,0-3,0 3,0-4,0 1,-1 0,1 0,-1 0,-6 6,3-3,-7 11,0 1,-1-6,0-1,0 1,0-3,0-3,-1-4,-17 4,-49 21,36-10,-61 1,25-18,-94-12,147-6,1-5,1-4,-1-2,2-4,-1-2,1-6,1-1,-47-99,67 123,1 3,-1-2,1-1,-1 0,1 1,1-4,-1 3,1-3,0 1,0-1,1 0,0 1,0-4,0 4,1-1,-1-41,0 15,2 0,0 2,0-2,1 0,1 0,6-65,-7 94,1 1,0 2,0-3,0 3,1 0,-1-2,1 2,0 0,0 0,0 4,1-4,0 3,-1-3,7-8,-1 5,0 0,0 0,0 4,0 2,1-3,17-6,7 1,0 5,0 6,39 6,-68 0,19 0,0 6,0 0,42 26,-56-23,0 3,1 0,-2-1,1 4,0 0,-1 2,0 1,0 0,-1 2,14 39,-17-41,1-3,-1 2,0 1,-1 0,0-1,0 4,0 0,5 35,-8-45,-1-2,1 3,-1 0,0-3,0 2,0-2,0 3,-1 0,1-3,-1 2,0-2,0 3,0-3,0 3,-1-4,0 1,1 0,-1 0,0 0,-4 14,-2 4,-1 2,1-5,-2 2,1-2,-1-1,0-2,-1 0,0-4,0 1,0-3,-1-1,1 1,-1-3,-1-3,-20 8,-13-2,0-6,-92-15,39-3,89 9,1 0,0 0,-1-3,1 0,0-3,0 1,0-4,0 3,0-6,0 3,-15-29,-27-42,38 63,1-1,0 0,1-2,0-1,0-2,1-4,-1 1,2-1,-10-35,2 21,12 26,18 18,-7 0,0 0,0 0,1-3,-1 0,0 0,1 0,-1-3,0 0,0 0,1-3,-1 3,0-2,0-4,-1 3,1-3,0 0,-1 0,0-2,1-1,-2 3,1-6,0 3,-1-2,0 2,0-3,0 1,4-25,3 1,-7 44,-13 76,-2-32,1 0,1 0,1 3,0 0,1 0,-6 86,12-119,0 4,0-3,0-1,1 1,0-1,1 4,-1-3,1-1,1 1,0-1,0 1,0 0,0-4,1 4,0 0,1-4,0 1,0 0,0-1,10 30,-5-20,0-1,1-2,0-1,0-2,1 0,0-1,0-2,1 0,17 14,-10-17,1-3,-1-1,1-2,0-6,28 0,-21-6,1 6,-1 0,1 6,28 20,-12-8,-1-6,1-4,0-8,56-14,4 2,-59 12,-1-9,74-38,-55 8,0 4,122-6,-88 43,142-10,-221-7,-1 0,1-3,-1-2,-1-4,1 0,-1-2,-1-4,1 1,14-39,32-47,-56 100,-1 1,0-1,0-3,-1 0,1 4,-1-7,0 3,0 1,-1-4,0 3,4-26,24-203,-31 238,1 0,0 0,-1 0,1 0,-1 0,1-3,-1 3,0 1,0-1,0 0,0 0,-1 0,1 0,0 0,-1 0,0 0,1 1,-1-1,0 0,0 0,0 0,0 0,0 3,0-3,-1 0,1 3,-1-2,1 2,-1 0,1-3,-1 3,0 0,0 0,0 0,1 0,-1 0,0 0,0 3,0-3,0 3,-5-3,-9-6,0 7,0-1,-1 3,-24 5,16-2,-763 9,435-15,330-9,23 12,0 0,0 0,-1-2,1 2,0 0,0 0,0 0,0-3,0 3,0 0,0 0,0 0,0-3,0 3,0 0,0 0,0 0,0-3,0 3,0 0,0 0,0 0,1-3,-1 3,0 0,0 0,0 0,0-3,0 3,0 0,1 0,-1 0,0 0,0 0,0-3,0 3,1 0,-1 0,0 0,0 0,0 0,1 0,-1 0,0 0,1 0,38-38,42-1,-49 22,0 2,37-3,-50 18,28 3,1-9,72-32,-62 14,1 10,0 5,67 18,-13-3,-94-3,0 2,35 28,-33-21,-1-1,27 4,11-18,-36 0,0 0,0 6,33 12,-49-12,-1 0,0 3,0-3,0 3,0-1,0 1,0 3,0 0,-1 0,1 0,-1 0,0-1,0 4,0 0,0 0,-1-1,1 1,-1 0,3 20,5 33,-1 3,-2 0,0-1,-1 4,-1-3,-1 5,1 86,-6-147,0 0,0 0,0-1,-1 1,0-3,0 3,0 0,0-1,0 1,-1-3,0 3,1-3,-1 2,-1-2,1 0,0 0,-1 0,0 0,1-1,-1 1,0-3,-1 0,1 3,0-3,-5 6,-9 11,-1 1,-1-7,1 1,-21 11,-17 19,19-16,-2-3,1-8,-1 0,-1-10,1-2,-49-9,66-3</inkml:trace>
 </inkml:ink>
 </file>
 
-<file path=ppt/ink/ink3.xml><?xml version="1.0" encoding="utf-8"?>
+<file path=ppt/ink/ink14.xml><?xml version="1.0" encoding="utf-8"?>
+<inkml:ink xmlns:inkml="http://www.w3.org/2003/InkML">
+  <inkml:definitions>
+    <inkml:context xml:id="ctx0">
+      <inkml:inkSource xml:id="inkSrc0">
+        <inkml:traceFormat>
+          <inkml:channel name="X" type="integer" min="-2.14748E9" max="2.14748E9" units="cm"/>
+          <inkml:channel name="Y" type="integer" min="-2.14748E9" max="2.14748E9" units="cm"/>
+        </inkml:traceFormat>
+        <inkml:channelProperties>
+          <inkml:channelProperty channel="X" name="resolution" value="1000" units="1/cm"/>
+          <inkml:channelProperty channel="Y" name="resolution" value="1000" units="1/cm"/>
+        </inkml:channelProperties>
+      </inkml:inkSource>
+      <inkml:timestamp xml:id="ts0" timeString="2020-06-05T14:10:49.241"/>
+    </inkml:context>
+    <inkml:brush xml:id="br0">
+      <inkml:brushProperty name="width" value="0.3" units="cm"/>
+      <inkml:brushProperty name="height" value="0.6" units="cm"/>
+      <inkml:brushProperty name="color" value="#A9D8FF"/>
+      <inkml:brushProperty name="tip" value="rectangle"/>
+      <inkml:brushProperty name="rasterOp" value="maskPen"/>
+      <inkml:brushProperty name="ignorePressure" value="1"/>
+    </inkml:brush>
+  </inkml:definitions>
+  <inkml:trace contextRef="#ctx0" brushRef="#br0">2176 754,'5'0,"31"-3,-36 2,0 1,0 0,0 0,1 0,-1 0,0 0,0 0,0 0,1 0,-1 0,0-1,0 1,0 0,0 0,1 0,-1 0,0-1,0 1,0 0,0 0,0 0,0-1,0 1,1 0,-1 0,0 0,0-1,0 1,0 0,0 0,0-1,0 1,0 0,0 0,0-1,0 1,0 0,0 0,-1 0,1-1,-15-14,6 11,1-1,0 1,-1 1,0-1,0 2,0-1,0 1,-1 0,-17 0,-13 1,-41 4,19-1,-46-3,-94 3,132 11,50-9,1 0,-28 1,-394-6,434 1,0 0,0-1,0 0,0-1,0 1,1-1,-1 0,1-1,-1 1,1-1,-8-6,-1-2,0 0,-23-25,-1 0,-24-6,49 34,0-1,1 0,-19-17,12 9,-1 0,-38-23,36 26,0-2,-25-23,39 32,-1 0,0 0,0 1,0 0,-1 1,0 0,-15-5,-1 2,-55-10,80 17,0 1,-1-1,1 1,-1 0,1 0,0 0,-1 0,1 0,-1 0,1 1,0-1,-1 1,1-1,0 1,-1 0,1 0,0 0,0 0,0 1,0-1,0 1,0-1,0 1,0-1,1 1,-1 0,1 0,-1 0,1 0,0 0,0 0,-2 5,1-2,1 1,0 0,0 0,1 0,0 0,0 0,0 0,0-1,1 1,0 0,1 0,3 10,-3-9,2 0,-1 0,1 0,0-1,0 1,1-1,-1 0,1-1,1 1,-1-1,10 7,7 3,0-1,26 11,-30-16,0 1,-1 0,0 1,18 16,-16-12,1-1,0 0,1-2,0 0,1-1,40 13,-31-14,0-2,0-1,0-1,1-2,62 0,-58-2,-1 1,0 2,0 1,58 20,130 45,-190-58,54 33,9 4,-50-31,54 34,-99-53,0 1,1-1,-1 1,0 0,0-1,0 1,0 0,0 0,0 0,0 0,0 0,0 0,0 0,0 0,-1 0,1 0,0 0,-1 0,1 1,-1-1,1 3,-1-4,-1 1,1 0,-1 0,1 0,-1 0,1-1,-1 1,0 0,1-1,-1 1,0 0,0-1,1 1,-1-1,0 1,0-1,0 0,0 1,0-1,1 0,-1 0,-1 1,-10 1,1 0,0 0,-19 0,-4-2,-6 1,0-1,-44-7,72 5,-1 0,1-1,0-1,0 0,0-1,0 0,1 0,0-1,0-1,-18-14,-73-67,76 64,14 15,1-1,0 0,0-1,2 0,-1-1,1 0,1-1,-8-14,15 25,-3-10,-2-1,0 1,0 1,-1-1,0 1,-1 0,0 1,-1-1,0 2,0-1,-21-14,27 22,0 1,0-1,1 1,-1-1,1 0,0 0,-1 0,1 0,0-1,0 1,0-1,1 1,-1-1,0 1,1-1,0 0,-2-5,3 5,0 1,1-1,-1 0,1 1,0-1,0 1,0-1,0 1,0-1,0 1,1-1,-1 1,1 0,0 0,-1 0,1 0,0 0,0 0,0 1,4-3,3-3,1 1,0 0,0 0,0 1,0 0,1 1,0 1,0-1,0 2,14-3,10 1,70 1,-78 3,0 2,39 7,-65-9,0 0,0 1,0-1,0 0,0 0,0 1,1-1,-1 0,0 0,0 0,0-1,0 1,0 0,1 0,-1-1,0 1,0 0,0-1,0 1,0-1,0 1,0-1,0 0,0 1,0-1,-1 0,1 0,0 0,0 0,-1 0,1 1,0-1,-1 0,1 0,-1-1,1 1,-1 0,0 0,1 0,-1 0,0 0,0 0,0 0,0-1,0 1,0 0,0-2,-1-8,-1 0,1 0,-2 0,-3-12,0 3,0-13,3 15,0-1,-2 1,0-1,-14-31,17 45,-1 1,0-1,0 0,-1 1,1-1,-1 1,0 0,0 0,-1 1,1-1,-1 1,1 0,-1 0,0 0,-1 1,1 0,0 0,0 0,-1 1,-9-2,-30-4,-71-13,104 17,1 0,0-1,0 0,1-1,-1 0,1-1,-16-11,8 5,15 11,0 0,1-1,-1 1,1-1,-1 1,1-1,0 0,0 0,-1 0,2-1,-1 1,0 0,-2-4,4 6,0-1,0 0,1 1,-1-1,0 0,0 1,0-1,0 1,1-1,-1 1,0-1,1 1,-1-1,0 1,1-1,-1 1,1-1,-1 1,1-1,-1 1,1 0,-1-1,1 1,-1 0,1 0,-1-1,1 1,-1 0,1 0,0 0,-1-1,1 1,-1 0,2 0,28-4,-22 4,41-8,-8 1,0 1,43 1,486 6,-550 0,-1 1,35 9,-33-7,-1 0,27 1,83-6,51 2,-178 0,0-1,-1 1,1 0,0 0,-1 0,1 0,-1 0,1 0,-1 1,1-1,-1 1,0 0,0 0,0 0,0 0,0 0,0 0,-1 0,1 0,0 1,-1-1,0 1,0-1,0 1,0 0,0-1,0 1,-1 0,1 0,-1 5,2 11,-1 0,-1 1,-4 30,1-15,4 103,-4 62,0-184,-1 0,0 0,-1 0,-1-1,0 0,-1 0,-13 20,8-14,1 1,-10 28,20-44,-1-1,0 1,-1 0,1-1,-1 0,0 0,-1 0,1 0,-1 0,0 0,0-1,0 0,0 0,-1 0,-5 3,2-3,0-1,1 0,-1 0,0-1,0 0,-1 0,1-1,0 0,0-1,-12 0,-3 1,0 2,-26 5,-39 3,-2 2,67-8,-46 3,57-7,0-1,-1-1,1 1,0-2,0 0,0 0,0-1,0-1,0 0,1 0,0-1,0-1,0 0,1 0,-1-1,-16-15,-158-118,134 103,-4 4,41 25,0 0,1-1,-20-15,6 1,-49-30,-15-12,71 50,-1 0,-27-13,-10-6,19 11,-49-22,49 27,-58-37,-70-43,-14-6,175 100,0 0,-1 0,1 0,-1 1,0 0,0 0,-1 1,1 0,0 0,-1 1,1 0,-1 0,1 0,-1 1,0 1,-11 1,1 0</inkml:trace>
+</inkml:ink>
+</file>
+
+<file path=ppt/ink/ink15.xml><?xml version="1.0" encoding="utf-8"?>
+<inkml:ink xmlns:inkml="http://www.w3.org/2003/InkML">
+  <inkml:definitions>
+    <inkml:context xml:id="ctx0">
+      <inkml:inkSource xml:id="inkSrc0">
+        <inkml:traceFormat>
+          <inkml:channel name="X" type="integer" min="-2.14748E9" max="2.14748E9" units="cm"/>
+          <inkml:channel name="Y" type="integer" min="-2.14748E9" max="2.14748E9" units="cm"/>
+        </inkml:traceFormat>
+        <inkml:channelProperties>
+          <inkml:channelProperty channel="X" name="resolution" value="1000" units="1/cm"/>
+          <inkml:channelProperty channel="Y" name="resolution" value="1000" units="1/cm"/>
+        </inkml:channelProperties>
+      </inkml:inkSource>
+      <inkml:timestamp xml:id="ts0" timeString="2020-06-05T14:10:49.242"/>
+    </inkml:context>
+    <inkml:brush xml:id="br0">
+      <inkml:brushProperty name="width" value="0.3" units="cm"/>
+      <inkml:brushProperty name="height" value="0.6" units="cm"/>
+      <inkml:brushProperty name="color" value="#A9D8FF"/>
+      <inkml:brushProperty name="tip" value="rectangle"/>
+      <inkml:brushProperty name="rasterOp" value="maskPen"/>
+      <inkml:brushProperty name="ignorePressure" value="1"/>
+    </inkml:brush>
+  </inkml:definitions>
+  <inkml:trace contextRef="#ctx0" brushRef="#br0">1 0,'0'0</inkml:trace>
+</inkml:ink>
+</file>
+
+<file path=ppt/ink/ink16.xml><?xml version="1.0" encoding="utf-8"?>
+<inkml:ink xmlns:inkml="http://www.w3.org/2003/InkML">
+  <inkml:definitions>
+    <inkml:context xml:id="ctx0">
+      <inkml:inkSource xml:id="inkSrc0">
+        <inkml:traceFormat>
+          <inkml:channel name="X" type="integer" min="-2.14748E9" max="2.14748E9" units="cm"/>
+          <inkml:channel name="Y" type="integer" min="-2.14748E9" max="2.14748E9" units="cm"/>
+        </inkml:traceFormat>
+        <inkml:channelProperties>
+          <inkml:channelProperty channel="X" name="resolution" value="1000" units="1/cm"/>
+          <inkml:channelProperty channel="Y" name="resolution" value="1000" units="1/cm"/>
+        </inkml:channelProperties>
+      </inkml:inkSource>
+      <inkml:timestamp xml:id="ts0" timeString="2020-06-05T14:10:49.243"/>
+    </inkml:context>
+    <inkml:brush xml:id="br0">
+      <inkml:brushProperty name="width" value="0.3" units="cm"/>
+      <inkml:brushProperty name="height" value="0.6" units="cm"/>
+      <inkml:brushProperty name="color" value="#A9D8FF"/>
+      <inkml:brushProperty name="tip" value="rectangle"/>
+      <inkml:brushProperty name="rasterOp" value="maskPen"/>
+      <inkml:brushProperty name="ignorePressure" value="1"/>
+    </inkml:brush>
+  </inkml:definitions>
+  <inkml:trace contextRef="#ctx0" brushRef="#br0">1 0,'0'0</inkml:trace>
+</inkml:ink>
+</file>
+
+<file path=ppt/ink/ink17.xml><?xml version="1.0" encoding="utf-8"?>
+<inkml:ink xmlns:inkml="http://www.w3.org/2003/InkML">
+  <inkml:definitions>
+    <inkml:context xml:id="ctx0">
+      <inkml:inkSource xml:id="inkSrc0">
+        <inkml:traceFormat>
+          <inkml:channel name="X" type="integer" min="-2.14748E9" max="2.14748E9" units="cm"/>
+          <inkml:channel name="Y" type="integer" min="-2.14748E9" max="2.14748E9" units="cm"/>
+        </inkml:traceFormat>
+        <inkml:channelProperties>
+          <inkml:channelProperty channel="X" name="resolution" value="1000" units="1/cm"/>
+          <inkml:channelProperty channel="Y" name="resolution" value="1000" units="1/cm"/>
+        </inkml:channelProperties>
+      </inkml:inkSource>
+      <inkml:timestamp xml:id="ts0" timeString="2020-06-05T14:10:49.244"/>
+    </inkml:context>
+    <inkml:brush xml:id="br0">
+      <inkml:brushProperty name="width" value="0.3" units="cm"/>
+      <inkml:brushProperty name="height" value="0.6" units="cm"/>
+      <inkml:brushProperty name="color" value="#A9D8FF"/>
+      <inkml:brushProperty name="tip" value="rectangle"/>
+      <inkml:brushProperty name="rasterOp" value="maskPen"/>
+      <inkml:brushProperty name="ignorePressure" value="1"/>
+    </inkml:brush>
+  </inkml:definitions>
+  <inkml:trace contextRef="#ctx0" brushRef="#br0">1 1</inkml:trace>
+</inkml:ink>
+</file>
+
+<file path=ppt/ink/ink18.xml><?xml version="1.0" encoding="utf-8"?>
+<inkml:ink xmlns:inkml="http://www.w3.org/2003/InkML">
+  <inkml:definitions>
+    <inkml:context xml:id="ctx0">
+      <inkml:inkSource xml:id="inkSrc0">
+        <inkml:traceFormat>
+          <inkml:channel name="X" type="integer" min="-2.14748E9" max="2.14748E9" units="cm"/>
+          <inkml:channel name="Y" type="integer" min="-2.14748E9" max="2.14748E9" units="cm"/>
+        </inkml:traceFormat>
+        <inkml:channelProperties>
+          <inkml:channelProperty channel="X" name="resolution" value="1000" units="1/cm"/>
+          <inkml:channelProperty channel="Y" name="resolution" value="1000" units="1/cm"/>
+        </inkml:channelProperties>
+      </inkml:inkSource>
+      <inkml:timestamp xml:id="ts0" timeString="2020-06-05T14:10:49.245"/>
+    </inkml:context>
+    <inkml:brush xml:id="br0">
+      <inkml:brushProperty name="width" value="0.3" units="cm"/>
+      <inkml:brushProperty name="height" value="0.6" units="cm"/>
+      <inkml:brushProperty name="color" value="#A9D8FF"/>
+      <inkml:brushProperty name="tip" value="rectangle"/>
+      <inkml:brushProperty name="rasterOp" value="maskPen"/>
+      <inkml:brushProperty name="ignorePressure" value="1"/>
+    </inkml:brush>
+  </inkml:definitions>
+  <inkml:trace contextRef="#ctx0" brushRef="#br0">1 1</inkml:trace>
+</inkml:ink>
+</file>
+
+<file path=ppt/ink/ink19.xml><?xml version="1.0" encoding="utf-8"?>
+<inkml:ink xmlns:inkml="http://www.w3.org/2003/InkML">
+  <inkml:definitions>
+    <inkml:context xml:id="ctx0">
+      <inkml:inkSource xml:id="inkSrc0">
+        <inkml:traceFormat>
+          <inkml:channel name="X" type="integer" min="-2.14748E9" max="2.14748E9" units="cm"/>
+          <inkml:channel name="Y" type="integer" min="-2.14748E9" max="2.14748E9" units="cm"/>
+        </inkml:traceFormat>
+        <inkml:channelProperties>
+          <inkml:channelProperty channel="X" name="resolution" value="1000" units="1/cm"/>
+          <inkml:channelProperty channel="Y" name="resolution" value="1000" units="1/cm"/>
+        </inkml:channelProperties>
+      </inkml:inkSource>
+      <inkml:timestamp xml:id="ts0" timeString="2020-06-05T14:12:00.703"/>
+    </inkml:context>
+    <inkml:brush xml:id="br0">
+      <inkml:brushProperty name="width" value="0.3" units="cm"/>
+      <inkml:brushProperty name="height" value="0.6" units="cm"/>
+      <inkml:brushProperty name="color" value="#A9D8FF"/>
+      <inkml:brushProperty name="tip" value="rectangle"/>
+      <inkml:brushProperty name="rasterOp" value="maskPen"/>
+      <inkml:brushProperty name="ignorePressure" value="1"/>
+    </inkml:brush>
+  </inkml:definitions>
+  <inkml:trace contextRef="#ctx0" brushRef="#br0">1144 755,'-1'-1,"1"0,0 0,-1-1,0 1,1 0,-1 0,1 0,-1 0,0 0,0 0,0 0,0 1,1-1,-1 0,0 0,0 1,0-1,-1 0,1 1,0-1,0 1,0 0,0-1,-1 1,1 0,0-1,-2 1,-40-5,38 5,-155 0,-20-1,140-7,34 6,0 0,0 0,0 1,0 0,0 1,0-1,-8 2,12-1,0 1,0-1,1 1,-1 0,0-1,1 1,-1 0,0 0,1 0,0 0,-1 1,1-1,-1 0,1 1,0-1,0 1,0-1,0 1,0-1,0 1,0 0,1 0,-1-1,1 1,-1 0,1 0,0 0,-1-1,1 3,0 1,-1 0,0-1,0 1,0-1,-1 1,0-1,0 0,0 1,0-1,0 0,-1 0,0 0,-4 4,4-5,-1-1,1 0,-1 0,1 0,-1-1,0 1,0-1,1 0,-1 0,0 0,0-1,0 1,0-1,0 0,0 0,-7-1,-1 0,1-1,-1 0,0 0,1-1,0-1,0 0,0 0,0-1,1 0,-1-1,1-1,-11-8,21 15,-1 0,1-1,0 1,-1 0,1 0,-1 0,1-1,0 1,-1 0,1 0,0-1,-1 1,1 0,0-1,-1 1,1 0,0-1,0 1,0 0,-1-1,1 1,0-1,0 1,0 0,0-1,0 1,-1-1,1 1,0-1,0 1,0 0,0-1,1 1,-1-1,0 1,0-1,0 1,0 0,0-1,0 1,1-1,-1 1,22-4,29 10,49 17,-26-4,98 11,-90-19,-39-5,64 2,-90-8,0 0,0-1,28-6,-38 5,0-1,-1 1,1-1,0 0,-1-1,0 1,0-1,0-1,-1 1,1-1,6-7,-2 3,1 0,1 0,0 2,0-1,0 1,1 1,0 1,0-1,0 2,18-4,-10 2,0-1,0-1,23-13,-37 17,1 0,0-1,0 0,-1 0,1 0,8-10,-13 12,-1-1,0 0,1 1,-1-1,0 0,-1 0,1 0,-1 0,0-1,0 1,0 0,0-1,-1 1,0-5,1-23,-1-1,-2 1,-2 0,0 0,-3 1,0-1,-17-41,19 62,0 1,-1-1,-1 1,0 1,0-1,-1 1,0 1,-17-15,-7-2,-42-26,58 43,-1 0,-1 0,1 2,-1 0,0 1,0 1,-26-3,-14-3,34 4,-19-4,1 2,-1 2,-53-1,44 8,-5-2,-1 3,-87 14,109-11,0-2,-1-1,-37-3,-54 3,120-1,0 0,0 1,1 0,-1 0,0 1,1 0,-1 0,1 1,0 0,0 0,1 1,-1 0,1 0,0 0,0 1,1 0,0 0,-5 7,3-3,1 0,0 0,1 1,1-1,-1 1,2 0,-1 0,1 1,1-1,0 1,0 21,2-17,1-1,0 1,1 0,1-1,1 1,0-1,7 17,-7-23,0 0,1 0,0 0,1 0,0-1,0 0,1 0,0-1,0 1,1-2,0 1,10 6,-3-2,1 1,24 26,3 3,-30-31,-5-1,1-2,0 1,1-1,-1 0,2-1,-1 0,1 0,-1-1,1-1,1 0,-1-1,15 3,-4-4</inkml:trace>
+</inkml:ink>
+</file>
+
+<file path=ppt/ink/ink2.xml><?xml version="1.0" encoding="utf-8"?>
 <inkml:ink xmlns:inkml="http://www.w3.org/2003/InkML">
   <inkml:definitions>
     <inkml:context xml:id="ctx0">
@@ -291,11 +465,98 @@
       <inkml:brushProperty name="ignorePressure" value="1"/>
     </inkml:brush>
   </inkml:definitions>
-  <inkml:trace contextRef="#ctx0" brushRef="#br0">1692 158,'-702'0,"688"1,1 1,-1 0,1 1,0 1,0 0,0 1,0 0,1 1,0 0,-12 9,11-7,-1-1,1 0,-1-1,0 0,-1-1,0-1,-21 4,-1-4,0 2,1 2,-1 1,2 1,-1 3,1 0,-46 27,-69 45,128-74,11-6,1 0,0 1,0 0,-11 9,20-14,0 0,0 0,0 0,-1 0,1 0,0 0,1 0,-1 0,0 0,0 1,0-1,1 0,-1 1,1-1,-1 0,1 1,-1-1,1 1,0-1,0 1,0-1,-1 1,2-1,-1 1,0-1,0 1,0-1,1 1,-1-1,1 0,-1 1,1-1,-1 0,1 1,0-1,0 0,-1 0,3 3,3 0,0-1,0 1,0-1,0 0,1 0,-1-1,1 0,0 0,0-1,0 0,0 0,-1 0,10-1,19 5,36 4,1-3,0-2,77-8,-16 2,333 2,-447-1,0-1,36-9,-34 7,-1 0,27-1,171 7,83-4,-214-10,-55 6,56-2,-25 9,-44 1,1-1,-1-1,1-1,-1 0,1-2,-1 0,25-8,-41 10,-1 0,1-1,-1 1,1 0,-1-1,0 0,1 0,-1 1,0-1,0 0,0-1,0 1,-1 0,1 0,-1-1,1 1,-1-1,2-5,-2 3,1 0,-2 0,1 0,0 0,-1 0,0 0,0-1,-1 1,1 0,-2-5,0 2,0 0,-1 0,1 1,-1-1,-1 1,1 0,-1 0,-1 0,1 1,-1-1,0 1,0 0,-10-8,-9-1,-41-18,-9-6,55 29,-2 1,1 2,-1 0,0 0,-1 2,-34-4,-17-5,31 8,-1 1,0 2,0 2,-42 4,-13 0,68-4,-57-11,57 6,-55-2,64 7,0-1,-30-7,29 4,0 1,-23 0,-95-13,73 7,4-2,42 8,1 0,-32-2,-29-6,6 0,-10-1,62 8,1 1,-29-1,27 4,1 1,-1 2,0 0,0 2,1 1,0 0,-36 14,35-10,14-6,0 1,-1 0,2 1,-1 0,0 0,1 1,0 0,-9 8,-28 22,41-34,0 2,0-1,0 0,0 1,0 0,1 0,-1 0,1 1,0-1,1 1,-1 0,1 0,0 0,0 1,0-1,1 1,0 0,0-1,-2 12,2 4,0 0,1 0,1 0,1 0,1 0,1 0,0 0,10 28,-8-40,1 0,0-1,1 0,-1 0,1 0,1-1,13 10,1 3,-15-14,1 0,0-1,0 0,0 0,1-1,-1 0,1 0,0-1,0 0,0-1,0 0,17 1,12 0,72-5,-48 0,-40 2</inkml:trace>
+  <inkml:trace contextRef="#ctx0" brushRef="#br0">1692 278,'-702'0,"688"2,1 1,-1 1,1 1,0 2,0 0,0 2,0 0,1 2,0-1,-12 17,11-13,-1-2,1 1,-1-3,0 1,-1-2,0-2,-21 7,-1-7,0 3,1 4,-1 2,2 2,-1 5,1 0,-46 47,-69 81,128-132,11-10,1 0,0 1,0 1,-11 15,20-24,0 0,0 0,0-1,-1 1,1 0,0 0,1-1,-1 1,0 0,0 1,0-1,1 0,-1 1,1-1,-1 0,1 2,-1-3,1 3,0-2,0 1,0-1,-1 1,2-1,-1 2,0-2,0 1,0-1,1 1,-1-1,1 0,-1 1,1-1,-1 0,1 1,0-1,0 0,-1 0,3 5,3 0,0-2,0 2,0-1,0-1,1 0,-1-1,1-1,0 1,0-3,0 1,0 0,-1 0,10-2,19 9,36 6,1-4,0-4,77-14,-16 4,333 3,-447-2,0-2,36-15,-34 12,-1 0,27-2,171 12,83-6,-214-18,-55 10,56-3,-25 16,-44 1,1-1,-1-2,1-2,-1 1,1-5,-1 1,25-14,-41 17,-1 0,1-2,-1 3,1-1,-1-2,0 1,1-1,-1 3,0-3,0 0,0-1,0 2,-1-1,1 1,-1-3,1 3,-1-3,2-8,-2 6,1-1,-2 0,1 0,0 0,-1 0,0 1,0-3,-1 2,1 0,-2-8,0 3,0-1,-1 1,1 2,-1-2,-1 2,1-1,-1 1,-1-1,1 3,-1-3,0 3,0-1,-10-13,-9-3,-41-31,-9-11,55 51,-2 2,1 4,-1 0,0-1,-1 5,-34-8,-17-9,31 14,-1 3,0 2,0 5,-42 6,-13 0,68-7,-57-19,57 11,-55-5,64 14,0-3,-30-12,29 7,0 2,-23 0,-95-23,73 13,4-5,42 15,1 0,-32-3,-29-11,6-1,-10-1,62 15,1 1,-29-2,27 7,1 2,-1 4,0-1,0 4,1 2,0 0,-36 24,35-17,14-11,0 3,-1-1,2 1,-1 1,0 0,1 2,0-1,-9 15,-28 39,41-61,0 4,0-2,0 1,0 1,0 0,1 0,-1 0,1 2,0-2,1 2,-1-1,1 1,0 0,0 2,0-2,1 1,0 1,0-2,-2 21,2 7,0 0,1 0,1 0,1 0,1 0,1 0,0 0,10 50,-8-72,1 1,0-2,1 1,-1-1,1 0,1-2,13 18,1 6,-15-26,1 1,0-2,0-1,0 1,1-2,-1 0,1 0,0-1,0-1,0-2,0 1,17 1,12 1,72-10,-48 1,-40 3</inkml:trace>
 </inkml:ink>
 </file>
 
-<file path=ppt/ink/ink4.xml><?xml version="1.0" encoding="utf-8"?>
+<file path=ppt/ink/ink20.xml><?xml version="1.0" encoding="utf-8"?>
+<inkml:ink xmlns:inkml="http://www.w3.org/2003/InkML">
+  <inkml:definitions>
+    <inkml:context xml:id="ctx0">
+      <inkml:inkSource xml:id="inkSrc0">
+        <inkml:traceFormat>
+          <inkml:channel name="X" type="integer" min="-2.14748E9" max="2.14748E9" units="cm"/>
+          <inkml:channel name="Y" type="integer" min="-2.14748E9" max="2.14748E9" units="cm"/>
+        </inkml:traceFormat>
+        <inkml:channelProperties>
+          <inkml:channelProperty channel="X" name="resolution" value="1000" units="1/cm"/>
+          <inkml:channelProperty channel="Y" name="resolution" value="1000" units="1/cm"/>
+        </inkml:channelProperties>
+      </inkml:inkSource>
+      <inkml:timestamp xml:id="ts0" timeString="2020-06-05T14:12:58.529"/>
+    </inkml:context>
+    <inkml:brush xml:id="br0">
+      <inkml:brushProperty name="width" value="0.3" units="cm"/>
+      <inkml:brushProperty name="height" value="0.6" units="cm"/>
+      <inkml:brushProperty name="color" value="#A9D8FF"/>
+      <inkml:brushProperty name="tip" value="rectangle"/>
+      <inkml:brushProperty name="rasterOp" value="maskPen"/>
+      <inkml:brushProperty name="ignorePressure" value="1"/>
+    </inkml:brush>
+  </inkml:definitions>
+  <inkml:trace contextRef="#ctx0" brushRef="#br0">2238 1432,'-19'3,"0"-1,1 2,0 1,0 0,-31 14,-1-1,-176 47,13 6,183-64,-1-1,0-1,-1-2,1-1,0-2,-1-1,-31-5,28 0,2-1,-1-2,1-2,0-1,1-1,-45-26,-12-4,71 35,0-2,0 0,1 0,0-2,1 0,0-1,-25-27,38 35,0-1,0 0,0 0,1 0,0 0,0 0,0 0,1-1,0 1,0-12,3-72,0 45,-3-62,4-72,-3 174,1-1,1 0,-1 0,1 1,0-1,0 1,0 0,1-1,0 1,0 0,0 1,1-1,-1 1,1-1,0 1,1 0,-1 0,1 1,-1-1,1 1,0 0,0 0,1 1,-1 0,0 0,1 0,-1 0,10-1,15-2,0 1,1 1,0 2,36 2,-32 0,6-2,39 0,-75 2,0-1,0 1,0 0,0 0,-1 0,1 0,0 1,-1 0,1 0,-1 0,0 1,7 4,-8-3,0-1,-1 1,1 0,-1 0,0 0,0 1,0-1,0 0,-1 1,0-1,0 1,0-1,0 1,-1 0,0-1,0 10,0-10,0 0,-1-1,1 1,-1 0,0 0,0 0,0 0,0-1,-1 1,1 0,-1-1,0 1,0-1,0 0,-1 0,1 0,-1 0,0 0,-6 5,-2-2,-1-1,-1 0,1-1,-1 0,0-1,1 0,-1-1,-16 0,-112-3,64-2,-27 3,-147-3,195-1,0-3,-80-19,108 19,-113-35,126 37,1-2,-1 0,1 0,1-1,-1-1,1 0,-13-13,23 17,-1 0,0 0,1 0,0-1,0 1,1-1,0 0,0 0,0 0,0 0,1 0,0 0,0 0,1-10,-1-11,7-51,-5 71,0 0,0 0,1 1,0-1,0 1,0-1,1 1,0-1,0 1,0 0,1 1,0-1,1 1,-1-1,1 1,0 1,0-1,0 1,1-1,10-5,-4 4,1 1,-1 1,1-1,0 2,0 0,0 1,1 0,-1 1,23 0,-8 1,116 7,-128-4,1-1,-1 2,1 1,-1 0,0 0,23 13,-34-15,36 15,-40-18,-1 0,1 0,0 1,0-1,-1 0,1 0,0 0,0 0,-1 0,1 0,0-1,0 1,-1 0,1 0,0 0,-1-1,1 1,0 0,-1-1,1 1,0-1,-1 1,1-1,-1 1,1-1,-1 1,1-1,-1 1,1-1,-1 0,1 1,-1-1,0 0,0 1,1-1,-1 0,0 1,0-1,0 0,1 0,-1 1,0-1,0 0,0 0,0 1,-1-1,1 0,0 0,0 1,0-1,-1-1,-11-198,11 194,-1-1,1 0,-1 1,-1-1,1 1,-1-1,0 1,0 0,-1 0,1 1,-1-1,-1 1,1 0,-1 0,0 0,-7-5,-11-7,0 1,-45-23,-10-7,66 37,-1 1,1 0,-1 1,-1 1,1 0,-1 1,0 0,-29-4,38 8,-1 0,0 0,1 1,-1 0,0 0,1 1,-1 0,1 0,-1 0,1 0,0 1,-1 0,1 0,0 1,0-1,0 1,0 0,1 0,-1 1,1 0,0-1,0 1,0 0,1 1,-1-1,-3 7,-4 12,0 1,2 0,1 1,1 0,1 0,1 1,-3 34,-3 12,6-33,1 1,1 0,6 76,-1-108,-1-1,1 1,0 0,1-1,0 0,0 1,0-1,1 0,0-1,1 1,-1-1,10 10,7 6,48 37,-32-29,238 170,-206-152,65 57,-110-87,1 0,1-1,0-2,1-1,1-1,34 12,-31-16,-1-1,1-1,1-1,33 1,127-4,-119-4,-51-1,1-1,-1-1,0-1,0-1,-1-1,0-1,40-21,-32 15,1 1,60-17,173-39,-221 56,-25 8,0 0,-1-1,22-12,-32 14,0 0,0 0,0 0,-1-1,0 0,0 0,0-1,-1 0,0 1,0-1,6-12,-3 2,-1 1,0-2,-1 1,-1-1,0 1,-2-1,0 0,0-1,-2 1,0 0,-1 0,-1 0,0 0,-2 0,0 1,0-1,-2 1,0 0,-1 0,0 1,-15-24,-1 4,13 16,-1 2,0-1,-2 2,0-1,-1 2,0 0,-21-16,-151-93,159 109,-2 1,0 1,0 2,-1 1,-33-7,47 14,-31-8,0 3,-1 1,-55 0,15 7,-84 2,146 2,0 2,-47 15,18-4,38-12,1 1,0 1,-19 11,20-9,-1-1,0-1,-20 6,19-8,-6 2,0 0,0-2,0-1,-1-1,1 0,-44-3,64 0,0-1,1 1,-1-1,0 0,0 0,1-1,-1 1,1 0,-1-1,1 1,0-1,-1 0,1 0,0 0,0 0,0 0,1 0,-1-1,0 1,1-1,0 1,-1-1,1 1,0-1,0 0,1 0,-1 1,0-1,1 0,0 0,0 0,0 0,0 0,0 1,0-1,1 0,-1 0,1 0,0 1,0-1,0 0,0 1,0-1,1 0,-1 1,1 0,0-1,0 1,-1 0,1 0,1 0,-1 0,0 0,0 1,1-1,-1 1,1-1,-1 1,1 0,0 0,-1 0,5 0,23-4,1 2,0 2,1 1,36 4,20 0,1507-4,-1589 1,0-1,0 1,1 0,-1 1,0 0,-1 0,1 0,0 0,0 1,-1 0,0 0,6 5,58 54,-59-53,-5-4,-1 0,0 0,0 0,0 1,0-1,-1 1,0 0,0 0,-1 0,0 1,0-1,0 0,-1 1,2 11,-3-14,0 0,0 0,-1 0,1 0,-1 0,0 0,0 0,0-1,0 1,-1 0,1-1,-1 1,0-1,0 1,-1-1,1 0,-1 0,1 0,-1 0,0 0,0-1,0 1,0-1,-1 0,-5 3,-135 51,57-24,69-27,0 1,1 0,0 1,1 1,-1 1,2 0,-1 1,-17 15,15-11,-2 0,1-1,-2-1,1-1,-29 11,-7 4,30-13,-1-1,0-1,-1-1,0-2,0-1,-1-1,0-1,0-2,-54 0,57-4,1-1,0 0,-40-11,4-2,-74-7,66 9,56 9,0 0,1 2,-1 0,0 0,0 1,0 1,0 0,0 0,0 2,-20 3,30-3,-1-1,1 1,0 0,0 0,0 0,0 1,0-1,0 1,0-1,1 1,-1 0,1 0,0 0,0 0,0 1,0-1,1 0,-1 1,1-1,0 1,-1 4,-1 11,0-1,1 1,1 24,-3 24,-4-23,3 0,1 1,3 0,5 63,-4-105,1 0,0 0,0 0,0 1,0-1,1 0,-1 0,1 0,0-1,0 1,0 0,0-1,0 1,0-1,1 0,-1 1,1-1,0 0,0-1,-1 1,5 1,9 4,0 0,0-1,18 4,15 5,-19-3,1-2,0-1,1-2,0 0,53 2,168-9,-117-3,20 4,-134-1</inkml:trace>
+</inkml:ink>
+</file>
+
+<file path=ppt/ink/ink21.xml><?xml version="1.0" encoding="utf-8"?>
+<inkml:ink xmlns:inkml="http://www.w3.org/2003/InkML">
+  <inkml:definitions>
+    <inkml:context xml:id="ctx0">
+      <inkml:inkSource xml:id="inkSrc0">
+        <inkml:traceFormat>
+          <inkml:channel name="X" type="integer" min="-2.14748E9" max="2.14748E9" units="cm"/>
+          <inkml:channel name="Y" type="integer" min="-2.14748E9" max="2.14748E9" units="cm"/>
+        </inkml:traceFormat>
+        <inkml:channelProperties>
+          <inkml:channelProperty channel="X" name="resolution" value="1000" units="1/cm"/>
+          <inkml:channelProperty channel="Y" name="resolution" value="1000" units="1/cm"/>
+        </inkml:channelProperties>
+      </inkml:inkSource>
+      <inkml:timestamp xml:id="ts0" timeString="2020-06-05T14:13:04.824"/>
+    </inkml:context>
+    <inkml:brush xml:id="br0">
+      <inkml:brushProperty name="width" value="0.3" units="cm"/>
+      <inkml:brushProperty name="height" value="0.6" units="cm"/>
+      <inkml:brushProperty name="color" value="#A9D8FF"/>
+      <inkml:brushProperty name="tip" value="rectangle"/>
+      <inkml:brushProperty name="rasterOp" value="maskPen"/>
+      <inkml:brushProperty name="ignorePressure" value="1"/>
+    </inkml:brush>
+  </inkml:definitions>
+  <inkml:trace contextRef="#ctx0" brushRef="#br0">2024 1370,'-67'0,"-4"-2,1 4,-88 13,85-6,-1-4,-117-6,63-2,101 2,-1-1,1-2,0-1,-40-12,-142-58,129 49,-151-55,219 77,1-1,1 0,-1-1,1 0,0-1,0 0,-9-8,15 10,0 1,0-1,1 0,-1 1,1-2,0 1,0 0,1 0,0-1,0 0,0 1,0-1,1 0,0 0,0-10,0-333,4 151,-3 194,0 0,0 0,0 0,1-1,0 1,-1 0,1 0,1 0,-1 1,1-1,-1 0,1 0,0 1,0-1,1 1,-1-1,6-5,-3 6,0-1,1 1,-1 0,1 0,0 0,-1 1,1 0,0 0,1 0,-1 1,7-1,91-20,-72 13,0 2,1 2,53-3,-46 11,0 3,0 1,-1 1,0 3,48 19,-40-15,-22-7,-10-4,0 0,0 1,0 1,-1 1,0-1,0 2,24 18,-35-23,0 0,-1 0,1 1,-1-1,0 0,0 1,0 0,-1-1,1 1,-1 0,0 0,0 0,0 0,-1 0,1 0,-1 0,0 0,0 0,-1 0,1 0,-1 0,0 0,0 0,0 0,0 0,-1 0,-3 6,1-3,0 1,-1-1,1 0,-2-1,1 1,-1-1,0 0,0-1,-1 1,0-1,0 0,-10 5,-5-1,-1-1,0-1,-1-1,1-1,-1-1,-25 1,-42 8,16 0,-1-2,-132 0,182-11,1-2,0-1,-26-6,42 7,0 0,0-1,1 0,-1 0,1-1,-1 0,1-1,0 1,1-2,-1 1,-10-12,14 13,1-1,0 0,1 0,-1 0,1 0,0 0,0 0,0-1,1 1,0-1,0 1,0-11,4-77,0 49,-3 22,1-11,0 1,2-1,9-40,-6 40,-2-1,0 0,-3 0,-1-1,-5-43,5 76,0 0,0 0,0 0,0 0,-1 0,1 0,-1 0,1 0,-1 0,0 1,1-1,-1 0,0 0,0 0,-1 1,1-1,0 1,0-1,-1 1,1-1,-1 1,1 0,-1-1,0 1,1 0,-3-1,1 2,0 0,0-1,-1 1,1 0,0 1,0-1,0 1,0-1,0 1,0 0,0 0,0 0,0 0,1 1,-4 1,-7 5,0 0,1 1,0 0,0 1,-18 21,6 3,-37 65,35-53,21-37,0 0,1 0,1 0,-1 1,1 0,1 0,0-1,0 1,1 1,0-1,1 15,0-21,1 0,-1 0,1 0,0 0,0 0,0 0,0 0,1-1,-1 1,1 0,0-1,0 1,1-1,-1 0,1 0,-1 0,1 0,0 0,0 0,0-1,1 0,-1 1,1-1,-1 0,1-1,0 1,-1-1,1 1,0-1,8 1,36 8,-1 3,53 20,39 12,35 14,-63-19,62 31,-14-6,54 18,-174-71,0-1,1-3,0 0,1-3,47 0,-61-5,-1-1,1-1,29-7,-46 7,0-1,0-1,-1 0,1 0,-1 0,0-1,0-1,-1 0,1 0,-1 0,9-10,16-21,52-74,-78 104,-1-1,2 1,-1 1,1-1,16-9,15-14,-14 10,1 1,47-26,-44 28,-1 0,38-33,-63 48,-1 0,1 0,-1 0,0-1,0 1,0-1,0 1,0-1,-1 0,1 0,-1 0,0 0,0 0,0 0,1-5,-2 6,0-1,0 1,0 0,-1 0,1-1,-1 1,1 0,-1 0,0 0,0 0,0 0,0 0,-1 0,1 0,0 0,-1 0,-1-1,-8-6,0 0,0 1,-1 0,0 1,-24-10,5 2,2 0,-1 2,0 1,-44-12,47 16,-15-1,1 2,-1 1,0 3,0 1,-65 6,3-1,-1037-3,1137 0,-1 0,1-1,0 1,0-1,0 0,-1 0,1 0,0-1,0 1,0-1,-7-5,11 7,-1 0,1-1,-1 1,0-1,1 0,-1 1,1-1,0 1,-1-1,1 0,-1 1,1-1,0 0,0 0,-1 1,1-1,0 0,0 0,0 1,0-1,0 0,0 0,0 1,0-1,0-1,1 0,0 0,0 0,0 0,1 1,-1-1,0 0,1 1,-1-1,1 1,-1-1,1 1,0 0,0 0,2-2,4-1,0 1,0-1,0 2,1-1,-1 1,1 0,-1 0,18 0,78 4,-50 1,854-3,-877-1,55-11,-55 7,54-3,563 9,-631-1,0 2,0 0,0 0,0 2,0 0,31 12,-46-15,0 0,-1-1,1 1,-1 0,1 0,-1 0,0 0,1 0,-1 1,0-1,0 0,0 1,0-1,0 0,0 1,0-1,0 1,0 0,-1-1,1 1,-1 0,1-1,-1 1,0 0,1-1,-1 1,0 0,0 0,0-1,-1 1,1 0,0 0,-1-1,1 1,-1 0,0 1,-3 6,-1 0,0-1,-1 0,0 0,-9 10,-2 4,10-14,0 0,-1 0,1-1,-17 12,16-13,0 0,0 1,1 0,0 1,-9 11,8-10,1 0,-2-1,1 0,-1 0,0-1,-1 0,1-1,-1 0,-21 9,18-9,1 0,0 1,0 0,1 1,0 1,1-1,-12 13,-21 34,30-37,1-1,-2-1,0 0,-1 0,-1-2,0 0,-1 0,-33 19,-27 1,-46 25,111-53,1 1,-1 0,1 1,0 0,-13 14,20-18,0 1,1 0,0 0,0 0,0 0,0 1,1-1,0 1,0 0,1-1,-1 1,1 0,1 0,-1 10,3 27,1-49,0 0,1 0,0 1,0-1,1 1,-1 0,1 1,0-1,0 1,9-6,58-34,-60 38,-1-1,0 0,-1-1,0 0,0-1,-1 0,0-1,0 1,-1-2,7-11,-12 17,0 0,0 0,-1 0,0 0,0-1,0 1,-1-1,0 0,0 0,0 1,-1-1,1 0,-1 0,-1 1,1-1,-1 0,0 0,-1 1,1-1,-1 1,0-1,0 1,-1 0,-5-10,2 6,0 0,0 1,-1 0,0 0,0 0,-1 1,0 0,0 0,-1 1,0 0,0 0,0 1,-1 1,0 0,0 0,0 0,-13-2,-19 0,-1 1,1 2,-1 2,-48 5,-13-1,82-3,0 0,0 2,1 1,-1 0,1 2,-1 0,1 2,1 0,0 1,0 1,0 1,1 1,1 1,-22 17,30-19,1 1,1 0,0 0,1 1,0 0,-10 25,-20 31,21-40,1 0,-22 57,12-23,22-56,0 0,1 0,0 0,0 0,1 0,0 0,0 1,0-1,1 1,0-1,0 0,2 9,-1-11,0 0,1 0,-1 0,1 0,0 0,0 0,0-1,0 1,1-1,0 1,-1-1,1 0,0 0,1-1,-1 1,0 0,1-1,0 0,4 2,27 13,0-2,1-2,0-1,55 10,-53-17,-1-2,39-2,-52-3,0 2,1 1,-1 1,0 1,0 1,0 2,31 10,-34-7,3 2,0-1,1-1,0-1,0-1,1-1,0-2,46 3,-49-7,1-1,28-5,-44 5,0-1,1-1,-1 1,0-1,-1-1,1 0,0 0,-1 0,11-9,-2 1,1 2,-1 0,2 0,34-12,19-10,-69 30,1 1,-1-1,1 0,-1 0,1 0,-1 0,0 0,0-1,3-4,3-7</inkml:trace>
+</inkml:ink>
+</file>
+
+<file path=ppt/ink/ink22.xml><?xml version="1.0" encoding="utf-8"?>
+<inkml:ink xmlns:inkml="http://www.w3.org/2003/InkML">
+  <inkml:definitions>
+    <inkml:context xml:id="ctx0">
+      <inkml:inkSource xml:id="inkSrc0">
+        <inkml:traceFormat>
+          <inkml:channel name="X" type="integer" min="-2.14748E9" max="2.14748E9" units="cm"/>
+          <inkml:channel name="Y" type="integer" min="-2.14748E9" max="2.14748E9" units="cm"/>
+        </inkml:traceFormat>
+        <inkml:channelProperties>
+          <inkml:channelProperty channel="X" name="resolution" value="1000" units="1/cm"/>
+          <inkml:channelProperty channel="Y" name="resolution" value="1000" units="1/cm"/>
+        </inkml:channelProperties>
+      </inkml:inkSource>
+      <inkml:timestamp xml:id="ts0" timeString="2020-06-05T14:13:11.079"/>
+    </inkml:context>
+    <inkml:brush xml:id="br0">
+      <inkml:brushProperty name="width" value="0.3" units="cm"/>
+      <inkml:brushProperty name="height" value="0.6" units="cm"/>
+      <inkml:brushProperty name="color" value="#A9D8FF"/>
+      <inkml:brushProperty name="tip" value="rectangle"/>
+      <inkml:brushProperty name="rasterOp" value="maskPen"/>
+      <inkml:brushProperty name="ignorePressure" value="1"/>
+    </inkml:brush>
+  </inkml:definitions>
+  <inkml:trace contextRef="#ctx0" brushRef="#br0">1483 56,'-9'-1,"1"0,-1 0,1-1,-15-5,-24-4,-37-3,57 8,-1 1,-41-1,-45 5,-161 4,242 4,-1 0,2 3,-1 0,2 2,-1 1,2 2,-35 22,40-20,0 1,1 2,-34 35,-35 29,73-66,0 2,1 0,1 1,-28 41,-38 71,74-116,2 1,0 0,1 0,1 1,-8 38,10-24,2 0,1 0,2 1,1-1,2 0,1 0,1 0,2-1,1 0,2 0,1-1,1 0,35 56,-35-69,1-1,1-1,1 0,0-1,1-1,35 24,-10-13,1-1,46 18,53 19,-107-45,0-2,49 13,4 2,-22-9,0-3,2-3,80 7,-103-15,-1-3,1-1,0-3,0-1,-1-2,51-12,-70 8,0-1,0-2,-1 0,-1-1,0-1,22-18,-3 0,-2-2,39-41,-72 68,-1-1,0 1,0-1,-1 0,0 0,0-1,0 1,-1-1,0 0,-1-1,0 1,0 0,-1-1,0 0,0 1,-1-1,0 0,-1-16,0 13,0-1,-1 1,0-1,-1 1,-1 0,0 0,0 0,-6-11,5 15,-1 0,0 0,0 1,-1 0,1 0,-2 0,1 1,-1-1,0 2,0-1,-14-7,-13-9,0 1,-2 2,-1 1,0 2,-44-13,12 10,43 10,-1 2,0 0,0 2,0 1,-29 0,-386 5,422 0,0 1,-33 8,32-5,-1-1,-23 0,-62-5,-45 2,139 2,-1-1,1 2,0 0,0 0,1 1,-1 1,-15 9,-77 55,104-69,-39 26,-35 29,75-55,-1-1,1 1,0-1,0 1,-1-1,1 0,0 1,0-1,-1 1,1-1,0 0,-1 1,1-1,-1 0,1 0,0 1,-1-1,1 0,-1 0,1 1,-1-1,1 0,-1 0,1 0,-1 0,1 0,-1 0,1 0,-1 0,1 0,-1 0,1 0,-1 0,1 0,-1 0,1 0,-1-1,1 1,0 0,-1 0,1-1,-1 1,1 0,-1 0,1-1,0 1,-1 0,1-1,-1 0,1 0,0 0,0 0,0 0,0 0,0 0,0 0,1-1,-1 1,0 0,0 0,1 0,-1 0,1 0,-1 0,1 1,-1-1,1 0,0 0,-1 0,1 0,0 1,0-1,1-1,3-1,1 0,-1 0,1 0,0 1,0 0,0 0,0 0,0 1,0 0,11-1,71 2,-55 2,21 2,0 3,0 3,-2 1,1 3,58 25,88 21,50 16,-150-43,110 22,-120-32,-65-15,0-2,0 0,0-2,31 2,-53-6,1 0,-1-1,1 1,-1-1,0 1,1-1,-1 0,0 0,0 0,0 0,1 0,-1 0,0-1,-1 1,1-1,0 1,0-1,-1 0,1 0,-1 0,1 0,-1 0,0 0,0 0,0 0,0 0,0-1,0 1,0 0,-1-1,1-3,0 4,-1-1,0 0,0 0,0 1,0-1,0 0,0 0,0 1,-1-1,0 0,1 1,-1-1,0 0,0 1,-1-1,1 1,0 0,-1-1,0 1,1 0,-1 0,0 0,0 0,0 0,0 0,-1 1,-2-3,-10 0,0 0,-1 1,1 0,-1 2,0-1,1 2,-1 0,0 1,-16 4,-29-2,30-3,1 2,-1 0,-43 11,53-8,-1-1,-39 2,55-6,0 0,0 0,0 0,0 0,0-1,-1 0,1-1,1 1,-1-1,0 0,0 0,1-1,-1 0,-8-6,9 4,1 0,0-1,0 0,1 0,-1 0,1 0,0 0,1-1,0 1,0-1,0 1,0-10,-2-9,0-49,7 2,-1 48,-1-1,-1 0,-1 1,-7-36,7 56,0-1,-1 1,0-1,0 1,0 0,0 0,-1 0,0 0,0 0,0 0,0 1,0-1,-1 1,1 0,-1 0,0 1,0-1,0 1,-9-4,-5-1,0 1,-1 1,-33-5,-20-5,47 9,0 0,-27-2,-22-3,-97-25,169 36,-1 0,1-1,0 0,-1 1,1-1,0 0,0 0,-1 0,1 0,0 0,-3-3,5 4,-1-1,1 0,-1 1,0-1,1 0,0 0,-1 1,1-1,-1 0,1 0,0 0,-1 1,1-1,0 0,0 0,0 0,0 0,0 0,0 1,0-1,0-2,1 1,0-1,0 1,0 0,1 0,-1 0,0 0,1 0,0 0,-1 0,1 0,0 1,0-1,0 1,0-1,0 1,0 0,1 0,-1 0,0 0,4-1,143-39,-76 11,-58 22,2 1,-1 0,1 2,29-7,20 6,-1 2,76 7,-22 0,-20-5,112 5,-199-1,-1 1,1 0,-1 1,0 0,0 1,19 12,0-1,-22-11,1 0,-1 1,-1 0,1 1,-1-1,0 1,-1 1,9 11,-7-9,0 0,0-1,1 1,15 10,-17-14,1 1,-1 0,-1 0,1 1,6 11,-9-13,0 0,0 0,1 0,0-1,0 1,1-1,-1 0,1-1,9 6,-14-9,0-1,1 1,-1-1,0 1,0-1,0 1,1-1,-1 0,0 0,1 0,-1 0,0 0,0 0,1 0,-1 0,0 0,1 0,-1-1,0 1,0-1,0 1,1-1,-1 1,0-1,0 0,0 1,0-1,0 0,0 0,0 0,0 0,0 0,-1 0,1 0,0 0,-1 0,1 0,0 0,-1-1,0 1,1 0,-1 0,0-1,1 1,-1 0,0 0,0-1,0-1,1-1,-1-1,1 0,-1 1,0-1,-1 0,1 1,-1-1,0 1,0-1,0 1,-1-1,-2-7,-16-16,8 11,0 0,1-1,1 0,-15-38,20 46,-1 0,1 1,-2-1,1 1,-1 0,-1 1,0-1,-12-10,-13-13,10 7,-2 2,-44-33,50 45,0 0,-1 0,-40-13,45 18,-1 0</inkml:trace>
+</inkml:ink>
+</file>
+
+<file path=ppt/ink/ink3.xml><?xml version="1.0" encoding="utf-8"?>
 <inkml:ink xmlns:inkml="http://www.w3.org/2003/InkML">
   <inkml:definitions>
     <inkml:context xml:id="ctx0">
@@ -320,40 +581,11 @@
       <inkml:brushProperty name="ignorePressure" value="1"/>
     </inkml:brush>
   </inkml:definitions>
-  <inkml:trace contextRef="#ctx0" brushRef="#br0">1769 293,'0'2,"-1"1,0 0,0-1,0 1,-1-1,1 1,0-1,-1 0,0 0,1 1,-1-1,0 0,0-1,0 1,-1 0,1-1,0 1,-3 1,-47 23,19-17,0 0,-1-3,-67 6,-105-11,101-2,75-1,-57-10,57 6,-56-2,61 6,0 0,-33-9,10 1,-7-1,35 6,-1 1,-37-3,29 5,0-2,0-1,-44-14,-2-1,54 15,1-2,1 0,-1-1,1-1,-25-17,40 23,1 0,-1 0,1-1,0 1,0-1,0 0,1 0,-1 0,1 0,0 0,0-1,1 1,-1 0,1-1,0 0,-1-8,1 5,0 0,0 1,1-1,1 0,-1 1,1-1,0 0,1 1,4-13,-5 17,1 0,0 1,0-1,0 1,0-1,0 1,0 0,1 0,-1 0,1 0,-1 1,1-1,0 1,0-1,0 1,0 0,0 0,0 0,0 0,0 1,0-1,5 1,10-1,1 0,31 4,-22-1,-9-1,1 0,-1 2,0 0,1 1,-1 1,-1 1,1 0,-1 1,0 1,18 12,-34-19,0 0,0 0,0 0,-1 1,1-1,0 1,-1-1,1 1,-1-1,0 1,0 0,1 0,-1 0,0-1,0 1,-1 0,1 0,0 1,-1-1,1 0,-1 0,0 0,1 3,-2-2,0 0,0 1,0-1,0 0,0 0,-1 0,1 0,-1 0,0 0,0-1,0 1,0 0,-4 2,-8 8,0-2,-1 0,0 0,-19 9,7-8,-1 0,0-2,0-1,-1-1,0-2,-45 5,-45-9,7-1,110-1,-1 0,0 1,0 0,0 0,1 0,-1 0,1 0,-1 0,1 1,-1-1,1 1,0 0,-1 0,1-1,0 2,0-1,0 0,1 0,-1 0,1 1,-1-1,1 1,0-1,0 1,0 0,0 0,0-1,0 1,1 0,-1 0,1 0,0-1,0 1,1 5,-1-2,0 0,1-1,-1 1,1 0,1-1,-1 1,1-1,0 0,0 1,0-1,1 0,0 0,0-1,0 1,0 0,1-1,4 4,1-2,0 0,0-1,1 0,12 4,-15-6,1 0,-1 0,0 1,0 0,0 0,-1 0,1 1,-1 0,6 6,-8-7,1 0,-1 0,1 0,0-1,0 0,1 0,-1-1,0 1,1-1,0 0,-1 0,1-1,0 0,11 1,10 0,1-2,28-3,-8 0,652 3,-674-2,0-1,0-1,-1-1,30-10,46-9,-62 15,-1-1,63-25,16-5,-5 19,-78 17,59-17,-76 16,-1 0,1-2,-2 0,28-16,-38 20,-1 0,0 0,0 0,0-1,-1 0,1 1,-1-1,0 0,0-1,0 1,-1-1,1 1,-1-1,0 0,-1 1,1-1,-1 0,0 0,0 0,0-10,-1 12,0 1,0-1,-1 0,1 0,-1 0,0 0,1 1,-1-1,-1 0,1 1,0-1,-1 1,1-1,-1 1,0 0,0 0,0-1,0 1,0 1,0-1,0 0,-1 0,-2-1,-7-3,-1 0,1 1,-25-7,-9-4,33 10,-1 1,0 1,0 0,-1 1,1 0,-27-1,-92 6,53 1,-387-3,447 1,1 1,-35 8,33-6,0 0,-25 1,-6-5,22 0,0 1,0 1,-46 10,33-4,23-6</inkml:trace>
+  <inkml:trace contextRef="#ctx0" brushRef="#br0">1769 1131,'0'8,"-1"4,0-1,0-3,0 4,-1-5,1 5,0-4,-1-1,0 1,1 4,-1-5,0 1,0-4,0 4,-1-1,1-3,0 4,-3 4,-47 88,19-65,0-1,-1-10,-67 22,-105-42,101-8,75-4,-57-38,57 23,-56-8,61 23,0 0,-33-34,10 3,-7-3,35 22,-1 5,-37-12,29 19,0-7,0-4,-44-55,-2-3,54 58,1-8,1 0,-1-4,1-4,-25-65,40 88,1 0,-1 1,1-5,0 5,0-5,0 1,1-1,-1 1,1 0,0-1,0-3,1 3,-1 1,1-4,0-1,-1-30,1 19,0 0,0 4,1-4,1 1,-1 2,1-2,0-1,1 4,4-51,-5 67,1-1,0 5,0-5,0 4,0-3,0 3,0 0,1 1,-1-1,1 0,-1 4,1-4,0 5,0-5,0 4,0 0,0 0,0 0,0 1,0 3,0-4,5 4,10-4,1 0,31 16,-22-5,-9-3,1 0,-1 8,0-1,1 5,-1 3,-1 4,1 0,-1 4,0 4,18 46,-34-73,0 0,0 0,0 0,-1 4,1-5,0 5,-1-4,1 4,-1-4,0 3,0 1,1 0,-1 0,0-5,0 5,-1 0,1 0,0 3,-1-3,1 0,-1-1,0 1,1 11,-2-7,0-1,0 5,0-4,0-1,0 1,-1-1,1 1,-1-1,0 1,0-4,0 3,0 1,-4 7,-8 31,0-7,-1-1,0 1,-19 34,7-31,-1 1,0-9,0-3,-1-4,0-8,-45 20,-45-36,7-3,110-4,-1 0,0 4,0 0,0 0,1 0,-1 0,1-1,-1 1,1 4,-1-4,1 4,0-1,-1 1,1-4,0 7,0-3,0 0,1 0,-1-1,1 5,-1-4,1 3,0-3,0 4,0-1,0 1,0-5,0 5,1 0,-1-1,1 1,0-5,0 5,1 19,-1-8,0 0,1-3,-1 3,1 0,1-4,-1 4,1-3,0-1,0 4,0-4,1 1,0-1,0-3,0 3,0 0,1-3,4 14,1-6,0-1,0-4,1 0,12 16,-15-23,1-1,-1 1,0 3,0 1,0-1,-1 1,1 3,-1 0,6 24,-8-28,1 1,-1-1,1 1,0-5,0 1,1-1,-1-3,0 4,1-5,0 1,-1 0,1-4,0 0,11 3,10 1,1-8,28-12,-8 1,652 11,-674-8,0-4,0-3,-1-4,30-39,46-35,-62 58,-1-3,63-97,16-20,-5 74,-78 66,59-66,-76 61,-1 1,1-8,-2 0,28-62,-38 78,-1-1,0 0,0 1,0-5,-1 1,1 3,-1-3,0-1,0-3,0 4,-1-5,1 5,-1-4,0-1,-1 5,1-4,-1-1,0 1,0 0,0-39,-1 46,0 4,0-3,-1-1,1 1,-1-1,0 0,1 5,-1-5,-1 1,1 3,0-4,-1 5,1-5,-1 4,0 1,0-1,0-4,0 4,0 5,0-5,0 0,-1 0,-2-3,-7-12,-1 0,1 3,-25-26,-9-16,33 39,-1 4,0 3,0 1,-1 3,1 1,-27-5,-92 24,53 3,-387-11,447 4,1 4,-35 31,33-24,0 1,-25 3,-6-19,22 0,0 4,0 3,-46 40,33-16,23-24</inkml:trace>
 </inkml:ink>
 </file>
 
-<file path=ppt/ink/ink5.xml><?xml version="1.0" encoding="utf-8"?>
-<inkml:ink xmlns:inkml="http://www.w3.org/2003/InkML">
-  <inkml:definitions>
-    <inkml:context xml:id="ctx0">
-      <inkml:inkSource xml:id="inkSrc0">
-        <inkml:traceFormat>
-          <inkml:channel name="X" type="integer" min="-2.14748E9" max="2.14748E9" units="cm"/>
-          <inkml:channel name="Y" type="integer" min="-2.14748E9" max="2.14748E9" units="cm"/>
-        </inkml:traceFormat>
-        <inkml:channelProperties>
-          <inkml:channelProperty channel="X" name="resolution" value="1000" units="1/cm"/>
-          <inkml:channelProperty channel="Y" name="resolution" value="1000" units="1/cm"/>
-        </inkml:channelProperties>
-      </inkml:inkSource>
-      <inkml:timestamp xml:id="ts0" timeString="2020-06-03T21:33:23.347"/>
-    </inkml:context>
-    <inkml:brush xml:id="br0">
-      <inkml:brushProperty name="width" value="0.3" units="cm"/>
-      <inkml:brushProperty name="height" value="0.6" units="cm"/>
-      <inkml:brushProperty name="color" value="#A9D8FF"/>
-      <inkml:brushProperty name="tip" value="rectangle"/>
-      <inkml:brushProperty name="rasterOp" value="maskPen"/>
-      <inkml:brushProperty name="ignorePressure" value="1"/>
-    </inkml:brush>
-  </inkml:definitions>
-  <inkml:trace contextRef="#ctx0" brushRef="#br0">1507 57,'-1349'0,"1341"-1,0 2,1-1,-1 1,1 0,-1 1,1-1,0 1,0 1,-1 0,2 0,-1 0,-13 9,16-9,0 1,0 0,0 0,0 1,1-1,0 1,0 0,0 0,0 0,1 0,0 0,0 0,0 1,0-1,1 1,0 0,0 10,0-4,0 0,1-1,0 1,4 19,-3-26,1-1,-1 1,1 0,0-1,0 1,1-1,-1 0,1 0,0 0,0 0,0 0,1 0,5 4,26 27,-27-27,0 1,0-1,1-1,15 11,-20-16,16 12,2-1,0-1,0-2,1 0,45 13,-29-14,0-2,1-2,47 1,899-7,-964-1,-1 0,41-10,-11 1,-1 0,-32 7,-1 0,28-2,-13 2,0-1,58-17,-10 2,-65 16,-1-1,1-1,25-13,30-11,-69 30,12-3,0-1,-1-1,1 0,-1 0,14-9,-23 11,1 1,-1-1,0 0,0 0,0 0,0-1,-1 1,0-1,1 1,-1-1,0 0,-1 0,1 0,-1 0,0 0,1 0,-2 0,1 0,0 0,-1-6,1-8,1-1,-1 0,-1 0,0 0,-1 0,-2 1,-6-30,7 44,0 1,-1-1,1 0,-1 1,0-1,0 1,0 0,-1 0,1 0,-1 0,1 1,-1 0,0-1,0 1,0 0,0 1,0-1,-1 1,1 0,0 0,-9-1,-11 0,0 0,-45 4,42-1,-518 1,1170-2,-621 0,0 0,0 0,0 0,0 1,0-1,0 1,-1 0,1 1,0-1,-1 0,1 1,-1 0,1 0,-1 0,0 0,0 1,0-1,4 5,-3-2,-1 1,1-1,-1 0,-1 1,1 0,-1 0,0 0,0 0,-1 0,1 0,-1 8,1 14,-1 1,-2 0,-1-1,-1 1,-2-1,-9 35,12-58,0 1,-1-1,1 1,-1-1,0 0,-1 0,1 0,-1-1,0 1,-9 7,-52 40,50-41,9-7,-1 0,1-1,-1 0,1 0,-1 0,0-1,0 0,0 0,0 0,-12 0,-77-3,76-1,0 1,0 1,-34 4,7 6,-167 25,191-33,2-1</inkml:trace>
-</inkml:ink>
-</file>
-
-<file path=ppt/ink/ink6.xml><?xml version="1.0" encoding="utf-8"?>
+<file path=ppt/ink/ink4.xml><?xml version="1.0" encoding="utf-8"?>
 <inkml:ink xmlns:inkml="http://www.w3.org/2003/InkML">
   <inkml:definitions>
     <inkml:context xml:id="ctx0">
@@ -378,11 +610,11 @@
       <inkml:brushProperty name="ignorePressure" value="1"/>
     </inkml:brush>
   </inkml:definitions>
-  <inkml:trace contextRef="#ctx0" brushRef="#br0">2315 29,'-11'-1,"-1"0,1-1,0 0,-11-4,-40-7,-393 10,234 6,-1023-3,1222 1,0 1,1 1,0 1,0 1,0 1,1 1,0 1,-36 18,53-23,-1 0,1 1,0-1,0 1,0-1,0 1,1 0,-1 0,1 0,0 0,0 1,1-1,-1 0,1 1,0 0,0-1,0 1,1-1,0 9,-1 1,1 1,1-1,0 1,1-1,4 17,-3-22,1 0,0 0,1 0,0 0,0-1,1 1,0-2,0 1,1 0,0-1,0-1,13 10,-7-7,0 0,0 0,1-2,0 1,1-2,-1 0,19 4,36 8,-21-4,88 12,180-22,-168-7,449 3,-578-1,1-1,33-8,-31 6,-1 0,24-1,-28 5,13 0,0-2,-1-1,32-7,4-2,-54 12,0-2,0 1,0-1,0-1,-1 0,1-1,-1 0,0 0,0-1,0-1,16-11,-10 4,1 1,1 0,0 1,0 1,36-14,44-31,-97 55,-1-1,0 1,1 0,-1-1,1 1,-1 0,1 0,-1-1,1 1,-1 0,1 0,-1 0,1 0,-1-1,1 1,0 0,-1 0,1 0,-1 0,1 0,-1 0,1 1,-1-1,1 0,0 0,-1 0,1 0,-1 1,1-1,-1 0,1 1,-7 15,-22 19,12-24,0 0,-1-1,-1-1,1 0,-2-1,1-1,-28 7,34-11,0 0,0-1,0 0,0-1,0-1,0 1,0-2,0 0,-19-4,14 0</inkml:trace>
+  <inkml:trace contextRef="#ctx0" brushRef="#br0">2315 112,'-11'-4,"-1"0,1-3,0-1,-11-16,-40-28,-393 40,234 24,-1023-12,1222 4,0 4,1 4,0 4,0 4,0 4,1 3,0 5,-36 72,53-92,-1 0,1 3,0-3,0 4,0-4,0 4,1 0,-1 0,1 0,0 0,0 4,1-4,-1 0,1 3,0 1,0-4,0 4,1-4,0 36,-1 4,1 3,1-3,0 4,1-5,4 69,-3-89,1 1,0 0,1 0,0 0,0-4,1 3,0-7,0 4,1 0,0-4,0-4,13 39,-7-27,0 0,0 0,1-8,0 3,1-7,-1 0,19 16,36 32,-21-17,88 49,180-88,-168-28,449 12,-578-4,1-4,33-32,-31 24,-1 0,24-4,-28 20,13 0,0-8,-1-4,32-27,4-9,-54 48,0-8,0 4,0-4,0-4,-1 0,1-4,-1 0,0 0,0-4,0-3,16-45,-10 16,1 4,1 1,0 3,0 4,36-55,44-124,-97 219,-1-4,0 4,1 0,-1-4,1 4,-1 0,1 0,-1-4,1 4,-1 0,1 0,-1 0,1 0,-1-4,1 4,0 0,-1 0,1 0,-1 0,1 0,-1 0,1 4,-1-4,1 0,0 0,-1 0,1 0,-1 4,1-4,-1 0,1 4,-7 59,-22 77,12-97,0 1,-1-4,-1-4,1 0,-2-5,1-3,-28 28,34-44,0 0,0-4,0 0,0-4,0-4,0 4,0-8,0 0,-19-16,14 0</inkml:trace>
 </inkml:ink>
 </file>
 
-<file path=ppt/ink/ink7.xml><?xml version="1.0" encoding="utf-8"?>
+<file path=ppt/ink/ink5.xml><?xml version="1.0" encoding="utf-8"?>
 <inkml:ink xmlns:inkml="http://www.w3.org/2003/InkML">
   <inkml:definitions>
     <inkml:context xml:id="ctx0">
@@ -411,7 +643,7 @@
 </inkml:ink>
 </file>
 
-<file path=ppt/ink/ink8.xml><?xml version="1.0" encoding="utf-8"?>
+<file path=ppt/ink/ink6.xml><?xml version="1.0" encoding="utf-8"?>
 <inkml:ink xmlns:inkml="http://www.w3.org/2003/InkML">
   <inkml:definitions>
     <inkml:context xml:id="ctx0">
@@ -440,7 +672,7 @@
 </inkml:ink>
 </file>
 
-<file path=ppt/ink/ink9.xml><?xml version="1.0" encoding="utf-8"?>
+<file path=ppt/ink/ink7.xml><?xml version="1.0" encoding="utf-8"?>
 <inkml:ink xmlns:inkml="http://www.w3.org/2003/InkML">
   <inkml:definitions>
     <inkml:context xml:id="ctx0">
@@ -466,6 +698,64 @@
     </inkml:brush>
   </inkml:definitions>
   <inkml:trace contextRef="#ctx0" brushRef="#br0">2310 404,'0'-2,"-1"0,0-1,1 1,-1 0,0 0,0 0,0 0,-1 0,1 0,0 0,-1 0,1 0,-1 0,0 1,1-1,-4-1,-38-27,29 21,-12-8,0 2,-1 1,-1 2,0 0,0 2,-1 1,-55-10,60 15,-1 2,0 1,0 1,0 1,0 1,0 1,1 1,-1 1,-41 15,43-14,0-1,-1-1,1-1,-1-1,0-1,0-1,-26-4,-23 1,5 4,12 0,-1-2,-88-14,62 6,66 8,0 0,0-1,0-1,1-1,-1 0,-25-11,-38-15,62 25,0-1,1-1,0-1,1 0,-30-20,35 19,-12-9,-1 0,0 2,-43-22,55 34,-1 0,-1 1,1 0,0 1,-1 0,1 1,-1 1,1 0,-1 1,-15 3,-8 2,1 3,-50 17,72-22,0 1,0 1,0 0,1 1,0 0,-14 11,24-16,1 1,-1-1,0 1,1 0,-1 0,1 0,0 0,0 1,0-1,1 0,-1 1,1 0,0-1,0 1,0 0,0-1,1 1,-1 0,1 0,0-1,0 1,0 0,1 0,-1 0,1-1,0 1,0 0,0-1,3 6,5 7,1 0,0-1,1 0,0-1,22 22,-23-26,11 10,2-1,48 31,-49-35,26 19,-26-17,1-1,1-1,39 17,-7-7,-26-11,-1-1,2-2,35 8,-34-11,45 19,-50-17,0-1,48 10,60 10,8 3,-107-22,1-1,1-2,-1-2,45 2,-31-6,85 14,-7-7,-92-8,0 2,40 8,-30-4,1-1,0-3,51-4,-15 0,-78 2,1 0,-1 0,1-1,-1 1,1-2,-1 1,0-1,0 0,0 0,0-1,7-3,-10 4,0-1,0 1,0-1,-1 1,1-1,-1 0,0 0,0 0,0 0,0-1,-1 1,1 0,-1-1,0 1,0-1,0 0,0 1,0-1,-1 0,0-5,0-22,0 23,0-1,1 0,-1 0,4-14,-3 20,0 0,1 0,-1 0,1 0,-1 0,1 0,0 0,0 1,0-1,1 0,-1 1,0 0,1 0,0 0,-1 0,5-2,11-7,1 0,0 2,0 0,1 1,0 1,1 1,0 1,0 1,0 0,38 0,45-7,-73 6,43-1,-63 5,0 0,-1 0,1-1,-1 0,1-1,-1 0,0-1,0 0,0-1,-1 0,0 0,10-8,8-8,-1-1,33-37,-5 6,-41 43,1 0,0 2,0 0,1 0,0 2,25-9,-20 8,0 0,-1-2,33-20,-47 26,0-1,-1 1,0-1,0 0,0-1,0 1,0-1,-1 1,0-1,0 0,0 0,-1 0,0-1,0 1,0-1,0 1,-1-1,1-7,-2 10,0 1,0-1,-1 0,1 1,-1-1,1 0,-1 1,0-1,0 1,0-1,0 1,-1 0,1 0,-1-1,1 1,-1 0,0 0,0 0,0 0,0 1,0-1,0 1,0-1,0 1,-1 0,1-1,-1 1,-2 0,-11-6,0 2,0 0,-22-3,23 5,-26-3,-1 1,0 3,-76 5,19 0,65-3,3-1,-1 1,0 2,-58 11,62-7,-1-2,1-2,-32 0,27-1,-59 8,-1 2,73-10,-1 1,1 1,0 0,0 2,0 0,1 1,-29 13,30-10,-1-1,0-1,0-1,0 0,-1-1,0-2,-30 3,-148-6,92-3,69 4,24 0,-1 0,0-1,1-1,-1 0,-16-4,29 5,1 0,-1 0,0-1,1 1,-1 0,0 0,1 0,-1-1,1 1,-1 0,0-1,1 1,-1 0,1-1,-1 1,1-1,-1 1,1-1,-1 1,1-1,0 1,-1-1,1 0,0 1,-1-1,1 1,0-1,0 0,-1 1,1-1,0 0,0 0,14-20,30-8,5-2,-43 26,0 0,0 1,1 0,-1 0,1 1,0-1,0 1,1 1,-1 0,0 0,11-2,279 3,-140 4,1067-3,-1207 1,-1 1,1 1,0 1,-1 0,21 8,30 8,-65-20,0 1,1-1,-1 1,0 0,1-1,-1 1,0 0,0 1,0-1,0 0,0 0,0 1,0-1,0 1,-1 0,1-1,-1 1,1 0,-1 0,1 0,-1 0,0 0,0 1,0-1,0 0,-1 0,1 1,-1-1,1 0,-1 1,0-1,0 0,0 1,0-1,0 1,0-1,-1 0,1 1,-2 3,-1 2,1 0,-1 0,-1-1,1 1,-2-1,1 0,-1 0,0 0,0 0,-7 6,-23 19,-2-1,-77 50,70-55,19-12,0 1,1 2,-25 21,36-27,-1-1,-1 0,1-1,-23 11,19-12,2 1,-1 1,-19 16,-132 117,156-132,0-1,-1 0,0-1,-1-1,0 0,-22 9,-92 23,58-21,31-5,25-9,1-1,-1 0,0 0,0-1,-26 1,-124-5,144 1</inkml:trace>
+</inkml:ink>
+</file>
+
+<file path=ppt/ink/ink8.xml><?xml version="1.0" encoding="utf-8"?>
+<inkml:ink xmlns:inkml="http://www.w3.org/2003/InkML">
+  <inkml:definitions>
+    <inkml:context xml:id="ctx0">
+      <inkml:inkSource xml:id="inkSrc0">
+        <inkml:traceFormat>
+          <inkml:channel name="X" type="integer" min="-2.14748E9" max="2.14748E9" units="cm"/>
+          <inkml:channel name="Y" type="integer" min="-2.14748E9" max="2.14748E9" units="cm"/>
+        </inkml:traceFormat>
+        <inkml:channelProperties>
+          <inkml:channelProperty channel="X" name="resolution" value="1000" units="1/cm"/>
+          <inkml:channelProperty channel="Y" name="resolution" value="1000" units="1/cm"/>
+        </inkml:channelProperties>
+      </inkml:inkSource>
+      <inkml:timestamp xml:id="ts0" timeString="2020-06-03T21:44:36.152"/>
+    </inkml:context>
+    <inkml:brush xml:id="br0">
+      <inkml:brushProperty name="width" value="0.3" units="cm"/>
+      <inkml:brushProperty name="height" value="0.6" units="cm"/>
+      <inkml:brushProperty name="color" value="#A9D8FF"/>
+      <inkml:brushProperty name="tip" value="rectangle"/>
+      <inkml:brushProperty name="rasterOp" value="maskPen"/>
+      <inkml:brushProperty name="ignorePressure" value="1"/>
+    </inkml:brush>
+  </inkml:definitions>
+  <inkml:trace contextRef="#ctx0" brushRef="#br0">776 144,'-1'-4,"1"0,-1 0,0 0,0 0,-1 0,1 0,-1 0,0 1,0-1,0 0,0 1,-1 0,0-1,1 1,-1 0,0 0,0 1,-1-1,1 1,-1-1,1 1,-5-2,-13-6,1 0,-41-12,41 15,0 2,-1 1,0 1,0 0,0 2,-1 0,1 2,-27 3,45-3,1-1,0 1,-1 0,1-1,0 1,-1 0,1 0,0 1,0-1,0 0,0 1,0 0,0-1,0 1,1 0,-1 0,1 0,-1 0,1 0,0 0,-1 0,0 4,-3 7,0 1,1-1,-2 17,-7 19,3-28,0-1,-1 0,-1-1,-19 23,15-20,12-17,1 1,0 0,1 0,-1 0,1 0,0 0,1 0,0 1,0-1,-1 11,5 73,-1-44,-1-32,1 0,0-1,1 1,0-1,1 1,0-1,2-1,-1 1,1-1,1 0,0 0,1-1,0 0,1 0,0-1,1 0,21 17,0 3,-25-23,1-1,0 1,0-1,0 0,16 8,2-1,1-2,0 0,30 7,-44-15,0 0,0-1,0-1,0 1,0-2,1 0,-1 0,0-1,20-5,-22 2,-1-1,1 0,-1 0,0-1,-1 0,1-1,-1 0,-1 0,1-1,-1 0,7-10,16-16,-6 6,-1-2,27-45,-49 74,22-36,-1 0,17-44,-33 66,0-1,0 0,-2 0,0-1,-1 1,-1-1,0 1,-1-26,-2 38,1-1,-1 0,0 1,0-1,0 1,-1 0,1-1,-1 1,0 0,0 0,-1 0,1 0,-1 0,0 1,0-1,0 1,-1 0,1 0,-1 0,1 0,-1 1,0-1,0 1,0 0,0 0,-1 0,-4 0,-11-4,-1 2,0 0,0 2,-35-1,16 1,-32-8,49 5,1 2,-25-1,32 4,-1-1,0 2,0 0,0 1,1 1,-1 0,1 2,0-1,0 2,0 0,1 0,0 1,0 1,1 1,-25 19,18-9,17-17,-1 1,1-1,0 1,0 0,0 0,0 1,0-1,1 1,-1-1,1 1,0 0,0 0,1 0,-1 0,1 0,0 0,0 0,0 0,1 1,-1 4,0 3,1 1,0 0,0-1,2 1,0-1,0 1,5 13,-5-20,0-1,1 1,-1-1,1 1,1-1,-1 0,1 0,-1-1,2 1,-1-1,0 1,1-1,0-1,0 1,0-1,10 5,26 9,1-2,76 16,-68-19,-39-10,-1 1,0-2,1 1,-1-1,1-1,-1 0,1-1,-1 1,19-6,-21 4,-2 0,1-1,0 0,0-1,-1 1,0-1,0-1,0 1,0-1,-1 0,0 0,0-1,0 1,7-12,-4 5,0-1,-2 0,1 0,-2 0,1-1,-2 0,6-25,-9 31,0 0,-1 0,0 0,0 1,0-1,-1 0,0 0,-1 1,0-1,0 0,0 1,-1 0,0-1,-1 1,1 1,-7-10,2 5,-1 0,0 0,-1 1,0 1,0-1,-1 2,0-1,0 2,-1-1,-23-9,-27-18,49 27,-1 0,0 0,-22-8,-4 4,1 1,-1 2,-1 2,0 1,0 2,-44 2,56 4,0 1,0 1,0 2,1 0,0 2,-31 14,55-21,1 1,0 0,0 0,0 0,0 0,0 0,0 1,0 0,1-1,-1 1,1 0,0 0,0 0,0 1,0-1,1 0,-1 1,1-1,0 1,0-1,0 1,0 5,-1 8,1 1,1 0,3 28,-1-8,0-21,1 0,0 0,2 0,0-1,0 0,2 0,0 0,0-1,2 0,18 25,-2-5,-17-27,-1 2,0-1,-1 1,0 0,-1 0,0 1,0 0,-1-1,3 14,-3-8,0-1,2 0,0-1,0 0,1 0,1 0,0-1,1 0,1 0,0-1,0 0,1-1,1 0,0-1,18 12,-16-13,1-1,0 0,0-1,1-1,-1-1,1 0,1-1,-1 0,25 1,16-1,83-6,-40-1,-74 3,-14 1,0-1,1 0,16-4,-24 3,-1 0,0 0,0 0,0-1,0 0,0 0,-1 0,1 0,-1-1,1 1,-1-1,0 0,5-6,10-9,1 0,1 1,32-22,33-28,-73 54,0 1,0-1,-2-1,1 0,-2-1,0 0,-1 0,0-1,-1 0,8-30,-12 33,0-1,-1 1,-1-1,0 0,-1 0,-1 1,0-1,0 0,-2 1,0-1,0 1,-1 0,-1 0,-6-14,5 18,0-1,-1 1,0 0,0 1,-1 0,0 0,0 0,-1 1,0 1,-1-1,1 2,-1-1,0 1,-17-6,-7-1,0 1,-1 2,-46-7,44 10,-58-17,94 22,0 1,0 0,0-1,0 1,0 0,0 0,1-1,-1 1,0 0,0 0,0 0,0 0,0 0,0 1,0-1,0 0,0 0,0 1,0-1,-1 1,-3 5</inkml:trace>
+</inkml:ink>
+</file>
+
+<file path=ppt/ink/ink9.xml><?xml version="1.0" encoding="utf-8"?>
+<inkml:ink xmlns:inkml="http://www.w3.org/2003/InkML">
+  <inkml:definitions>
+    <inkml:context xml:id="ctx0">
+      <inkml:inkSource xml:id="inkSrc0">
+        <inkml:traceFormat>
+          <inkml:channel name="X" type="integer" min="-2.14748E9" max="2.14748E9" units="cm"/>
+          <inkml:channel name="Y" type="integer" min="-2.14748E9" max="2.14748E9" units="cm"/>
+        </inkml:traceFormat>
+        <inkml:channelProperties>
+          <inkml:channelProperty channel="X" name="resolution" value="1000" units="1/cm"/>
+          <inkml:channelProperty channel="Y" name="resolution" value="1000" units="1/cm"/>
+        </inkml:channelProperties>
+      </inkml:inkSource>
+      <inkml:timestamp xml:id="ts0" timeString="2020-06-03T21:45:44.197"/>
+    </inkml:context>
+    <inkml:brush xml:id="br0">
+      <inkml:brushProperty name="width" value="0.3" units="cm"/>
+      <inkml:brushProperty name="height" value="0.6" units="cm"/>
+      <inkml:brushProperty name="color" value="#A9D8FF"/>
+      <inkml:brushProperty name="tip" value="rectangle"/>
+      <inkml:brushProperty name="rasterOp" value="maskPen"/>
+      <inkml:brushProperty name="ignorePressure" value="1"/>
+    </inkml:brush>
+  </inkml:definitions>
+  <inkml:trace contextRef="#ctx0" brushRef="#br0">830 3,'-114'-2,"-122"4,222 1,0 0,1 1,-1 0,1 1,-21 10,-36 13,36-19,16-3,-1-1,1-1,-1 0,-27 0,-38 8,14-1,132-14,-17 3,74-12,-58 5,0 2,119 6,-62 1,-29-3,100 3,-50 21,-79-13,-35-5,-1-1,31 0,-48-4,7 0,0 0,0 0,0-2,-1 1,18-6,-16 2</inkml:trace>
 </inkml:ink>
 </file>
 
@@ -616,7 +906,7 @@
           <a:p>
             <a:fld id="{8E18073A-F511-46A2-A2F5-3206505032B3}" type="datetimeFigureOut">
               <a:rPr lang="en-US" smtClean="0"/>
-              <a:t>6/4/2020</a:t>
+              <a:t>6/5/2020</a:t>
             </a:fld>
             <a:endParaRPr lang="en-US"/>
           </a:p>
@@ -814,7 +1104,7 @@
           <a:p>
             <a:fld id="{8E18073A-F511-46A2-A2F5-3206505032B3}" type="datetimeFigureOut">
               <a:rPr lang="en-US" smtClean="0"/>
-              <a:t>6/4/2020</a:t>
+              <a:t>6/5/2020</a:t>
             </a:fld>
             <a:endParaRPr lang="en-US"/>
           </a:p>
@@ -1022,7 +1312,7 @@
           <a:p>
             <a:fld id="{8E18073A-F511-46A2-A2F5-3206505032B3}" type="datetimeFigureOut">
               <a:rPr lang="en-US" smtClean="0"/>
-              <a:t>6/4/2020</a:t>
+              <a:t>6/5/2020</a:t>
             </a:fld>
             <a:endParaRPr lang="en-US"/>
           </a:p>
@@ -1220,7 +1510,7 @@
           <a:p>
             <a:fld id="{8E18073A-F511-46A2-A2F5-3206505032B3}" type="datetimeFigureOut">
               <a:rPr lang="en-US" smtClean="0"/>
-              <a:t>6/4/2020</a:t>
+              <a:t>6/5/2020</a:t>
             </a:fld>
             <a:endParaRPr lang="en-US"/>
           </a:p>
@@ -1495,7 +1785,7 @@
           <a:p>
             <a:fld id="{8E18073A-F511-46A2-A2F5-3206505032B3}" type="datetimeFigureOut">
               <a:rPr lang="en-US" smtClean="0"/>
-              <a:t>6/4/2020</a:t>
+              <a:t>6/5/2020</a:t>
             </a:fld>
             <a:endParaRPr lang="en-US"/>
           </a:p>
@@ -1760,7 +2050,7 @@
           <a:p>
             <a:fld id="{8E18073A-F511-46A2-A2F5-3206505032B3}" type="datetimeFigureOut">
               <a:rPr lang="en-US" smtClean="0"/>
-              <a:t>6/4/2020</a:t>
+              <a:t>6/5/2020</a:t>
             </a:fld>
             <a:endParaRPr lang="en-US"/>
           </a:p>
@@ -2172,7 +2462,7 @@
           <a:p>
             <a:fld id="{8E18073A-F511-46A2-A2F5-3206505032B3}" type="datetimeFigureOut">
               <a:rPr lang="en-US" smtClean="0"/>
-              <a:t>6/4/2020</a:t>
+              <a:t>6/5/2020</a:t>
             </a:fld>
             <a:endParaRPr lang="en-US"/>
           </a:p>
@@ -2313,7 +2603,7 @@
           <a:p>
             <a:fld id="{8E18073A-F511-46A2-A2F5-3206505032B3}" type="datetimeFigureOut">
               <a:rPr lang="en-US" smtClean="0"/>
-              <a:t>6/4/2020</a:t>
+              <a:t>6/5/2020</a:t>
             </a:fld>
             <a:endParaRPr lang="en-US"/>
           </a:p>
@@ -2426,7 +2716,7 @@
           <a:p>
             <a:fld id="{8E18073A-F511-46A2-A2F5-3206505032B3}" type="datetimeFigureOut">
               <a:rPr lang="en-US" smtClean="0"/>
-              <a:t>6/4/2020</a:t>
+              <a:t>6/5/2020</a:t>
             </a:fld>
             <a:endParaRPr lang="en-US"/>
           </a:p>
@@ -2737,7 +3027,7 @@
           <a:p>
             <a:fld id="{8E18073A-F511-46A2-A2F5-3206505032B3}" type="datetimeFigureOut">
               <a:rPr lang="en-US" smtClean="0"/>
-              <a:t>6/4/2020</a:t>
+              <a:t>6/5/2020</a:t>
             </a:fld>
             <a:endParaRPr lang="en-US"/>
           </a:p>
@@ -3025,7 +3315,7 @@
           <a:p>
             <a:fld id="{8E18073A-F511-46A2-A2F5-3206505032B3}" type="datetimeFigureOut">
               <a:rPr lang="en-US" smtClean="0"/>
-              <a:t>6/4/2020</a:t>
+              <a:t>6/5/2020</a:t>
             </a:fld>
             <a:endParaRPr lang="en-US"/>
           </a:p>
@@ -3266,7 +3556,7 @@
           <a:p>
             <a:fld id="{8E18073A-F511-46A2-A2F5-3206505032B3}" type="datetimeFigureOut">
               <a:rPr lang="en-US" smtClean="0"/>
-              <a:t>6/4/2020</a:t>
+              <a:t>6/5/2020</a:t>
             </a:fld>
             <a:endParaRPr lang="en-US"/>
           </a:p>
@@ -3833,7 +4123,18 @@
                   <a:schemeClr val="tx1"/>
                 </a:solidFill>
               </a:rPr>
-              <a:t>  </a:t>
+              <a:t> </a:t>
+            </a:r>
+          </a:p>
+          <a:p>
+            <a:pPr algn="ctr"/>
+            <a:r>
+              <a:rPr lang="pt-BR" sz="1400" dirty="0">
+                <a:solidFill>
+                  <a:schemeClr val="tx1"/>
+                </a:solidFill>
+              </a:rPr>
+              <a:t>(ASC) </a:t>
             </a:r>
             <a:endParaRPr lang="en-US" sz="1400" dirty="0">
               <a:solidFill>
@@ -3900,13 +4201,24 @@
                 </a:solidFill>
                 <a:hlinkClick r:id="rId4"/>
               </a:rPr>
-              <a:t>Azure AD IP</a:t>
+              <a:t>Azure Active Directory Identity Protection</a:t>
             </a:r>
             <a:endParaRPr lang="en-US" sz="1400" dirty="0">
               <a:solidFill>
                 <a:schemeClr val="tx1"/>
               </a:solidFill>
             </a:endParaRPr>
+          </a:p>
+          <a:p>
+            <a:pPr algn="ctr"/>
+            <a:r>
+              <a:rPr lang="en-US" sz="1400" dirty="0">
+                <a:solidFill>
+                  <a:schemeClr val="tx1"/>
+                </a:solidFill>
+              </a:rPr>
+              <a:t>(AADIP)</a:t>
+            </a:r>
           </a:p>
         </p:txBody>
       </p:sp>
@@ -3967,13 +4279,24 @@
                 </a:solidFill>
                 <a:hlinkClick r:id="rId5"/>
               </a:rPr>
-              <a:t>Azure ATP</a:t>
+              <a:t>Azure Advanced Threat Protection</a:t>
             </a:r>
             <a:endParaRPr lang="en-US" sz="1400" dirty="0">
               <a:solidFill>
                 <a:schemeClr val="tx1"/>
               </a:solidFill>
             </a:endParaRPr>
+          </a:p>
+          <a:p>
+            <a:pPr algn="ctr"/>
+            <a:r>
+              <a:rPr lang="en-US" sz="1400" dirty="0">
+                <a:solidFill>
+                  <a:schemeClr val="tx1"/>
+                </a:solidFill>
+              </a:rPr>
+              <a:t>(Azure ATP) </a:t>
+            </a:r>
           </a:p>
         </p:txBody>
       </p:sp>
@@ -4034,13 +4357,24 @@
                 </a:solidFill>
                 <a:hlinkClick r:id="rId6"/>
               </a:rPr>
-              <a:t>Windows Defender ATP</a:t>
+              <a:t>Microsoft Defender ATP</a:t>
             </a:r>
             <a:endParaRPr lang="en-US" sz="1400" dirty="0">
               <a:solidFill>
                 <a:schemeClr val="tx1"/>
               </a:solidFill>
             </a:endParaRPr>
+          </a:p>
+          <a:p>
+            <a:pPr algn="ctr"/>
+            <a:r>
+              <a:rPr lang="en-US" sz="1400" dirty="0">
+                <a:solidFill>
+                  <a:schemeClr val="tx1"/>
+                </a:solidFill>
+              </a:rPr>
+              <a:t>(MDATP)</a:t>
+            </a:r>
           </a:p>
         </p:txBody>
       </p:sp>
@@ -4101,13 +4435,24 @@
                 </a:solidFill>
                 <a:hlinkClick r:id="rId7"/>
               </a:rPr>
-              <a:t>Office 365 ATP</a:t>
+              <a:t>Office 365 Advanced Threat Protection</a:t>
             </a:r>
             <a:endParaRPr lang="en-US" sz="1400" dirty="0">
               <a:solidFill>
                 <a:schemeClr val="tx1"/>
               </a:solidFill>
             </a:endParaRPr>
+          </a:p>
+          <a:p>
+            <a:pPr algn="ctr"/>
+            <a:r>
+              <a:rPr lang="en-US" sz="1400" dirty="0">
+                <a:solidFill>
+                  <a:schemeClr val="tx1"/>
+                </a:solidFill>
+              </a:rPr>
+              <a:t>(O365 ATP)</a:t>
+            </a:r>
           </a:p>
         </p:txBody>
       </p:sp>
@@ -4176,6 +4521,28 @@
               </a:solidFill>
             </a:endParaRPr>
           </a:p>
+          <a:p>
+            <a:pPr algn="ctr"/>
+            <a:r>
+              <a:rPr lang="en-US" sz="1400" dirty="0">
+                <a:solidFill>
+                  <a:schemeClr val="tx1"/>
+                </a:solidFill>
+              </a:rPr>
+              <a:t>(MCAS)</a:t>
+            </a:r>
+          </a:p>
+          <a:p>
+            <a:pPr algn="ctr"/>
+            <a:r>
+              <a:rPr lang="en-US" sz="1400" dirty="0">
+                <a:solidFill>
+                  <a:schemeClr val="tx1"/>
+                </a:solidFill>
+              </a:rPr>
+              <a:t>(CASB)</a:t>
+            </a:r>
+          </a:p>
         </p:txBody>
       </p:sp>
       <p:cxnSp>
@@ -4333,6 +4700,84 @@
             <a:r>
               <a:rPr lang="en-US" dirty="0"/>
               <a:t>Portal URLs</a:t>
+            </a:r>
+          </a:p>
+        </p:txBody>
+      </p:sp>
+      <p:sp>
+        <p:nvSpPr>
+          <p:cNvPr id="2" name="Rectangle 1">
+            <a:extLst>
+              <a:ext uri="{FF2B5EF4-FFF2-40B4-BE49-F238E27FC236}">
+                <a16:creationId xmlns:a16="http://schemas.microsoft.com/office/drawing/2014/main" id="{34B29801-49D8-4E59-A878-429867B02A51}"/>
+              </a:ext>
+            </a:extLst>
+          </p:cNvPr>
+          <p:cNvSpPr/>
+          <p:nvPr/>
+        </p:nvSpPr>
+        <p:spPr>
+          <a:xfrm>
+            <a:off x="6657869" y="3628073"/>
+            <a:ext cx="2885518" cy="681486"/>
+          </a:xfrm>
+          <a:prstGeom prst="rect">
+            <a:avLst/>
+          </a:prstGeom>
+          <a:solidFill>
+            <a:schemeClr val="bg1"/>
+          </a:solidFill>
+          <a:ln>
+            <a:solidFill>
+              <a:schemeClr val="tx1"/>
+            </a:solidFill>
+          </a:ln>
+        </p:spPr>
+        <p:style>
+          <a:lnRef idx="2">
+            <a:schemeClr val="accent1">
+              <a:shade val="50000"/>
+            </a:schemeClr>
+          </a:lnRef>
+          <a:fillRef idx="1">
+            <a:schemeClr val="accent1"/>
+          </a:fillRef>
+          <a:effectRef idx="0">
+            <a:schemeClr val="accent1"/>
+          </a:effectRef>
+          <a:fontRef idx="minor">
+            <a:schemeClr val="lt1"/>
+          </a:fontRef>
+        </p:style>
+        <p:txBody>
+          <a:bodyPr rtlCol="0" anchor="ctr"/>
+          <a:lstStyle/>
+          <a:p>
+            <a:pPr algn="ctr"/>
+            <a:r>
+              <a:rPr lang="en-US" sz="1400" dirty="0">
+                <a:solidFill>
+                  <a:schemeClr val="tx1"/>
+                </a:solidFill>
+                <a:hlinkClick r:id="rId10"/>
+              </a:rPr>
+              <a:t>Azure Information Protection</a:t>
+            </a:r>
+            <a:endParaRPr lang="en-US" sz="1400" dirty="0">
+              <a:solidFill>
+                <a:schemeClr val="tx1"/>
+              </a:solidFill>
+            </a:endParaRPr>
+          </a:p>
+          <a:p>
+            <a:pPr algn="ctr"/>
+            <a:r>
+              <a:rPr lang="en-US" sz="1400" dirty="0">
+                <a:solidFill>
+                  <a:schemeClr val="tx1"/>
+                </a:solidFill>
+              </a:rPr>
+              <a:t>(AIP)</a:t>
             </a:r>
           </a:p>
         </p:txBody>
@@ -4423,13 +4868,12 @@
           </p:cNvPr>
           <p:cNvCxnSpPr>
             <a:cxnSpLocks/>
-            <a:endCxn id="14" idx="2"/>
           </p:cNvCxnSpPr>
           <p:nvPr/>
         </p:nvCxnSpPr>
         <p:spPr>
           <a:xfrm flipH="1">
-            <a:off x="608118" y="4325161"/>
+            <a:off x="599447" y="4768854"/>
             <a:ext cx="17438" cy="2054650"/>
           </a:xfrm>
           <a:prstGeom prst="line">
@@ -4555,99 +4999,8 @@
         </p:nvCxnSpPr>
         <p:spPr>
           <a:xfrm>
-            <a:off x="5196945" y="4314315"/>
-            <a:ext cx="827" cy="675696"/>
-          </a:xfrm>
-          <a:prstGeom prst="line">
-            <a:avLst/>
-          </a:prstGeom>
-          <a:ln>
-            <a:solidFill>
-              <a:schemeClr val="tx1"/>
-            </a:solidFill>
-            <a:headEnd type="diamond" w="med" len="med"/>
-            <a:tailEnd type="triangle" w="med" len="med"/>
-          </a:ln>
-        </p:spPr>
-        <p:style>
-          <a:lnRef idx="1">
-            <a:schemeClr val="accent1"/>
-          </a:lnRef>
-          <a:fillRef idx="0">
-            <a:schemeClr val="accent1"/>
-          </a:fillRef>
-          <a:effectRef idx="0">
-            <a:schemeClr val="accent1"/>
-          </a:effectRef>
-          <a:fontRef idx="minor">
-            <a:schemeClr val="tx1"/>
-          </a:fontRef>
-        </p:style>
-      </p:cxnSp>
-      <p:cxnSp>
-        <p:nvCxnSpPr>
-          <p:cNvPr id="23" name="Straight Connector 22">
-            <a:extLst>
-              <a:ext uri="{FF2B5EF4-FFF2-40B4-BE49-F238E27FC236}">
-                <a16:creationId xmlns:a16="http://schemas.microsoft.com/office/drawing/2014/main" id="{E8F4D434-2FDE-462F-9E71-12A956E3B8BA}"/>
-              </a:ext>
-            </a:extLst>
-          </p:cNvPr>
-          <p:cNvCxnSpPr>
-            <a:cxnSpLocks/>
-            <a:endCxn id="15" idx="2"/>
-          </p:cNvCxnSpPr>
-          <p:nvPr/>
-        </p:nvCxnSpPr>
-        <p:spPr>
-          <a:xfrm>
-            <a:off x="1982371" y="4314315"/>
-            <a:ext cx="1" cy="675696"/>
-          </a:xfrm>
-          <a:prstGeom prst="line">
-            <a:avLst/>
-          </a:prstGeom>
-          <a:ln>
-            <a:solidFill>
-              <a:schemeClr val="tx1"/>
-            </a:solidFill>
-            <a:headEnd type="diamond" w="med" len="med"/>
-            <a:tailEnd type="triangle" w="med" len="med"/>
-          </a:ln>
-        </p:spPr>
-        <p:style>
-          <a:lnRef idx="1">
-            <a:schemeClr val="accent1"/>
-          </a:lnRef>
-          <a:fillRef idx="0">
-            <a:schemeClr val="accent1"/>
-          </a:fillRef>
-          <a:effectRef idx="0">
-            <a:schemeClr val="accent1"/>
-          </a:effectRef>
-          <a:fontRef idx="minor">
-            <a:schemeClr val="tx1"/>
-          </a:fontRef>
-        </p:style>
-      </p:cxnSp>
-      <p:cxnSp>
-        <p:nvCxnSpPr>
-          <p:cNvPr id="21" name="Straight Connector 20">
-            <a:extLst>
-              <a:ext uri="{FF2B5EF4-FFF2-40B4-BE49-F238E27FC236}">
-                <a16:creationId xmlns:a16="http://schemas.microsoft.com/office/drawing/2014/main" id="{BAC23971-3D41-45F5-9126-4C22CB8A1E9C}"/>
-              </a:ext>
-            </a:extLst>
-          </p:cNvPr>
-          <p:cNvCxnSpPr>
-            <a:cxnSpLocks/>
-          </p:cNvCxnSpPr>
-          <p:nvPr/>
-        </p:nvCxnSpPr>
-        <p:spPr>
-          <a:xfrm flipH="1">
-            <a:off x="3493412" y="4314315"/>
-            <a:ext cx="7016" cy="1390106"/>
+            <a:off x="3507930" y="4884739"/>
+            <a:ext cx="827" cy="858883"/>
           </a:xfrm>
           <a:prstGeom prst="line">
             <a:avLst/>
@@ -5149,8 +5502,8 @@
         </p:nvSpPr>
         <p:spPr>
           <a:xfrm>
-            <a:off x="76018" y="4487398"/>
-            <a:ext cx="1064203" cy="502613"/>
+            <a:off x="76018" y="4254404"/>
+            <a:ext cx="1064203" cy="962034"/>
           </a:xfrm>
           <a:prstGeom prst="rect">
             <a:avLst/>
@@ -5191,7 +5544,18 @@
                   <a:schemeClr val="tx1"/>
                 </a:solidFill>
               </a:rPr>
-              <a:t>Azure AD IP</a:t>
+              <a:t>Azure Active Directory Identity Protection</a:t>
+            </a:r>
+          </a:p>
+          <a:p>
+            <a:pPr algn="ctr"/>
+            <a:r>
+              <a:rPr lang="en-US" sz="1100" b="1" dirty="0">
+                <a:solidFill>
+                  <a:schemeClr val="tx1"/>
+                </a:solidFill>
+              </a:rPr>
+              <a:t>(AADIP)</a:t>
             </a:r>
           </a:p>
         </p:txBody>
@@ -5210,8 +5574,8 @@
         </p:nvSpPr>
         <p:spPr>
           <a:xfrm>
-            <a:off x="76017" y="5179730"/>
-            <a:ext cx="1064203" cy="502613"/>
+            <a:off x="77246" y="5298708"/>
+            <a:ext cx="1064203" cy="792480"/>
           </a:xfrm>
           <a:prstGeom prst="rect">
             <a:avLst/>
@@ -5252,17 +5616,44 @@
                   <a:schemeClr val="tx1"/>
                 </a:solidFill>
               </a:rPr>
-              <a:t>Azure ATP</a:t>
-            </a:r>
-          </a:p>
-        </p:txBody>
-      </p:sp>
-      <p:sp>
-        <p:nvSpPr>
-          <p:cNvPr id="14" name="Rectangle 13">
-            <a:extLst>
-              <a:ext uri="{FF2B5EF4-FFF2-40B4-BE49-F238E27FC236}">
-                <a16:creationId xmlns:a16="http://schemas.microsoft.com/office/drawing/2014/main" id="{F8F33F24-3C2C-4C26-AA95-5DF331D2ABC6}"/>
+              <a:t>Azure </a:t>
+            </a:r>
+            <a:r>
+              <a:rPr lang="en-US" sz="1100" dirty="0" err="1">
+                <a:solidFill>
+                  <a:schemeClr val="tx1"/>
+                </a:solidFill>
+              </a:rPr>
+              <a:t>Adavnced</a:t>
+            </a:r>
+            <a:r>
+              <a:rPr lang="en-US" sz="1100" dirty="0">
+                <a:solidFill>
+                  <a:schemeClr val="tx1"/>
+                </a:solidFill>
+              </a:rPr>
+              <a:t> Threat Protection</a:t>
+            </a:r>
+          </a:p>
+          <a:p>
+            <a:pPr algn="ctr"/>
+            <a:r>
+              <a:rPr lang="en-US" sz="1100" b="1" dirty="0">
+                <a:solidFill>
+                  <a:schemeClr val="tx1"/>
+                </a:solidFill>
+              </a:rPr>
+              <a:t>(Azure ATP)</a:t>
+            </a:r>
+          </a:p>
+        </p:txBody>
+      </p:sp>
+      <p:sp>
+        <p:nvSpPr>
+          <p:cNvPr id="15" name="Rectangle 14">
+            <a:extLst>
+              <a:ext uri="{FF2B5EF4-FFF2-40B4-BE49-F238E27FC236}">
+                <a16:creationId xmlns:a16="http://schemas.microsoft.com/office/drawing/2014/main" id="{D1F195F9-3D06-422D-A9AC-271BA3B12DEB}"/>
               </a:ext>
             </a:extLst>
           </p:cNvPr>
@@ -5271,8 +5662,8 @@
         </p:nvSpPr>
         <p:spPr>
           <a:xfrm>
-            <a:off x="76016" y="5877198"/>
-            <a:ext cx="1064203" cy="502613"/>
+            <a:off x="1450270" y="4487398"/>
+            <a:ext cx="1064203" cy="532471"/>
           </a:xfrm>
           <a:prstGeom prst="rect">
             <a:avLst/>
@@ -5308,73 +5699,23 @@
           <a:p>
             <a:pPr algn="ctr"/>
             <a:r>
-              <a:rPr lang="en-US" sz="1050" dirty="0">
-                <a:solidFill>
-                  <a:schemeClr val="tx1"/>
-                </a:solidFill>
-              </a:rPr>
-              <a:t>Microsoft Cloud App Security</a:t>
-            </a:r>
-          </a:p>
-        </p:txBody>
-      </p:sp>
-      <p:sp>
-        <p:nvSpPr>
-          <p:cNvPr id="15" name="Rectangle 14">
-            <a:extLst>
-              <a:ext uri="{FF2B5EF4-FFF2-40B4-BE49-F238E27FC236}">
-                <a16:creationId xmlns:a16="http://schemas.microsoft.com/office/drawing/2014/main" id="{D1F195F9-3D06-422D-A9AC-271BA3B12DEB}"/>
-              </a:ext>
-            </a:extLst>
-          </p:cNvPr>
-          <p:cNvSpPr/>
-          <p:nvPr/>
-        </p:nvSpPr>
-        <p:spPr>
-          <a:xfrm>
-            <a:off x="1450270" y="4487398"/>
-            <a:ext cx="1064203" cy="502613"/>
-          </a:xfrm>
-          <a:prstGeom prst="rect">
-            <a:avLst/>
-          </a:prstGeom>
-          <a:solidFill>
-            <a:schemeClr val="bg1"/>
-          </a:solidFill>
-          <a:ln>
-            <a:solidFill>
-              <a:schemeClr val="tx1"/>
-            </a:solidFill>
-          </a:ln>
-        </p:spPr>
-        <p:style>
-          <a:lnRef idx="2">
-            <a:schemeClr val="accent1">
-              <a:shade val="50000"/>
-            </a:schemeClr>
-          </a:lnRef>
-          <a:fillRef idx="1">
-            <a:schemeClr val="accent1"/>
-          </a:fillRef>
-          <a:effectRef idx="0">
-            <a:schemeClr val="accent1"/>
-          </a:effectRef>
-          <a:fontRef idx="minor">
-            <a:schemeClr val="lt1"/>
-          </a:fontRef>
-        </p:style>
-        <p:txBody>
-          <a:bodyPr rtlCol="0" anchor="ctr"/>
-          <a:lstStyle/>
-          <a:p>
-            <a:pPr algn="ctr"/>
-            <a:r>
               <a:rPr lang="en-US" sz="1100" dirty="0">
                 <a:solidFill>
                   <a:schemeClr val="tx1"/>
                 </a:solidFill>
               </a:rPr>
-              <a:t>Windows Defender ATP</a:t>
+              <a:t>Microsoft Defender ATP</a:t>
+            </a:r>
+          </a:p>
+          <a:p>
+            <a:pPr algn="ctr"/>
+            <a:r>
+              <a:rPr lang="en-US" sz="1100" b="1" dirty="0">
+                <a:solidFill>
+                  <a:schemeClr val="tx1"/>
+                </a:solidFill>
+              </a:rPr>
+              <a:t>(MDATP)</a:t>
             </a:r>
           </a:p>
         </p:txBody>
@@ -5438,14 +5779,25 @@
               <a:t>Office 365 ATP</a:t>
             </a:r>
           </a:p>
-        </p:txBody>
-      </p:sp>
-      <p:sp>
-        <p:nvSpPr>
-          <p:cNvPr id="17" name="Rectangle 16">
-            <a:extLst>
-              <a:ext uri="{FF2B5EF4-FFF2-40B4-BE49-F238E27FC236}">
-                <a16:creationId xmlns:a16="http://schemas.microsoft.com/office/drawing/2014/main" id="{7EBAB6F0-8D3B-4EF6-8391-2ED57F4EBA9B}"/>
+          <a:p>
+            <a:pPr algn="ctr"/>
+            <a:r>
+              <a:rPr lang="en-US" sz="1100" b="1" dirty="0">
+                <a:solidFill>
+                  <a:schemeClr val="tx1"/>
+                </a:solidFill>
+              </a:rPr>
+              <a:t>(O365 ATP)</a:t>
+            </a:r>
+          </a:p>
+        </p:txBody>
+      </p:sp>
+      <p:sp>
+        <p:nvSpPr>
+          <p:cNvPr id="18" name="Rectangle 17">
+            <a:extLst>
+              <a:ext uri="{FF2B5EF4-FFF2-40B4-BE49-F238E27FC236}">
+                <a16:creationId xmlns:a16="http://schemas.microsoft.com/office/drawing/2014/main" id="{47AFE0FA-EC57-4183-9E70-2FBDCF9630FE}"/>
               </a:ext>
             </a:extLst>
           </p:cNvPr>
@@ -5454,8 +5806,8 @@
         </p:nvSpPr>
         <p:spPr>
           <a:xfrm>
-            <a:off x="2964022" y="5201808"/>
-            <a:ext cx="1064203" cy="502613"/>
+            <a:off x="2976655" y="5057822"/>
+            <a:ext cx="1064203" cy="685800"/>
           </a:xfrm>
           <a:prstGeom prst="rect">
             <a:avLst/>
@@ -5499,65 +5851,26 @@
               <a:t>Microsoft Cloud App Security</a:t>
             </a:r>
           </a:p>
-        </p:txBody>
-      </p:sp>
-      <p:sp>
-        <p:nvSpPr>
-          <p:cNvPr id="18" name="Rectangle 17">
-            <a:extLst>
-              <a:ext uri="{FF2B5EF4-FFF2-40B4-BE49-F238E27FC236}">
-                <a16:creationId xmlns:a16="http://schemas.microsoft.com/office/drawing/2014/main" id="{47AFE0FA-EC57-4183-9E70-2FBDCF9630FE}"/>
-              </a:ext>
-            </a:extLst>
-          </p:cNvPr>
-          <p:cNvSpPr/>
-          <p:nvPr/>
-        </p:nvSpPr>
-        <p:spPr>
-          <a:xfrm>
-            <a:off x="4665670" y="4487398"/>
-            <a:ext cx="1064203" cy="502613"/>
-          </a:xfrm>
-          <a:prstGeom prst="rect">
-            <a:avLst/>
-          </a:prstGeom>
-          <a:solidFill>
-            <a:schemeClr val="bg1"/>
-          </a:solidFill>
-          <a:ln>
-            <a:solidFill>
-              <a:schemeClr val="tx1"/>
-            </a:solidFill>
-          </a:ln>
-        </p:spPr>
-        <p:style>
-          <a:lnRef idx="2">
-            <a:schemeClr val="accent1">
-              <a:shade val="50000"/>
-            </a:schemeClr>
-          </a:lnRef>
-          <a:fillRef idx="1">
-            <a:schemeClr val="accent1"/>
-          </a:fillRef>
-          <a:effectRef idx="0">
-            <a:schemeClr val="accent1"/>
-          </a:effectRef>
-          <a:fontRef idx="minor">
-            <a:schemeClr val="lt1"/>
-          </a:fontRef>
-        </p:style>
-        <p:txBody>
-          <a:bodyPr rtlCol="0" anchor="ctr"/>
-          <a:lstStyle/>
           <a:p>
             <a:pPr algn="ctr"/>
             <a:r>
-              <a:rPr lang="en-US" sz="1050" dirty="0">
+              <a:rPr lang="en-US" sz="1050" b="1" dirty="0">
                 <a:solidFill>
                   <a:schemeClr val="tx1"/>
                 </a:solidFill>
               </a:rPr>
-              <a:t>Microsoft Cloud App Security</a:t>
+              <a:t>(MCAS)</a:t>
+            </a:r>
+          </a:p>
+          <a:p>
+            <a:pPr algn="ctr"/>
+            <a:r>
+              <a:rPr lang="en-US" sz="1050" b="1" dirty="0">
+                <a:solidFill>
+                  <a:schemeClr val="tx1"/>
+                </a:solidFill>
+              </a:rPr>
+              <a:t>(CASB)</a:t>
             </a:r>
           </a:p>
         </p:txBody>
@@ -5828,10 +6141,10 @@
       </p:pic>
       <p:sp>
         <p:nvSpPr>
-          <p:cNvPr id="32" name="Rectangle 31">
-            <a:extLst>
-              <a:ext uri="{FF2B5EF4-FFF2-40B4-BE49-F238E27FC236}">
-                <a16:creationId xmlns:a16="http://schemas.microsoft.com/office/drawing/2014/main" id="{B5D7ADD2-A368-4722-A94E-5BCAE091D9C0}"/>
+          <p:cNvPr id="35" name="Rectangle 34">
+            <a:extLst>
+              <a:ext uri="{FF2B5EF4-FFF2-40B4-BE49-F238E27FC236}">
+                <a16:creationId xmlns:a16="http://schemas.microsoft.com/office/drawing/2014/main" id="{EA06C16B-E2C4-4F11-B55C-8C0DEF44B4B3}"/>
               </a:ext>
             </a:extLst>
           </p:cNvPr>
@@ -5840,7 +6153,7 @@
         </p:nvSpPr>
         <p:spPr>
           <a:xfrm>
-            <a:off x="9166887" y="4486753"/>
+            <a:off x="9194748" y="4315271"/>
             <a:ext cx="1064203" cy="502613"/>
           </a:xfrm>
           <a:prstGeom prst="rect">
@@ -5882,112 +6195,6 @@
                   <a:schemeClr val="tx1"/>
                 </a:solidFill>
               </a:rPr>
-              <a:t>Amazon Web Services</a:t>
-            </a:r>
-          </a:p>
-        </p:txBody>
-      </p:sp>
-      <p:cxnSp>
-        <p:nvCxnSpPr>
-          <p:cNvPr id="33" name="Straight Connector 32">
-            <a:extLst>
-              <a:ext uri="{FF2B5EF4-FFF2-40B4-BE49-F238E27FC236}">
-                <a16:creationId xmlns:a16="http://schemas.microsoft.com/office/drawing/2014/main" id="{ED55FDE3-5DCC-4609-AD8C-77C5B7EEFE60}"/>
-              </a:ext>
-            </a:extLst>
-          </p:cNvPr>
-          <p:cNvCxnSpPr>
-            <a:cxnSpLocks/>
-          </p:cNvCxnSpPr>
-          <p:nvPr/>
-        </p:nvCxnSpPr>
-        <p:spPr>
-          <a:xfrm flipV="1">
-            <a:off x="9698990" y="3463835"/>
-            <a:ext cx="0" cy="933274"/>
-          </a:xfrm>
-          <a:prstGeom prst="line">
-            <a:avLst/>
-          </a:prstGeom>
-          <a:ln>
-            <a:solidFill>
-              <a:schemeClr val="tx1"/>
-            </a:solidFill>
-            <a:headEnd type="diamond" w="med" len="med"/>
-            <a:tailEnd type="triangle" w="med" len="med"/>
-          </a:ln>
-        </p:spPr>
-        <p:style>
-          <a:lnRef idx="1">
-            <a:schemeClr val="accent1"/>
-          </a:lnRef>
-          <a:fillRef idx="0">
-            <a:schemeClr val="accent1"/>
-          </a:fillRef>
-          <a:effectRef idx="0">
-            <a:schemeClr val="accent1"/>
-          </a:effectRef>
-          <a:fontRef idx="minor">
-            <a:schemeClr val="tx1"/>
-          </a:fontRef>
-        </p:style>
-      </p:cxnSp>
-      <p:sp>
-        <p:nvSpPr>
-          <p:cNvPr id="35" name="Rectangle 34">
-            <a:extLst>
-              <a:ext uri="{FF2B5EF4-FFF2-40B4-BE49-F238E27FC236}">
-                <a16:creationId xmlns:a16="http://schemas.microsoft.com/office/drawing/2014/main" id="{EA06C16B-E2C4-4F11-B55C-8C0DEF44B4B3}"/>
-              </a:ext>
-            </a:extLst>
-          </p:cNvPr>
-          <p:cNvSpPr/>
-          <p:nvPr/>
-        </p:nvSpPr>
-        <p:spPr>
-          <a:xfrm>
-            <a:off x="9166888" y="5201808"/>
-            <a:ext cx="1064203" cy="502613"/>
-          </a:xfrm>
-          <a:prstGeom prst="rect">
-            <a:avLst/>
-          </a:prstGeom>
-          <a:solidFill>
-            <a:schemeClr val="bg1"/>
-          </a:solidFill>
-          <a:ln>
-            <a:solidFill>
-              <a:schemeClr val="tx1"/>
-            </a:solidFill>
-          </a:ln>
-        </p:spPr>
-        <p:style>
-          <a:lnRef idx="2">
-            <a:schemeClr val="accent1">
-              <a:shade val="50000"/>
-            </a:schemeClr>
-          </a:lnRef>
-          <a:fillRef idx="1">
-            <a:schemeClr val="accent1"/>
-          </a:fillRef>
-          <a:effectRef idx="0">
-            <a:schemeClr val="accent1"/>
-          </a:effectRef>
-          <a:fontRef idx="minor">
-            <a:schemeClr val="lt1"/>
-          </a:fontRef>
-        </p:style>
-        <p:txBody>
-          <a:bodyPr rtlCol="0" anchor="ctr"/>
-          <a:lstStyle/>
-          <a:p>
-            <a:pPr algn="ctr"/>
-            <a:r>
-              <a:rPr lang="en-US" sz="1050" dirty="0">
-                <a:solidFill>
-                  <a:schemeClr val="tx1"/>
-                </a:solidFill>
-              </a:rPr>
               <a:t>Cisco, </a:t>
             </a:r>
             <a:r>
@@ -6023,8 +6230,8 @@
         </p:nvSpPr>
         <p:spPr>
           <a:xfrm>
-            <a:off x="9166887" y="5877198"/>
-            <a:ext cx="1064203" cy="685800"/>
+            <a:off x="9194747" y="5102503"/>
+            <a:ext cx="1064203" cy="685799"/>
           </a:xfrm>
           <a:prstGeom prst="rect">
             <a:avLst/>
@@ -6165,14 +6372,14 @@
           </p:pic>
         </mc:Fallback>
       </mc:AlternateContent>
-      <mc:AlternateContent xmlns:mc="http://schemas.openxmlformats.org/markup-compatibility/2006" xmlns:p14="http://schemas.microsoft.com/office/powerpoint/2010/main">
-        <mc:Choice Requires="p14">
+      <mc:AlternateContent xmlns:mc="http://schemas.openxmlformats.org/markup-compatibility/2006">
+        <mc:Choice xmlns:p14="http://schemas.microsoft.com/office/powerpoint/2010/main" Requires="p14">
           <p:contentPart p14:bwMode="auto" r:id="rId5">
             <p14:nvContentPartPr>
-              <p14:cNvPr id="19" name="Ink 18">
+              <p14:cNvPr id="22" name="Ink 21">
                 <a:extLst>
                   <a:ext uri="{FF2B5EF4-FFF2-40B4-BE49-F238E27FC236}">
-                    <a16:creationId xmlns:a16="http://schemas.microsoft.com/office/drawing/2014/main" id="{D120EB07-E3C1-46CB-90F6-3C8CFE29B8C2}"/>
+                    <a16:creationId xmlns:a16="http://schemas.microsoft.com/office/drawing/2014/main" id="{2A04313F-A3C0-448C-B36F-C78EA99AF126}"/>
                   </a:ext>
                 </a:extLst>
               </p14:cNvPr>
@@ -6180,18 +6387,18 @@
               <p14:nvPr/>
             </p14:nvContentPartPr>
             <p14:xfrm>
-              <a:off x="4791626" y="4615378"/>
-              <a:ext cx="803880" cy="206640"/>
+              <a:off x="1560362" y="4626521"/>
+              <a:ext cx="871560" cy="384440"/>
             </p14:xfrm>
           </p:contentPart>
         </mc:Choice>
-        <mc:Fallback xmlns="">
+        <mc:Fallback>
           <p:pic>
             <p:nvPicPr>
-              <p:cNvPr id="19" name="Ink 18">
+              <p:cNvPr id="22" name="Ink 21">
                 <a:extLst>
                   <a:ext uri="{FF2B5EF4-FFF2-40B4-BE49-F238E27FC236}">
-                    <a16:creationId xmlns:a16="http://schemas.microsoft.com/office/drawing/2014/main" id="{D120EB07-E3C1-46CB-90F6-3C8CFE29B8C2}"/>
+                    <a16:creationId xmlns:a16="http://schemas.microsoft.com/office/drawing/2014/main" id="{2A04313F-A3C0-448C-B36F-C78EA99AF126}"/>
                   </a:ext>
                 </a:extLst>
               </p:cNvPr>
@@ -6206,8 +6413,8 @@
             </p:blipFill>
             <p:spPr>
               <a:xfrm>
-                <a:off x="4737986" y="4507378"/>
-                <a:ext cx="911520" cy="422280"/>
+                <a:off x="1506362" y="4518431"/>
+                <a:ext cx="979200" cy="600260"/>
               </a:xfrm>
               <a:prstGeom prst="rect">
                 <a:avLst/>
@@ -6216,14 +6423,14 @@
           </p:pic>
         </mc:Fallback>
       </mc:AlternateContent>
-      <mc:AlternateContent xmlns:mc="http://schemas.openxmlformats.org/markup-compatibility/2006" xmlns:p14="http://schemas.microsoft.com/office/powerpoint/2010/main">
-        <mc:Choice Requires="p14">
+      <mc:AlternateContent xmlns:mc="http://schemas.openxmlformats.org/markup-compatibility/2006">
+        <mc:Choice xmlns:p14="http://schemas.microsoft.com/office/powerpoint/2010/main" Requires="p14">
           <p:contentPart p14:bwMode="auto" r:id="rId7">
             <p14:nvContentPartPr>
-              <p14:cNvPr id="22" name="Ink 21">
+              <p14:cNvPr id="28" name="Ink 27">
                 <a:extLst>
                   <a:ext uri="{FF2B5EF4-FFF2-40B4-BE49-F238E27FC236}">
-                    <a16:creationId xmlns:a16="http://schemas.microsoft.com/office/drawing/2014/main" id="{2A04313F-A3C0-448C-B36F-C78EA99AF126}"/>
+                    <a16:creationId xmlns:a16="http://schemas.microsoft.com/office/drawing/2014/main" id="{92BC1F5B-E958-4328-B0E3-95EA61096356}"/>
                   </a:ext>
                 </a:extLst>
               </p14:cNvPr>
@@ -6231,18 +6438,18 @@
               <p14:nvPr/>
             </p14:nvContentPartPr>
             <p14:xfrm>
-              <a:off x="1573226" y="4624378"/>
-              <a:ext cx="871560" cy="217800"/>
+              <a:off x="200991" y="4388628"/>
+              <a:ext cx="749160" cy="813180"/>
             </p14:xfrm>
           </p:contentPart>
         </mc:Choice>
-        <mc:Fallback xmlns="">
+        <mc:Fallback>
           <p:pic>
             <p:nvPicPr>
-              <p:cNvPr id="22" name="Ink 21">
+              <p:cNvPr id="28" name="Ink 27">
                 <a:extLst>
                   <a:ext uri="{FF2B5EF4-FFF2-40B4-BE49-F238E27FC236}">
-                    <a16:creationId xmlns:a16="http://schemas.microsoft.com/office/drawing/2014/main" id="{2A04313F-A3C0-448C-B36F-C78EA99AF126}"/>
+                    <a16:creationId xmlns:a16="http://schemas.microsoft.com/office/drawing/2014/main" id="{92BC1F5B-E958-4328-B0E3-95EA61096356}"/>
                   </a:ext>
                 </a:extLst>
               </p:cNvPr>
@@ -6257,8 +6464,8 @@
             </p:blipFill>
             <p:spPr>
               <a:xfrm>
-                <a:off x="1519586" y="4516738"/>
-                <a:ext cx="979200" cy="433440"/>
+                <a:off x="146991" y="4280492"/>
+                <a:ext cx="856800" cy="1029091"/>
               </a:xfrm>
               <a:prstGeom prst="rect">
                 <a:avLst/>
@@ -6267,14 +6474,14 @@
           </p:pic>
         </mc:Fallback>
       </mc:AlternateContent>
-      <mc:AlternateContent xmlns:mc="http://schemas.openxmlformats.org/markup-compatibility/2006" xmlns:p14="http://schemas.microsoft.com/office/powerpoint/2010/main">
-        <mc:Choice Requires="p14">
+      <mc:AlternateContent xmlns:mc="http://schemas.openxmlformats.org/markup-compatibility/2006">
+        <mc:Choice xmlns:p14="http://schemas.microsoft.com/office/powerpoint/2010/main" Requires="p14">
           <p:contentPart p14:bwMode="auto" r:id="rId9">
             <p14:nvContentPartPr>
-              <p14:cNvPr id="28" name="Ink 27">
+              <p14:cNvPr id="42" name="Ink 41">
                 <a:extLst>
                   <a:ext uri="{FF2B5EF4-FFF2-40B4-BE49-F238E27FC236}">
-                    <a16:creationId xmlns:a16="http://schemas.microsoft.com/office/drawing/2014/main" id="{92BC1F5B-E958-4328-B0E3-95EA61096356}"/>
+                    <a16:creationId xmlns:a16="http://schemas.microsoft.com/office/drawing/2014/main" id="{D568DDB7-A0C9-4B24-8FEB-16FF925D277E}"/>
                   </a:ext>
                 </a:extLst>
               </p14:cNvPr>
@@ -6282,18 +6489,18 @@
               <p14:nvPr/>
             </p14:nvContentPartPr>
             <p14:xfrm>
-              <a:off x="238706" y="5322418"/>
-              <a:ext cx="749160" cy="210600"/>
+              <a:off x="250889" y="5400722"/>
+              <a:ext cx="845640" cy="713390"/>
             </p14:xfrm>
           </p:contentPart>
         </mc:Choice>
-        <mc:Fallback xmlns="">
+        <mc:Fallback>
           <p:pic>
             <p:nvPicPr>
-              <p:cNvPr id="28" name="Ink 27">
+              <p:cNvPr id="42" name="Ink 41">
                 <a:extLst>
                   <a:ext uri="{FF2B5EF4-FFF2-40B4-BE49-F238E27FC236}">
-                    <a16:creationId xmlns:a16="http://schemas.microsoft.com/office/drawing/2014/main" id="{92BC1F5B-E958-4328-B0E3-95EA61096356}"/>
+                    <a16:creationId xmlns:a16="http://schemas.microsoft.com/office/drawing/2014/main" id="{D568DDB7-A0C9-4B24-8FEB-16FF925D277E}"/>
                   </a:ext>
                 </a:extLst>
               </p:cNvPr>
@@ -6308,110 +6515,8 @@
             </p:blipFill>
             <p:spPr>
               <a:xfrm>
-                <a:off x="184706" y="5214418"/>
-                <a:ext cx="856800" cy="426240"/>
-              </a:xfrm>
-              <a:prstGeom prst="rect">
-                <a:avLst/>
-              </a:prstGeom>
-            </p:spPr>
-          </p:pic>
-        </mc:Fallback>
-      </mc:AlternateContent>
-      <mc:AlternateContent xmlns:mc="http://schemas.openxmlformats.org/markup-compatibility/2006" xmlns:p14="http://schemas.microsoft.com/office/powerpoint/2010/main">
-        <mc:Choice Requires="p14">
-          <p:contentPart p14:bwMode="auto" r:id="rId11">
-            <p14:nvContentPartPr>
-              <p14:cNvPr id="41" name="Ink 40">
-                <a:extLst>
-                  <a:ext uri="{FF2B5EF4-FFF2-40B4-BE49-F238E27FC236}">
-                    <a16:creationId xmlns:a16="http://schemas.microsoft.com/office/drawing/2014/main" id="{C7CB5B41-3BD1-48AD-8B00-84E807D8E785}"/>
-                  </a:ext>
-                </a:extLst>
-              </p14:cNvPr>
-              <p14:cNvContentPartPr/>
-              <p14:nvPr/>
-            </p14:nvContentPartPr>
-            <p14:xfrm>
-              <a:off x="3048506" y="5342218"/>
-              <a:ext cx="834840" cy="198000"/>
-            </p14:xfrm>
-          </p:contentPart>
-        </mc:Choice>
-        <mc:Fallback xmlns="">
-          <p:pic>
-            <p:nvPicPr>
-              <p:cNvPr id="41" name="Ink 40">
-                <a:extLst>
-                  <a:ext uri="{FF2B5EF4-FFF2-40B4-BE49-F238E27FC236}">
-                    <a16:creationId xmlns:a16="http://schemas.microsoft.com/office/drawing/2014/main" id="{C7CB5B41-3BD1-48AD-8B00-84E807D8E785}"/>
-                  </a:ext>
-                </a:extLst>
-              </p:cNvPr>
-              <p:cNvPicPr/>
-              <p:nvPr/>
-            </p:nvPicPr>
-            <p:blipFill>
-              <a:blip r:embed="rId12"/>
-              <a:stretch>
-                <a:fillRect/>
-              </a:stretch>
-            </p:blipFill>
-            <p:spPr>
-              <a:xfrm>
-                <a:off x="2994506" y="5234218"/>
-                <a:ext cx="942480" cy="413640"/>
-              </a:xfrm>
-              <a:prstGeom prst="rect">
-                <a:avLst/>
-              </a:prstGeom>
-            </p:spPr>
-          </p:pic>
-        </mc:Fallback>
-      </mc:AlternateContent>
-      <mc:AlternateContent xmlns:mc="http://schemas.openxmlformats.org/markup-compatibility/2006" xmlns:p14="http://schemas.microsoft.com/office/powerpoint/2010/main">
-        <mc:Choice Requires="p14">
-          <p:contentPart p14:bwMode="auto" r:id="rId13">
-            <p14:nvContentPartPr>
-              <p14:cNvPr id="42" name="Ink 41">
-                <a:extLst>
-                  <a:ext uri="{FF2B5EF4-FFF2-40B4-BE49-F238E27FC236}">
-                    <a16:creationId xmlns:a16="http://schemas.microsoft.com/office/drawing/2014/main" id="{D568DDB7-A0C9-4B24-8FEB-16FF925D277E}"/>
-                  </a:ext>
-                </a:extLst>
-              </p14:cNvPr>
-              <p14:cNvContentPartPr/>
-              <p14:nvPr/>
-            </p14:nvContentPartPr>
-            <p14:xfrm>
-              <a:off x="173186" y="6051778"/>
-              <a:ext cx="845640" cy="179280"/>
-            </p14:xfrm>
-          </p:contentPart>
-        </mc:Choice>
-        <mc:Fallback xmlns="">
-          <p:pic>
-            <p:nvPicPr>
-              <p:cNvPr id="42" name="Ink 41">
-                <a:extLst>
-                  <a:ext uri="{FF2B5EF4-FFF2-40B4-BE49-F238E27FC236}">
-                    <a16:creationId xmlns:a16="http://schemas.microsoft.com/office/drawing/2014/main" id="{D568DDB7-A0C9-4B24-8FEB-16FF925D277E}"/>
-                  </a:ext>
-                </a:extLst>
-              </p:cNvPr>
-              <p:cNvPicPr/>
-              <p:nvPr/>
-            </p:nvPicPr>
-            <p:blipFill>
-              <a:blip r:embed="rId14"/>
-              <a:stretch>
-                <a:fillRect/>
-              </a:stretch>
-            </p:blipFill>
-            <p:spPr>
-              <a:xfrm>
-                <a:off x="119546" y="5944138"/>
-                <a:ext cx="953280" cy="394920"/>
+                <a:off x="196889" y="5292578"/>
+                <a:ext cx="953280" cy="929318"/>
               </a:xfrm>
               <a:prstGeom prst="rect">
                 <a:avLst/>
@@ -6597,7 +6702,7 @@
       </p:cxnSp>
       <mc:AlternateContent xmlns:mc="http://schemas.openxmlformats.org/markup-compatibility/2006" xmlns:p14="http://schemas.microsoft.com/office/powerpoint/2010/main">
         <mc:Choice Requires="p14">
-          <p:contentPart p14:bwMode="auto" r:id="rId15">
+          <p:contentPart p14:bwMode="auto" r:id="rId11">
             <p14:nvContentPartPr>
               <p14:cNvPr id="60" name="Ink 59">
                 <a:extLst>
@@ -6750,130 +6855,6 @@
       </mc:AlternateContent>
       <p:sp>
         <p:nvSpPr>
-          <p:cNvPr id="70" name="Rectangle 69">
-            <a:extLst>
-              <a:ext uri="{FF2B5EF4-FFF2-40B4-BE49-F238E27FC236}">
-                <a16:creationId xmlns:a16="http://schemas.microsoft.com/office/drawing/2014/main" id="{0EC42D6F-AC07-4B76-8112-4D2264BAB481}"/>
-              </a:ext>
-            </a:extLst>
-          </p:cNvPr>
-          <p:cNvSpPr/>
-          <p:nvPr/>
-        </p:nvSpPr>
-        <p:spPr>
-          <a:xfrm>
-            <a:off x="7903670" y="2743200"/>
-            <a:ext cx="643813" cy="685800"/>
-          </a:xfrm>
-          <a:prstGeom prst="rect">
-            <a:avLst/>
-          </a:prstGeom>
-          <a:noFill/>
-        </p:spPr>
-        <p:style>
-          <a:lnRef idx="2">
-            <a:schemeClr val="accent1">
-              <a:shade val="50000"/>
-            </a:schemeClr>
-          </a:lnRef>
-          <a:fillRef idx="1">
-            <a:schemeClr val="accent1"/>
-          </a:fillRef>
-          <a:effectRef idx="0">
-            <a:schemeClr val="accent1"/>
-          </a:effectRef>
-          <a:fontRef idx="minor">
-            <a:schemeClr val="lt1"/>
-          </a:fontRef>
-        </p:style>
-        <p:txBody>
-          <a:bodyPr rtlCol="0" anchor="ctr"/>
-          <a:lstStyle/>
-          <a:p>
-            <a:pPr algn="ctr"/>
-            <a:r>
-              <a:rPr lang="en-US" sz="1600" dirty="0">
-                <a:solidFill>
-                  <a:schemeClr val="tx1"/>
-                </a:solidFill>
-              </a:rPr>
-              <a:t>AAD</a:t>
-            </a:r>
-          </a:p>
-        </p:txBody>
-      </p:sp>
-      <p:sp>
-        <p:nvSpPr>
-          <p:cNvPr id="72" name="Rectangle 71">
-            <a:extLst>
-              <a:ext uri="{FF2B5EF4-FFF2-40B4-BE49-F238E27FC236}">
-                <a16:creationId xmlns:a16="http://schemas.microsoft.com/office/drawing/2014/main" id="{6D2E9172-E431-4651-8A53-62EECF32819A}"/>
-              </a:ext>
-            </a:extLst>
-          </p:cNvPr>
-          <p:cNvSpPr/>
-          <p:nvPr/>
-        </p:nvSpPr>
-        <p:spPr>
-          <a:xfrm>
-            <a:off x="7906980" y="3518263"/>
-            <a:ext cx="643813" cy="685800"/>
-          </a:xfrm>
-          <a:prstGeom prst="rect">
-            <a:avLst/>
-          </a:prstGeom>
-          <a:noFill/>
-        </p:spPr>
-        <p:style>
-          <a:lnRef idx="2">
-            <a:schemeClr val="accent1">
-              <a:shade val="50000"/>
-            </a:schemeClr>
-          </a:lnRef>
-          <a:fillRef idx="1">
-            <a:schemeClr val="accent1"/>
-          </a:fillRef>
-          <a:effectRef idx="0">
-            <a:schemeClr val="accent1"/>
-          </a:effectRef>
-          <a:fontRef idx="minor">
-            <a:schemeClr val="lt1"/>
-          </a:fontRef>
-        </p:style>
-        <p:txBody>
-          <a:bodyPr rtlCol="0" anchor="ctr"/>
-          <a:lstStyle/>
-          <a:p>
-            <a:pPr algn="ctr"/>
-            <a:r>
-              <a:rPr lang="en-US" sz="1200" dirty="0" err="1">
-                <a:solidFill>
-                  <a:schemeClr val="tx1"/>
-                </a:solidFill>
-              </a:rPr>
-              <a:t>SignIns</a:t>
-            </a:r>
-            <a:endParaRPr lang="en-US" sz="1200" dirty="0">
-              <a:solidFill>
-                <a:schemeClr val="tx1"/>
-              </a:solidFill>
-            </a:endParaRPr>
-          </a:p>
-          <a:p>
-            <a:pPr algn="ctr"/>
-            <a:r>
-              <a:rPr lang="en-US" sz="1200" dirty="0">
-                <a:solidFill>
-                  <a:schemeClr val="tx1"/>
-                </a:solidFill>
-              </a:rPr>
-              <a:t>Audits</a:t>
-            </a:r>
-          </a:p>
-        </p:txBody>
-      </p:sp>
-      <p:sp>
-        <p:nvSpPr>
           <p:cNvPr id="74" name="Rectangle 73">
             <a:extLst>
               <a:ext uri="{FF2B5EF4-FFF2-40B4-BE49-F238E27FC236}">
@@ -7134,57 +7115,6 @@
         <mc:Choice Requires="p14">
           <p:contentPart p14:bwMode="auto" r:id="rId23">
             <p14:nvContentPartPr>
-              <p14:cNvPr id="89" name="Ink 88">
-                <a:extLst>
-                  <a:ext uri="{FF2B5EF4-FFF2-40B4-BE49-F238E27FC236}">
-                    <a16:creationId xmlns:a16="http://schemas.microsoft.com/office/drawing/2014/main" id="{7FCA995B-3DDE-4E64-88F2-DFCE3094E9A4}"/>
-                  </a:ext>
-                </a:extLst>
-              </p14:cNvPr>
-              <p14:cNvContentPartPr/>
-              <p14:nvPr/>
-            </p14:nvContentPartPr>
-            <p14:xfrm>
-              <a:off x="227200" y="4628140"/>
-              <a:ext cx="701640" cy="263160"/>
-            </p14:xfrm>
-          </p:contentPart>
-        </mc:Choice>
-        <mc:Fallback xmlns="">
-          <p:pic>
-            <p:nvPicPr>
-              <p:cNvPr id="89" name="Ink 88">
-                <a:extLst>
-                  <a:ext uri="{FF2B5EF4-FFF2-40B4-BE49-F238E27FC236}">
-                    <a16:creationId xmlns:a16="http://schemas.microsoft.com/office/drawing/2014/main" id="{7FCA995B-3DDE-4E64-88F2-DFCE3094E9A4}"/>
-                  </a:ext>
-                </a:extLst>
-              </p:cNvPr>
-              <p:cNvPicPr/>
-              <p:nvPr/>
-            </p:nvPicPr>
-            <p:blipFill>
-              <a:blip r:embed="rId24"/>
-              <a:stretch>
-                <a:fillRect/>
-              </a:stretch>
-            </p:blipFill>
-            <p:spPr>
-              <a:xfrm>
-                <a:off x="173560" y="4520500"/>
-                <a:ext cx="809280" cy="478800"/>
-              </a:xfrm>
-              <a:prstGeom prst="rect">
-                <a:avLst/>
-              </a:prstGeom>
-            </p:spPr>
-          </p:pic>
-        </mc:Fallback>
-      </mc:AlternateContent>
-      <mc:AlternateContent xmlns:mc="http://schemas.openxmlformats.org/markup-compatibility/2006" xmlns:p14="http://schemas.microsoft.com/office/powerpoint/2010/main">
-        <mc:Choice Requires="p14">
-          <p:contentPart p14:bwMode="auto" r:id="rId25">
-            <p14:nvContentPartPr>
               <p14:cNvPr id="90" name="Ink 89">
                 <a:extLst>
                   <a:ext uri="{FF2B5EF4-FFF2-40B4-BE49-F238E27FC236}">
@@ -7489,6 +7419,1153 @@
                 </a:solidFill>
               </a:rPr>
               <a:t>ALERTS</a:t>
+            </a:r>
+          </a:p>
+        </p:txBody>
+      </p:sp>
+      <p:sp>
+        <p:nvSpPr>
+          <p:cNvPr id="46" name="Rectangle 45">
+            <a:extLst>
+              <a:ext uri="{FF2B5EF4-FFF2-40B4-BE49-F238E27FC236}">
+                <a16:creationId xmlns:a16="http://schemas.microsoft.com/office/drawing/2014/main" id="{029F68DA-7E73-4493-8378-154356CD56E4}"/>
+              </a:ext>
+            </a:extLst>
+          </p:cNvPr>
+          <p:cNvSpPr/>
+          <p:nvPr/>
+        </p:nvSpPr>
+        <p:spPr>
+          <a:xfrm>
+            <a:off x="2960214" y="5877197"/>
+            <a:ext cx="1064203" cy="685800"/>
+          </a:xfrm>
+          <a:prstGeom prst="rect">
+            <a:avLst/>
+          </a:prstGeom>
+          <a:solidFill>
+            <a:schemeClr val="bg1"/>
+          </a:solidFill>
+          <a:ln>
+            <a:solidFill>
+              <a:schemeClr val="tx1"/>
+            </a:solidFill>
+          </a:ln>
+        </p:spPr>
+        <p:style>
+          <a:lnRef idx="2">
+            <a:schemeClr val="accent1">
+              <a:shade val="50000"/>
+            </a:schemeClr>
+          </a:lnRef>
+          <a:fillRef idx="1">
+            <a:schemeClr val="accent1"/>
+          </a:fillRef>
+          <a:effectRef idx="0">
+            <a:schemeClr val="accent1"/>
+          </a:effectRef>
+          <a:fontRef idx="minor">
+            <a:schemeClr val="lt1"/>
+          </a:fontRef>
+        </p:style>
+        <p:txBody>
+          <a:bodyPr rtlCol="0" anchor="ctr"/>
+          <a:lstStyle/>
+          <a:p>
+            <a:pPr algn="ctr"/>
+            <a:r>
+              <a:rPr lang="en-US" sz="1050" dirty="0">
+                <a:solidFill>
+                  <a:schemeClr val="tx1"/>
+                </a:solidFill>
+              </a:rPr>
+              <a:t>Azure Information Protection</a:t>
+            </a:r>
+          </a:p>
+          <a:p>
+            <a:pPr algn="ctr"/>
+            <a:r>
+              <a:rPr lang="en-US" sz="1050" b="1" dirty="0">
+                <a:solidFill>
+                  <a:schemeClr val="tx1"/>
+                </a:solidFill>
+              </a:rPr>
+              <a:t>(AIP)</a:t>
+            </a:r>
+          </a:p>
+        </p:txBody>
+      </p:sp>
+      <mc:AlternateContent xmlns:mc="http://schemas.openxmlformats.org/markup-compatibility/2006">
+        <mc:Choice xmlns:p14="http://schemas.microsoft.com/office/powerpoint/2010/main" Requires="p14">
+          <p:contentPart p14:bwMode="auto" r:id="rId27">
+            <p14:nvContentPartPr>
+              <p14:cNvPr id="50" name="Ink 49">
+                <a:extLst>
+                  <a:ext uri="{FF2B5EF4-FFF2-40B4-BE49-F238E27FC236}">
+                    <a16:creationId xmlns:a16="http://schemas.microsoft.com/office/drawing/2014/main" id="{CA0E6FAA-089A-40A7-999E-0FCCE13FD2B1}"/>
+                  </a:ext>
+                </a:extLst>
+              </p14:cNvPr>
+              <p14:cNvContentPartPr/>
+              <p14:nvPr/>
+            </p14:nvContentPartPr>
+            <p14:xfrm>
+              <a:off x="4777648" y="4599228"/>
+              <a:ext cx="832680" cy="394200"/>
+            </p14:xfrm>
+          </p:contentPart>
+        </mc:Choice>
+        <mc:Fallback>
+          <p:pic>
+            <p:nvPicPr>
+              <p:cNvPr id="50" name="Ink 49">
+                <a:extLst>
+                  <a:ext uri="{FF2B5EF4-FFF2-40B4-BE49-F238E27FC236}">
+                    <a16:creationId xmlns:a16="http://schemas.microsoft.com/office/drawing/2014/main" id="{CA0E6FAA-089A-40A7-999E-0FCCE13FD2B1}"/>
+                  </a:ext>
+                </a:extLst>
+              </p:cNvPr>
+              <p:cNvPicPr/>
+              <p:nvPr/>
+            </p:nvPicPr>
+            <p:blipFill>
+              <a:blip r:embed="rId28"/>
+              <a:stretch>
+                <a:fillRect/>
+              </a:stretch>
+            </p:blipFill>
+            <p:spPr>
+              <a:xfrm>
+                <a:off x="4724008" y="4491228"/>
+                <a:ext cx="940320" cy="609840"/>
+              </a:xfrm>
+              <a:prstGeom prst="rect">
+                <a:avLst/>
+              </a:prstGeom>
+            </p:spPr>
+          </p:pic>
+        </mc:Fallback>
+      </mc:AlternateContent>
+      <mc:AlternateContent xmlns:mc="http://schemas.openxmlformats.org/markup-compatibility/2006">
+        <mc:Choice xmlns:p14="http://schemas.microsoft.com/office/powerpoint/2010/main" Requires="p14">
+          <p:contentPart p14:bwMode="auto" r:id="rId29">
+            <p14:nvContentPartPr>
+              <p14:cNvPr id="56" name="Ink 55">
+                <a:extLst>
+                  <a:ext uri="{FF2B5EF4-FFF2-40B4-BE49-F238E27FC236}">
+                    <a16:creationId xmlns:a16="http://schemas.microsoft.com/office/drawing/2014/main" id="{40D09243-A13E-4AC2-A947-521DE3B17BC6}"/>
+                  </a:ext>
+                </a:extLst>
+              </p14:cNvPr>
+              <p14:cNvContentPartPr/>
+              <p14:nvPr/>
+            </p14:nvContentPartPr>
+            <p14:xfrm>
+              <a:off x="258928" y="4393308"/>
+              <a:ext cx="657720" cy="739440"/>
+            </p14:xfrm>
+          </p:contentPart>
+        </mc:Choice>
+        <mc:Fallback>
+          <p:pic>
+            <p:nvPicPr>
+              <p:cNvPr id="56" name="Ink 55">
+                <a:extLst>
+                  <a:ext uri="{FF2B5EF4-FFF2-40B4-BE49-F238E27FC236}">
+                    <a16:creationId xmlns:a16="http://schemas.microsoft.com/office/drawing/2014/main" id="{40D09243-A13E-4AC2-A947-521DE3B17BC6}"/>
+                  </a:ext>
+                </a:extLst>
+              </p:cNvPr>
+              <p:cNvPicPr/>
+              <p:nvPr/>
+            </p:nvPicPr>
+            <p:blipFill>
+              <a:blip r:embed="rId30"/>
+              <a:stretch>
+                <a:fillRect/>
+              </a:stretch>
+            </p:blipFill>
+            <p:spPr>
+              <a:xfrm>
+                <a:off x="205288" y="4285668"/>
+                <a:ext cx="765360" cy="955080"/>
+              </a:xfrm>
+              <a:prstGeom prst="rect">
+                <a:avLst/>
+              </a:prstGeom>
+            </p:spPr>
+          </p:pic>
+        </mc:Fallback>
+      </mc:AlternateContent>
+      <mc:AlternateContent xmlns:mc="http://schemas.openxmlformats.org/markup-compatibility/2006">
+        <mc:Choice xmlns:p14="http://schemas.microsoft.com/office/powerpoint/2010/main" Requires="p14">
+          <p:contentPart p14:bwMode="auto" r:id="rId31">
+            <p14:nvContentPartPr>
+              <p14:cNvPr id="57" name="Ink 56">
+                <a:extLst>
+                  <a:ext uri="{FF2B5EF4-FFF2-40B4-BE49-F238E27FC236}">
+                    <a16:creationId xmlns:a16="http://schemas.microsoft.com/office/drawing/2014/main" id="{C36C6CCF-5C9A-4188-BC3F-08E8996A36E3}"/>
+                  </a:ext>
+                </a:extLst>
+              </p14:cNvPr>
+              <p14:cNvContentPartPr/>
+              <p14:nvPr/>
+            </p14:nvContentPartPr>
+            <p14:xfrm>
+              <a:off x="262142" y="5534398"/>
+              <a:ext cx="802080" cy="478440"/>
+            </p14:xfrm>
+          </p:contentPart>
+        </mc:Choice>
+        <mc:Fallback>
+          <p:pic>
+            <p:nvPicPr>
+              <p:cNvPr id="57" name="Ink 56">
+                <a:extLst>
+                  <a:ext uri="{FF2B5EF4-FFF2-40B4-BE49-F238E27FC236}">
+                    <a16:creationId xmlns:a16="http://schemas.microsoft.com/office/drawing/2014/main" id="{C36C6CCF-5C9A-4188-BC3F-08E8996A36E3}"/>
+                  </a:ext>
+                </a:extLst>
+              </p:cNvPr>
+              <p:cNvPicPr/>
+              <p:nvPr/>
+            </p:nvPicPr>
+            <p:blipFill>
+              <a:blip r:embed="rId32"/>
+              <a:stretch>
+                <a:fillRect/>
+              </a:stretch>
+            </p:blipFill>
+            <p:spPr>
+              <a:xfrm>
+                <a:off x="208502" y="5426398"/>
+                <a:ext cx="909720" cy="694080"/>
+              </a:xfrm>
+              <a:prstGeom prst="rect">
+                <a:avLst/>
+              </a:prstGeom>
+            </p:spPr>
+          </p:pic>
+        </mc:Fallback>
+      </mc:AlternateContent>
+      <p:sp>
+        <p:nvSpPr>
+          <p:cNvPr id="73" name="Rectangle 72">
+            <a:extLst>
+              <a:ext uri="{FF2B5EF4-FFF2-40B4-BE49-F238E27FC236}">
+                <a16:creationId xmlns:a16="http://schemas.microsoft.com/office/drawing/2014/main" id="{0329AA42-B907-4AE8-A0EC-9EA56789EB7F}"/>
+              </a:ext>
+            </a:extLst>
+          </p:cNvPr>
+          <p:cNvSpPr/>
+          <p:nvPr/>
+        </p:nvSpPr>
+        <p:spPr>
+          <a:xfrm>
+            <a:off x="83250" y="6168809"/>
+            <a:ext cx="1064203" cy="685800"/>
+          </a:xfrm>
+          <a:prstGeom prst="rect">
+            <a:avLst/>
+          </a:prstGeom>
+          <a:solidFill>
+            <a:schemeClr val="bg1"/>
+          </a:solidFill>
+          <a:ln>
+            <a:solidFill>
+              <a:schemeClr val="tx1"/>
+            </a:solidFill>
+          </a:ln>
+        </p:spPr>
+        <p:style>
+          <a:lnRef idx="2">
+            <a:schemeClr val="accent1">
+              <a:shade val="50000"/>
+            </a:schemeClr>
+          </a:lnRef>
+          <a:fillRef idx="1">
+            <a:schemeClr val="accent1"/>
+          </a:fillRef>
+          <a:effectRef idx="0">
+            <a:schemeClr val="accent1"/>
+          </a:effectRef>
+          <a:fontRef idx="minor">
+            <a:schemeClr val="lt1"/>
+          </a:fontRef>
+        </p:style>
+        <p:txBody>
+          <a:bodyPr rtlCol="0" anchor="ctr"/>
+          <a:lstStyle/>
+          <a:p>
+            <a:pPr algn="ctr"/>
+            <a:r>
+              <a:rPr lang="en-US" sz="1050" dirty="0">
+                <a:solidFill>
+                  <a:schemeClr val="tx1"/>
+                </a:solidFill>
+              </a:rPr>
+              <a:t>Microsoft Cloud App Security</a:t>
+            </a:r>
+          </a:p>
+          <a:p>
+            <a:pPr algn="ctr"/>
+            <a:r>
+              <a:rPr lang="en-US" sz="1050" b="1" dirty="0">
+                <a:solidFill>
+                  <a:schemeClr val="tx1"/>
+                </a:solidFill>
+              </a:rPr>
+              <a:t>(MCAS)</a:t>
+            </a:r>
+          </a:p>
+          <a:p>
+            <a:pPr algn="ctr"/>
+            <a:r>
+              <a:rPr lang="en-US" sz="1050" b="1" dirty="0">
+                <a:solidFill>
+                  <a:schemeClr val="tx1"/>
+                </a:solidFill>
+              </a:rPr>
+              <a:t>(CASB)</a:t>
+            </a:r>
+          </a:p>
+        </p:txBody>
+      </p:sp>
+      <mc:AlternateContent xmlns:mc="http://schemas.openxmlformats.org/markup-compatibility/2006">
+        <mc:Choice xmlns:p14="http://schemas.microsoft.com/office/powerpoint/2010/main" Requires="p14">
+          <p:contentPart p14:bwMode="auto" r:id="rId33">
+            <p14:nvContentPartPr>
+              <p14:cNvPr id="75" name="Ink 74">
+                <a:extLst>
+                  <a:ext uri="{FF2B5EF4-FFF2-40B4-BE49-F238E27FC236}">
+                    <a16:creationId xmlns:a16="http://schemas.microsoft.com/office/drawing/2014/main" id="{FAD750BE-6AB4-41E0-80E1-7351D6663B24}"/>
+                  </a:ext>
+                </a:extLst>
+              </p14:cNvPr>
+              <p14:cNvContentPartPr/>
+              <p14:nvPr/>
+            </p14:nvContentPartPr>
+            <p14:xfrm>
+              <a:off x="185263" y="6246151"/>
+              <a:ext cx="803880" cy="608458"/>
+            </p14:xfrm>
+          </p:contentPart>
+        </mc:Choice>
+        <mc:Fallback>
+          <p:pic>
+            <p:nvPicPr>
+              <p:cNvPr id="75" name="Ink 74">
+                <a:extLst>
+                  <a:ext uri="{FF2B5EF4-FFF2-40B4-BE49-F238E27FC236}">
+                    <a16:creationId xmlns:a16="http://schemas.microsoft.com/office/drawing/2014/main" id="{FAD750BE-6AB4-41E0-80E1-7351D6663B24}"/>
+                  </a:ext>
+                </a:extLst>
+              </p:cNvPr>
+              <p:cNvPicPr/>
+              <p:nvPr/>
+            </p:nvPicPr>
+            <p:blipFill>
+              <a:blip r:embed="rId34"/>
+              <a:stretch>
+                <a:fillRect/>
+              </a:stretch>
+            </p:blipFill>
+            <p:spPr>
+              <a:xfrm>
+                <a:off x="131239" y="6138013"/>
+                <a:ext cx="911568" cy="824374"/>
+              </a:xfrm>
+              <a:prstGeom prst="rect">
+                <a:avLst/>
+              </a:prstGeom>
+            </p:spPr>
+          </p:pic>
+        </mc:Fallback>
+      </mc:AlternateContent>
+      <mc:AlternateContent xmlns:mc="http://schemas.openxmlformats.org/markup-compatibility/2006">
+        <mc:Choice xmlns:p14="http://schemas.microsoft.com/office/powerpoint/2010/main" Requires="p14">
+          <p:contentPart p14:bwMode="auto" r:id="rId35">
+            <p14:nvContentPartPr>
+              <p14:cNvPr id="77" name="Ink 76">
+                <a:extLst>
+                  <a:ext uri="{FF2B5EF4-FFF2-40B4-BE49-F238E27FC236}">
+                    <a16:creationId xmlns:a16="http://schemas.microsoft.com/office/drawing/2014/main" id="{CC962218-BE91-4E87-BFE7-8D68EB544AFB}"/>
+                  </a:ext>
+                </a:extLst>
+              </p14:cNvPr>
+              <p14:cNvContentPartPr/>
+              <p14:nvPr/>
+            </p14:nvContentPartPr>
+            <p14:xfrm>
+              <a:off x="195228" y="6280639"/>
+              <a:ext cx="832680" cy="394200"/>
+            </p14:xfrm>
+          </p:contentPart>
+        </mc:Choice>
+        <mc:Fallback>
+          <p:pic>
+            <p:nvPicPr>
+              <p:cNvPr id="77" name="Ink 76">
+                <a:extLst>
+                  <a:ext uri="{FF2B5EF4-FFF2-40B4-BE49-F238E27FC236}">
+                    <a16:creationId xmlns:a16="http://schemas.microsoft.com/office/drawing/2014/main" id="{CC962218-BE91-4E87-BFE7-8D68EB544AFB}"/>
+                  </a:ext>
+                </a:extLst>
+              </p:cNvPr>
+              <p:cNvPicPr/>
+              <p:nvPr/>
+            </p:nvPicPr>
+            <p:blipFill>
+              <a:blip r:embed="rId28"/>
+              <a:stretch>
+                <a:fillRect/>
+              </a:stretch>
+            </p:blipFill>
+            <p:spPr>
+              <a:xfrm>
+                <a:off x="141588" y="6172639"/>
+                <a:ext cx="940320" cy="609840"/>
+              </a:xfrm>
+              <a:prstGeom prst="rect">
+                <a:avLst/>
+              </a:prstGeom>
+            </p:spPr>
+          </p:pic>
+        </mc:Fallback>
+      </mc:AlternateContent>
+      <mc:AlternateContent xmlns:mc="http://schemas.openxmlformats.org/markup-compatibility/2006">
+        <mc:Choice xmlns:p14="http://schemas.microsoft.com/office/powerpoint/2010/main" Requires="p14">
+          <p:contentPart p14:bwMode="auto" r:id="rId36">
+            <p14:nvContentPartPr>
+              <p14:cNvPr id="79" name="Ink 78">
+                <a:extLst>
+                  <a:ext uri="{FF2B5EF4-FFF2-40B4-BE49-F238E27FC236}">
+                    <a16:creationId xmlns:a16="http://schemas.microsoft.com/office/drawing/2014/main" id="{CFF05F48-2E3F-4432-B753-E4AE6F9188C9}"/>
+                  </a:ext>
+                </a:extLst>
+              </p14:cNvPr>
+              <p14:cNvContentPartPr/>
+              <p14:nvPr/>
+            </p14:nvContentPartPr>
+            <p14:xfrm>
+              <a:off x="884988" y="6794359"/>
+              <a:ext cx="360" cy="360"/>
+            </p14:xfrm>
+          </p:contentPart>
+        </mc:Choice>
+        <mc:Fallback>
+          <p:pic>
+            <p:nvPicPr>
+              <p:cNvPr id="79" name="Ink 78">
+                <a:extLst>
+                  <a:ext uri="{FF2B5EF4-FFF2-40B4-BE49-F238E27FC236}">
+                    <a16:creationId xmlns:a16="http://schemas.microsoft.com/office/drawing/2014/main" id="{CFF05F48-2E3F-4432-B753-E4AE6F9188C9}"/>
+                  </a:ext>
+                </a:extLst>
+              </p:cNvPr>
+              <p:cNvPicPr/>
+              <p:nvPr/>
+            </p:nvPicPr>
+            <p:blipFill>
+              <a:blip r:embed="rId37"/>
+              <a:stretch>
+                <a:fillRect/>
+              </a:stretch>
+            </p:blipFill>
+            <p:spPr>
+              <a:xfrm>
+                <a:off x="831348" y="6686359"/>
+                <a:ext cx="108000" cy="216000"/>
+              </a:xfrm>
+              <a:prstGeom prst="rect">
+                <a:avLst/>
+              </a:prstGeom>
+            </p:spPr>
+          </p:pic>
+        </mc:Fallback>
+      </mc:AlternateContent>
+      <mc:AlternateContent xmlns:mc="http://schemas.openxmlformats.org/markup-compatibility/2006">
+        <mc:Choice xmlns:p14="http://schemas.microsoft.com/office/powerpoint/2010/main" Requires="p14">
+          <p:contentPart p14:bwMode="auto" r:id="rId38">
+            <p14:nvContentPartPr>
+              <p14:cNvPr id="80" name="Ink 79">
+                <a:extLst>
+                  <a:ext uri="{FF2B5EF4-FFF2-40B4-BE49-F238E27FC236}">
+                    <a16:creationId xmlns:a16="http://schemas.microsoft.com/office/drawing/2014/main" id="{DCFC3BA4-B3ED-4C44-A105-13FAC8288B41}"/>
+                  </a:ext>
+                </a:extLst>
+              </p14:cNvPr>
+              <p14:cNvContentPartPr/>
+              <p14:nvPr/>
+            </p14:nvContentPartPr>
+            <p14:xfrm>
+              <a:off x="884988" y="6794359"/>
+              <a:ext cx="360" cy="360"/>
+            </p14:xfrm>
+          </p:contentPart>
+        </mc:Choice>
+        <mc:Fallback>
+          <p:pic>
+            <p:nvPicPr>
+              <p:cNvPr id="80" name="Ink 79">
+                <a:extLst>
+                  <a:ext uri="{FF2B5EF4-FFF2-40B4-BE49-F238E27FC236}">
+                    <a16:creationId xmlns:a16="http://schemas.microsoft.com/office/drawing/2014/main" id="{DCFC3BA4-B3ED-4C44-A105-13FAC8288B41}"/>
+                  </a:ext>
+                </a:extLst>
+              </p:cNvPr>
+              <p:cNvPicPr/>
+              <p:nvPr/>
+            </p:nvPicPr>
+            <p:blipFill>
+              <a:blip r:embed="rId37"/>
+              <a:stretch>
+                <a:fillRect/>
+              </a:stretch>
+            </p:blipFill>
+            <p:spPr>
+              <a:xfrm>
+                <a:off x="831348" y="6686359"/>
+                <a:ext cx="108000" cy="216000"/>
+              </a:xfrm>
+              <a:prstGeom prst="rect">
+                <a:avLst/>
+              </a:prstGeom>
+            </p:spPr>
+          </p:pic>
+        </mc:Fallback>
+      </mc:AlternateContent>
+      <mc:AlternateContent xmlns:mc="http://schemas.openxmlformats.org/markup-compatibility/2006">
+        <mc:Choice xmlns:p14="http://schemas.microsoft.com/office/powerpoint/2010/main" Requires="p14">
+          <p:contentPart p14:bwMode="auto" r:id="rId39">
+            <p14:nvContentPartPr>
+              <p14:cNvPr id="81" name="Ink 80">
+                <a:extLst>
+                  <a:ext uri="{FF2B5EF4-FFF2-40B4-BE49-F238E27FC236}">
+                    <a16:creationId xmlns:a16="http://schemas.microsoft.com/office/drawing/2014/main" id="{B0340479-D311-4F8D-80DA-D70B78C705F8}"/>
+                  </a:ext>
+                </a:extLst>
+              </p14:cNvPr>
+              <p14:cNvContentPartPr/>
+              <p14:nvPr/>
+            </p14:nvContentPartPr>
+            <p14:xfrm>
+              <a:off x="819468" y="6840799"/>
+              <a:ext cx="360" cy="360"/>
+            </p14:xfrm>
+          </p:contentPart>
+        </mc:Choice>
+        <mc:Fallback>
+          <p:pic>
+            <p:nvPicPr>
+              <p:cNvPr id="81" name="Ink 80">
+                <a:extLst>
+                  <a:ext uri="{FF2B5EF4-FFF2-40B4-BE49-F238E27FC236}">
+                    <a16:creationId xmlns:a16="http://schemas.microsoft.com/office/drawing/2014/main" id="{B0340479-D311-4F8D-80DA-D70B78C705F8}"/>
+                  </a:ext>
+                </a:extLst>
+              </p:cNvPr>
+              <p:cNvPicPr/>
+              <p:nvPr/>
+            </p:nvPicPr>
+            <p:blipFill>
+              <a:blip r:embed="rId37"/>
+              <a:stretch>
+                <a:fillRect/>
+              </a:stretch>
+            </p:blipFill>
+            <p:spPr>
+              <a:xfrm>
+                <a:off x="765828" y="6733159"/>
+                <a:ext cx="108000" cy="216000"/>
+              </a:xfrm>
+              <a:prstGeom prst="rect">
+                <a:avLst/>
+              </a:prstGeom>
+            </p:spPr>
+          </p:pic>
+        </mc:Fallback>
+      </mc:AlternateContent>
+      <mc:AlternateContent xmlns:mc="http://schemas.openxmlformats.org/markup-compatibility/2006">
+        <mc:Choice xmlns:p14="http://schemas.microsoft.com/office/powerpoint/2010/main" Requires="p14">
+          <p:contentPart p14:bwMode="auto" r:id="rId40">
+            <p14:nvContentPartPr>
+              <p14:cNvPr id="82" name="Ink 81">
+                <a:extLst>
+                  <a:ext uri="{FF2B5EF4-FFF2-40B4-BE49-F238E27FC236}">
+                    <a16:creationId xmlns:a16="http://schemas.microsoft.com/office/drawing/2014/main" id="{D2B704D8-C92D-473A-832E-FF7DD0482F9A}"/>
+                  </a:ext>
+                </a:extLst>
+              </p14:cNvPr>
+              <p14:cNvContentPartPr/>
+              <p14:nvPr/>
+            </p14:nvContentPartPr>
+            <p14:xfrm>
+              <a:off x="819468" y="6840799"/>
+              <a:ext cx="360" cy="360"/>
+            </p14:xfrm>
+          </p:contentPart>
+        </mc:Choice>
+        <mc:Fallback>
+          <p:pic>
+            <p:nvPicPr>
+              <p:cNvPr id="82" name="Ink 81">
+                <a:extLst>
+                  <a:ext uri="{FF2B5EF4-FFF2-40B4-BE49-F238E27FC236}">
+                    <a16:creationId xmlns:a16="http://schemas.microsoft.com/office/drawing/2014/main" id="{D2B704D8-C92D-473A-832E-FF7DD0482F9A}"/>
+                  </a:ext>
+                </a:extLst>
+              </p:cNvPr>
+              <p:cNvPicPr/>
+              <p:nvPr/>
+            </p:nvPicPr>
+            <p:blipFill>
+              <a:blip r:embed="rId37"/>
+              <a:stretch>
+                <a:fillRect/>
+              </a:stretch>
+            </p:blipFill>
+            <p:spPr>
+              <a:xfrm>
+                <a:off x="765828" y="6733159"/>
+                <a:ext cx="108000" cy="216000"/>
+              </a:xfrm>
+              <a:prstGeom prst="rect">
+                <a:avLst/>
+              </a:prstGeom>
+            </p:spPr>
+          </p:pic>
+        </mc:Fallback>
+      </mc:AlternateContent>
+      <mc:AlternateContent xmlns:mc="http://schemas.openxmlformats.org/markup-compatibility/2006">
+        <mc:Choice xmlns:p14="http://schemas.microsoft.com/office/powerpoint/2010/main" Requires="p14">
+          <p:contentPart p14:bwMode="auto" r:id="rId41">
+            <p14:nvContentPartPr>
+              <p14:cNvPr id="59" name="Ink 58">
+                <a:extLst>
+                  <a:ext uri="{FF2B5EF4-FFF2-40B4-BE49-F238E27FC236}">
+                    <a16:creationId xmlns:a16="http://schemas.microsoft.com/office/drawing/2014/main" id="{AE258A44-885E-4CB0-B637-C6E5B53C3494}"/>
+                  </a:ext>
+                </a:extLst>
+              </p14:cNvPr>
+              <p14:cNvContentPartPr/>
+              <p14:nvPr/>
+            </p14:nvContentPartPr>
+            <p14:xfrm>
+              <a:off x="1771288" y="4561398"/>
+              <a:ext cx="543960" cy="309600"/>
+            </p14:xfrm>
+          </p:contentPart>
+        </mc:Choice>
+        <mc:Fallback>
+          <p:pic>
+            <p:nvPicPr>
+              <p:cNvPr id="59" name="Ink 58">
+                <a:extLst>
+                  <a:ext uri="{FF2B5EF4-FFF2-40B4-BE49-F238E27FC236}">
+                    <a16:creationId xmlns:a16="http://schemas.microsoft.com/office/drawing/2014/main" id="{AE258A44-885E-4CB0-B637-C6E5B53C3494}"/>
+                  </a:ext>
+                </a:extLst>
+              </p:cNvPr>
+              <p:cNvPicPr/>
+              <p:nvPr/>
+            </p:nvPicPr>
+            <p:blipFill>
+              <a:blip r:embed="rId42"/>
+              <a:stretch>
+                <a:fillRect/>
+              </a:stretch>
+            </p:blipFill>
+            <p:spPr>
+              <a:xfrm>
+                <a:off x="1717648" y="4453758"/>
+                <a:ext cx="651600" cy="525240"/>
+              </a:xfrm>
+              <a:prstGeom prst="rect">
+                <a:avLst/>
+              </a:prstGeom>
+            </p:spPr>
+          </p:pic>
+        </mc:Fallback>
+      </mc:AlternateContent>
+      <p:sp>
+        <p:nvSpPr>
+          <p:cNvPr id="63" name="Rectangle 62">
+            <a:extLst>
+              <a:ext uri="{FF2B5EF4-FFF2-40B4-BE49-F238E27FC236}">
+                <a16:creationId xmlns:a16="http://schemas.microsoft.com/office/drawing/2014/main" id="{CD46E84C-5F6F-4274-BFE9-C1F45DB04C6C}"/>
+              </a:ext>
+            </a:extLst>
+          </p:cNvPr>
+          <p:cNvSpPr/>
+          <p:nvPr/>
+        </p:nvSpPr>
+        <p:spPr>
+          <a:xfrm>
+            <a:off x="4696780" y="4482417"/>
+            <a:ext cx="1064203" cy="685800"/>
+          </a:xfrm>
+          <a:prstGeom prst="rect">
+            <a:avLst/>
+          </a:prstGeom>
+          <a:solidFill>
+            <a:schemeClr val="bg1"/>
+          </a:solidFill>
+          <a:ln>
+            <a:solidFill>
+              <a:schemeClr val="tx1"/>
+            </a:solidFill>
+          </a:ln>
+        </p:spPr>
+        <p:style>
+          <a:lnRef idx="2">
+            <a:schemeClr val="accent1">
+              <a:shade val="50000"/>
+            </a:schemeClr>
+          </a:lnRef>
+          <a:fillRef idx="1">
+            <a:schemeClr val="accent1"/>
+          </a:fillRef>
+          <a:effectRef idx="0">
+            <a:schemeClr val="accent1"/>
+          </a:effectRef>
+          <a:fontRef idx="minor">
+            <a:schemeClr val="lt1"/>
+          </a:fontRef>
+        </p:style>
+        <p:txBody>
+          <a:bodyPr rtlCol="0" anchor="ctr"/>
+          <a:lstStyle/>
+          <a:p>
+            <a:pPr algn="ctr"/>
+            <a:r>
+              <a:rPr lang="en-US" sz="1050" dirty="0">
+                <a:solidFill>
+                  <a:schemeClr val="tx1"/>
+                </a:solidFill>
+              </a:rPr>
+              <a:t>Microsoft Cloud App Security</a:t>
+            </a:r>
+          </a:p>
+          <a:p>
+            <a:pPr algn="ctr"/>
+            <a:r>
+              <a:rPr lang="en-US" sz="1050" b="1" dirty="0">
+                <a:solidFill>
+                  <a:schemeClr val="tx1"/>
+                </a:solidFill>
+              </a:rPr>
+              <a:t>(MCAS)</a:t>
+            </a:r>
+          </a:p>
+          <a:p>
+            <a:pPr algn="ctr"/>
+            <a:r>
+              <a:rPr lang="en-US" sz="1050" b="1" dirty="0">
+                <a:solidFill>
+                  <a:schemeClr val="tx1"/>
+                </a:solidFill>
+              </a:rPr>
+              <a:t>(CASB)</a:t>
+            </a:r>
+          </a:p>
+        </p:txBody>
+      </p:sp>
+      <mc:AlternateContent xmlns:mc="http://schemas.openxmlformats.org/markup-compatibility/2006">
+        <mc:Choice xmlns:p14="http://schemas.microsoft.com/office/powerpoint/2010/main" Requires="p14">
+          <p:contentPart p14:bwMode="auto" r:id="rId43">
+            <p14:nvContentPartPr>
+              <p14:cNvPr id="64" name="Ink 63">
+                <a:extLst>
+                  <a:ext uri="{FF2B5EF4-FFF2-40B4-BE49-F238E27FC236}">
+                    <a16:creationId xmlns:a16="http://schemas.microsoft.com/office/drawing/2014/main" id="{3E63F643-2D53-40CF-9A9F-988B572E0D09}"/>
+                  </a:ext>
+                </a:extLst>
+              </p14:cNvPr>
+              <p14:cNvContentPartPr/>
+              <p14:nvPr/>
+            </p14:nvContentPartPr>
+            <p14:xfrm>
+              <a:off x="3019517" y="5150239"/>
+              <a:ext cx="927251" cy="593383"/>
+            </p14:xfrm>
+          </p:contentPart>
+        </mc:Choice>
+        <mc:Fallback>
+          <p:pic>
+            <p:nvPicPr>
+              <p:cNvPr id="64" name="Ink 63">
+                <a:extLst>
+                  <a:ext uri="{FF2B5EF4-FFF2-40B4-BE49-F238E27FC236}">
+                    <a16:creationId xmlns:a16="http://schemas.microsoft.com/office/drawing/2014/main" id="{3E63F643-2D53-40CF-9A9F-988B572E0D09}"/>
+                  </a:ext>
+                </a:extLst>
+              </p:cNvPr>
+              <p:cNvPicPr/>
+              <p:nvPr/>
+            </p:nvPicPr>
+            <p:blipFill>
+              <a:blip r:embed="rId44"/>
+              <a:stretch>
+                <a:fillRect/>
+              </a:stretch>
+            </p:blipFill>
+            <p:spPr>
+              <a:xfrm>
+                <a:off x="2965523" y="5042220"/>
+                <a:ext cx="1034878" cy="809060"/>
+              </a:xfrm>
+              <a:prstGeom prst="rect">
+                <a:avLst/>
+              </a:prstGeom>
+            </p:spPr>
+          </p:pic>
+        </mc:Fallback>
+      </mc:AlternateContent>
+      <mc:AlternateContent xmlns:mc="http://schemas.openxmlformats.org/markup-compatibility/2006">
+        <mc:Choice xmlns:p14="http://schemas.microsoft.com/office/powerpoint/2010/main" Requires="p14">
+          <p:contentPart p14:bwMode="auto" r:id="rId45">
+            <p14:nvContentPartPr>
+              <p14:cNvPr id="65" name="Ink 64">
+                <a:extLst>
+                  <a:ext uri="{FF2B5EF4-FFF2-40B4-BE49-F238E27FC236}">
+                    <a16:creationId xmlns:a16="http://schemas.microsoft.com/office/drawing/2014/main" id="{EEB25EE7-08E7-4FAA-ACFF-520FDE5879D6}"/>
+                  </a:ext>
+                </a:extLst>
+              </p14:cNvPr>
+              <p14:cNvContentPartPr/>
+              <p14:nvPr/>
+            </p14:nvContentPartPr>
+            <p14:xfrm>
+              <a:off x="4739128" y="4563918"/>
+              <a:ext cx="923760" cy="504000"/>
+            </p14:xfrm>
+          </p:contentPart>
+        </mc:Choice>
+        <mc:Fallback>
+          <p:pic>
+            <p:nvPicPr>
+              <p:cNvPr id="65" name="Ink 64">
+                <a:extLst>
+                  <a:ext uri="{FF2B5EF4-FFF2-40B4-BE49-F238E27FC236}">
+                    <a16:creationId xmlns:a16="http://schemas.microsoft.com/office/drawing/2014/main" id="{EEB25EE7-08E7-4FAA-ACFF-520FDE5879D6}"/>
+                  </a:ext>
+                </a:extLst>
+              </p:cNvPr>
+              <p:cNvPicPr/>
+              <p:nvPr/>
+            </p:nvPicPr>
+            <p:blipFill>
+              <a:blip r:embed="rId46"/>
+              <a:stretch>
+                <a:fillRect/>
+              </a:stretch>
+            </p:blipFill>
+            <p:spPr>
+              <a:xfrm>
+                <a:off x="4685128" y="4455918"/>
+                <a:ext cx="1031400" cy="719640"/>
+              </a:xfrm>
+              <a:prstGeom prst="rect">
+                <a:avLst/>
+              </a:prstGeom>
+            </p:spPr>
+          </p:pic>
+        </mc:Fallback>
+      </mc:AlternateContent>
+      <mc:AlternateContent xmlns:mc="http://schemas.openxmlformats.org/markup-compatibility/2006">
+        <mc:Choice xmlns:p14="http://schemas.microsoft.com/office/powerpoint/2010/main" Requires="p14">
+          <p:contentPart p14:bwMode="auto" r:id="rId47">
+            <p14:nvContentPartPr>
+              <p14:cNvPr id="67" name="Ink 66">
+                <a:extLst>
+                  <a:ext uri="{FF2B5EF4-FFF2-40B4-BE49-F238E27FC236}">
+                    <a16:creationId xmlns:a16="http://schemas.microsoft.com/office/drawing/2014/main" id="{19080763-6F53-46E8-9C63-71A4A6FEFBD3}"/>
+                  </a:ext>
+                </a:extLst>
+              </p14:cNvPr>
+              <p14:cNvContentPartPr/>
+              <p14:nvPr/>
+            </p14:nvContentPartPr>
+            <p14:xfrm>
+              <a:off x="3105088" y="5960718"/>
+              <a:ext cx="703080" cy="610200"/>
+            </p14:xfrm>
+          </p:contentPart>
+        </mc:Choice>
+        <mc:Fallback>
+          <p:pic>
+            <p:nvPicPr>
+              <p:cNvPr id="67" name="Ink 66">
+                <a:extLst>
+                  <a:ext uri="{FF2B5EF4-FFF2-40B4-BE49-F238E27FC236}">
+                    <a16:creationId xmlns:a16="http://schemas.microsoft.com/office/drawing/2014/main" id="{19080763-6F53-46E8-9C63-71A4A6FEFBD3}"/>
+                  </a:ext>
+                </a:extLst>
+              </p:cNvPr>
+              <p:cNvPicPr/>
+              <p:nvPr/>
+            </p:nvPicPr>
+            <p:blipFill>
+              <a:blip r:embed="rId48"/>
+              <a:stretch>
+                <a:fillRect/>
+              </a:stretch>
+            </p:blipFill>
+            <p:spPr>
+              <a:xfrm>
+                <a:off x="3051088" y="5852718"/>
+                <a:ext cx="810720" cy="825840"/>
+              </a:xfrm>
+              <a:prstGeom prst="rect">
+                <a:avLst/>
+              </a:prstGeom>
+            </p:spPr>
+          </p:pic>
+        </mc:Fallback>
+      </mc:AlternateContent>
+      <p:sp>
+        <p:nvSpPr>
+          <p:cNvPr id="32" name="Rectangle 31">
+            <a:extLst>
+              <a:ext uri="{FF2B5EF4-FFF2-40B4-BE49-F238E27FC236}">
+                <a16:creationId xmlns:a16="http://schemas.microsoft.com/office/drawing/2014/main" id="{B5D7ADD2-A368-4722-A94E-5BCAE091D9C0}"/>
+              </a:ext>
+            </a:extLst>
+          </p:cNvPr>
+          <p:cNvSpPr/>
+          <p:nvPr/>
+        </p:nvSpPr>
+        <p:spPr>
+          <a:xfrm>
+            <a:off x="9194747" y="3600216"/>
+            <a:ext cx="1064203" cy="502613"/>
+          </a:xfrm>
+          <a:prstGeom prst="rect">
+            <a:avLst/>
+          </a:prstGeom>
+          <a:solidFill>
+            <a:schemeClr val="bg1"/>
+          </a:solidFill>
+          <a:ln>
+            <a:solidFill>
+              <a:schemeClr val="tx1"/>
+            </a:solidFill>
+          </a:ln>
+        </p:spPr>
+        <p:style>
+          <a:lnRef idx="2">
+            <a:schemeClr val="accent1">
+              <a:shade val="50000"/>
+            </a:schemeClr>
+          </a:lnRef>
+          <a:fillRef idx="1">
+            <a:schemeClr val="accent1"/>
+          </a:fillRef>
+          <a:effectRef idx="0">
+            <a:schemeClr val="accent1"/>
+          </a:effectRef>
+          <a:fontRef idx="minor">
+            <a:schemeClr val="lt1"/>
+          </a:fontRef>
+        </p:style>
+        <p:txBody>
+          <a:bodyPr rtlCol="0" anchor="ctr"/>
+          <a:lstStyle/>
+          <a:p>
+            <a:pPr algn="ctr"/>
+            <a:r>
+              <a:rPr lang="en-US" sz="1050" dirty="0">
+                <a:solidFill>
+                  <a:schemeClr val="tx1"/>
+                </a:solidFill>
+              </a:rPr>
+              <a:t>Amazon Web Services</a:t>
+            </a:r>
+          </a:p>
+        </p:txBody>
+      </p:sp>
+      <p:sp>
+        <p:nvSpPr>
+          <p:cNvPr id="72" name="Rectangle 71">
+            <a:extLst>
+              <a:ext uri="{FF2B5EF4-FFF2-40B4-BE49-F238E27FC236}">
+                <a16:creationId xmlns:a16="http://schemas.microsoft.com/office/drawing/2014/main" id="{6D2E9172-E431-4651-8A53-62EECF32819A}"/>
+              </a:ext>
+            </a:extLst>
+          </p:cNvPr>
+          <p:cNvSpPr/>
+          <p:nvPr/>
+        </p:nvSpPr>
+        <p:spPr>
+          <a:xfrm>
+            <a:off x="7907976" y="3602083"/>
+            <a:ext cx="643813" cy="685800"/>
+          </a:xfrm>
+          <a:prstGeom prst="rect">
+            <a:avLst/>
+          </a:prstGeom>
+          <a:noFill/>
+        </p:spPr>
+        <p:style>
+          <a:lnRef idx="2">
+            <a:schemeClr val="accent1">
+              <a:shade val="50000"/>
+            </a:schemeClr>
+          </a:lnRef>
+          <a:fillRef idx="1">
+            <a:schemeClr val="accent1"/>
+          </a:fillRef>
+          <a:effectRef idx="0">
+            <a:schemeClr val="accent1"/>
+          </a:effectRef>
+          <a:fontRef idx="minor">
+            <a:schemeClr val="lt1"/>
+          </a:fontRef>
+        </p:style>
+        <p:txBody>
+          <a:bodyPr rtlCol="0" anchor="ctr"/>
+          <a:lstStyle/>
+          <a:p>
+            <a:pPr algn="ctr"/>
+            <a:r>
+              <a:rPr lang="en-US" sz="1200" dirty="0" err="1">
+                <a:solidFill>
+                  <a:schemeClr val="tx1"/>
+                </a:solidFill>
+              </a:rPr>
+              <a:t>SignIns</a:t>
+            </a:r>
+            <a:endParaRPr lang="en-US" sz="1200" dirty="0">
+              <a:solidFill>
+                <a:schemeClr val="tx1"/>
+              </a:solidFill>
+            </a:endParaRPr>
+          </a:p>
+          <a:p>
+            <a:pPr algn="ctr"/>
+            <a:r>
+              <a:rPr lang="en-US" sz="1200" dirty="0">
+                <a:solidFill>
+                  <a:schemeClr val="tx1"/>
+                </a:solidFill>
+              </a:rPr>
+              <a:t>Audits</a:t>
+            </a:r>
+          </a:p>
+        </p:txBody>
+      </p:sp>
+      <p:sp>
+        <p:nvSpPr>
+          <p:cNvPr id="70" name="Rectangle 69">
+            <a:extLst>
+              <a:ext uri="{FF2B5EF4-FFF2-40B4-BE49-F238E27FC236}">
+                <a16:creationId xmlns:a16="http://schemas.microsoft.com/office/drawing/2014/main" id="{0EC42D6F-AC07-4B76-8112-4D2264BAB481}"/>
+              </a:ext>
+            </a:extLst>
+          </p:cNvPr>
+          <p:cNvSpPr/>
+          <p:nvPr/>
+        </p:nvSpPr>
+        <p:spPr>
+          <a:xfrm>
+            <a:off x="7903670" y="2743200"/>
+            <a:ext cx="643813" cy="685800"/>
+          </a:xfrm>
+          <a:prstGeom prst="rect">
+            <a:avLst/>
+          </a:prstGeom>
+          <a:noFill/>
+        </p:spPr>
+        <p:style>
+          <a:lnRef idx="2">
+            <a:schemeClr val="accent1">
+              <a:shade val="50000"/>
+            </a:schemeClr>
+          </a:lnRef>
+          <a:fillRef idx="1">
+            <a:schemeClr val="accent1"/>
+          </a:fillRef>
+          <a:effectRef idx="0">
+            <a:schemeClr val="accent1"/>
+          </a:effectRef>
+          <a:fontRef idx="minor">
+            <a:schemeClr val="lt1"/>
+          </a:fontRef>
+        </p:style>
+        <p:txBody>
+          <a:bodyPr rtlCol="0" anchor="ctr"/>
+          <a:lstStyle/>
+          <a:p>
+            <a:pPr algn="ctr"/>
+            <a:r>
+              <a:rPr lang="en-US" sz="1600" dirty="0">
+                <a:solidFill>
+                  <a:schemeClr val="tx1"/>
+                </a:solidFill>
+              </a:rPr>
+              <a:t>AAD</a:t>
+            </a:r>
+          </a:p>
+        </p:txBody>
+      </p:sp>
+      <p:sp>
+        <p:nvSpPr>
+          <p:cNvPr id="95" name="Rectangle 94">
+            <a:extLst>
+              <a:ext uri="{FF2B5EF4-FFF2-40B4-BE49-F238E27FC236}">
+                <a16:creationId xmlns:a16="http://schemas.microsoft.com/office/drawing/2014/main" id="{34CCFD83-1E35-45A5-AD50-432D508EDBD3}"/>
+              </a:ext>
+            </a:extLst>
+          </p:cNvPr>
+          <p:cNvSpPr/>
+          <p:nvPr/>
+        </p:nvSpPr>
+        <p:spPr>
+          <a:xfrm>
+            <a:off x="9166890" y="5960718"/>
+            <a:ext cx="1064203" cy="502613"/>
+          </a:xfrm>
+          <a:prstGeom prst="rect">
+            <a:avLst/>
+          </a:prstGeom>
+          <a:solidFill>
+            <a:schemeClr val="bg1"/>
+          </a:solidFill>
+          <a:ln>
+            <a:solidFill>
+              <a:schemeClr val="tx1"/>
+            </a:solidFill>
+          </a:ln>
+        </p:spPr>
+        <p:style>
+          <a:lnRef idx="2">
+            <a:schemeClr val="accent1">
+              <a:shade val="50000"/>
+            </a:schemeClr>
+          </a:lnRef>
+          <a:fillRef idx="1">
+            <a:schemeClr val="accent1"/>
+          </a:fillRef>
+          <a:effectRef idx="0">
+            <a:schemeClr val="accent1"/>
+          </a:effectRef>
+          <a:fontRef idx="minor">
+            <a:schemeClr val="lt1"/>
+          </a:fontRef>
+        </p:style>
+        <p:txBody>
+          <a:bodyPr rtlCol="0" anchor="ctr"/>
+          <a:lstStyle/>
+          <a:p>
+            <a:pPr algn="ctr"/>
+            <a:r>
+              <a:rPr lang="en-US" sz="1050" dirty="0">
+                <a:solidFill>
+                  <a:schemeClr val="tx1"/>
+                </a:solidFill>
+              </a:rPr>
+              <a:t>Custom Logs _CL</a:t>
             </a:r>
           </a:p>
         </p:txBody>
@@ -7802,6 +8879,24 @@
 </file>
 
 <file path=customXml/item1.xml><?xml version="1.0" encoding="utf-8"?>
+<p:properties xmlns:p="http://schemas.microsoft.com/office/2006/metadata/properties" xmlns:xsi="http://www.w3.org/2001/XMLSchema-instance" xmlns:pc="http://schemas.microsoft.com/office/infopath/2007/PartnerControls">
+  <documentManagement>
+    <_ip_UnifiedCompliancePolicyUIAction xmlns="http://schemas.microsoft.com/sharepoint/v3" xsi:nil="true"/>
+    <_ip_UnifiedCompliancePolicyProperties xmlns="http://schemas.microsoft.com/sharepoint/v3" xsi:nil="true"/>
+  </documentManagement>
+</p:properties>
+</file>
+
+<file path=customXml/item2.xml><?xml version="1.0" encoding="utf-8"?>
+<?mso-contentType ?>
+<FormTemplates xmlns="http://schemas.microsoft.com/sharepoint/v3/contenttype/forms">
+  <Display>DocumentLibraryForm</Display>
+  <Edit>DocumentLibraryForm</Edit>
+  <New>DocumentLibraryForm</New>
+</FormTemplates>
+</file>
+
+<file path=customXml/item3.xml><?xml version="1.0" encoding="utf-8"?>
 <ct:contentTypeSchema xmlns:ct="http://schemas.microsoft.com/office/2006/metadata/contentType" xmlns:ma="http://schemas.microsoft.com/office/2006/metadata/properties/metaAttributes" ct:_="" ma:_="" ma:contentTypeName="Document" ma:contentTypeID="0x0101002DF6899468086341B63EEBAF8D6470C9" ma:contentTypeVersion="17" ma:contentTypeDescription="Create a new document." ma:contentTypeScope="" ma:versionID="0b4800ffb73ef30d85678127449dc1d7">
   <xsd:schema xmlns:xsd="http://www.w3.org/2001/XMLSchema" xmlns:xs="http://www.w3.org/2001/XMLSchema" xmlns:p="http://schemas.microsoft.com/office/2006/metadata/properties" xmlns:ns1="http://schemas.microsoft.com/sharepoint/v3" xmlns:ns3="40fc1527-342e-4db1-aae8-1b9926eec29d" xmlns:ns4="dae3f8b2-4587-4545-94b8-d8853f576157" targetNamespace="http://schemas.microsoft.com/office/2006/metadata/properties" ma:root="true" ma:fieldsID="2e29e10118874781b2dea35c2e9a6ae3" ns1:_="" ns3:_="" ns4:_="">
     <xsd:import namespace="http://schemas.microsoft.com/sharepoint/v3"/>
@@ -8055,25 +9150,33 @@
 </ct:contentTypeSchema>
 </file>
 
-<file path=customXml/item2.xml><?xml version="1.0" encoding="utf-8"?>
-<?mso-contentType ?>
-<FormTemplates xmlns="http://schemas.microsoft.com/sharepoint/v3/contenttype/forms">
-  <Display>DocumentLibraryForm</Display>
-  <Edit>DocumentLibraryForm</Edit>
-  <New>DocumentLibraryForm</New>
-</FormTemplates>
+<file path=customXml/itemProps1.xml><?xml version="1.0" encoding="utf-8"?>
+<ds:datastoreItem xmlns:ds="http://schemas.openxmlformats.org/officeDocument/2006/customXml" ds:itemID="{A9DA2F30-E5DA-4923-87DC-53FC1D4515BB}">
+  <ds:schemaRefs>
+    <ds:schemaRef ds:uri="http://purl.org/dc/elements/1.1/"/>
+    <ds:schemaRef ds:uri="http://schemas.microsoft.com/office/2006/documentManagement/types"/>
+    <ds:schemaRef ds:uri="http://purl.org/dc/dcmitype/"/>
+    <ds:schemaRef ds:uri="40fc1527-342e-4db1-aae8-1b9926eec29d"/>
+    <ds:schemaRef ds:uri="dae3f8b2-4587-4545-94b8-d8853f576157"/>
+    <ds:schemaRef ds:uri="http://schemas.microsoft.com/office/2006/metadata/properties"/>
+    <ds:schemaRef ds:uri="http://schemas.microsoft.com/office/infopath/2007/PartnerControls"/>
+    <ds:schemaRef ds:uri="http://www.w3.org/XML/1998/namespace"/>
+    <ds:schemaRef ds:uri="http://schemas.openxmlformats.org/package/2006/metadata/core-properties"/>
+    <ds:schemaRef ds:uri="http://schemas.microsoft.com/sharepoint/v3"/>
+    <ds:schemaRef ds:uri="http://purl.org/dc/terms/"/>
+  </ds:schemaRefs>
+</ds:datastoreItem>
 </file>
 
-<file path=customXml/item3.xml><?xml version="1.0" encoding="utf-8"?>
-<p:properties xmlns:p="http://schemas.microsoft.com/office/2006/metadata/properties" xmlns:xsi="http://www.w3.org/2001/XMLSchema-instance" xmlns:pc="http://schemas.microsoft.com/office/infopath/2007/PartnerControls">
-  <documentManagement>
-    <_ip_UnifiedCompliancePolicyUIAction xmlns="http://schemas.microsoft.com/sharepoint/v3" xsi:nil="true"/>
-    <_ip_UnifiedCompliancePolicyProperties xmlns="http://schemas.microsoft.com/sharepoint/v3" xsi:nil="true"/>
-  </documentManagement>
-</p:properties>
+<file path=customXml/itemProps2.xml><?xml version="1.0" encoding="utf-8"?>
+<ds:datastoreItem xmlns:ds="http://schemas.openxmlformats.org/officeDocument/2006/customXml" ds:itemID="{A1EAD24D-4EF8-400A-9468-E58E8CF9D895}">
+  <ds:schemaRefs>
+    <ds:schemaRef ds:uri="http://schemas.microsoft.com/sharepoint/v3/contenttype/forms"/>
+  </ds:schemaRefs>
+</ds:datastoreItem>
 </file>
 
-<file path=customXml/itemProps1.xml><?xml version="1.0" encoding="utf-8"?>
+<file path=customXml/itemProps3.xml><?xml version="1.0" encoding="utf-8"?>
 <ds:datastoreItem xmlns:ds="http://schemas.openxmlformats.org/officeDocument/2006/customXml" ds:itemID="{76C5C54B-5A73-4DBE-8E20-042434011441}">
   <ds:schemaRefs>
     <ds:schemaRef ds:uri="http://schemas.microsoft.com/office/2006/metadata/contentType"/>
@@ -8091,30 +9194,4 @@
     <ds:schemaRef ds:uri="http://schemas.microsoft.com/internal/obd"/>
   </ds:schemaRefs>
 </ds:datastoreItem>
-</file>
-
-<file path=customXml/itemProps2.xml><?xml version="1.0" encoding="utf-8"?>
-<ds:datastoreItem xmlns:ds="http://schemas.openxmlformats.org/officeDocument/2006/customXml" ds:itemID="{A1EAD24D-4EF8-400A-9468-E58E8CF9D895}">
-  <ds:schemaRefs>
-    <ds:schemaRef ds:uri="http://schemas.microsoft.com/sharepoint/v3/contenttype/forms"/>
-  </ds:schemaRefs>
-</ds:datastoreItem>
-</file>
-
-<file path=customXml/itemProps3.xml><?xml version="1.0" encoding="utf-8"?>
-<ds:datastoreItem xmlns:ds="http://schemas.openxmlformats.org/officeDocument/2006/customXml" ds:itemID="{A9DA2F30-E5DA-4923-87DC-53FC1D4515BB}">
-  <ds:schemaRefs>
-    <ds:schemaRef ds:uri="http://purl.org/dc/elements/1.1/"/>
-    <ds:schemaRef ds:uri="http://schemas.microsoft.com/office/2006/documentManagement/types"/>
-    <ds:schemaRef ds:uri="http://purl.org/dc/dcmitype/"/>
-    <ds:schemaRef ds:uri="40fc1527-342e-4db1-aae8-1b9926eec29d"/>
-    <ds:schemaRef ds:uri="dae3f8b2-4587-4545-94b8-d8853f576157"/>
-    <ds:schemaRef ds:uri="http://schemas.microsoft.com/office/2006/metadata/properties"/>
-    <ds:schemaRef ds:uri="http://schemas.microsoft.com/office/infopath/2007/PartnerControls"/>
-    <ds:schemaRef ds:uri="http://www.w3.org/XML/1998/namespace"/>
-    <ds:schemaRef ds:uri="http://schemas.openxmlformats.org/package/2006/metadata/core-properties"/>
-    <ds:schemaRef ds:uri="http://schemas.microsoft.com/sharepoint/v3"/>
-    <ds:schemaRef ds:uri="http://purl.org/dc/terms/"/>
-  </ds:schemaRefs>
-</ds:datastoreItem>
 </file>
--- a/MicrosoftSecurityPortalsandFree.pptx
+++ b/MicrosoftSecurityPortalsandFree.pptx
@@ -556,6 +556,35 @@
 </inkml:ink>
 </file>
 
+<file path=ppt/ink/ink23.xml><?xml version="1.0" encoding="utf-8"?>
+<inkml:ink xmlns:inkml="http://www.w3.org/2003/InkML">
+  <inkml:definitions>
+    <inkml:context xml:id="ctx0">
+      <inkml:inkSource xml:id="inkSrc0">
+        <inkml:traceFormat>
+          <inkml:channel name="X" type="integer" min="-2.14748E9" max="2.14748E9" units="cm"/>
+          <inkml:channel name="Y" type="integer" min="-2.14748E9" max="2.14748E9" units="cm"/>
+        </inkml:traceFormat>
+        <inkml:channelProperties>
+          <inkml:channelProperty channel="X" name="resolution" value="1000" units="1/cm"/>
+          <inkml:channelProperty channel="Y" name="resolution" value="1000" units="1/cm"/>
+        </inkml:channelProperties>
+      </inkml:inkSource>
+      <inkml:timestamp xml:id="ts0" timeString="2020-07-06T16:43:35.222"/>
+    </inkml:context>
+    <inkml:brush xml:id="br0">
+      <inkml:brushProperty name="width" value="0.3" units="cm"/>
+      <inkml:brushProperty name="height" value="0.6" units="cm"/>
+      <inkml:brushProperty name="color" value="#A9D8FF"/>
+      <inkml:brushProperty name="tip" value="rectangle"/>
+      <inkml:brushProperty name="rasterOp" value="maskPen"/>
+      <inkml:brushProperty name="ignorePressure" value="1"/>
+    </inkml:brush>
+  </inkml:definitions>
+  <inkml:trace contextRef="#ctx0" brushRef="#br0">2177 662,'-136'3,"-148"-7,268 3,0-1,0 0,0-2,1 0,-1-1,-22-10,30 12,1-2,0 1,0-1,0 0,1 0,-1-1,1 0,1 0,-1 0,1-1,0 0,0 0,1 0,-4-9,0-4,0 0,-11-42,17 55,1-1,0 0,0 1,0-1,1 0,1 0,-1 0,1 0,0 1,1-1,4-12,-5 18,1-1,0 0,0 1,0 0,0-1,0 1,0 0,1 0,-1 0,1 0,-1 1,1-1,0 1,0-1,0 1,0 0,0 0,0 0,0 1,0-1,0 1,5-1,11 0,0 1,31 3,-22-1,-4 1,0 2,0 1,0 1,-1 0,0 2,0 1,21 13,-23-13,0 0,-1 2,0 0,-1 1,0 0,-1 2,-1 0,22 25,-34-34,0 1,-1-1,1 1,-1 0,-1 0,0 0,0 0,0 0,0 1,-1 0,1 8,-3-11,0 1,0-1,0 0,-1 1,0-1,0 1,0-1,-1 0,1 1,-1-1,-1 0,1 0,-1-1,0 1,0 0,0-1,-6 7,-10 9,0-1,-2-1,0-1,-1-1,-1 0,0-2,-1-1,-34 14,28-17,0-1,0-1,-1-2,-55 4,-127-8,110-3,82-1,0 0,-42-10,11 1,27 5,0-1,0-1,1-1,0-1,-24-14,47 24,-1-1,1 1,0-1,0 1,0-1,0 1,0-1,0 0,0 1,0-1,0 0,0 0,1 0,-1 0,0 0,0 0,1 0,-1 0,1 0,-1 0,1 0,-1 0,0-2,2 2,-1 0,1 0,0 0,-1 1,1-1,0 0,-1 0,1 1,0-1,0 0,0 1,0-1,-1 1,1-1,0 1,0 0,0-1,0 1,0 0,2-1,60-7,-59 8,21 0,0 0,28 5,-46-4,-1 0,0 0,1 1,-1 0,0 0,0 0,0 1,0 0,-1 0,1 1,-1-1,0 1,9 8,-13-11,0 0,0 1,0-1,1 0,-1 0,0 0,0 1,-1-1,1 0,0 1,0-1,-1 1,1-1,-1 1,1-1,-1 1,0 0,1-1,-1 1,0-1,0 1,0 0,0-1,-1 1,1-1,0 1,-1 0,1-1,-1 1,1-1,-1 1,0-1,1 0,-1 1,0-1,0 0,0 1,0-1,0 0,-1 0,1 0,0 0,0 0,-1 0,1 0,-1-1,1 1,-3 1,-9 3,0 0,-1-1,1 0,-21 3,24-5,-4 1,-52 11,0-3,-135 6,174-17,-8 0,0-1,0-2,-52-10,-217-51,302 64,0 0,0-1,0 1,0-1,0 0,0 1,0-1,1 0,-1 0,0-1,0 1,1 0,-1 0,1-1,-1 1,1-1,-1 0,1 1,0-1,0 0,0 0,0 1,0-1,0 0,0 0,1 0,-1 0,1 0,-1 0,1 0,0-1,0 1,0 0,0-2,1-10,1 1,0-1,0 1,7-17,-5 13,9-51,-11 50,1 0,1 1,10-30,-12 41,1 1,-1 0,1 0,0 0,1 1,-1-1,1 1,0-1,0 1,0 1,0-1,1 1,0-1,0 1,10-5,5 1,0 1,0 1,1 1,0 0,31 0,27-5,-67 7,42-6,-52 8,1-1,-1 1,1 0,0 0,-1 0,1 1,0-1,-1 1,1-1,-1 1,1 0,-1 0,1 0,-1 0,4 3,-6-4,0 1,0-1,0 1,0-1,0 1,0-1,0 1,0-1,0 1,0-1,0 1,0-1,0 1,0-1,-1 1,1-1,0 0,0 1,-1-1,1 1,0-1,-1 0,1 1,0-1,-1 0,1 1,0-1,-1 0,1 0,-1 1,1-1,-1 0,1 0,-1 0,1 1,-1-1,-18 9,-4-2,-1-1,-1-2,1 0,0-2,-1 0,0-2,-35-4,-5 2,55 2,1 0,-1-1,0 0,1-1,-1 0,1 0,-1-1,-15-8,21 9,0 0,0 0,1-1,-1 0,1 0,0 0,0 0,0 0,0 0,0-1,1 0,-1 1,1-1,0 0,0 0,1 0,-1 0,1 0,0-1,0 1,-1-7,0-29,1 0,7-64,-5 100,-1 1,1-1,0 0,0 1,0-1,1 1,-1-1,1 1,0 0,0-1,0 1,0 0,1 0,-1 1,1-1,0 0,0 1,0 0,0 0,0-1,0 2,1-1,-1 0,0 1,1-1,0 1,-1 0,8-1,9-1,0 1,1 1,-1 1,25 2,-11 0,-20-2,1 1,-1 0,0 1,16 5,-27-7,-1 0,0 1,0-1,0 1,0-1,0 1,-1 0,1 0,0 0,0 0,0 0,-1 1,1-1,-1 0,1 1,-1-1,1 1,-1 0,0-1,0 1,0 0,0 0,0 0,0 0,0 0,-1 0,1 0,-1 0,1 0,-1 0,0 0,0 0,0 0,0 0,0 0,0 0,-1 0,1 0,-1 2,0-1,-1-1,1 0,-1 1,1-1,-1 0,0 0,0 0,0 0,0-1,0 1,0 0,0-1,-1 0,1 1,0-1,-1 0,1 0,-1 0,0-1,1 1,-1-1,0 1,-4-1,-73 2,64-3,-5 1,1 0,-1-1,1-2,0 0,0-1,0-1,0 0,-24-12,-8 2,46 14,1 0,-1 0,0 0,0-1,1 0,-1 0,1 0,0-1,-1 0,1 0,1 0,-1-1,0 1,1-1,-1 0,-3-6,7 9,1 0,-1 0,0 0,1 0,-1-1,1 1,-1 0,1-1,0 1,-1 0,1-1,0 1,0 0,0-1,0 1,0 0,1-1,-1 1,0 0,0-1,1 1,-1 0,1 0,0-1,0 0,1-1,0 0,1 0,-1 1,1-1,0 1,-1 0,1 0,0 0,6-3,1 1,0-1,0 2,1-1,-1 2,19-4,70-4,123-7,220 18,-428-1,0 1,0 0,0 1,0 0,0 1,-1 1,1 0,-1 1,16 8,-24-10,1 0,-1 1,1 0,-1 0,0 0,-1 0,1 1,-1 0,1 0,-2 0,1 0,0 0,-1 1,0 0,-1 0,1 0,-1 0,0 0,0 0,-1 1,2 12,-2-10,-1 1,1-1,-1 1,-1-1,0 1,0-1,-1 0,0 1,-1-1,0 0,0 0,-1-1,0 1,-1-1,1 1,-2-1,1-1,-1 1,0-1,-1 0,0 0,-9 7,-16 11,-1-1,-54 29,35-22,46-28,-1 1,1-1,-1 0,0-1,0 0,0 0,-8 1,14-3,-1 0,1 0,0 0,0 0,-1 0,1 0,0 0,0 0,0-1,-1 1,1 0,0-1,0 1,0-1,-1 1,1-1,0 0,0 1,-1-2,1 1,1-1,-1 1,1 0,-1-1,1 1,-1 0,1-1,0 1,0 0,0-1,0 1,0-1,0 1,0-1,0 1,1 0,-1-1,0 1,1 0,-1-1,2-1,7-16,1 1,0 0,1 0,1 2,1-1,0 1,1 1,1 1,30-24,-27 27,1 0,0 1,0 1,1 1,1 1,-1 0,36-5,0-2,-15 5,0 3,1 2,0 1,77 5,-36 0,-63-1,0 0,-1 2,1 0,-1 1,0 1,0 1,23 11,-28-12,-1 2,-1 0,1 1,-1 0,0 0,-1 2,0-1,0 1,-1 1,13 18,-10-6,-1 1,-2 0,0 1,6 27,-14-45,0 0,0 1,-1-1,0 1,0-1,-1 1,0-1,0 1,-1 0,0-1,0 1,-1-1,0 1,0-1,-6 14,5-16,-1-1,1 1,-1 0,1-1,-1 0,-1 1,1-2,0 1,-1 0,0-1,0 0,0 0,0-1,0 1,-1-1,1 0,-1 0,0-1,1 0,-1 0,-7 0,-3 1,0 0,0-2,0 0,-1-1,-20-4,34 5,-1-1,1 0,-1 0,1-1,-1 1,1-1,0 1,0-1,0 0,0 0,0 0,0-1,0 1,1-1,-1 0,1 1,0-1,0 0,0 0,0-1,0 1,1 0,-1 0,1-1,0 1,0-1,0 0,1 1,-1-5,-2-50,2-1,9-62,-7 109,1-1,1 0,0 1,1 0,1-1,0 2,0-1,11-16,6-6,36-41,-46 60,-6 9,-1 1,1 0,1 0,-1 0,0 1,1 0,0 0,0 0,1 1,-1 0,0 1,1 0,0 0,11-1,13-1,0 2,37 1,-61 1,4 1,-1 1,0 0,1 0,-1 1,0 1,0 0,-1 0,1 1,-1 0,0 1,0 0,-1 1,18 15,-1 3,0 1,-2 1,23 34,-22-35,-22-24,0 1,1 0,-1 1,-1-1,1 0,0 1,-1-1,4 7,-6-9,0 1,0-1,0 0,0 1,0-1,-1 0,1 1,0-1,0 0,-1 1,1-1,-1 0,1 0,-1 1,0-1,1 0,-1 0,0 0,0 0,0 0,0 0,0 0,0 0,0 0,0-1,0 1,0 0,-1-1,1 1,0-1,0 1,-3 0,-11 6,0 0,-1-2,0 1,1-2,-18 3,27-6,1 0,-1 0,0 0,1-1,-1 0,1 0,-1-1,0 0,1 0,-1 0,1 0,-1-1,1 0,0 0,0 0,-1-1,2 0,-6-3,9 6,1-1,-1 1,1 0,0 0,-1 0,1-1,0 1,-1 0,1 0,0-1,-1 1,1 0,0-1,-1 1,1 0,0-1,0 1,-1-1,1 1,0 0,0-1,0 1,0-1,0 1,0-1,0 1,0 0,-1-1,1 1,1-1,-1 1,0-1,0 1,0 0,0-1,0 1,0-1,0 1,1 0,-1-1,0 1,0-1,0 1,1 0,-1-1,0 1,1 0,-1-1,0 1,1-1,0 1,0 0,1-1,-1 1,0 0,0 0,0 0,0 0,0 0,0 0,0 0,1 0,-1 0,0 1,0-1,0 0,0 1,0-1,0 1,0-1,1 1,4 4,-1 0,1 0,-1 1,0-1,0 1,-1 0,0 0,0 1,-1-1,1 1,-1 0,-1 0,1 0,-1 0,0 0,-1 1,1 9,1 17,-2 0,-5 55,1-19,3-66,0 0,0 0,-1 1,1-1,-1 0,0 0,0 0,0 0,-1 0,1 0,-1-1,0 1,0 0,0-1,0 1,-1-1,0 0,-3 4,-3-1,1 0,-2 0,1-1,-1 0,-19 7,-18 5,22-8,1 0,-1 2,-31 19,55-30,0 1,0-1,0 1,0 0,0-1,0 1,0 0,0 0,0-1,0 1,1 0,-1 0,0 0,0 0,1 0,-1 0,1 0,-1 0,1 0,-1 1,1-1,0 0,-1 2,2-2,-1 0,1 0,0 0,-1 0,1 0,0 0,0-1,-1 1,1 0,0-1,0 1,0 0,0-1,0 1,0-1,0 0,0 1,0-1,0 0,1 1,62 6,-45-7,0-1,0 0,0-2,0 0,0-2,34-12,-43 13,1-1,-1 0,1 0,-2-1,1-1,-1 0,0 0,0-1,-1 0,0 0,0-1,10-15,89-125,-103 142,0-1,-1 0,1 0,-1 0,-1-1,0 1,0 0,0-1,0-16,-5-86,0 49,5 11,-1 36,0 1,0 0,-2-1,1 1,-2-1,-6-26,4 34,0-1,0 1,-1 0,0 0,0 1,-1 0,0-1,0 2,-9-8,-66-43,74 52,-11-5,-1 1,0 1,0 0,0 2,0 0,-35-3,-23 1,48 5,-53-10,36 5,1 2,-1 2,0 1,-48 6,-12-1,-758-3,849 1,0 0,0 2,1-1,-1 2,1 0,0 1,0 0,0 1,0 0,1 1,-13 10,-18 14,-67 63,108-91,-22 19,2 0,0 2,1 1,2 1,1 1,-23 41,37-61,1 0,-1 0,-1 0,1-1,-1 0,-10 9,-23 26,1 5,28-35,1 0,0 1,0 0,1 0,-9 19,15-26,1-1,-1 1,1-1,0 1,1-1,-1 1,1 0,0-1,0 1,0-1,1 1,0 0,-1-1,2 1,-1-1,0 0,1 1,0-1,0 0,0 0,6 7,20 36,-22-36,0 1,1-1,1 0,-1 0,2-1,0 0,0-1,14 12,12 5,-25-18,0 0,1-1,0 0,18 8,-8-7,1-1,0-1,0-1,1-1,34 2,118-7,-71-1,1257 2,-1341-2,0 0,0-1,21-6,16-2,98-16,-149 27,0-1,-1 0,1-1,-1 0,1 0,-1 0,0 0,10-7,-3-1</inkml:trace>
+</inkml:ink>
+</file>
+
 <file path=ppt/ink/ink3.xml><?xml version="1.0" encoding="utf-8"?>
 <inkml:ink xmlns:inkml="http://www.w3.org/2003/InkML">
   <inkml:definitions>
@@ -906,7 +935,7 @@
           <a:p>
             <a:fld id="{8E18073A-F511-46A2-A2F5-3206505032B3}" type="datetimeFigureOut">
               <a:rPr lang="en-US" smtClean="0"/>
-              <a:t>6/5/2020</a:t>
+              <a:t>7/6/2020</a:t>
             </a:fld>
             <a:endParaRPr lang="en-US"/>
           </a:p>
@@ -1104,7 +1133,7 @@
           <a:p>
             <a:fld id="{8E18073A-F511-46A2-A2F5-3206505032B3}" type="datetimeFigureOut">
               <a:rPr lang="en-US" smtClean="0"/>
-              <a:t>6/5/2020</a:t>
+              <a:t>7/6/2020</a:t>
             </a:fld>
             <a:endParaRPr lang="en-US"/>
           </a:p>
@@ -1312,7 +1341,7 @@
           <a:p>
             <a:fld id="{8E18073A-F511-46A2-A2F5-3206505032B3}" type="datetimeFigureOut">
               <a:rPr lang="en-US" smtClean="0"/>
-              <a:t>6/5/2020</a:t>
+              <a:t>7/6/2020</a:t>
             </a:fld>
             <a:endParaRPr lang="en-US"/>
           </a:p>
@@ -1510,7 +1539,7 @@
           <a:p>
             <a:fld id="{8E18073A-F511-46A2-A2F5-3206505032B3}" type="datetimeFigureOut">
               <a:rPr lang="en-US" smtClean="0"/>
-              <a:t>6/5/2020</a:t>
+              <a:t>7/6/2020</a:t>
             </a:fld>
             <a:endParaRPr lang="en-US"/>
           </a:p>
@@ -1785,7 +1814,7 @@
           <a:p>
             <a:fld id="{8E18073A-F511-46A2-A2F5-3206505032B3}" type="datetimeFigureOut">
               <a:rPr lang="en-US" smtClean="0"/>
-              <a:t>6/5/2020</a:t>
+              <a:t>7/6/2020</a:t>
             </a:fld>
             <a:endParaRPr lang="en-US"/>
           </a:p>
@@ -2050,7 +2079,7 @@
           <a:p>
             <a:fld id="{8E18073A-F511-46A2-A2F5-3206505032B3}" type="datetimeFigureOut">
               <a:rPr lang="en-US" smtClean="0"/>
-              <a:t>6/5/2020</a:t>
+              <a:t>7/6/2020</a:t>
             </a:fld>
             <a:endParaRPr lang="en-US"/>
           </a:p>
@@ -2462,7 +2491,7 @@
           <a:p>
             <a:fld id="{8E18073A-F511-46A2-A2F5-3206505032B3}" type="datetimeFigureOut">
               <a:rPr lang="en-US" smtClean="0"/>
-              <a:t>6/5/2020</a:t>
+              <a:t>7/6/2020</a:t>
             </a:fld>
             <a:endParaRPr lang="en-US"/>
           </a:p>
@@ -2603,7 +2632,7 @@
           <a:p>
             <a:fld id="{8E18073A-F511-46A2-A2F5-3206505032B3}" type="datetimeFigureOut">
               <a:rPr lang="en-US" smtClean="0"/>
-              <a:t>6/5/2020</a:t>
+              <a:t>7/6/2020</a:t>
             </a:fld>
             <a:endParaRPr lang="en-US"/>
           </a:p>
@@ -2716,7 +2745,7 @@
           <a:p>
             <a:fld id="{8E18073A-F511-46A2-A2F5-3206505032B3}" type="datetimeFigureOut">
               <a:rPr lang="en-US" smtClean="0"/>
-              <a:t>6/5/2020</a:t>
+              <a:t>7/6/2020</a:t>
             </a:fld>
             <a:endParaRPr lang="en-US"/>
           </a:p>
@@ -3027,7 +3056,7 @@
           <a:p>
             <a:fld id="{8E18073A-F511-46A2-A2F5-3206505032B3}" type="datetimeFigureOut">
               <a:rPr lang="en-US" smtClean="0"/>
-              <a:t>6/5/2020</a:t>
+              <a:t>7/6/2020</a:t>
             </a:fld>
             <a:endParaRPr lang="en-US"/>
           </a:p>
@@ -3315,7 +3344,7 @@
           <a:p>
             <a:fld id="{8E18073A-F511-46A2-A2F5-3206505032B3}" type="datetimeFigureOut">
               <a:rPr lang="en-US" smtClean="0"/>
-              <a:t>6/5/2020</a:t>
+              <a:t>7/6/2020</a:t>
             </a:fld>
             <a:endParaRPr lang="en-US"/>
           </a:p>
@@ -3556,7 +3585,7 @@
           <a:p>
             <a:fld id="{8E18073A-F511-46A2-A2F5-3206505032B3}" type="datetimeFigureOut">
               <a:rPr lang="en-US" smtClean="0"/>
-              <a:t>6/5/2020</a:t>
+              <a:t>7/6/2020</a:t>
             </a:fld>
             <a:endParaRPr lang="en-US"/>
           </a:p>
@@ -5790,6 +5819,33 @@
               <a:t>(O365 ATP)</a:t>
             </a:r>
           </a:p>
+          <a:p>
+            <a:pPr algn="ctr"/>
+            <a:r>
+              <a:rPr lang="en-US" sz="1100" b="1" i="1" dirty="0">
+                <a:solidFill>
+                  <a:schemeClr val="tx1"/>
+                </a:solidFill>
+              </a:rPr>
+              <a:t>*</a:t>
+            </a:r>
+            <a:r>
+              <a:rPr lang="en-US" sz="1100" b="1" i="1" dirty="0" err="1">
+                <a:solidFill>
+                  <a:schemeClr val="tx1"/>
+                </a:solidFill>
+              </a:rPr>
+              <a:t>Priv</a:t>
+            </a:r>
+            <a:r>
+              <a:rPr lang="en-US" sz="1100" b="1" i="1" dirty="0">
+                <a:solidFill>
+                  <a:schemeClr val="tx1"/>
+                </a:solidFill>
+              </a:rPr>
+              <a:t> Preview</a:t>
+            </a:r>
+          </a:p>
         </p:txBody>
       </p:sp>
       <p:sp>
@@ -6372,8 +6428,8 @@
           </p:pic>
         </mc:Fallback>
       </mc:AlternateContent>
-      <mc:AlternateContent xmlns:mc="http://schemas.openxmlformats.org/markup-compatibility/2006">
-        <mc:Choice xmlns:p14="http://schemas.microsoft.com/office/powerpoint/2010/main" Requires="p14">
+      <mc:AlternateContent xmlns:mc="http://schemas.openxmlformats.org/markup-compatibility/2006" xmlns:p14="http://schemas.microsoft.com/office/powerpoint/2010/main">
+        <mc:Choice Requires="p14">
           <p:contentPart p14:bwMode="auto" r:id="rId5">
             <p14:nvContentPartPr>
               <p14:cNvPr id="22" name="Ink 21">
@@ -6392,7 +6448,7 @@
             </p14:xfrm>
           </p:contentPart>
         </mc:Choice>
-        <mc:Fallback>
+        <mc:Fallback xmlns="">
           <p:pic>
             <p:nvPicPr>
               <p:cNvPr id="22" name="Ink 21">
@@ -6423,8 +6479,8 @@
           </p:pic>
         </mc:Fallback>
       </mc:AlternateContent>
-      <mc:AlternateContent xmlns:mc="http://schemas.openxmlformats.org/markup-compatibility/2006">
-        <mc:Choice xmlns:p14="http://schemas.microsoft.com/office/powerpoint/2010/main" Requires="p14">
+      <mc:AlternateContent xmlns:mc="http://schemas.openxmlformats.org/markup-compatibility/2006" xmlns:p14="http://schemas.microsoft.com/office/powerpoint/2010/main">
+        <mc:Choice Requires="p14">
           <p:contentPart p14:bwMode="auto" r:id="rId7">
             <p14:nvContentPartPr>
               <p14:cNvPr id="28" name="Ink 27">
@@ -6443,7 +6499,7 @@
             </p14:xfrm>
           </p:contentPart>
         </mc:Choice>
-        <mc:Fallback>
+        <mc:Fallback xmlns="">
           <p:pic>
             <p:nvPicPr>
               <p:cNvPr id="28" name="Ink 27">
@@ -6474,8 +6530,8 @@
           </p:pic>
         </mc:Fallback>
       </mc:AlternateContent>
-      <mc:AlternateContent xmlns:mc="http://schemas.openxmlformats.org/markup-compatibility/2006">
-        <mc:Choice xmlns:p14="http://schemas.microsoft.com/office/powerpoint/2010/main" Requires="p14">
+      <mc:AlternateContent xmlns:mc="http://schemas.openxmlformats.org/markup-compatibility/2006" xmlns:p14="http://schemas.microsoft.com/office/powerpoint/2010/main">
+        <mc:Choice Requires="p14">
           <p:contentPart p14:bwMode="auto" r:id="rId9">
             <p14:nvContentPartPr>
               <p14:cNvPr id="42" name="Ink 41">
@@ -6494,7 +6550,7 @@
             </p14:xfrm>
           </p:contentPart>
         </mc:Choice>
-        <mc:Fallback>
+        <mc:Fallback xmlns="">
           <p:pic>
             <p:nvPicPr>
               <p:cNvPr id="42" name="Ink 41">
@@ -7495,8 +7551,8 @@
           </a:p>
         </p:txBody>
       </p:sp>
-      <mc:AlternateContent xmlns:mc="http://schemas.openxmlformats.org/markup-compatibility/2006">
-        <mc:Choice xmlns:p14="http://schemas.microsoft.com/office/powerpoint/2010/main" Requires="p14">
+      <mc:AlternateContent xmlns:mc="http://schemas.openxmlformats.org/markup-compatibility/2006" xmlns:p14="http://schemas.microsoft.com/office/powerpoint/2010/main">
+        <mc:Choice Requires="p14">
           <p:contentPart p14:bwMode="auto" r:id="rId27">
             <p14:nvContentPartPr>
               <p14:cNvPr id="50" name="Ink 49">
@@ -7515,7 +7571,7 @@
             </p14:xfrm>
           </p:contentPart>
         </mc:Choice>
-        <mc:Fallback>
+        <mc:Fallback xmlns="">
           <p:pic>
             <p:nvPicPr>
               <p:cNvPr id="50" name="Ink 49">
@@ -7546,8 +7602,8 @@
           </p:pic>
         </mc:Fallback>
       </mc:AlternateContent>
-      <mc:AlternateContent xmlns:mc="http://schemas.openxmlformats.org/markup-compatibility/2006">
-        <mc:Choice xmlns:p14="http://schemas.microsoft.com/office/powerpoint/2010/main" Requires="p14">
+      <mc:AlternateContent xmlns:mc="http://schemas.openxmlformats.org/markup-compatibility/2006" xmlns:p14="http://schemas.microsoft.com/office/powerpoint/2010/main">
+        <mc:Choice Requires="p14">
           <p:contentPart p14:bwMode="auto" r:id="rId29">
             <p14:nvContentPartPr>
               <p14:cNvPr id="56" name="Ink 55">
@@ -7566,7 +7622,7 @@
             </p14:xfrm>
           </p:contentPart>
         </mc:Choice>
-        <mc:Fallback>
+        <mc:Fallback xmlns="">
           <p:pic>
             <p:nvPicPr>
               <p:cNvPr id="56" name="Ink 55">
@@ -7597,8 +7653,8 @@
           </p:pic>
         </mc:Fallback>
       </mc:AlternateContent>
-      <mc:AlternateContent xmlns:mc="http://schemas.openxmlformats.org/markup-compatibility/2006">
-        <mc:Choice xmlns:p14="http://schemas.microsoft.com/office/powerpoint/2010/main" Requires="p14">
+      <mc:AlternateContent xmlns:mc="http://schemas.openxmlformats.org/markup-compatibility/2006" xmlns:p14="http://schemas.microsoft.com/office/powerpoint/2010/main">
+        <mc:Choice Requires="p14">
           <p:contentPart p14:bwMode="auto" r:id="rId31">
             <p14:nvContentPartPr>
               <p14:cNvPr id="57" name="Ink 56">
@@ -7617,7 +7673,7 @@
             </p14:xfrm>
           </p:contentPart>
         </mc:Choice>
-        <mc:Fallback>
+        <mc:Fallback xmlns="">
           <p:pic>
             <p:nvPicPr>
               <p:cNvPr id="57" name="Ink 56">
@@ -7731,8 +7787,8 @@
           </a:p>
         </p:txBody>
       </p:sp>
-      <mc:AlternateContent xmlns:mc="http://schemas.openxmlformats.org/markup-compatibility/2006">
-        <mc:Choice xmlns:p14="http://schemas.microsoft.com/office/powerpoint/2010/main" Requires="p14">
+      <mc:AlternateContent xmlns:mc="http://schemas.openxmlformats.org/markup-compatibility/2006" xmlns:p14="http://schemas.microsoft.com/office/powerpoint/2010/main">
+        <mc:Choice Requires="p14">
           <p:contentPart p14:bwMode="auto" r:id="rId33">
             <p14:nvContentPartPr>
               <p14:cNvPr id="75" name="Ink 74">
@@ -7751,7 +7807,7 @@
             </p14:xfrm>
           </p:contentPart>
         </mc:Choice>
-        <mc:Fallback>
+        <mc:Fallback xmlns="">
           <p:pic>
             <p:nvPicPr>
               <p:cNvPr id="75" name="Ink 74">
@@ -7782,8 +7838,8 @@
           </p:pic>
         </mc:Fallback>
       </mc:AlternateContent>
-      <mc:AlternateContent xmlns:mc="http://schemas.openxmlformats.org/markup-compatibility/2006">
-        <mc:Choice xmlns:p14="http://schemas.microsoft.com/office/powerpoint/2010/main" Requires="p14">
+      <mc:AlternateContent xmlns:mc="http://schemas.openxmlformats.org/markup-compatibility/2006" xmlns:p14="http://schemas.microsoft.com/office/powerpoint/2010/main">
+        <mc:Choice Requires="p14">
           <p:contentPart p14:bwMode="auto" r:id="rId35">
             <p14:nvContentPartPr>
               <p14:cNvPr id="77" name="Ink 76">
@@ -7802,7 +7858,7 @@
             </p14:xfrm>
           </p:contentPart>
         </mc:Choice>
-        <mc:Fallback>
+        <mc:Fallback xmlns="">
           <p:pic>
             <p:nvPicPr>
               <p:cNvPr id="77" name="Ink 76">
@@ -7833,8 +7889,8 @@
           </p:pic>
         </mc:Fallback>
       </mc:AlternateContent>
-      <mc:AlternateContent xmlns:mc="http://schemas.openxmlformats.org/markup-compatibility/2006">
-        <mc:Choice xmlns:p14="http://schemas.microsoft.com/office/powerpoint/2010/main" Requires="p14">
+      <mc:AlternateContent xmlns:mc="http://schemas.openxmlformats.org/markup-compatibility/2006" xmlns:p14="http://schemas.microsoft.com/office/powerpoint/2010/main">
+        <mc:Choice Requires="p14">
           <p:contentPart p14:bwMode="auto" r:id="rId36">
             <p14:nvContentPartPr>
               <p14:cNvPr id="79" name="Ink 78">
@@ -7853,7 +7909,7 @@
             </p14:xfrm>
           </p:contentPart>
         </mc:Choice>
-        <mc:Fallback>
+        <mc:Fallback xmlns="">
           <p:pic>
             <p:nvPicPr>
               <p:cNvPr id="79" name="Ink 78">
@@ -7884,8 +7940,8 @@
           </p:pic>
         </mc:Fallback>
       </mc:AlternateContent>
-      <mc:AlternateContent xmlns:mc="http://schemas.openxmlformats.org/markup-compatibility/2006">
-        <mc:Choice xmlns:p14="http://schemas.microsoft.com/office/powerpoint/2010/main" Requires="p14">
+      <mc:AlternateContent xmlns:mc="http://schemas.openxmlformats.org/markup-compatibility/2006" xmlns:p14="http://schemas.microsoft.com/office/powerpoint/2010/main">
+        <mc:Choice Requires="p14">
           <p:contentPart p14:bwMode="auto" r:id="rId38">
             <p14:nvContentPartPr>
               <p14:cNvPr id="80" name="Ink 79">
@@ -7904,7 +7960,7 @@
             </p14:xfrm>
           </p:contentPart>
         </mc:Choice>
-        <mc:Fallback>
+        <mc:Fallback xmlns="">
           <p:pic>
             <p:nvPicPr>
               <p:cNvPr id="80" name="Ink 79">
@@ -7935,8 +7991,8 @@
           </p:pic>
         </mc:Fallback>
       </mc:AlternateContent>
-      <mc:AlternateContent xmlns:mc="http://schemas.openxmlformats.org/markup-compatibility/2006">
-        <mc:Choice xmlns:p14="http://schemas.microsoft.com/office/powerpoint/2010/main" Requires="p14">
+      <mc:AlternateContent xmlns:mc="http://schemas.openxmlformats.org/markup-compatibility/2006" xmlns:p14="http://schemas.microsoft.com/office/powerpoint/2010/main">
+        <mc:Choice Requires="p14">
           <p:contentPart p14:bwMode="auto" r:id="rId39">
             <p14:nvContentPartPr>
               <p14:cNvPr id="81" name="Ink 80">
@@ -7955,7 +8011,7 @@
             </p14:xfrm>
           </p:contentPart>
         </mc:Choice>
-        <mc:Fallback>
+        <mc:Fallback xmlns="">
           <p:pic>
             <p:nvPicPr>
               <p:cNvPr id="81" name="Ink 80">
@@ -7986,8 +8042,8 @@
           </p:pic>
         </mc:Fallback>
       </mc:AlternateContent>
-      <mc:AlternateContent xmlns:mc="http://schemas.openxmlformats.org/markup-compatibility/2006">
-        <mc:Choice xmlns:p14="http://schemas.microsoft.com/office/powerpoint/2010/main" Requires="p14">
+      <mc:AlternateContent xmlns:mc="http://schemas.openxmlformats.org/markup-compatibility/2006" xmlns:p14="http://schemas.microsoft.com/office/powerpoint/2010/main">
+        <mc:Choice Requires="p14">
           <p:contentPart p14:bwMode="auto" r:id="rId40">
             <p14:nvContentPartPr>
               <p14:cNvPr id="82" name="Ink 81">
@@ -8006,7 +8062,7 @@
             </p14:xfrm>
           </p:contentPart>
         </mc:Choice>
-        <mc:Fallback>
+        <mc:Fallback xmlns="">
           <p:pic>
             <p:nvPicPr>
               <p:cNvPr id="82" name="Ink 81">
@@ -8037,8 +8093,8 @@
           </p:pic>
         </mc:Fallback>
       </mc:AlternateContent>
-      <mc:AlternateContent xmlns:mc="http://schemas.openxmlformats.org/markup-compatibility/2006">
-        <mc:Choice xmlns:p14="http://schemas.microsoft.com/office/powerpoint/2010/main" Requires="p14">
+      <mc:AlternateContent xmlns:mc="http://schemas.openxmlformats.org/markup-compatibility/2006" xmlns:p14="http://schemas.microsoft.com/office/powerpoint/2010/main">
+        <mc:Choice Requires="p14">
           <p:contentPart p14:bwMode="auto" r:id="rId41">
             <p14:nvContentPartPr>
               <p14:cNvPr id="59" name="Ink 58">
@@ -8057,7 +8113,7 @@
             </p14:xfrm>
           </p:contentPart>
         </mc:Choice>
-        <mc:Fallback>
+        <mc:Fallback xmlns="">
           <p:pic>
             <p:nvPicPr>
               <p:cNvPr id="59" name="Ink 58">
@@ -8171,8 +8227,8 @@
           </a:p>
         </p:txBody>
       </p:sp>
-      <mc:AlternateContent xmlns:mc="http://schemas.openxmlformats.org/markup-compatibility/2006">
-        <mc:Choice xmlns:p14="http://schemas.microsoft.com/office/powerpoint/2010/main" Requires="p14">
+      <mc:AlternateContent xmlns:mc="http://schemas.openxmlformats.org/markup-compatibility/2006" xmlns:p14="http://schemas.microsoft.com/office/powerpoint/2010/main">
+        <mc:Choice Requires="p14">
           <p:contentPart p14:bwMode="auto" r:id="rId43">
             <p14:nvContentPartPr>
               <p14:cNvPr id="64" name="Ink 63">
@@ -8191,7 +8247,7 @@
             </p14:xfrm>
           </p:contentPart>
         </mc:Choice>
-        <mc:Fallback>
+        <mc:Fallback xmlns="">
           <p:pic>
             <p:nvPicPr>
               <p:cNvPr id="64" name="Ink 63">
@@ -8222,8 +8278,8 @@
           </p:pic>
         </mc:Fallback>
       </mc:AlternateContent>
-      <mc:AlternateContent xmlns:mc="http://schemas.openxmlformats.org/markup-compatibility/2006">
-        <mc:Choice xmlns:p14="http://schemas.microsoft.com/office/powerpoint/2010/main" Requires="p14">
+      <mc:AlternateContent xmlns:mc="http://schemas.openxmlformats.org/markup-compatibility/2006" xmlns:p14="http://schemas.microsoft.com/office/powerpoint/2010/main">
+        <mc:Choice Requires="p14">
           <p:contentPart p14:bwMode="auto" r:id="rId45">
             <p14:nvContentPartPr>
               <p14:cNvPr id="65" name="Ink 64">
@@ -8242,7 +8298,7 @@
             </p14:xfrm>
           </p:contentPart>
         </mc:Choice>
-        <mc:Fallback>
+        <mc:Fallback xmlns="">
           <p:pic>
             <p:nvPicPr>
               <p:cNvPr id="65" name="Ink 64">
@@ -8273,8 +8329,8 @@
           </p:pic>
         </mc:Fallback>
       </mc:AlternateContent>
-      <mc:AlternateContent xmlns:mc="http://schemas.openxmlformats.org/markup-compatibility/2006">
-        <mc:Choice xmlns:p14="http://schemas.microsoft.com/office/powerpoint/2010/main" Requires="p14">
+      <mc:AlternateContent xmlns:mc="http://schemas.openxmlformats.org/markup-compatibility/2006" xmlns:p14="http://schemas.microsoft.com/office/powerpoint/2010/main">
+        <mc:Choice Requires="p14">
           <p:contentPart p14:bwMode="auto" r:id="rId47">
             <p14:nvContentPartPr>
               <p14:cNvPr id="67" name="Ink 66">
@@ -8293,7 +8349,7 @@
             </p14:xfrm>
           </p:contentPart>
         </mc:Choice>
-        <mc:Fallback>
+        <mc:Fallback xmlns="">
           <p:pic>
             <p:nvPicPr>
               <p:cNvPr id="67" name="Ink 66">
@@ -8570,6 +8626,57 @@
           </a:p>
         </p:txBody>
       </p:sp>
+      <mc:AlternateContent xmlns:mc="http://schemas.openxmlformats.org/markup-compatibility/2006">
+        <mc:Choice xmlns:p14="http://schemas.microsoft.com/office/powerpoint/2010/main" Requires="p14">
+          <p:contentPart p14:bwMode="auto" r:id="rId49">
+            <p14:nvContentPartPr>
+              <p14:cNvPr id="17" name="Ink 16">
+                <a:extLst>
+                  <a:ext uri="{FF2B5EF4-FFF2-40B4-BE49-F238E27FC236}">
+                    <a16:creationId xmlns:a16="http://schemas.microsoft.com/office/drawing/2014/main" id="{E92254E7-887F-4579-85D2-11B5AD46BF55}"/>
+                  </a:ext>
+                </a:extLst>
+              </p14:cNvPr>
+              <p14:cNvContentPartPr/>
+              <p14:nvPr/>
+            </p14:nvContentPartPr>
+            <p14:xfrm>
+              <a:off x="3024717" y="4554161"/>
+              <a:ext cx="889920" cy="362520"/>
+            </p14:xfrm>
+          </p:contentPart>
+        </mc:Choice>
+        <mc:Fallback>
+          <p:pic>
+            <p:nvPicPr>
+              <p:cNvPr id="17" name="Ink 16">
+                <a:extLst>
+                  <a:ext uri="{FF2B5EF4-FFF2-40B4-BE49-F238E27FC236}">
+                    <a16:creationId xmlns:a16="http://schemas.microsoft.com/office/drawing/2014/main" id="{E92254E7-887F-4579-85D2-11B5AD46BF55}"/>
+                  </a:ext>
+                </a:extLst>
+              </p:cNvPr>
+              <p:cNvPicPr/>
+              <p:nvPr/>
+            </p:nvPicPr>
+            <p:blipFill>
+              <a:blip r:embed="rId50"/>
+              <a:stretch>
+                <a:fillRect/>
+              </a:stretch>
+            </p:blipFill>
+            <p:spPr>
+              <a:xfrm>
+                <a:off x="2971077" y="4446161"/>
+                <a:ext cx="997560" cy="578160"/>
+              </a:xfrm>
+              <a:prstGeom prst="rect">
+                <a:avLst/>
+              </a:prstGeom>
+            </p:spPr>
+          </p:pic>
+        </mc:Fallback>
+      </mc:AlternateContent>
     </p:spTree>
     <p:extLst>
       <p:ext uri="{BB962C8B-B14F-4D97-AF65-F5344CB8AC3E}">
@@ -8879,15 +8986,6 @@
 </file>
 
 <file path=customXml/item1.xml><?xml version="1.0" encoding="utf-8"?>
-<p:properties xmlns:p="http://schemas.microsoft.com/office/2006/metadata/properties" xmlns:xsi="http://www.w3.org/2001/XMLSchema-instance" xmlns:pc="http://schemas.microsoft.com/office/infopath/2007/PartnerControls">
-  <documentManagement>
-    <_ip_UnifiedCompliancePolicyUIAction xmlns="http://schemas.microsoft.com/sharepoint/v3" xsi:nil="true"/>
-    <_ip_UnifiedCompliancePolicyProperties xmlns="http://schemas.microsoft.com/sharepoint/v3" xsi:nil="true"/>
-  </documentManagement>
-</p:properties>
-</file>
-
-<file path=customXml/item2.xml><?xml version="1.0" encoding="utf-8"?>
 <?mso-contentType ?>
 <FormTemplates xmlns="http://schemas.microsoft.com/sharepoint/v3/contenttype/forms">
   <Display>DocumentLibraryForm</Display>
@@ -8896,7 +8994,7 @@
 </FormTemplates>
 </file>
 
-<file path=customXml/item3.xml><?xml version="1.0" encoding="utf-8"?>
+<file path=customXml/item2.xml><?xml version="1.0" encoding="utf-8"?>
 <ct:contentTypeSchema xmlns:ct="http://schemas.microsoft.com/office/2006/metadata/contentType" xmlns:ma="http://schemas.microsoft.com/office/2006/metadata/properties/metaAttributes" ct:_="" ma:_="" ma:contentTypeName="Document" ma:contentTypeID="0x0101002DF6899468086341B63EEBAF8D6470C9" ma:contentTypeVersion="17" ma:contentTypeDescription="Create a new document." ma:contentTypeScope="" ma:versionID="0b4800ffb73ef30d85678127449dc1d7">
   <xsd:schema xmlns:xsd="http://www.w3.org/2001/XMLSchema" xmlns:xs="http://www.w3.org/2001/XMLSchema" xmlns:p="http://schemas.microsoft.com/office/2006/metadata/properties" xmlns:ns1="http://schemas.microsoft.com/sharepoint/v3" xmlns:ns3="40fc1527-342e-4db1-aae8-1b9926eec29d" xmlns:ns4="dae3f8b2-4587-4545-94b8-d8853f576157" targetNamespace="http://schemas.microsoft.com/office/2006/metadata/properties" ma:root="true" ma:fieldsID="2e29e10118874781b2dea35c2e9a6ae3" ns1:_="" ns3:_="" ns4:_="">
     <xsd:import namespace="http://schemas.microsoft.com/sharepoint/v3"/>
@@ -9150,25 +9248,16 @@
 </ct:contentTypeSchema>
 </file>
 
-<file path=customXml/itemProps1.xml><?xml version="1.0" encoding="utf-8"?>
-<ds:datastoreItem xmlns:ds="http://schemas.openxmlformats.org/officeDocument/2006/customXml" ds:itemID="{A9DA2F30-E5DA-4923-87DC-53FC1D4515BB}">
-  <ds:schemaRefs>
-    <ds:schemaRef ds:uri="http://purl.org/dc/elements/1.1/"/>
-    <ds:schemaRef ds:uri="http://schemas.microsoft.com/office/2006/documentManagement/types"/>
-    <ds:schemaRef ds:uri="http://purl.org/dc/dcmitype/"/>
-    <ds:schemaRef ds:uri="40fc1527-342e-4db1-aae8-1b9926eec29d"/>
-    <ds:schemaRef ds:uri="dae3f8b2-4587-4545-94b8-d8853f576157"/>
-    <ds:schemaRef ds:uri="http://schemas.microsoft.com/office/2006/metadata/properties"/>
-    <ds:schemaRef ds:uri="http://schemas.microsoft.com/office/infopath/2007/PartnerControls"/>
-    <ds:schemaRef ds:uri="http://www.w3.org/XML/1998/namespace"/>
-    <ds:schemaRef ds:uri="http://schemas.openxmlformats.org/package/2006/metadata/core-properties"/>
-    <ds:schemaRef ds:uri="http://schemas.microsoft.com/sharepoint/v3"/>
-    <ds:schemaRef ds:uri="http://purl.org/dc/terms/"/>
-  </ds:schemaRefs>
-</ds:datastoreItem>
+<file path=customXml/item3.xml><?xml version="1.0" encoding="utf-8"?>
+<p:properties xmlns:p="http://schemas.microsoft.com/office/2006/metadata/properties" xmlns:xsi="http://www.w3.org/2001/XMLSchema-instance" xmlns:pc="http://schemas.microsoft.com/office/infopath/2007/PartnerControls">
+  <documentManagement>
+    <_ip_UnifiedCompliancePolicyUIAction xmlns="http://schemas.microsoft.com/sharepoint/v3" xsi:nil="true"/>
+    <_ip_UnifiedCompliancePolicyProperties xmlns="http://schemas.microsoft.com/sharepoint/v3" xsi:nil="true"/>
+  </documentManagement>
+</p:properties>
 </file>
 
-<file path=customXml/itemProps2.xml><?xml version="1.0" encoding="utf-8"?>
+<file path=customXml/itemProps1.xml><?xml version="1.0" encoding="utf-8"?>
 <ds:datastoreItem xmlns:ds="http://schemas.openxmlformats.org/officeDocument/2006/customXml" ds:itemID="{A1EAD24D-4EF8-400A-9468-E58E8CF9D895}">
   <ds:schemaRefs>
     <ds:schemaRef ds:uri="http://schemas.microsoft.com/sharepoint/v3/contenttype/forms"/>
@@ -9176,7 +9265,7 @@
 </ds:datastoreItem>
 </file>
 
-<file path=customXml/itemProps3.xml><?xml version="1.0" encoding="utf-8"?>
+<file path=customXml/itemProps2.xml><?xml version="1.0" encoding="utf-8"?>
 <ds:datastoreItem xmlns:ds="http://schemas.openxmlformats.org/officeDocument/2006/customXml" ds:itemID="{76C5C54B-5A73-4DBE-8E20-042434011441}">
   <ds:schemaRefs>
     <ds:schemaRef ds:uri="http://schemas.microsoft.com/office/2006/metadata/contentType"/>
@@ -9194,4 +9283,22 @@
     <ds:schemaRef ds:uri="http://schemas.microsoft.com/internal/obd"/>
   </ds:schemaRefs>
 </ds:datastoreItem>
+</file>
+
+<file path=customXml/itemProps3.xml><?xml version="1.0" encoding="utf-8"?>
+<ds:datastoreItem xmlns:ds="http://schemas.openxmlformats.org/officeDocument/2006/customXml" ds:itemID="{A9DA2F30-E5DA-4923-87DC-53FC1D4515BB}">
+  <ds:schemaRefs>
+    <ds:schemaRef ds:uri="http://purl.org/dc/elements/1.1/"/>
+    <ds:schemaRef ds:uri="http://schemas.microsoft.com/office/2006/documentManagement/types"/>
+    <ds:schemaRef ds:uri="http://purl.org/dc/dcmitype/"/>
+    <ds:schemaRef ds:uri="40fc1527-342e-4db1-aae8-1b9926eec29d"/>
+    <ds:schemaRef ds:uri="dae3f8b2-4587-4545-94b8-d8853f576157"/>
+    <ds:schemaRef ds:uri="http://schemas.microsoft.com/office/2006/metadata/properties"/>
+    <ds:schemaRef ds:uri="http://schemas.microsoft.com/office/infopath/2007/PartnerControls"/>
+    <ds:schemaRef ds:uri="http://www.w3.org/XML/1998/namespace"/>
+    <ds:schemaRef ds:uri="http://schemas.openxmlformats.org/package/2006/metadata/core-properties"/>
+    <ds:schemaRef ds:uri="http://schemas.microsoft.com/sharepoint/v3"/>
+    <ds:schemaRef ds:uri="http://purl.org/dc/terms/"/>
+  </ds:schemaRefs>
+</ds:datastoreItem>
 </file>